--- a/Developing and Deploying Solutions with the Fabric REST API.pptx
+++ b/Developing and Deploying Solutions with the Fabric REST API.pptx
@@ -6,28 +6,30 @@
   </p:sldMasterIdLst>
   <p:sldIdLst>
     <p:sldId id="258" r:id="rId2"/>
-    <p:sldId id="269" r:id="rId3"/>
-    <p:sldId id="268" r:id="rId4"/>
-    <p:sldId id="278" r:id="rId5"/>
-    <p:sldId id="279" r:id="rId6"/>
-    <p:sldId id="259" r:id="rId7"/>
-    <p:sldId id="260" r:id="rId8"/>
-    <p:sldId id="262" r:id="rId9"/>
-    <p:sldId id="276" r:id="rId10"/>
-    <p:sldId id="257" r:id="rId11"/>
-    <p:sldId id="263" r:id="rId12"/>
-    <p:sldId id="261" r:id="rId13"/>
-    <p:sldId id="277" r:id="rId14"/>
-    <p:sldId id="275" r:id="rId15"/>
-    <p:sldId id="264" r:id="rId16"/>
-    <p:sldId id="265" r:id="rId17"/>
-    <p:sldId id="266" r:id="rId18"/>
-    <p:sldId id="267" r:id="rId19"/>
-    <p:sldId id="270" r:id="rId20"/>
-    <p:sldId id="271" r:id="rId21"/>
-    <p:sldId id="272" r:id="rId22"/>
-    <p:sldId id="273" r:id="rId23"/>
-    <p:sldId id="274" r:id="rId24"/>
+    <p:sldId id="281" r:id="rId3"/>
+    <p:sldId id="269" r:id="rId4"/>
+    <p:sldId id="268" r:id="rId5"/>
+    <p:sldId id="278" r:id="rId6"/>
+    <p:sldId id="279" r:id="rId7"/>
+    <p:sldId id="259" r:id="rId8"/>
+    <p:sldId id="260" r:id="rId9"/>
+    <p:sldId id="262" r:id="rId10"/>
+    <p:sldId id="276" r:id="rId11"/>
+    <p:sldId id="257" r:id="rId12"/>
+    <p:sldId id="263" r:id="rId13"/>
+    <p:sldId id="261" r:id="rId14"/>
+    <p:sldId id="277" r:id="rId15"/>
+    <p:sldId id="275" r:id="rId16"/>
+    <p:sldId id="264" r:id="rId17"/>
+    <p:sldId id="265" r:id="rId18"/>
+    <p:sldId id="266" r:id="rId19"/>
+    <p:sldId id="267" r:id="rId20"/>
+    <p:sldId id="280" r:id="rId21"/>
+    <p:sldId id="270" r:id="rId22"/>
+    <p:sldId id="271" r:id="rId23"/>
+    <p:sldId id="272" r:id="rId24"/>
+    <p:sldId id="273" r:id="rId25"/>
+    <p:sldId id="274" r:id="rId26"/>
   </p:sldIdLst>
   <p:sldSz cx="12192000" cy="6858000"/>
   <p:notesSz cx="6858000" cy="9144000"/>
@@ -1523,7 +1525,7 @@
           <a:p>
             <a:fld id="{E0D9FF92-122F-4BD4-B926-248B1E5E6DEF}" type="datetimeFigureOut">
               <a:rPr lang="en-US" smtClean="0"/>
-              <a:t>10/27/2024</a:t>
+              <a:t>11/3/2024</a:t>
             </a:fld>
             <a:endParaRPr lang="en-US"/>
           </a:p>
@@ -2314,6 +2316,36 @@
           </a:ln>
         </p:spPr>
       </p:pic>
+      <p:pic>
+        <p:nvPicPr>
+          <p:cNvPr id="6" name="Picture 5">
+            <a:extLst>
+              <a:ext uri="{FF2B5EF4-FFF2-40B4-BE49-F238E27FC236}">
+                <a16:creationId xmlns:a16="http://schemas.microsoft.com/office/drawing/2014/main" id="{ADAFC809-B21F-9720-3D71-65740C6E5AD0}"/>
+              </a:ext>
+            </a:extLst>
+          </p:cNvPr>
+          <p:cNvPicPr>
+            <a:picLocks noChangeAspect="1"/>
+          </p:cNvPicPr>
+          <p:nvPr/>
+        </p:nvPicPr>
+        <p:blipFill>
+          <a:blip r:embed="rId3"/>
+          <a:stretch>
+            <a:fillRect/>
+          </a:stretch>
+        </p:blipFill>
+        <p:spPr>
+          <a:xfrm>
+            <a:off x="4232748" y="3139415"/>
+            <a:ext cx="3726503" cy="579170"/>
+          </a:xfrm>
+          <a:prstGeom prst="rect">
+            <a:avLst/>
+          </a:prstGeom>
+        </p:spPr>
+      </p:pic>
     </p:spTree>
     <p:extLst>
       <p:ext uri="{BB962C8B-B14F-4D97-AF65-F5344CB8AC3E}">
@@ -2328,6 +2360,1215 @@
 </file>
 
 <file path=ppt/slides/slide10.xml><?xml version="1.0" encoding="utf-8"?>
+<p:sld xmlns:a="http://schemas.openxmlformats.org/drawingml/2006/main" xmlns:r="http://schemas.openxmlformats.org/officeDocument/2006/relationships" xmlns:p="http://schemas.openxmlformats.org/presentationml/2006/main">
+  <p:cSld>
+    <p:spTree>
+      <p:nvGrpSpPr>
+        <p:cNvPr id="1" name=""/>
+        <p:cNvGrpSpPr/>
+        <p:nvPr/>
+      </p:nvGrpSpPr>
+      <p:grpSpPr>
+        <a:xfrm>
+          <a:off x="0" y="0"/>
+          <a:ext cx="0" cy="0"/>
+          <a:chOff x="0" y="0"/>
+          <a:chExt cx="0" cy="0"/>
+        </a:xfrm>
+      </p:grpSpPr>
+      <p:sp>
+        <p:nvSpPr>
+          <p:cNvPr id="2" name="Title 1">
+            <a:extLst>
+              <a:ext uri="{FF2B5EF4-FFF2-40B4-BE49-F238E27FC236}">
+                <a16:creationId xmlns:a16="http://schemas.microsoft.com/office/drawing/2014/main" id="{6D17F9A1-6EAE-012D-1325-719965B5A039}"/>
+              </a:ext>
+            </a:extLst>
+          </p:cNvPr>
+          <p:cNvSpPr>
+            <a:spLocks noGrp="1"/>
+          </p:cNvSpPr>
+          <p:nvPr>
+            <p:ph type="title"/>
+          </p:nvPr>
+        </p:nvSpPr>
+        <p:spPr/>
+        <p:txBody>
+          <a:bodyPr/>
+          <a:lstStyle/>
+          <a:p>
+            <a:endParaRPr lang="en-US"/>
+          </a:p>
+        </p:txBody>
+      </p:sp>
+      <p:grpSp>
+        <p:nvGrpSpPr>
+          <p:cNvPr id="84" name="Group 83">
+            <a:extLst>
+              <a:ext uri="{FF2B5EF4-FFF2-40B4-BE49-F238E27FC236}">
+                <a16:creationId xmlns:a16="http://schemas.microsoft.com/office/drawing/2014/main" id="{E454475C-7728-D221-106D-B589CFB1B204}"/>
+              </a:ext>
+            </a:extLst>
+          </p:cNvPr>
+          <p:cNvGrpSpPr/>
+          <p:nvPr/>
+        </p:nvGrpSpPr>
+        <p:grpSpPr>
+          <a:xfrm>
+            <a:off x="207367" y="1055499"/>
+            <a:ext cx="11777266" cy="3161938"/>
+            <a:chOff x="89522" y="1048306"/>
+            <a:chExt cx="11873831" cy="5455283"/>
+          </a:xfrm>
+        </p:grpSpPr>
+        <p:sp>
+          <p:nvSpPr>
+            <p:cNvPr id="3" name="Rectangle: Rounded Corners 2">
+              <a:extLst>
+                <a:ext uri="{FF2B5EF4-FFF2-40B4-BE49-F238E27FC236}">
+                  <a16:creationId xmlns:a16="http://schemas.microsoft.com/office/drawing/2014/main" id="{EA28B88C-3F20-954E-B292-7F9FBCFDC078}"/>
+                </a:ext>
+              </a:extLst>
+            </p:cNvPr>
+            <p:cNvSpPr/>
+            <p:nvPr/>
+          </p:nvSpPr>
+          <p:spPr bwMode="auto">
+            <a:xfrm>
+              <a:off x="89522" y="3319583"/>
+              <a:ext cx="1370335" cy="905069"/>
+            </a:xfrm>
+            <a:prstGeom prst="roundRect">
+              <a:avLst/>
+            </a:prstGeom>
+            <a:solidFill>
+              <a:schemeClr val="accent4">
+                <a:lumMod val="20000"/>
+                <a:lumOff val="80000"/>
+              </a:schemeClr>
+            </a:solidFill>
+            <a:ln>
+              <a:solidFill>
+                <a:schemeClr val="tx1"/>
+              </a:solidFill>
+              <a:headEnd type="none" w="med" len="med"/>
+              <a:tailEnd type="none" w="med" len="med"/>
+            </a:ln>
+            <a:effectLst/>
+          </p:spPr>
+          <p:style>
+            <a:lnRef idx="1">
+              <a:schemeClr val="accent2"/>
+            </a:lnRef>
+            <a:fillRef idx="3">
+              <a:schemeClr val="accent2"/>
+            </a:fillRef>
+            <a:effectRef idx="2">
+              <a:schemeClr val="accent2"/>
+            </a:effectRef>
+            <a:fontRef idx="minor">
+              <a:schemeClr val="lt1"/>
+            </a:fontRef>
+          </p:style>
+          <p:txBody>
+            <a:bodyPr rot="0" spcFirstLastPara="0" vertOverflow="overflow" horzOverflow="overflow" vert="horz" wrap="square" lIns="0" tIns="146304" rIns="0" bIns="146304" numCol="1" spcCol="0" rtlCol="0" fromWordArt="0" anchor="ctr" anchorCtr="0" forceAA="0" compatLnSpc="1">
+              <a:prstTxWarp prst="textNoShape">
+                <a:avLst/>
+              </a:prstTxWarp>
+              <a:noAutofit/>
+            </a:bodyPr>
+            <a:lstStyle/>
+            <a:p>
+              <a:pPr algn="ctr" defTabSz="932472" fontAlgn="base">
+                <a:lnSpc>
+                  <a:spcPct val="90000"/>
+                </a:lnSpc>
+                <a:spcBef>
+                  <a:spcPct val="0"/>
+                </a:spcBef>
+                <a:spcAft>
+                  <a:spcPct val="0"/>
+                </a:spcAft>
+              </a:pPr>
+              <a:r>
+                <a:rPr lang="en-US" sz="1200" b="1" dirty="0">
+                  <a:solidFill>
+                    <a:schemeClr val="tx1"/>
+                  </a:solidFill>
+                  <a:latin typeface="Lucida Console" panose="020B0609040504020204" pitchFamily="49" charset="0"/>
+                  <a:ea typeface="Segoe UI" pitchFamily="34" charset="0"/>
+                  <a:cs typeface="Segoe UI" pitchFamily="34" charset="0"/>
+                </a:rPr>
+                <a:t>Program</a:t>
+              </a:r>
+            </a:p>
+          </p:txBody>
+        </p:sp>
+        <p:sp>
+          <p:nvSpPr>
+            <p:cNvPr id="4" name="Rectangle: Rounded Corners 3">
+              <a:extLst>
+                <a:ext uri="{FF2B5EF4-FFF2-40B4-BE49-F238E27FC236}">
+                  <a16:creationId xmlns:a16="http://schemas.microsoft.com/office/drawing/2014/main" id="{DC284A0A-D528-E326-2802-AE3F35D0F0DC}"/>
+                </a:ext>
+              </a:extLst>
+            </p:cNvPr>
+            <p:cNvSpPr/>
+            <p:nvPr/>
+          </p:nvSpPr>
+          <p:spPr bwMode="auto">
+            <a:xfrm>
+              <a:off x="2055027" y="3335923"/>
+              <a:ext cx="2408844" cy="905069"/>
+            </a:xfrm>
+            <a:prstGeom prst="roundRect">
+              <a:avLst/>
+            </a:prstGeom>
+            <a:solidFill>
+              <a:schemeClr val="accent4">
+                <a:lumMod val="20000"/>
+                <a:lumOff val="80000"/>
+              </a:schemeClr>
+            </a:solidFill>
+            <a:ln>
+              <a:solidFill>
+                <a:schemeClr val="tx1"/>
+              </a:solidFill>
+              <a:headEnd type="none" w="med" len="med"/>
+              <a:tailEnd type="none" w="med" len="med"/>
+            </a:ln>
+            <a:effectLst/>
+          </p:spPr>
+          <p:style>
+            <a:lnRef idx="1">
+              <a:schemeClr val="accent2"/>
+            </a:lnRef>
+            <a:fillRef idx="3">
+              <a:schemeClr val="accent2"/>
+            </a:fillRef>
+            <a:effectRef idx="2">
+              <a:schemeClr val="accent2"/>
+            </a:effectRef>
+            <a:fontRef idx="minor">
+              <a:schemeClr val="lt1"/>
+            </a:fontRef>
+          </p:style>
+          <p:txBody>
+            <a:bodyPr rot="0" spcFirstLastPara="0" vertOverflow="overflow" horzOverflow="overflow" vert="horz" wrap="square" lIns="0" tIns="146304" rIns="0" bIns="146304" numCol="1" spcCol="0" rtlCol="0" fromWordArt="0" anchor="ctr" anchorCtr="0" forceAA="0" compatLnSpc="1">
+              <a:prstTxWarp prst="textNoShape">
+                <a:avLst/>
+              </a:prstTxWarp>
+              <a:noAutofit/>
+            </a:bodyPr>
+            <a:lstStyle/>
+            <a:p>
+              <a:pPr algn="ctr" defTabSz="932472" fontAlgn="base">
+                <a:lnSpc>
+                  <a:spcPct val="90000"/>
+                </a:lnSpc>
+                <a:spcBef>
+                  <a:spcPct val="0"/>
+                </a:spcBef>
+                <a:spcAft>
+                  <a:spcPct val="0"/>
+                </a:spcAft>
+              </a:pPr>
+              <a:r>
+                <a:rPr lang="en-US" sz="1200" b="1" dirty="0">
+                  <a:solidFill>
+                    <a:schemeClr val="tx1"/>
+                  </a:solidFill>
+                  <a:latin typeface="Lucida Console" panose="020B0609040504020204" pitchFamily="49" charset="0"/>
+                  <a:ea typeface="Segoe UI" pitchFamily="34" charset="0"/>
+                  <a:cs typeface="Segoe UI" pitchFamily="34" charset="0"/>
+                </a:rPr>
+                <a:t>CustomerTenantBuilder</a:t>
+              </a:r>
+            </a:p>
+          </p:txBody>
+        </p:sp>
+        <p:sp>
+          <p:nvSpPr>
+            <p:cNvPr id="5" name="Rectangle: Rounded Corners 4">
+              <a:extLst>
+                <a:ext uri="{FF2B5EF4-FFF2-40B4-BE49-F238E27FC236}">
+                  <a16:creationId xmlns:a16="http://schemas.microsoft.com/office/drawing/2014/main" id="{B0B18DC8-6DF8-2431-7302-B6C99822A429}"/>
+                </a:ext>
+              </a:extLst>
+            </p:cNvPr>
+            <p:cNvSpPr/>
+            <p:nvPr/>
+          </p:nvSpPr>
+          <p:spPr bwMode="auto">
+            <a:xfrm>
+              <a:off x="5724351" y="2179604"/>
+              <a:ext cx="2826904" cy="905069"/>
+            </a:xfrm>
+            <a:prstGeom prst="roundRect">
+              <a:avLst/>
+            </a:prstGeom>
+            <a:solidFill>
+              <a:schemeClr val="accent4">
+                <a:lumMod val="20000"/>
+                <a:lumOff val="80000"/>
+              </a:schemeClr>
+            </a:solidFill>
+            <a:ln>
+              <a:solidFill>
+                <a:schemeClr val="tx1"/>
+              </a:solidFill>
+              <a:headEnd type="none" w="med" len="med"/>
+              <a:tailEnd type="none" w="med" len="med"/>
+            </a:ln>
+            <a:effectLst/>
+          </p:spPr>
+          <p:style>
+            <a:lnRef idx="1">
+              <a:schemeClr val="accent2"/>
+            </a:lnRef>
+            <a:fillRef idx="3">
+              <a:schemeClr val="accent2"/>
+            </a:fillRef>
+            <a:effectRef idx="2">
+              <a:schemeClr val="accent2"/>
+            </a:effectRef>
+            <a:fontRef idx="minor">
+              <a:schemeClr val="lt1"/>
+            </a:fontRef>
+          </p:style>
+          <p:txBody>
+            <a:bodyPr rot="0" spcFirstLastPara="0" vertOverflow="overflow" horzOverflow="overflow" vert="horz" wrap="square" lIns="0" tIns="146304" rIns="0" bIns="146304" numCol="1" spcCol="0" rtlCol="0" fromWordArt="0" anchor="ctr" anchorCtr="0" forceAA="0" compatLnSpc="1">
+              <a:prstTxWarp prst="textNoShape">
+                <a:avLst/>
+              </a:prstTxWarp>
+              <a:noAutofit/>
+            </a:bodyPr>
+            <a:lstStyle/>
+            <a:p>
+              <a:pPr algn="ctr" defTabSz="932472" fontAlgn="base">
+                <a:lnSpc>
+                  <a:spcPct val="90000"/>
+                </a:lnSpc>
+                <a:spcBef>
+                  <a:spcPct val="0"/>
+                </a:spcBef>
+                <a:spcAft>
+                  <a:spcPct val="0"/>
+                </a:spcAft>
+              </a:pPr>
+              <a:r>
+                <a:rPr lang="en-US" sz="1200" b="1" dirty="0">
+                  <a:solidFill>
+                    <a:schemeClr val="tx1"/>
+                  </a:solidFill>
+                  <a:latin typeface="Lucida Console" panose="020B0609040504020204" pitchFamily="49" charset="0"/>
+                  <a:ea typeface="Segoe UI" pitchFamily="34" charset="0"/>
+                  <a:cs typeface="Segoe UI" pitchFamily="34" charset="0"/>
+                </a:rPr>
+                <a:t>FabricRestApi</a:t>
+              </a:r>
+            </a:p>
+          </p:txBody>
+        </p:sp>
+        <p:sp>
+          <p:nvSpPr>
+            <p:cNvPr id="6" name="Rectangle: Rounded Corners 5">
+              <a:extLst>
+                <a:ext uri="{FF2B5EF4-FFF2-40B4-BE49-F238E27FC236}">
+                  <a16:creationId xmlns:a16="http://schemas.microsoft.com/office/drawing/2014/main" id="{10F353EB-0B7F-FC7E-7A08-628FFF4611E6}"/>
+                </a:ext>
+              </a:extLst>
+            </p:cNvPr>
+            <p:cNvSpPr/>
+            <p:nvPr/>
+          </p:nvSpPr>
+          <p:spPr bwMode="auto">
+            <a:xfrm>
+              <a:off x="5724352" y="3335924"/>
+              <a:ext cx="2826904" cy="905069"/>
+            </a:xfrm>
+            <a:prstGeom prst="roundRect">
+              <a:avLst/>
+            </a:prstGeom>
+            <a:solidFill>
+              <a:schemeClr val="accent4">
+                <a:lumMod val="20000"/>
+                <a:lumOff val="80000"/>
+              </a:schemeClr>
+            </a:solidFill>
+            <a:ln>
+              <a:solidFill>
+                <a:schemeClr val="tx1"/>
+              </a:solidFill>
+              <a:headEnd type="none" w="med" len="med"/>
+              <a:tailEnd type="none" w="med" len="med"/>
+            </a:ln>
+            <a:effectLst/>
+          </p:spPr>
+          <p:style>
+            <a:lnRef idx="1">
+              <a:schemeClr val="accent2"/>
+            </a:lnRef>
+            <a:fillRef idx="3">
+              <a:schemeClr val="accent2"/>
+            </a:fillRef>
+            <a:effectRef idx="2">
+              <a:schemeClr val="accent2"/>
+            </a:effectRef>
+            <a:fontRef idx="minor">
+              <a:schemeClr val="lt1"/>
+            </a:fontRef>
+          </p:style>
+          <p:txBody>
+            <a:bodyPr rot="0" spcFirstLastPara="0" vertOverflow="overflow" horzOverflow="overflow" vert="horz" wrap="square" lIns="0" tIns="146304" rIns="0" bIns="146304" numCol="1" spcCol="0" rtlCol="0" fromWordArt="0" anchor="ctr" anchorCtr="0" forceAA="0" compatLnSpc="1">
+              <a:prstTxWarp prst="textNoShape">
+                <a:avLst/>
+              </a:prstTxWarp>
+              <a:noAutofit/>
+            </a:bodyPr>
+            <a:lstStyle/>
+            <a:p>
+              <a:pPr algn="ctr" defTabSz="932472" fontAlgn="base">
+                <a:lnSpc>
+                  <a:spcPct val="90000"/>
+                </a:lnSpc>
+                <a:spcBef>
+                  <a:spcPct val="0"/>
+                </a:spcBef>
+                <a:spcAft>
+                  <a:spcPct val="0"/>
+                </a:spcAft>
+              </a:pPr>
+              <a:r>
+                <a:rPr lang="en-US" sz="1200" b="1" dirty="0">
+                  <a:solidFill>
+                    <a:schemeClr val="tx1"/>
+                  </a:solidFill>
+                  <a:latin typeface="Lucida Console" panose="020B0609040504020204" pitchFamily="49" charset="0"/>
+                  <a:ea typeface="Segoe UI" pitchFamily="34" charset="0"/>
+                  <a:cs typeface="Segoe UI" pitchFamily="34" charset="0"/>
+                </a:rPr>
+                <a:t>PowerBiRestApi</a:t>
+              </a:r>
+            </a:p>
+          </p:txBody>
+        </p:sp>
+        <p:sp>
+          <p:nvSpPr>
+            <p:cNvPr id="7" name="Rectangle: Rounded Corners 6">
+              <a:extLst>
+                <a:ext uri="{FF2B5EF4-FFF2-40B4-BE49-F238E27FC236}">
+                  <a16:creationId xmlns:a16="http://schemas.microsoft.com/office/drawing/2014/main" id="{BD6A8FA9-1847-82B1-BF5A-C04BDA75894B}"/>
+                </a:ext>
+              </a:extLst>
+            </p:cNvPr>
+            <p:cNvSpPr/>
+            <p:nvPr/>
+          </p:nvSpPr>
+          <p:spPr bwMode="auto">
+            <a:xfrm>
+              <a:off x="5724354" y="4467222"/>
+              <a:ext cx="2826904" cy="905069"/>
+            </a:xfrm>
+            <a:prstGeom prst="roundRect">
+              <a:avLst/>
+            </a:prstGeom>
+            <a:solidFill>
+              <a:schemeClr val="accent4">
+                <a:lumMod val="20000"/>
+                <a:lumOff val="80000"/>
+              </a:schemeClr>
+            </a:solidFill>
+            <a:ln>
+              <a:solidFill>
+                <a:schemeClr val="tx1"/>
+              </a:solidFill>
+              <a:headEnd type="none" w="med" len="med"/>
+              <a:tailEnd type="none" w="med" len="med"/>
+            </a:ln>
+            <a:effectLst/>
+          </p:spPr>
+          <p:style>
+            <a:lnRef idx="1">
+              <a:schemeClr val="accent2"/>
+            </a:lnRef>
+            <a:fillRef idx="3">
+              <a:schemeClr val="accent2"/>
+            </a:fillRef>
+            <a:effectRef idx="2">
+              <a:schemeClr val="accent2"/>
+            </a:effectRef>
+            <a:fontRef idx="minor">
+              <a:schemeClr val="lt1"/>
+            </a:fontRef>
+          </p:style>
+          <p:txBody>
+            <a:bodyPr rot="0" spcFirstLastPara="0" vertOverflow="overflow" horzOverflow="overflow" vert="horz" wrap="square" lIns="0" tIns="146304" rIns="0" bIns="146304" numCol="1" spcCol="0" rtlCol="0" fromWordArt="0" anchor="ctr" anchorCtr="0" forceAA="0" compatLnSpc="1">
+              <a:prstTxWarp prst="textNoShape">
+                <a:avLst/>
+              </a:prstTxWarp>
+              <a:noAutofit/>
+            </a:bodyPr>
+            <a:lstStyle/>
+            <a:p>
+              <a:pPr algn="ctr" defTabSz="932472" fontAlgn="base">
+                <a:lnSpc>
+                  <a:spcPct val="90000"/>
+                </a:lnSpc>
+                <a:spcBef>
+                  <a:spcPct val="0"/>
+                </a:spcBef>
+                <a:spcAft>
+                  <a:spcPct val="0"/>
+                </a:spcAft>
+              </a:pPr>
+              <a:r>
+                <a:rPr lang="en-US" sz="1200" b="1" dirty="0">
+                  <a:solidFill>
+                    <a:schemeClr val="tx1"/>
+                  </a:solidFill>
+                  <a:latin typeface="Lucida Console" panose="020B0609040504020204" pitchFamily="49" charset="0"/>
+                  <a:ea typeface="Segoe UI" pitchFamily="34" charset="0"/>
+                  <a:cs typeface="Segoe UI" pitchFamily="34" charset="0"/>
+                </a:rPr>
+                <a:t>OneLakeFileWriter</a:t>
+              </a:r>
+            </a:p>
+          </p:txBody>
+        </p:sp>
+        <p:sp>
+          <p:nvSpPr>
+            <p:cNvPr id="8" name="Rectangle: Rounded Corners 7">
+              <a:extLst>
+                <a:ext uri="{FF2B5EF4-FFF2-40B4-BE49-F238E27FC236}">
+                  <a16:creationId xmlns:a16="http://schemas.microsoft.com/office/drawing/2014/main" id="{95DDBBB8-D853-7DC3-4C85-0D33DC9E625A}"/>
+                </a:ext>
+              </a:extLst>
+            </p:cNvPr>
+            <p:cNvSpPr/>
+            <p:nvPr/>
+          </p:nvSpPr>
+          <p:spPr bwMode="auto">
+            <a:xfrm>
+              <a:off x="5724353" y="5598520"/>
+              <a:ext cx="2826904" cy="905069"/>
+            </a:xfrm>
+            <a:prstGeom prst="roundRect">
+              <a:avLst/>
+            </a:prstGeom>
+            <a:solidFill>
+              <a:schemeClr val="accent4">
+                <a:lumMod val="20000"/>
+                <a:lumOff val="80000"/>
+              </a:schemeClr>
+            </a:solidFill>
+            <a:ln>
+              <a:solidFill>
+                <a:schemeClr val="tx1"/>
+              </a:solidFill>
+              <a:headEnd type="none" w="med" len="med"/>
+              <a:tailEnd type="none" w="med" len="med"/>
+            </a:ln>
+            <a:effectLst/>
+          </p:spPr>
+          <p:style>
+            <a:lnRef idx="1">
+              <a:schemeClr val="accent2"/>
+            </a:lnRef>
+            <a:fillRef idx="3">
+              <a:schemeClr val="accent2"/>
+            </a:fillRef>
+            <a:effectRef idx="2">
+              <a:schemeClr val="accent2"/>
+            </a:effectRef>
+            <a:fontRef idx="minor">
+              <a:schemeClr val="lt1"/>
+            </a:fontRef>
+          </p:style>
+          <p:txBody>
+            <a:bodyPr rot="0" spcFirstLastPara="0" vertOverflow="overflow" horzOverflow="overflow" vert="horz" wrap="square" lIns="0" tIns="146304" rIns="0" bIns="146304" numCol="1" spcCol="0" rtlCol="0" fromWordArt="0" anchor="ctr" anchorCtr="0" forceAA="0" compatLnSpc="1">
+              <a:prstTxWarp prst="textNoShape">
+                <a:avLst/>
+              </a:prstTxWarp>
+              <a:noAutofit/>
+            </a:bodyPr>
+            <a:lstStyle/>
+            <a:p>
+              <a:pPr algn="ctr" defTabSz="932472" fontAlgn="base">
+                <a:lnSpc>
+                  <a:spcPct val="90000"/>
+                </a:lnSpc>
+                <a:spcBef>
+                  <a:spcPct val="0"/>
+                </a:spcBef>
+                <a:spcAft>
+                  <a:spcPct val="0"/>
+                </a:spcAft>
+              </a:pPr>
+              <a:r>
+                <a:rPr lang="en-US" sz="1200" b="1" dirty="0">
+                  <a:solidFill>
+                    <a:schemeClr val="tx1"/>
+                  </a:solidFill>
+                  <a:latin typeface="Lucida Console" panose="020B0609040504020204" pitchFamily="49" charset="0"/>
+                  <a:ea typeface="Segoe UI" pitchFamily="34" charset="0"/>
+                  <a:cs typeface="Segoe UI" pitchFamily="34" charset="0"/>
+                </a:rPr>
+                <a:t>SqlConnectionWriter</a:t>
+              </a:r>
+            </a:p>
+          </p:txBody>
+        </p:sp>
+        <p:sp>
+          <p:nvSpPr>
+            <p:cNvPr id="9" name="Rectangle: Rounded Corners 8">
+              <a:extLst>
+                <a:ext uri="{FF2B5EF4-FFF2-40B4-BE49-F238E27FC236}">
+                  <a16:creationId xmlns:a16="http://schemas.microsoft.com/office/drawing/2014/main" id="{5C84EEE3-FF68-FD52-337E-555C8ACE794F}"/>
+                </a:ext>
+              </a:extLst>
+            </p:cNvPr>
+            <p:cNvSpPr/>
+            <p:nvPr/>
+          </p:nvSpPr>
+          <p:spPr bwMode="auto">
+            <a:xfrm>
+              <a:off x="9991725" y="3890934"/>
+              <a:ext cx="1971628" cy="905069"/>
+            </a:xfrm>
+            <a:prstGeom prst="roundRect">
+              <a:avLst/>
+            </a:prstGeom>
+            <a:solidFill>
+              <a:schemeClr val="accent4">
+                <a:lumMod val="20000"/>
+                <a:lumOff val="80000"/>
+              </a:schemeClr>
+            </a:solidFill>
+            <a:ln>
+              <a:solidFill>
+                <a:schemeClr val="tx1"/>
+              </a:solidFill>
+              <a:headEnd type="none" w="med" len="med"/>
+              <a:tailEnd type="none" w="med" len="med"/>
+            </a:ln>
+            <a:effectLst/>
+          </p:spPr>
+          <p:style>
+            <a:lnRef idx="1">
+              <a:schemeClr val="accent2"/>
+            </a:lnRef>
+            <a:fillRef idx="3">
+              <a:schemeClr val="accent2"/>
+            </a:fillRef>
+            <a:effectRef idx="2">
+              <a:schemeClr val="accent2"/>
+            </a:effectRef>
+            <a:fontRef idx="minor">
+              <a:schemeClr val="lt1"/>
+            </a:fontRef>
+          </p:style>
+          <p:txBody>
+            <a:bodyPr rot="0" spcFirstLastPara="0" vertOverflow="overflow" horzOverflow="overflow" vert="horz" wrap="square" lIns="0" tIns="146304" rIns="0" bIns="146304" numCol="1" spcCol="0" rtlCol="0" fromWordArt="0" anchor="ctr" anchorCtr="0" forceAA="0" compatLnSpc="1">
+              <a:prstTxWarp prst="textNoShape">
+                <a:avLst/>
+              </a:prstTxWarp>
+              <a:noAutofit/>
+            </a:bodyPr>
+            <a:lstStyle/>
+            <a:p>
+              <a:pPr algn="ctr" defTabSz="932472" fontAlgn="base">
+                <a:lnSpc>
+                  <a:spcPct val="90000"/>
+                </a:lnSpc>
+                <a:spcBef>
+                  <a:spcPct val="0"/>
+                </a:spcBef>
+                <a:spcAft>
+                  <a:spcPct val="0"/>
+                </a:spcAft>
+              </a:pPr>
+              <a:r>
+                <a:rPr lang="en-US" sz="1200" b="1" dirty="0">
+                  <a:solidFill>
+                    <a:schemeClr val="tx1"/>
+                  </a:solidFill>
+                  <a:latin typeface="Lucida Console" panose="020B0609040504020204" pitchFamily="49" charset="0"/>
+                  <a:ea typeface="Segoe UI" pitchFamily="34" charset="0"/>
+                  <a:cs typeface="Segoe UI" pitchFamily="34" charset="0"/>
+                </a:rPr>
+                <a:t>EntraIdTokenManager</a:t>
+              </a:r>
+            </a:p>
+          </p:txBody>
+        </p:sp>
+        <p:sp>
+          <p:nvSpPr>
+            <p:cNvPr id="10" name="Rectangle: Rounded Corners 9">
+              <a:extLst>
+                <a:ext uri="{FF2B5EF4-FFF2-40B4-BE49-F238E27FC236}">
+                  <a16:creationId xmlns:a16="http://schemas.microsoft.com/office/drawing/2014/main" id="{3C5EB540-E7E6-DB11-0F07-E01D295B3E96}"/>
+                </a:ext>
+              </a:extLst>
+            </p:cNvPr>
+            <p:cNvSpPr/>
+            <p:nvPr/>
+          </p:nvSpPr>
+          <p:spPr bwMode="auto">
+            <a:xfrm>
+              <a:off x="5724352" y="1048306"/>
+              <a:ext cx="2826904" cy="905069"/>
+            </a:xfrm>
+            <a:prstGeom prst="roundRect">
+              <a:avLst/>
+            </a:prstGeom>
+            <a:solidFill>
+              <a:schemeClr val="accent4">
+                <a:lumMod val="20000"/>
+                <a:lumOff val="80000"/>
+              </a:schemeClr>
+            </a:solidFill>
+            <a:ln>
+              <a:solidFill>
+                <a:schemeClr val="tx1"/>
+              </a:solidFill>
+              <a:headEnd type="none" w="med" len="med"/>
+              <a:tailEnd type="none" w="med" len="med"/>
+            </a:ln>
+            <a:effectLst/>
+          </p:spPr>
+          <p:style>
+            <a:lnRef idx="1">
+              <a:schemeClr val="accent2"/>
+            </a:lnRef>
+            <a:fillRef idx="3">
+              <a:schemeClr val="accent2"/>
+            </a:fillRef>
+            <a:effectRef idx="2">
+              <a:schemeClr val="accent2"/>
+            </a:effectRef>
+            <a:fontRef idx="minor">
+              <a:schemeClr val="lt1"/>
+            </a:fontRef>
+          </p:style>
+          <p:txBody>
+            <a:bodyPr rot="0" spcFirstLastPara="0" vertOverflow="overflow" horzOverflow="overflow" vert="horz" wrap="square" lIns="0" tIns="146304" rIns="0" bIns="146304" numCol="1" spcCol="0" rtlCol="0" fromWordArt="0" anchor="ctr" anchorCtr="0" forceAA="0" compatLnSpc="1">
+              <a:prstTxWarp prst="textNoShape">
+                <a:avLst/>
+              </a:prstTxWarp>
+              <a:noAutofit/>
+            </a:bodyPr>
+            <a:lstStyle/>
+            <a:p>
+              <a:pPr algn="ctr" defTabSz="932472" fontAlgn="base">
+                <a:lnSpc>
+                  <a:spcPct val="90000"/>
+                </a:lnSpc>
+                <a:spcBef>
+                  <a:spcPct val="0"/>
+                </a:spcBef>
+                <a:spcAft>
+                  <a:spcPct val="0"/>
+                </a:spcAft>
+              </a:pPr>
+              <a:r>
+                <a:rPr lang="en-US" sz="1200" b="1" dirty="0">
+                  <a:solidFill>
+                    <a:schemeClr val="tx1"/>
+                  </a:solidFill>
+                  <a:latin typeface="Lucida Console" panose="020B0609040504020204" pitchFamily="49" charset="0"/>
+                  <a:ea typeface="Segoe UI" pitchFamily="34" charset="0"/>
+                  <a:cs typeface="Segoe UI" pitchFamily="34" charset="0"/>
+                </a:rPr>
+                <a:t>FabricItemDefinitionFactory</a:t>
+              </a:r>
+            </a:p>
+          </p:txBody>
+        </p:sp>
+        <p:cxnSp>
+          <p:nvCxnSpPr>
+            <p:cNvPr id="12" name="Straight Arrow Connector 11">
+              <a:extLst>
+                <a:ext uri="{FF2B5EF4-FFF2-40B4-BE49-F238E27FC236}">
+                  <a16:creationId xmlns:a16="http://schemas.microsoft.com/office/drawing/2014/main" id="{59308F53-B30B-9423-5E31-8F08A45F3BCA}"/>
+                </a:ext>
+              </a:extLst>
+            </p:cNvPr>
+            <p:cNvCxnSpPr>
+              <a:cxnSpLocks/>
+              <a:stCxn id="3" idx="3"/>
+              <a:endCxn id="4" idx="1"/>
+            </p:cNvCxnSpPr>
+            <p:nvPr/>
+          </p:nvCxnSpPr>
+          <p:spPr>
+            <a:xfrm>
+              <a:off x="1459857" y="3772118"/>
+              <a:ext cx="595170" cy="16340"/>
+            </a:xfrm>
+            <a:prstGeom prst="straightConnector1">
+              <a:avLst/>
+            </a:prstGeom>
+            <a:ln w="38100">
+              <a:solidFill>
+                <a:srgbClr val="C00000"/>
+              </a:solidFill>
+              <a:headEnd type="none" w="med" len="sm"/>
+              <a:tailEnd type="triangle" w="med" len="sm"/>
+            </a:ln>
+          </p:spPr>
+          <p:style>
+            <a:lnRef idx="1">
+              <a:schemeClr val="accent1"/>
+            </a:lnRef>
+            <a:fillRef idx="0">
+              <a:schemeClr val="accent1"/>
+            </a:fillRef>
+            <a:effectRef idx="0">
+              <a:schemeClr val="accent1"/>
+            </a:effectRef>
+            <a:fontRef idx="minor">
+              <a:schemeClr val="tx1"/>
+            </a:fontRef>
+          </p:style>
+        </p:cxnSp>
+        <p:cxnSp>
+          <p:nvCxnSpPr>
+            <p:cNvPr id="13" name="Straight Arrow Connector 12">
+              <a:extLst>
+                <a:ext uri="{FF2B5EF4-FFF2-40B4-BE49-F238E27FC236}">
+                  <a16:creationId xmlns:a16="http://schemas.microsoft.com/office/drawing/2014/main" id="{7435B112-345B-E038-4555-8C5F0E26D1D8}"/>
+                </a:ext>
+              </a:extLst>
+            </p:cNvPr>
+            <p:cNvCxnSpPr>
+              <a:cxnSpLocks/>
+              <a:stCxn id="4" idx="3"/>
+              <a:endCxn id="10" idx="1"/>
+            </p:cNvCxnSpPr>
+            <p:nvPr/>
+          </p:nvCxnSpPr>
+          <p:spPr>
+            <a:xfrm flipV="1">
+              <a:off x="4463871" y="1500841"/>
+              <a:ext cx="1260481" cy="2287617"/>
+            </a:xfrm>
+            <a:prstGeom prst="straightConnector1">
+              <a:avLst/>
+            </a:prstGeom>
+            <a:ln w="38100">
+              <a:solidFill>
+                <a:srgbClr val="C00000"/>
+              </a:solidFill>
+              <a:headEnd type="none" w="med" len="sm"/>
+              <a:tailEnd type="triangle" w="med" len="sm"/>
+            </a:ln>
+          </p:spPr>
+          <p:style>
+            <a:lnRef idx="1">
+              <a:schemeClr val="accent1"/>
+            </a:lnRef>
+            <a:fillRef idx="0">
+              <a:schemeClr val="accent1"/>
+            </a:fillRef>
+            <a:effectRef idx="0">
+              <a:schemeClr val="accent1"/>
+            </a:effectRef>
+            <a:fontRef idx="minor">
+              <a:schemeClr val="tx1"/>
+            </a:fontRef>
+          </p:style>
+        </p:cxnSp>
+        <p:cxnSp>
+          <p:nvCxnSpPr>
+            <p:cNvPr id="16" name="Straight Arrow Connector 15">
+              <a:extLst>
+                <a:ext uri="{FF2B5EF4-FFF2-40B4-BE49-F238E27FC236}">
+                  <a16:creationId xmlns:a16="http://schemas.microsoft.com/office/drawing/2014/main" id="{B3764C1D-A9C1-4423-54E9-7FD11913998A}"/>
+                </a:ext>
+              </a:extLst>
+            </p:cNvPr>
+            <p:cNvCxnSpPr>
+              <a:cxnSpLocks/>
+              <a:stCxn id="4" idx="3"/>
+              <a:endCxn id="5" idx="1"/>
+            </p:cNvCxnSpPr>
+            <p:nvPr/>
+          </p:nvCxnSpPr>
+          <p:spPr>
+            <a:xfrm flipV="1">
+              <a:off x="4463871" y="2632139"/>
+              <a:ext cx="1260480" cy="1156319"/>
+            </a:xfrm>
+            <a:prstGeom prst="straightConnector1">
+              <a:avLst/>
+            </a:prstGeom>
+            <a:ln w="38100">
+              <a:solidFill>
+                <a:srgbClr val="C00000"/>
+              </a:solidFill>
+              <a:headEnd type="none" w="med" len="sm"/>
+              <a:tailEnd type="triangle" w="med" len="sm"/>
+            </a:ln>
+          </p:spPr>
+          <p:style>
+            <a:lnRef idx="1">
+              <a:schemeClr val="accent1"/>
+            </a:lnRef>
+            <a:fillRef idx="0">
+              <a:schemeClr val="accent1"/>
+            </a:fillRef>
+            <a:effectRef idx="0">
+              <a:schemeClr val="accent1"/>
+            </a:effectRef>
+            <a:fontRef idx="minor">
+              <a:schemeClr val="tx1"/>
+            </a:fontRef>
+          </p:style>
+        </p:cxnSp>
+        <p:cxnSp>
+          <p:nvCxnSpPr>
+            <p:cNvPr id="19" name="Straight Arrow Connector 18">
+              <a:extLst>
+                <a:ext uri="{FF2B5EF4-FFF2-40B4-BE49-F238E27FC236}">
+                  <a16:creationId xmlns:a16="http://schemas.microsoft.com/office/drawing/2014/main" id="{A29C6D4B-2DC7-F227-9664-ECFF98AB1BAA}"/>
+                </a:ext>
+              </a:extLst>
+            </p:cNvPr>
+            <p:cNvCxnSpPr>
+              <a:cxnSpLocks/>
+              <a:stCxn id="4" idx="3"/>
+              <a:endCxn id="6" idx="1"/>
+            </p:cNvCxnSpPr>
+            <p:nvPr/>
+          </p:nvCxnSpPr>
+          <p:spPr>
+            <a:xfrm>
+              <a:off x="4463871" y="3788458"/>
+              <a:ext cx="1260481" cy="1"/>
+            </a:xfrm>
+            <a:prstGeom prst="straightConnector1">
+              <a:avLst/>
+            </a:prstGeom>
+            <a:ln w="38100">
+              <a:solidFill>
+                <a:srgbClr val="C00000"/>
+              </a:solidFill>
+              <a:headEnd type="none" w="med" len="sm"/>
+              <a:tailEnd type="triangle" w="med" len="sm"/>
+            </a:ln>
+          </p:spPr>
+          <p:style>
+            <a:lnRef idx="1">
+              <a:schemeClr val="accent1"/>
+            </a:lnRef>
+            <a:fillRef idx="0">
+              <a:schemeClr val="accent1"/>
+            </a:fillRef>
+            <a:effectRef idx="0">
+              <a:schemeClr val="accent1"/>
+            </a:effectRef>
+            <a:fontRef idx="minor">
+              <a:schemeClr val="tx1"/>
+            </a:fontRef>
+          </p:style>
+        </p:cxnSp>
+        <p:cxnSp>
+          <p:nvCxnSpPr>
+            <p:cNvPr id="23" name="Straight Arrow Connector 22">
+              <a:extLst>
+                <a:ext uri="{FF2B5EF4-FFF2-40B4-BE49-F238E27FC236}">
+                  <a16:creationId xmlns:a16="http://schemas.microsoft.com/office/drawing/2014/main" id="{E52E1FFC-2789-9651-8E23-0700CB06677C}"/>
+                </a:ext>
+              </a:extLst>
+            </p:cNvPr>
+            <p:cNvCxnSpPr>
+              <a:cxnSpLocks/>
+              <a:stCxn id="4" idx="3"/>
+              <a:endCxn id="7" idx="1"/>
+            </p:cNvCxnSpPr>
+            <p:nvPr/>
+          </p:nvCxnSpPr>
+          <p:spPr>
+            <a:xfrm>
+              <a:off x="4463871" y="3788458"/>
+              <a:ext cx="1260483" cy="1131299"/>
+            </a:xfrm>
+            <a:prstGeom prst="straightConnector1">
+              <a:avLst/>
+            </a:prstGeom>
+            <a:ln w="38100">
+              <a:solidFill>
+                <a:srgbClr val="C00000"/>
+              </a:solidFill>
+              <a:headEnd type="none" w="med" len="sm"/>
+              <a:tailEnd type="triangle" w="med" len="sm"/>
+            </a:ln>
+          </p:spPr>
+          <p:style>
+            <a:lnRef idx="1">
+              <a:schemeClr val="accent1"/>
+            </a:lnRef>
+            <a:fillRef idx="0">
+              <a:schemeClr val="accent1"/>
+            </a:fillRef>
+            <a:effectRef idx="0">
+              <a:schemeClr val="accent1"/>
+            </a:effectRef>
+            <a:fontRef idx="minor">
+              <a:schemeClr val="tx1"/>
+            </a:fontRef>
+          </p:style>
+        </p:cxnSp>
+        <p:cxnSp>
+          <p:nvCxnSpPr>
+            <p:cNvPr id="32" name="Straight Arrow Connector 31">
+              <a:extLst>
+                <a:ext uri="{FF2B5EF4-FFF2-40B4-BE49-F238E27FC236}">
+                  <a16:creationId xmlns:a16="http://schemas.microsoft.com/office/drawing/2014/main" id="{38281999-2BBB-A82A-3D56-70D3DCD3E0A4}"/>
+                </a:ext>
+              </a:extLst>
+            </p:cNvPr>
+            <p:cNvCxnSpPr>
+              <a:cxnSpLocks/>
+              <a:stCxn id="4" idx="3"/>
+              <a:endCxn id="8" idx="1"/>
+            </p:cNvCxnSpPr>
+            <p:nvPr/>
+          </p:nvCxnSpPr>
+          <p:spPr>
+            <a:xfrm>
+              <a:off x="4463871" y="3788458"/>
+              <a:ext cx="1260482" cy="2262597"/>
+            </a:xfrm>
+            <a:prstGeom prst="straightConnector1">
+              <a:avLst/>
+            </a:prstGeom>
+            <a:ln w="38100">
+              <a:solidFill>
+                <a:srgbClr val="C00000"/>
+              </a:solidFill>
+              <a:headEnd type="none" w="med" len="sm"/>
+              <a:tailEnd type="triangle" w="med" len="sm"/>
+            </a:ln>
+          </p:spPr>
+          <p:style>
+            <a:lnRef idx="1">
+              <a:schemeClr val="accent1"/>
+            </a:lnRef>
+            <a:fillRef idx="0">
+              <a:schemeClr val="accent1"/>
+            </a:fillRef>
+            <a:effectRef idx="0">
+              <a:schemeClr val="accent1"/>
+            </a:effectRef>
+            <a:fontRef idx="minor">
+              <a:schemeClr val="tx1"/>
+            </a:fontRef>
+          </p:style>
+        </p:cxnSp>
+        <p:cxnSp>
+          <p:nvCxnSpPr>
+            <p:cNvPr id="42" name="Straight Arrow Connector 41">
+              <a:extLst>
+                <a:ext uri="{FF2B5EF4-FFF2-40B4-BE49-F238E27FC236}">
+                  <a16:creationId xmlns:a16="http://schemas.microsoft.com/office/drawing/2014/main" id="{31BF171E-2C15-E515-2E54-F8DE9FAE8DDC}"/>
+                </a:ext>
+              </a:extLst>
+            </p:cNvPr>
+            <p:cNvCxnSpPr>
+              <a:cxnSpLocks/>
+              <a:stCxn id="5" idx="3"/>
+            </p:cNvCxnSpPr>
+            <p:nvPr/>
+          </p:nvCxnSpPr>
+          <p:spPr>
+            <a:xfrm>
+              <a:off x="8551255" y="2632139"/>
+              <a:ext cx="1335695" cy="1324845"/>
+            </a:xfrm>
+            <a:prstGeom prst="straightConnector1">
+              <a:avLst/>
+            </a:prstGeom>
+            <a:ln w="38100">
+              <a:solidFill>
+                <a:srgbClr val="C00000"/>
+              </a:solidFill>
+              <a:headEnd type="none" w="med" len="sm"/>
+              <a:tailEnd type="triangle" w="med" len="sm"/>
+            </a:ln>
+          </p:spPr>
+          <p:style>
+            <a:lnRef idx="1">
+              <a:schemeClr val="accent1"/>
+            </a:lnRef>
+            <a:fillRef idx="0">
+              <a:schemeClr val="accent1"/>
+            </a:fillRef>
+            <a:effectRef idx="0">
+              <a:schemeClr val="accent1"/>
+            </a:effectRef>
+            <a:fontRef idx="minor">
+              <a:schemeClr val="tx1"/>
+            </a:fontRef>
+          </p:style>
+        </p:cxnSp>
+        <p:cxnSp>
+          <p:nvCxnSpPr>
+            <p:cNvPr id="45" name="Straight Arrow Connector 44">
+              <a:extLst>
+                <a:ext uri="{FF2B5EF4-FFF2-40B4-BE49-F238E27FC236}">
+                  <a16:creationId xmlns:a16="http://schemas.microsoft.com/office/drawing/2014/main" id="{1902E382-4FC5-5B2F-CD32-D71B92A4340C}"/>
+                </a:ext>
+              </a:extLst>
+            </p:cNvPr>
+            <p:cNvCxnSpPr>
+              <a:cxnSpLocks/>
+              <a:stCxn id="6" idx="3"/>
+            </p:cNvCxnSpPr>
+            <p:nvPr/>
+          </p:nvCxnSpPr>
+          <p:spPr>
+            <a:xfrm>
+              <a:off x="8551256" y="3788459"/>
+              <a:ext cx="1260483" cy="436193"/>
+            </a:xfrm>
+            <a:prstGeom prst="straightConnector1">
+              <a:avLst/>
+            </a:prstGeom>
+            <a:ln w="38100">
+              <a:solidFill>
+                <a:srgbClr val="C00000"/>
+              </a:solidFill>
+              <a:headEnd type="none" w="med" len="sm"/>
+              <a:tailEnd type="triangle" w="med" len="sm"/>
+            </a:ln>
+          </p:spPr>
+          <p:style>
+            <a:lnRef idx="1">
+              <a:schemeClr val="accent1"/>
+            </a:lnRef>
+            <a:fillRef idx="0">
+              <a:schemeClr val="accent1"/>
+            </a:fillRef>
+            <a:effectRef idx="0">
+              <a:schemeClr val="accent1"/>
+            </a:effectRef>
+            <a:fontRef idx="minor">
+              <a:schemeClr val="tx1"/>
+            </a:fontRef>
+          </p:style>
+        </p:cxnSp>
+        <p:cxnSp>
+          <p:nvCxnSpPr>
+            <p:cNvPr id="48" name="Straight Arrow Connector 47">
+              <a:extLst>
+                <a:ext uri="{FF2B5EF4-FFF2-40B4-BE49-F238E27FC236}">
+                  <a16:creationId xmlns:a16="http://schemas.microsoft.com/office/drawing/2014/main" id="{F76F653E-C697-5514-C677-5A7E117BDBC6}"/>
+                </a:ext>
+              </a:extLst>
+            </p:cNvPr>
+            <p:cNvCxnSpPr>
+              <a:cxnSpLocks/>
+              <a:stCxn id="7" idx="3"/>
+            </p:cNvCxnSpPr>
+            <p:nvPr/>
+          </p:nvCxnSpPr>
+          <p:spPr>
+            <a:xfrm flipV="1">
+              <a:off x="8551258" y="4483564"/>
+              <a:ext cx="1260483" cy="436193"/>
+            </a:xfrm>
+            <a:prstGeom prst="straightConnector1">
+              <a:avLst/>
+            </a:prstGeom>
+            <a:ln w="38100">
+              <a:solidFill>
+                <a:srgbClr val="C00000"/>
+              </a:solidFill>
+              <a:headEnd type="none" w="med" len="sm"/>
+              <a:tailEnd type="triangle" w="med" len="sm"/>
+            </a:ln>
+          </p:spPr>
+          <p:style>
+            <a:lnRef idx="1">
+              <a:schemeClr val="accent1"/>
+            </a:lnRef>
+            <a:fillRef idx="0">
+              <a:schemeClr val="accent1"/>
+            </a:fillRef>
+            <a:effectRef idx="0">
+              <a:schemeClr val="accent1"/>
+            </a:effectRef>
+            <a:fontRef idx="minor">
+              <a:schemeClr val="tx1"/>
+            </a:fontRef>
+          </p:style>
+        </p:cxnSp>
+        <p:cxnSp>
+          <p:nvCxnSpPr>
+            <p:cNvPr id="50" name="Straight Arrow Connector 49">
+              <a:extLst>
+                <a:ext uri="{FF2B5EF4-FFF2-40B4-BE49-F238E27FC236}">
+                  <a16:creationId xmlns:a16="http://schemas.microsoft.com/office/drawing/2014/main" id="{F7B3CCD0-A87E-B78B-8185-94D7855B64D4}"/>
+                </a:ext>
+              </a:extLst>
+            </p:cNvPr>
+            <p:cNvCxnSpPr>
+              <a:cxnSpLocks/>
+              <a:stCxn id="8" idx="3"/>
+            </p:cNvCxnSpPr>
+            <p:nvPr/>
+          </p:nvCxnSpPr>
+          <p:spPr>
+            <a:xfrm flipV="1">
+              <a:off x="8551257" y="4726210"/>
+              <a:ext cx="1335693" cy="1324845"/>
+            </a:xfrm>
+            <a:prstGeom prst="straightConnector1">
+              <a:avLst/>
+            </a:prstGeom>
+            <a:ln w="38100">
+              <a:solidFill>
+                <a:srgbClr val="C00000"/>
+              </a:solidFill>
+              <a:headEnd type="none" w="med" len="sm"/>
+              <a:tailEnd type="triangle" w="med" len="sm"/>
+            </a:ln>
+          </p:spPr>
+          <p:style>
+            <a:lnRef idx="1">
+              <a:schemeClr val="accent1"/>
+            </a:lnRef>
+            <a:fillRef idx="0">
+              <a:schemeClr val="accent1"/>
+            </a:fillRef>
+            <a:effectRef idx="0">
+              <a:schemeClr val="accent1"/>
+            </a:effectRef>
+            <a:fontRef idx="minor">
+              <a:schemeClr val="tx1"/>
+            </a:fontRef>
+          </p:style>
+        </p:cxnSp>
+      </p:grpSp>
+    </p:spTree>
+    <p:extLst>
+      <p:ext uri="{BB962C8B-B14F-4D97-AF65-F5344CB8AC3E}">
+        <p14:creationId xmlns:p14="http://schemas.microsoft.com/office/powerpoint/2010/main" val="3280564616"/>
+      </p:ext>
+    </p:extLst>
+  </p:cSld>
+  <p:clrMapOvr>
+    <a:masterClrMapping/>
+  </p:clrMapOvr>
+  <p:transition>
+    <p:fade/>
+  </p:transition>
+</p:sld>
+</file>
+
+<file path=ppt/slides/slide11.xml><?xml version="1.0" encoding="utf-8"?>
 <p:sld xmlns:a="http://schemas.openxmlformats.org/drawingml/2006/main" xmlns:r="http://schemas.openxmlformats.org/officeDocument/2006/relationships" xmlns:p="http://schemas.openxmlformats.org/presentationml/2006/main">
   <p:cSld>
     <p:spTree>
@@ -3500,7 +4741,7 @@
 </p:sld>
 </file>
 
-<file path=ppt/slides/slide11.xml><?xml version="1.0" encoding="utf-8"?>
+<file path=ppt/slides/slide12.xml><?xml version="1.0" encoding="utf-8"?>
 <p:sld xmlns:a="http://schemas.openxmlformats.org/drawingml/2006/main" xmlns:r="http://schemas.openxmlformats.org/officeDocument/2006/relationships" xmlns:p="http://schemas.openxmlformats.org/presentationml/2006/main">
   <p:cSld>
     <p:spTree>
@@ -4103,7 +5344,7 @@
 </p:sld>
 </file>
 
-<file path=ppt/slides/slide12.xml><?xml version="1.0" encoding="utf-8"?>
+<file path=ppt/slides/slide13.xml><?xml version="1.0" encoding="utf-8"?>
 <p:sld xmlns:a="http://schemas.openxmlformats.org/drawingml/2006/main" xmlns:r="http://schemas.openxmlformats.org/officeDocument/2006/relationships" xmlns:p="http://schemas.openxmlformats.org/presentationml/2006/main">
   <p:cSld>
     <p:spTree>
@@ -8052,7 +9293,7 @@
 </p:sld>
 </file>
 
-<file path=ppt/slides/slide13.xml><?xml version="1.0" encoding="utf-8"?>
+<file path=ppt/slides/slide14.xml><?xml version="1.0" encoding="utf-8"?>
 <p:sld xmlns:a="http://schemas.openxmlformats.org/drawingml/2006/main" xmlns:r="http://schemas.openxmlformats.org/officeDocument/2006/relationships" xmlns:p="http://schemas.openxmlformats.org/presentationml/2006/main">
   <p:cSld>
     <p:spTree>
@@ -12217,7 +13458,7 @@
 </p:sld>
 </file>
 
-<file path=ppt/slides/slide14.xml><?xml version="1.0" encoding="utf-8"?>
+<file path=ppt/slides/slide15.xml><?xml version="1.0" encoding="utf-8"?>
 <p:sld xmlns:a="http://schemas.openxmlformats.org/drawingml/2006/main" xmlns:r="http://schemas.openxmlformats.org/officeDocument/2006/relationships" xmlns:p="http://schemas.openxmlformats.org/presentationml/2006/main">
   <p:cSld>
     <p:spTree>
@@ -12778,7 +14019,7 @@
 </p:sld>
 </file>
 
-<file path=ppt/slides/slide15.xml><?xml version="1.0" encoding="utf-8"?>
+<file path=ppt/slides/slide16.xml><?xml version="1.0" encoding="utf-8"?>
 <p:sld xmlns:a="http://schemas.openxmlformats.org/drawingml/2006/main" xmlns:r="http://schemas.openxmlformats.org/officeDocument/2006/relationships" xmlns:p="http://schemas.openxmlformats.org/presentationml/2006/main">
   <p:cSld>
     <p:spTree>
@@ -12849,7 +14090,7 @@
 </p:sld>
 </file>
 
-<file path=ppt/slides/slide16.xml><?xml version="1.0" encoding="utf-8"?>
+<file path=ppt/slides/slide17.xml><?xml version="1.0" encoding="utf-8"?>
 <p:sld xmlns:a="http://schemas.openxmlformats.org/drawingml/2006/main" xmlns:r="http://schemas.openxmlformats.org/officeDocument/2006/relationships" xmlns:p="http://schemas.openxmlformats.org/presentationml/2006/main">
   <p:cSld>
     <p:spTree>
@@ -12915,7 +14156,7 @@
 </p:sld>
 </file>
 
-<file path=ppt/slides/slide17.xml><?xml version="1.0" encoding="utf-8"?>
+<file path=ppt/slides/slide18.xml><?xml version="1.0" encoding="utf-8"?>
 <p:sld xmlns:a="http://schemas.openxmlformats.org/drawingml/2006/main" xmlns:r="http://schemas.openxmlformats.org/officeDocument/2006/relationships" xmlns:p="http://schemas.openxmlformats.org/presentationml/2006/main">
   <p:cSld>
     <p:spTree>
@@ -13275,7 +14516,7 @@
 </p:sld>
 </file>
 
-<file path=ppt/slides/slide18.xml><?xml version="1.0" encoding="utf-8"?>
+<file path=ppt/slides/slide19.xml><?xml version="1.0" encoding="utf-8"?>
 <p:sld xmlns:a="http://schemas.openxmlformats.org/drawingml/2006/main" xmlns:r="http://schemas.openxmlformats.org/officeDocument/2006/relationships" xmlns:p="http://schemas.openxmlformats.org/presentationml/2006/main">
   <p:cSld>
     <p:spTree>
@@ -13341,7 +14582,1460 @@
 </p:sld>
 </file>
 
-<file path=ppt/slides/slide19.xml><?xml version="1.0" encoding="utf-8"?>
+<file path=ppt/slides/slide2.xml><?xml version="1.0" encoding="utf-8"?>
+<p:sld xmlns:a="http://schemas.openxmlformats.org/drawingml/2006/main" xmlns:r="http://schemas.openxmlformats.org/officeDocument/2006/relationships" xmlns:p="http://schemas.openxmlformats.org/presentationml/2006/main">
+  <p:cSld>
+    <p:spTree>
+      <p:nvGrpSpPr>
+        <p:cNvPr id="1" name=""/>
+        <p:cNvGrpSpPr/>
+        <p:nvPr/>
+      </p:nvGrpSpPr>
+      <p:grpSpPr>
+        <a:xfrm>
+          <a:off x="0" y="0"/>
+          <a:ext cx="0" cy="0"/>
+          <a:chOff x="0" y="0"/>
+          <a:chExt cx="0" cy="0"/>
+        </a:xfrm>
+      </p:grpSpPr>
+      <p:pic>
+        <p:nvPicPr>
+          <p:cNvPr id="3" name="Picture 2">
+            <a:extLst>
+              <a:ext uri="{FF2B5EF4-FFF2-40B4-BE49-F238E27FC236}">
+                <a16:creationId xmlns:a16="http://schemas.microsoft.com/office/drawing/2014/main" id="{05AE7D1A-BD17-3B03-96F7-087154211367}"/>
+              </a:ext>
+            </a:extLst>
+          </p:cNvPr>
+          <p:cNvPicPr>
+            <a:picLocks noChangeAspect="1"/>
+          </p:cNvPicPr>
+          <p:nvPr/>
+        </p:nvPicPr>
+        <p:blipFill>
+          <a:blip r:embed="rId2"/>
+          <a:stretch>
+            <a:fillRect/>
+          </a:stretch>
+        </p:blipFill>
+        <p:spPr>
+          <a:xfrm>
+            <a:off x="808223" y="394536"/>
+            <a:ext cx="2216465" cy="3412354"/>
+          </a:xfrm>
+          <a:prstGeom prst="rect">
+            <a:avLst/>
+          </a:prstGeom>
+          <a:ln>
+            <a:solidFill>
+              <a:schemeClr val="tx1"/>
+            </a:solidFill>
+          </a:ln>
+        </p:spPr>
+      </p:pic>
+      <p:pic>
+        <p:nvPicPr>
+          <p:cNvPr id="5" name="Picture 4">
+            <a:extLst>
+              <a:ext uri="{FF2B5EF4-FFF2-40B4-BE49-F238E27FC236}">
+                <a16:creationId xmlns:a16="http://schemas.microsoft.com/office/drawing/2014/main" id="{B7C326C5-E39B-39C9-7D90-721493FA7FA0}"/>
+              </a:ext>
+            </a:extLst>
+          </p:cNvPr>
+          <p:cNvPicPr>
+            <a:picLocks noChangeAspect="1"/>
+          </p:cNvPicPr>
+          <p:nvPr/>
+        </p:nvPicPr>
+        <p:blipFill>
+          <a:blip r:embed="rId3"/>
+          <a:stretch>
+            <a:fillRect/>
+          </a:stretch>
+        </p:blipFill>
+        <p:spPr>
+          <a:xfrm>
+            <a:off x="5023112" y="691678"/>
+            <a:ext cx="5910283" cy="2350102"/>
+          </a:xfrm>
+          <a:prstGeom prst="rect">
+            <a:avLst/>
+          </a:prstGeom>
+          <a:ln>
+            <a:solidFill>
+              <a:schemeClr val="tx1"/>
+            </a:solidFill>
+          </a:ln>
+        </p:spPr>
+      </p:pic>
+    </p:spTree>
+    <p:extLst>
+      <p:ext uri="{BB962C8B-B14F-4D97-AF65-F5344CB8AC3E}">
+        <p14:creationId xmlns:p14="http://schemas.microsoft.com/office/powerpoint/2010/main" val="2638259506"/>
+      </p:ext>
+    </p:extLst>
+  </p:cSld>
+  <p:clrMapOvr>
+    <a:masterClrMapping/>
+  </p:clrMapOvr>
+</p:sld>
+</file>
+
+<file path=ppt/slides/slide20.xml><?xml version="1.0" encoding="utf-8"?>
+<p:sld xmlns:a="http://schemas.openxmlformats.org/drawingml/2006/main" xmlns:r="http://schemas.openxmlformats.org/officeDocument/2006/relationships" xmlns:p="http://schemas.openxmlformats.org/presentationml/2006/main">
+  <p:cSld>
+    <p:spTree>
+      <p:nvGrpSpPr>
+        <p:cNvPr id="1" name=""/>
+        <p:cNvGrpSpPr/>
+        <p:nvPr/>
+      </p:nvGrpSpPr>
+      <p:grpSpPr>
+        <a:xfrm>
+          <a:off x="0" y="0"/>
+          <a:ext cx="0" cy="0"/>
+          <a:chOff x="0" y="0"/>
+          <a:chExt cx="0" cy="0"/>
+        </a:xfrm>
+      </p:grpSpPr>
+      <p:sp>
+        <p:nvSpPr>
+          <p:cNvPr id="18" name="Rectangle 17">
+            <a:extLst>
+              <a:ext uri="{FF2B5EF4-FFF2-40B4-BE49-F238E27FC236}">
+                <a16:creationId xmlns:a16="http://schemas.microsoft.com/office/drawing/2014/main" id="{35852B0A-70D4-50BF-1962-6EA23D787514}"/>
+              </a:ext>
+            </a:extLst>
+          </p:cNvPr>
+          <p:cNvSpPr/>
+          <p:nvPr/>
+        </p:nvSpPr>
+        <p:spPr>
+          <a:xfrm>
+            <a:off x="2939143" y="1126198"/>
+            <a:ext cx="5038531" cy="4817402"/>
+          </a:xfrm>
+          <a:prstGeom prst="rect">
+            <a:avLst/>
+          </a:prstGeom>
+          <a:solidFill>
+            <a:srgbClr val="FFF5D5"/>
+          </a:solidFill>
+          <a:ln w="6350">
+            <a:solidFill>
+              <a:schemeClr val="tx1"/>
+            </a:solidFill>
+          </a:ln>
+        </p:spPr>
+        <p:style>
+          <a:lnRef idx="2">
+            <a:schemeClr val="accent1">
+              <a:shade val="50000"/>
+            </a:schemeClr>
+          </a:lnRef>
+          <a:fillRef idx="1">
+            <a:schemeClr val="accent1"/>
+          </a:fillRef>
+          <a:effectRef idx="0">
+            <a:schemeClr val="accent1"/>
+          </a:effectRef>
+          <a:fontRef idx="minor">
+            <a:schemeClr val="lt1"/>
+          </a:fontRef>
+        </p:style>
+        <p:txBody>
+          <a:bodyPr tIns="91440" bIns="82296" rtlCol="0" anchor="t"/>
+          <a:lstStyle/>
+          <a:p>
+            <a:pPr algn="ctr"/>
+            <a:r>
+              <a:rPr lang="en-US" sz="1400" b="1" dirty="0">
+                <a:solidFill>
+                  <a:schemeClr val="tx1"/>
+                </a:solidFill>
+              </a:rPr>
+              <a:t>Fabric Environment</a:t>
+            </a:r>
+          </a:p>
+          <a:p>
+            <a:pPr algn="ctr"/>
+            <a:r>
+              <a:rPr lang="en-US" sz="1200" dirty="0">
+                <a:solidFill>
+                  <a:schemeClr val="tx1"/>
+                </a:solidFill>
+              </a:rPr>
+              <a:t>Entra Id Tenant</a:t>
+            </a:r>
+          </a:p>
+        </p:txBody>
+      </p:sp>
+      <p:sp>
+        <p:nvSpPr>
+          <p:cNvPr id="2" name="Title 1">
+            <a:extLst>
+              <a:ext uri="{FF2B5EF4-FFF2-40B4-BE49-F238E27FC236}">
+                <a16:creationId xmlns:a16="http://schemas.microsoft.com/office/drawing/2014/main" id="{DC9A92F8-B00D-8573-3B8B-321B45265107}"/>
+              </a:ext>
+            </a:extLst>
+          </p:cNvPr>
+          <p:cNvSpPr>
+            <a:spLocks noGrp="1"/>
+          </p:cNvSpPr>
+          <p:nvPr>
+            <p:ph type="title"/>
+          </p:nvPr>
+        </p:nvSpPr>
+        <p:spPr/>
+        <p:txBody>
+          <a:bodyPr/>
+          <a:lstStyle/>
+          <a:p>
+            <a:endParaRPr lang="en-US"/>
+          </a:p>
+        </p:txBody>
+      </p:sp>
+      <p:sp>
+        <p:nvSpPr>
+          <p:cNvPr id="11" name="Rectangle 10">
+            <a:extLst>
+              <a:ext uri="{FF2B5EF4-FFF2-40B4-BE49-F238E27FC236}">
+                <a16:creationId xmlns:a16="http://schemas.microsoft.com/office/drawing/2014/main" id="{CDCD3944-D4C0-FE15-A99D-B9248D75CAB4}"/>
+              </a:ext>
+            </a:extLst>
+          </p:cNvPr>
+          <p:cNvSpPr/>
+          <p:nvPr/>
+        </p:nvSpPr>
+        <p:spPr bwMode="auto">
+          <a:xfrm>
+            <a:off x="5948086" y="1782144"/>
+            <a:ext cx="1757385" cy="389124"/>
+          </a:xfrm>
+          <a:prstGeom prst="rect">
+            <a:avLst/>
+          </a:prstGeom>
+          <a:solidFill>
+            <a:schemeClr val="accent1"/>
+          </a:solidFill>
+          <a:ln>
+            <a:solidFill>
+              <a:schemeClr val="tx1"/>
+            </a:solidFill>
+            <a:headEnd type="none" w="med" len="med"/>
+            <a:tailEnd type="none" w="med" len="med"/>
+          </a:ln>
+          <a:effectLst/>
+        </p:spPr>
+        <p:style>
+          <a:lnRef idx="1">
+            <a:schemeClr val="accent2"/>
+          </a:lnRef>
+          <a:fillRef idx="3">
+            <a:schemeClr val="accent2"/>
+          </a:fillRef>
+          <a:effectRef idx="2">
+            <a:schemeClr val="accent2"/>
+          </a:effectRef>
+          <a:fontRef idx="minor">
+            <a:schemeClr val="lt1"/>
+          </a:fontRef>
+        </p:style>
+        <p:txBody>
+          <a:bodyPr rot="0" spcFirstLastPara="0" vertOverflow="overflow" horzOverflow="overflow" vert="horz" wrap="square" lIns="182880" tIns="146304" rIns="182880" bIns="146304" numCol="1" spcCol="0" rtlCol="0" fromWordArt="0" anchor="ctr" anchorCtr="0" forceAA="0" compatLnSpc="1">
+            <a:prstTxWarp prst="textNoShape">
+              <a:avLst/>
+            </a:prstTxWarp>
+            <a:noAutofit/>
+          </a:bodyPr>
+          <a:lstStyle/>
+          <a:p>
+            <a:pPr algn="ctr" defTabSz="932472" fontAlgn="base">
+              <a:lnSpc>
+                <a:spcPct val="90000"/>
+              </a:lnSpc>
+              <a:spcBef>
+                <a:spcPct val="0"/>
+              </a:spcBef>
+              <a:spcAft>
+                <a:spcPct val="0"/>
+              </a:spcAft>
+            </a:pPr>
+            <a:r>
+              <a:rPr lang="en-US" sz="1200" b="1" dirty="0">
+                <a:solidFill>
+                  <a:schemeClr val="bg1"/>
+                </a:solidFill>
+                <a:latin typeface="Arial" panose="020B0604020202020204" pitchFamily="34" charset="0"/>
+                <a:ea typeface="Segoe UI" pitchFamily="34" charset="0"/>
+                <a:cs typeface="Arial" panose="020B0604020202020204" pitchFamily="34" charset="0"/>
+              </a:rPr>
+              <a:t>Capacity (F4)</a:t>
+            </a:r>
+          </a:p>
+        </p:txBody>
+      </p:sp>
+      <p:sp>
+        <p:nvSpPr>
+          <p:cNvPr id="19" name="Rectangle 18">
+            <a:extLst>
+              <a:ext uri="{FF2B5EF4-FFF2-40B4-BE49-F238E27FC236}">
+                <a16:creationId xmlns:a16="http://schemas.microsoft.com/office/drawing/2014/main" id="{100B9F37-8A36-3F5F-FF99-81E24A8AD176}"/>
+              </a:ext>
+            </a:extLst>
+          </p:cNvPr>
+          <p:cNvSpPr/>
+          <p:nvPr/>
+        </p:nvSpPr>
+        <p:spPr bwMode="auto">
+          <a:xfrm>
+            <a:off x="5948086" y="2310422"/>
+            <a:ext cx="1757385" cy="897772"/>
+          </a:xfrm>
+          <a:prstGeom prst="rect">
+            <a:avLst/>
+          </a:prstGeom>
+          <a:solidFill>
+            <a:schemeClr val="accent1"/>
+          </a:solidFill>
+          <a:ln>
+            <a:solidFill>
+              <a:schemeClr val="tx1"/>
+            </a:solidFill>
+            <a:headEnd type="none" w="med" len="med"/>
+            <a:tailEnd type="none" w="med" len="med"/>
+          </a:ln>
+          <a:effectLst/>
+        </p:spPr>
+        <p:style>
+          <a:lnRef idx="1">
+            <a:schemeClr val="accent2"/>
+          </a:lnRef>
+          <a:fillRef idx="3">
+            <a:schemeClr val="accent2"/>
+          </a:fillRef>
+          <a:effectRef idx="2">
+            <a:schemeClr val="accent2"/>
+          </a:effectRef>
+          <a:fontRef idx="minor">
+            <a:schemeClr val="lt1"/>
+          </a:fontRef>
+        </p:style>
+        <p:txBody>
+          <a:bodyPr rot="0" spcFirstLastPara="0" vertOverflow="overflow" horzOverflow="overflow" vert="horz" wrap="square" lIns="182880" tIns="146304" rIns="182880" bIns="146304" numCol="1" spcCol="0" rtlCol="0" fromWordArt="0" anchor="ctr" anchorCtr="0" forceAA="0" compatLnSpc="1">
+            <a:prstTxWarp prst="textNoShape">
+              <a:avLst/>
+            </a:prstTxWarp>
+            <a:noAutofit/>
+          </a:bodyPr>
+          <a:lstStyle/>
+          <a:p>
+            <a:pPr algn="ctr" defTabSz="932472" fontAlgn="base">
+              <a:lnSpc>
+                <a:spcPct val="90000"/>
+              </a:lnSpc>
+              <a:spcBef>
+                <a:spcPct val="0"/>
+              </a:spcBef>
+              <a:spcAft>
+                <a:spcPct val="0"/>
+              </a:spcAft>
+            </a:pPr>
+            <a:r>
+              <a:rPr lang="en-US" sz="1200" b="1" dirty="0">
+                <a:solidFill>
+                  <a:schemeClr val="bg1"/>
+                </a:solidFill>
+                <a:latin typeface="Arial" panose="020B0604020202020204" pitchFamily="34" charset="0"/>
+                <a:ea typeface="Segoe UI" pitchFamily="34" charset="0"/>
+                <a:cs typeface="Arial" panose="020B0604020202020204" pitchFamily="34" charset="0"/>
+              </a:rPr>
+              <a:t>Capacity (F16)</a:t>
+            </a:r>
+          </a:p>
+        </p:txBody>
+      </p:sp>
+      <p:sp>
+        <p:nvSpPr>
+          <p:cNvPr id="20" name="Rectangle 19">
+            <a:extLst>
+              <a:ext uri="{FF2B5EF4-FFF2-40B4-BE49-F238E27FC236}">
+                <a16:creationId xmlns:a16="http://schemas.microsoft.com/office/drawing/2014/main" id="{8E780771-0D79-577F-B549-6F053586F4EB}"/>
+              </a:ext>
+            </a:extLst>
+          </p:cNvPr>
+          <p:cNvSpPr/>
+          <p:nvPr/>
+        </p:nvSpPr>
+        <p:spPr bwMode="auto">
+          <a:xfrm>
+            <a:off x="5948086" y="3308087"/>
+            <a:ext cx="1757385" cy="1915068"/>
+          </a:xfrm>
+          <a:prstGeom prst="rect">
+            <a:avLst/>
+          </a:prstGeom>
+          <a:solidFill>
+            <a:schemeClr val="accent1"/>
+          </a:solidFill>
+          <a:ln>
+            <a:solidFill>
+              <a:schemeClr val="tx1"/>
+            </a:solidFill>
+            <a:headEnd type="none" w="med" len="med"/>
+            <a:tailEnd type="none" w="med" len="med"/>
+          </a:ln>
+          <a:effectLst/>
+        </p:spPr>
+        <p:style>
+          <a:lnRef idx="1">
+            <a:schemeClr val="accent2"/>
+          </a:lnRef>
+          <a:fillRef idx="3">
+            <a:schemeClr val="accent2"/>
+          </a:fillRef>
+          <a:effectRef idx="2">
+            <a:schemeClr val="accent2"/>
+          </a:effectRef>
+          <a:fontRef idx="minor">
+            <a:schemeClr val="lt1"/>
+          </a:fontRef>
+        </p:style>
+        <p:txBody>
+          <a:bodyPr rot="0" spcFirstLastPara="0" vertOverflow="overflow" horzOverflow="overflow" vert="horz" wrap="square" lIns="182880" tIns="146304" rIns="182880" bIns="146304" numCol="1" spcCol="0" rtlCol="0" fromWordArt="0" anchor="ctr" anchorCtr="0" forceAA="0" compatLnSpc="1">
+            <a:prstTxWarp prst="textNoShape">
+              <a:avLst/>
+            </a:prstTxWarp>
+            <a:noAutofit/>
+          </a:bodyPr>
+          <a:lstStyle/>
+          <a:p>
+            <a:pPr algn="ctr" defTabSz="932472" fontAlgn="base">
+              <a:lnSpc>
+                <a:spcPct val="90000"/>
+              </a:lnSpc>
+              <a:spcBef>
+                <a:spcPct val="0"/>
+              </a:spcBef>
+              <a:spcAft>
+                <a:spcPct val="0"/>
+              </a:spcAft>
+            </a:pPr>
+            <a:r>
+              <a:rPr lang="en-US" sz="1200" b="1" dirty="0">
+                <a:solidFill>
+                  <a:schemeClr val="bg1"/>
+                </a:solidFill>
+                <a:latin typeface="Arial" panose="020B0604020202020204" pitchFamily="34" charset="0"/>
+                <a:ea typeface="Segoe UI" pitchFamily="34" charset="0"/>
+                <a:cs typeface="Arial" panose="020B0604020202020204" pitchFamily="34" charset="0"/>
+              </a:rPr>
+              <a:t>Capacity (F64)</a:t>
+            </a:r>
+          </a:p>
+        </p:txBody>
+      </p:sp>
+      <p:sp>
+        <p:nvSpPr>
+          <p:cNvPr id="21" name="Rectangle 20">
+            <a:extLst>
+              <a:ext uri="{FF2B5EF4-FFF2-40B4-BE49-F238E27FC236}">
+                <a16:creationId xmlns:a16="http://schemas.microsoft.com/office/drawing/2014/main" id="{664B7B14-C858-DDD2-5ADA-A683CE422A25}"/>
+              </a:ext>
+            </a:extLst>
+          </p:cNvPr>
+          <p:cNvSpPr/>
+          <p:nvPr/>
+        </p:nvSpPr>
+        <p:spPr bwMode="auto">
+          <a:xfrm>
+            <a:off x="3189880" y="1782143"/>
+            <a:ext cx="1757385" cy="389124"/>
+          </a:xfrm>
+          <a:prstGeom prst="rect">
+            <a:avLst/>
+          </a:prstGeom>
+          <a:solidFill>
+            <a:schemeClr val="bg2">
+              <a:lumMod val="85000"/>
+            </a:schemeClr>
+          </a:solidFill>
+          <a:ln>
+            <a:solidFill>
+              <a:schemeClr val="tx1"/>
+            </a:solidFill>
+            <a:headEnd type="none" w="med" len="med"/>
+            <a:tailEnd type="none" w="med" len="med"/>
+          </a:ln>
+          <a:effectLst/>
+        </p:spPr>
+        <p:style>
+          <a:lnRef idx="1">
+            <a:schemeClr val="accent2"/>
+          </a:lnRef>
+          <a:fillRef idx="3">
+            <a:schemeClr val="accent2"/>
+          </a:fillRef>
+          <a:effectRef idx="2">
+            <a:schemeClr val="accent2"/>
+          </a:effectRef>
+          <a:fontRef idx="minor">
+            <a:schemeClr val="lt1"/>
+          </a:fontRef>
+        </p:style>
+        <p:txBody>
+          <a:bodyPr rot="0" spcFirstLastPara="0" vertOverflow="overflow" horzOverflow="overflow" vert="horz" wrap="square" lIns="182880" tIns="146304" rIns="182880" bIns="146304" numCol="1" spcCol="0" rtlCol="0" fromWordArt="0" anchor="ctr" anchorCtr="0" forceAA="0" compatLnSpc="1">
+            <a:prstTxWarp prst="textNoShape">
+              <a:avLst/>
+            </a:prstTxWarp>
+            <a:noAutofit/>
+          </a:bodyPr>
+          <a:lstStyle/>
+          <a:p>
+            <a:pPr algn="ctr" defTabSz="932472" fontAlgn="base">
+              <a:lnSpc>
+                <a:spcPct val="90000"/>
+              </a:lnSpc>
+              <a:spcBef>
+                <a:spcPct val="0"/>
+              </a:spcBef>
+              <a:spcAft>
+                <a:spcPct val="0"/>
+              </a:spcAft>
+            </a:pPr>
+            <a:r>
+              <a:rPr lang="en-US" sz="1200" b="1" dirty="0">
+                <a:solidFill>
+                  <a:schemeClr val="tx1"/>
+                </a:solidFill>
+                <a:latin typeface="Arial" panose="020B0604020202020204" pitchFamily="34" charset="0"/>
+                <a:ea typeface="Segoe UI" pitchFamily="34" charset="0"/>
+                <a:cs typeface="Arial" panose="020B0604020202020204" pitchFamily="34" charset="0"/>
+              </a:rPr>
+              <a:t>Workspace 1</a:t>
+            </a:r>
+          </a:p>
+        </p:txBody>
+      </p:sp>
+      <p:sp>
+        <p:nvSpPr>
+          <p:cNvPr id="22" name="Rectangle 21">
+            <a:extLst>
+              <a:ext uri="{FF2B5EF4-FFF2-40B4-BE49-F238E27FC236}">
+                <a16:creationId xmlns:a16="http://schemas.microsoft.com/office/drawing/2014/main" id="{439A04FF-C4FA-3152-F122-44202EE0FB82}"/>
+              </a:ext>
+            </a:extLst>
+          </p:cNvPr>
+          <p:cNvSpPr/>
+          <p:nvPr/>
+        </p:nvSpPr>
+        <p:spPr bwMode="auto">
+          <a:xfrm>
+            <a:off x="3189880" y="2290791"/>
+            <a:ext cx="1757385" cy="389124"/>
+          </a:xfrm>
+          <a:prstGeom prst="rect">
+            <a:avLst/>
+          </a:prstGeom>
+          <a:solidFill>
+            <a:schemeClr val="bg2">
+              <a:lumMod val="85000"/>
+            </a:schemeClr>
+          </a:solidFill>
+          <a:ln>
+            <a:solidFill>
+              <a:schemeClr val="tx1"/>
+            </a:solidFill>
+            <a:headEnd type="none" w="med" len="med"/>
+            <a:tailEnd type="none" w="med" len="med"/>
+          </a:ln>
+          <a:effectLst/>
+        </p:spPr>
+        <p:style>
+          <a:lnRef idx="1">
+            <a:schemeClr val="accent2"/>
+          </a:lnRef>
+          <a:fillRef idx="3">
+            <a:schemeClr val="accent2"/>
+          </a:fillRef>
+          <a:effectRef idx="2">
+            <a:schemeClr val="accent2"/>
+          </a:effectRef>
+          <a:fontRef idx="minor">
+            <a:schemeClr val="lt1"/>
+          </a:fontRef>
+        </p:style>
+        <p:txBody>
+          <a:bodyPr rot="0" spcFirstLastPara="0" vertOverflow="overflow" horzOverflow="overflow" vert="horz" wrap="square" lIns="182880" tIns="146304" rIns="182880" bIns="146304" numCol="1" spcCol="0" rtlCol="0" fromWordArt="0" anchor="ctr" anchorCtr="0" forceAA="0" compatLnSpc="1">
+            <a:prstTxWarp prst="textNoShape">
+              <a:avLst/>
+            </a:prstTxWarp>
+            <a:noAutofit/>
+          </a:bodyPr>
+          <a:lstStyle/>
+          <a:p>
+            <a:pPr algn="ctr" defTabSz="932472" fontAlgn="base">
+              <a:lnSpc>
+                <a:spcPct val="90000"/>
+              </a:lnSpc>
+              <a:spcBef>
+                <a:spcPct val="0"/>
+              </a:spcBef>
+              <a:spcAft>
+                <a:spcPct val="0"/>
+              </a:spcAft>
+            </a:pPr>
+            <a:r>
+              <a:rPr lang="en-US" sz="1200" b="1" dirty="0">
+                <a:solidFill>
+                  <a:schemeClr val="tx1"/>
+                </a:solidFill>
+                <a:latin typeface="Arial" panose="020B0604020202020204" pitchFamily="34" charset="0"/>
+                <a:ea typeface="Segoe UI" pitchFamily="34" charset="0"/>
+                <a:cs typeface="Arial" panose="020B0604020202020204" pitchFamily="34" charset="0"/>
+              </a:rPr>
+              <a:t>Workspace 2</a:t>
+            </a:r>
+          </a:p>
+        </p:txBody>
+      </p:sp>
+      <p:sp>
+        <p:nvSpPr>
+          <p:cNvPr id="23" name="Rectangle 22">
+            <a:extLst>
+              <a:ext uri="{FF2B5EF4-FFF2-40B4-BE49-F238E27FC236}">
+                <a16:creationId xmlns:a16="http://schemas.microsoft.com/office/drawing/2014/main" id="{120A2286-9F82-B462-6147-5365C633B047}"/>
+              </a:ext>
+            </a:extLst>
+          </p:cNvPr>
+          <p:cNvSpPr/>
+          <p:nvPr/>
+        </p:nvSpPr>
+        <p:spPr bwMode="auto">
+          <a:xfrm>
+            <a:off x="3189879" y="2799439"/>
+            <a:ext cx="1757385" cy="389124"/>
+          </a:xfrm>
+          <a:prstGeom prst="rect">
+            <a:avLst/>
+          </a:prstGeom>
+          <a:solidFill>
+            <a:schemeClr val="bg2">
+              <a:lumMod val="85000"/>
+            </a:schemeClr>
+          </a:solidFill>
+          <a:ln>
+            <a:solidFill>
+              <a:schemeClr val="tx1"/>
+            </a:solidFill>
+            <a:headEnd type="none" w="med" len="med"/>
+            <a:tailEnd type="none" w="med" len="med"/>
+          </a:ln>
+          <a:effectLst/>
+        </p:spPr>
+        <p:style>
+          <a:lnRef idx="1">
+            <a:schemeClr val="accent2"/>
+          </a:lnRef>
+          <a:fillRef idx="3">
+            <a:schemeClr val="accent2"/>
+          </a:fillRef>
+          <a:effectRef idx="2">
+            <a:schemeClr val="accent2"/>
+          </a:effectRef>
+          <a:fontRef idx="minor">
+            <a:schemeClr val="lt1"/>
+          </a:fontRef>
+        </p:style>
+        <p:txBody>
+          <a:bodyPr rot="0" spcFirstLastPara="0" vertOverflow="overflow" horzOverflow="overflow" vert="horz" wrap="square" lIns="182880" tIns="146304" rIns="182880" bIns="146304" numCol="1" spcCol="0" rtlCol="0" fromWordArt="0" anchor="ctr" anchorCtr="0" forceAA="0" compatLnSpc="1">
+            <a:prstTxWarp prst="textNoShape">
+              <a:avLst/>
+            </a:prstTxWarp>
+            <a:noAutofit/>
+          </a:bodyPr>
+          <a:lstStyle/>
+          <a:p>
+            <a:pPr algn="ctr" defTabSz="932472" fontAlgn="base">
+              <a:lnSpc>
+                <a:spcPct val="90000"/>
+              </a:lnSpc>
+              <a:spcBef>
+                <a:spcPct val="0"/>
+              </a:spcBef>
+              <a:spcAft>
+                <a:spcPct val="0"/>
+              </a:spcAft>
+            </a:pPr>
+            <a:r>
+              <a:rPr lang="en-US" sz="1200" b="1" dirty="0">
+                <a:solidFill>
+                  <a:schemeClr val="tx1"/>
+                </a:solidFill>
+                <a:latin typeface="Arial" panose="020B0604020202020204" pitchFamily="34" charset="0"/>
+                <a:ea typeface="Segoe UI" pitchFamily="34" charset="0"/>
+                <a:cs typeface="Arial" panose="020B0604020202020204" pitchFamily="34" charset="0"/>
+              </a:rPr>
+              <a:t>Workspace 3</a:t>
+            </a:r>
+          </a:p>
+        </p:txBody>
+      </p:sp>
+      <p:sp>
+        <p:nvSpPr>
+          <p:cNvPr id="24" name="Rectangle 23">
+            <a:extLst>
+              <a:ext uri="{FF2B5EF4-FFF2-40B4-BE49-F238E27FC236}">
+                <a16:creationId xmlns:a16="http://schemas.microsoft.com/office/drawing/2014/main" id="{80C7B38A-2FAC-B949-B9AA-7A60DED43105}"/>
+              </a:ext>
+            </a:extLst>
+          </p:cNvPr>
+          <p:cNvSpPr/>
+          <p:nvPr/>
+        </p:nvSpPr>
+        <p:spPr bwMode="auto">
+          <a:xfrm>
+            <a:off x="3189879" y="3308087"/>
+            <a:ext cx="1757385" cy="389124"/>
+          </a:xfrm>
+          <a:prstGeom prst="rect">
+            <a:avLst/>
+          </a:prstGeom>
+          <a:solidFill>
+            <a:schemeClr val="bg2">
+              <a:lumMod val="85000"/>
+            </a:schemeClr>
+          </a:solidFill>
+          <a:ln>
+            <a:solidFill>
+              <a:schemeClr val="tx1"/>
+            </a:solidFill>
+            <a:headEnd type="none" w="med" len="med"/>
+            <a:tailEnd type="none" w="med" len="med"/>
+          </a:ln>
+          <a:effectLst/>
+        </p:spPr>
+        <p:style>
+          <a:lnRef idx="1">
+            <a:schemeClr val="accent2"/>
+          </a:lnRef>
+          <a:fillRef idx="3">
+            <a:schemeClr val="accent2"/>
+          </a:fillRef>
+          <a:effectRef idx="2">
+            <a:schemeClr val="accent2"/>
+          </a:effectRef>
+          <a:fontRef idx="minor">
+            <a:schemeClr val="lt1"/>
+          </a:fontRef>
+        </p:style>
+        <p:txBody>
+          <a:bodyPr rot="0" spcFirstLastPara="0" vertOverflow="overflow" horzOverflow="overflow" vert="horz" wrap="square" lIns="182880" tIns="146304" rIns="182880" bIns="146304" numCol="1" spcCol="0" rtlCol="0" fromWordArt="0" anchor="ctr" anchorCtr="0" forceAA="0" compatLnSpc="1">
+            <a:prstTxWarp prst="textNoShape">
+              <a:avLst/>
+            </a:prstTxWarp>
+            <a:noAutofit/>
+          </a:bodyPr>
+          <a:lstStyle/>
+          <a:p>
+            <a:pPr algn="ctr" defTabSz="932472" fontAlgn="base">
+              <a:lnSpc>
+                <a:spcPct val="90000"/>
+              </a:lnSpc>
+              <a:spcBef>
+                <a:spcPct val="0"/>
+              </a:spcBef>
+              <a:spcAft>
+                <a:spcPct val="0"/>
+              </a:spcAft>
+            </a:pPr>
+            <a:r>
+              <a:rPr lang="en-US" sz="1200" b="1" dirty="0">
+                <a:solidFill>
+                  <a:schemeClr val="tx1"/>
+                </a:solidFill>
+                <a:latin typeface="Arial" panose="020B0604020202020204" pitchFamily="34" charset="0"/>
+                <a:ea typeface="Segoe UI" pitchFamily="34" charset="0"/>
+                <a:cs typeface="Arial" panose="020B0604020202020204" pitchFamily="34" charset="0"/>
+              </a:rPr>
+              <a:t>Workspace 4</a:t>
+            </a:r>
+          </a:p>
+        </p:txBody>
+      </p:sp>
+      <p:sp>
+        <p:nvSpPr>
+          <p:cNvPr id="25" name="Rectangle 24">
+            <a:extLst>
+              <a:ext uri="{FF2B5EF4-FFF2-40B4-BE49-F238E27FC236}">
+                <a16:creationId xmlns:a16="http://schemas.microsoft.com/office/drawing/2014/main" id="{E0F42A68-69CB-F535-E3FE-40DD20BE53A6}"/>
+              </a:ext>
+            </a:extLst>
+          </p:cNvPr>
+          <p:cNvSpPr/>
+          <p:nvPr/>
+        </p:nvSpPr>
+        <p:spPr bwMode="auto">
+          <a:xfrm>
+            <a:off x="3189879" y="3816735"/>
+            <a:ext cx="1757385" cy="389124"/>
+          </a:xfrm>
+          <a:prstGeom prst="rect">
+            <a:avLst/>
+          </a:prstGeom>
+          <a:solidFill>
+            <a:schemeClr val="bg2">
+              <a:lumMod val="85000"/>
+            </a:schemeClr>
+          </a:solidFill>
+          <a:ln>
+            <a:solidFill>
+              <a:schemeClr val="tx1"/>
+            </a:solidFill>
+            <a:headEnd type="none" w="med" len="med"/>
+            <a:tailEnd type="none" w="med" len="med"/>
+          </a:ln>
+          <a:effectLst/>
+        </p:spPr>
+        <p:style>
+          <a:lnRef idx="1">
+            <a:schemeClr val="accent2"/>
+          </a:lnRef>
+          <a:fillRef idx="3">
+            <a:schemeClr val="accent2"/>
+          </a:fillRef>
+          <a:effectRef idx="2">
+            <a:schemeClr val="accent2"/>
+          </a:effectRef>
+          <a:fontRef idx="minor">
+            <a:schemeClr val="lt1"/>
+          </a:fontRef>
+        </p:style>
+        <p:txBody>
+          <a:bodyPr rot="0" spcFirstLastPara="0" vertOverflow="overflow" horzOverflow="overflow" vert="horz" wrap="square" lIns="182880" tIns="146304" rIns="182880" bIns="146304" numCol="1" spcCol="0" rtlCol="0" fromWordArt="0" anchor="ctr" anchorCtr="0" forceAA="0" compatLnSpc="1">
+            <a:prstTxWarp prst="textNoShape">
+              <a:avLst/>
+            </a:prstTxWarp>
+            <a:noAutofit/>
+          </a:bodyPr>
+          <a:lstStyle/>
+          <a:p>
+            <a:pPr algn="ctr" defTabSz="932472" fontAlgn="base">
+              <a:lnSpc>
+                <a:spcPct val="90000"/>
+              </a:lnSpc>
+              <a:spcBef>
+                <a:spcPct val="0"/>
+              </a:spcBef>
+              <a:spcAft>
+                <a:spcPct val="0"/>
+              </a:spcAft>
+            </a:pPr>
+            <a:r>
+              <a:rPr lang="en-US" sz="1200" b="1" dirty="0">
+                <a:solidFill>
+                  <a:schemeClr val="tx1"/>
+                </a:solidFill>
+                <a:latin typeface="Arial" panose="020B0604020202020204" pitchFamily="34" charset="0"/>
+                <a:ea typeface="Segoe UI" pitchFamily="34" charset="0"/>
+                <a:cs typeface="Arial" panose="020B0604020202020204" pitchFamily="34" charset="0"/>
+              </a:rPr>
+              <a:t>Workspace 5</a:t>
+            </a:r>
+          </a:p>
+        </p:txBody>
+      </p:sp>
+      <p:sp>
+        <p:nvSpPr>
+          <p:cNvPr id="26" name="Rectangle 25">
+            <a:extLst>
+              <a:ext uri="{FF2B5EF4-FFF2-40B4-BE49-F238E27FC236}">
+                <a16:creationId xmlns:a16="http://schemas.microsoft.com/office/drawing/2014/main" id="{B98E4C9E-5BE2-B2CD-923E-81CB7F6CAF30}"/>
+              </a:ext>
+            </a:extLst>
+          </p:cNvPr>
+          <p:cNvSpPr/>
+          <p:nvPr/>
+        </p:nvSpPr>
+        <p:spPr bwMode="auto">
+          <a:xfrm>
+            <a:off x="3189878" y="4325383"/>
+            <a:ext cx="1757385" cy="389124"/>
+          </a:xfrm>
+          <a:prstGeom prst="rect">
+            <a:avLst/>
+          </a:prstGeom>
+          <a:solidFill>
+            <a:schemeClr val="bg2">
+              <a:lumMod val="85000"/>
+            </a:schemeClr>
+          </a:solidFill>
+          <a:ln>
+            <a:solidFill>
+              <a:schemeClr val="tx1"/>
+            </a:solidFill>
+            <a:headEnd type="none" w="med" len="med"/>
+            <a:tailEnd type="none" w="med" len="med"/>
+          </a:ln>
+          <a:effectLst/>
+        </p:spPr>
+        <p:style>
+          <a:lnRef idx="1">
+            <a:schemeClr val="accent2"/>
+          </a:lnRef>
+          <a:fillRef idx="3">
+            <a:schemeClr val="accent2"/>
+          </a:fillRef>
+          <a:effectRef idx="2">
+            <a:schemeClr val="accent2"/>
+          </a:effectRef>
+          <a:fontRef idx="minor">
+            <a:schemeClr val="lt1"/>
+          </a:fontRef>
+        </p:style>
+        <p:txBody>
+          <a:bodyPr rot="0" spcFirstLastPara="0" vertOverflow="overflow" horzOverflow="overflow" vert="horz" wrap="square" lIns="182880" tIns="146304" rIns="182880" bIns="146304" numCol="1" spcCol="0" rtlCol="0" fromWordArt="0" anchor="ctr" anchorCtr="0" forceAA="0" compatLnSpc="1">
+            <a:prstTxWarp prst="textNoShape">
+              <a:avLst/>
+            </a:prstTxWarp>
+            <a:noAutofit/>
+          </a:bodyPr>
+          <a:lstStyle/>
+          <a:p>
+            <a:pPr algn="ctr" defTabSz="932472" fontAlgn="base">
+              <a:lnSpc>
+                <a:spcPct val="90000"/>
+              </a:lnSpc>
+              <a:spcBef>
+                <a:spcPct val="0"/>
+              </a:spcBef>
+              <a:spcAft>
+                <a:spcPct val="0"/>
+              </a:spcAft>
+            </a:pPr>
+            <a:r>
+              <a:rPr lang="en-US" sz="1200" b="1" dirty="0">
+                <a:solidFill>
+                  <a:schemeClr val="tx1"/>
+                </a:solidFill>
+                <a:latin typeface="Arial" panose="020B0604020202020204" pitchFamily="34" charset="0"/>
+                <a:ea typeface="Segoe UI" pitchFamily="34" charset="0"/>
+                <a:cs typeface="Arial" panose="020B0604020202020204" pitchFamily="34" charset="0"/>
+              </a:rPr>
+              <a:t>Workspace 6</a:t>
+            </a:r>
+          </a:p>
+        </p:txBody>
+      </p:sp>
+      <p:sp>
+        <p:nvSpPr>
+          <p:cNvPr id="27" name="Rectangle 26">
+            <a:extLst>
+              <a:ext uri="{FF2B5EF4-FFF2-40B4-BE49-F238E27FC236}">
+                <a16:creationId xmlns:a16="http://schemas.microsoft.com/office/drawing/2014/main" id="{93B776B1-AB90-66A1-622E-BF721AEE40EA}"/>
+              </a:ext>
+            </a:extLst>
+          </p:cNvPr>
+          <p:cNvSpPr/>
+          <p:nvPr/>
+        </p:nvSpPr>
+        <p:spPr bwMode="auto">
+          <a:xfrm>
+            <a:off x="3189877" y="4834031"/>
+            <a:ext cx="1757385" cy="389124"/>
+          </a:xfrm>
+          <a:prstGeom prst="rect">
+            <a:avLst/>
+          </a:prstGeom>
+          <a:solidFill>
+            <a:schemeClr val="bg2">
+              <a:lumMod val="85000"/>
+            </a:schemeClr>
+          </a:solidFill>
+          <a:ln>
+            <a:solidFill>
+              <a:schemeClr val="tx1"/>
+            </a:solidFill>
+            <a:headEnd type="none" w="med" len="med"/>
+            <a:tailEnd type="none" w="med" len="med"/>
+          </a:ln>
+          <a:effectLst/>
+        </p:spPr>
+        <p:style>
+          <a:lnRef idx="1">
+            <a:schemeClr val="accent2"/>
+          </a:lnRef>
+          <a:fillRef idx="3">
+            <a:schemeClr val="accent2"/>
+          </a:fillRef>
+          <a:effectRef idx="2">
+            <a:schemeClr val="accent2"/>
+          </a:effectRef>
+          <a:fontRef idx="minor">
+            <a:schemeClr val="lt1"/>
+          </a:fontRef>
+        </p:style>
+        <p:txBody>
+          <a:bodyPr rot="0" spcFirstLastPara="0" vertOverflow="overflow" horzOverflow="overflow" vert="horz" wrap="square" lIns="182880" tIns="146304" rIns="182880" bIns="146304" numCol="1" spcCol="0" rtlCol="0" fromWordArt="0" anchor="ctr" anchorCtr="0" forceAA="0" compatLnSpc="1">
+            <a:prstTxWarp prst="textNoShape">
+              <a:avLst/>
+            </a:prstTxWarp>
+            <a:noAutofit/>
+          </a:bodyPr>
+          <a:lstStyle/>
+          <a:p>
+            <a:pPr algn="ctr" defTabSz="932472" fontAlgn="base">
+              <a:lnSpc>
+                <a:spcPct val="90000"/>
+              </a:lnSpc>
+              <a:spcBef>
+                <a:spcPct val="0"/>
+              </a:spcBef>
+              <a:spcAft>
+                <a:spcPct val="0"/>
+              </a:spcAft>
+            </a:pPr>
+            <a:r>
+              <a:rPr lang="en-US" sz="1200" b="1" dirty="0">
+                <a:solidFill>
+                  <a:schemeClr val="tx1"/>
+                </a:solidFill>
+                <a:latin typeface="Arial" panose="020B0604020202020204" pitchFamily="34" charset="0"/>
+                <a:ea typeface="Segoe UI" pitchFamily="34" charset="0"/>
+                <a:cs typeface="Arial" panose="020B0604020202020204" pitchFamily="34" charset="0"/>
+              </a:rPr>
+              <a:t>Workspace 7</a:t>
+            </a:r>
+          </a:p>
+        </p:txBody>
+      </p:sp>
+      <p:sp>
+        <p:nvSpPr>
+          <p:cNvPr id="28" name="Rectangle 27">
+            <a:extLst>
+              <a:ext uri="{FF2B5EF4-FFF2-40B4-BE49-F238E27FC236}">
+                <a16:creationId xmlns:a16="http://schemas.microsoft.com/office/drawing/2014/main" id="{44188B53-72BA-6D10-3F96-51ACA063292E}"/>
+              </a:ext>
+            </a:extLst>
+          </p:cNvPr>
+          <p:cNvSpPr/>
+          <p:nvPr/>
+        </p:nvSpPr>
+        <p:spPr bwMode="auto">
+          <a:xfrm>
+            <a:off x="3189877" y="5342678"/>
+            <a:ext cx="1757385" cy="389124"/>
+          </a:xfrm>
+          <a:prstGeom prst="rect">
+            <a:avLst/>
+          </a:prstGeom>
+          <a:solidFill>
+            <a:schemeClr val="bg2">
+              <a:lumMod val="85000"/>
+            </a:schemeClr>
+          </a:solidFill>
+          <a:ln>
+            <a:solidFill>
+              <a:schemeClr val="tx1"/>
+            </a:solidFill>
+            <a:headEnd type="none" w="med" len="med"/>
+            <a:tailEnd type="none" w="med" len="med"/>
+          </a:ln>
+          <a:effectLst/>
+        </p:spPr>
+        <p:style>
+          <a:lnRef idx="1">
+            <a:schemeClr val="accent2"/>
+          </a:lnRef>
+          <a:fillRef idx="3">
+            <a:schemeClr val="accent2"/>
+          </a:fillRef>
+          <a:effectRef idx="2">
+            <a:schemeClr val="accent2"/>
+          </a:effectRef>
+          <a:fontRef idx="minor">
+            <a:schemeClr val="lt1"/>
+          </a:fontRef>
+        </p:style>
+        <p:txBody>
+          <a:bodyPr rot="0" spcFirstLastPara="0" vertOverflow="overflow" horzOverflow="overflow" vert="horz" wrap="square" lIns="182880" tIns="146304" rIns="182880" bIns="146304" numCol="1" spcCol="0" rtlCol="0" fromWordArt="0" anchor="ctr" anchorCtr="0" forceAA="0" compatLnSpc="1">
+            <a:prstTxWarp prst="textNoShape">
+              <a:avLst/>
+            </a:prstTxWarp>
+            <a:noAutofit/>
+          </a:bodyPr>
+          <a:lstStyle/>
+          <a:p>
+            <a:pPr algn="ctr" defTabSz="932472" fontAlgn="base">
+              <a:lnSpc>
+                <a:spcPct val="90000"/>
+              </a:lnSpc>
+              <a:spcBef>
+                <a:spcPct val="0"/>
+              </a:spcBef>
+              <a:spcAft>
+                <a:spcPct val="0"/>
+              </a:spcAft>
+            </a:pPr>
+            <a:r>
+              <a:rPr lang="en-US" sz="1200" b="1" dirty="0">
+                <a:solidFill>
+                  <a:schemeClr val="tx1"/>
+                </a:solidFill>
+                <a:latin typeface="Arial" panose="020B0604020202020204" pitchFamily="34" charset="0"/>
+                <a:ea typeface="Segoe UI" pitchFamily="34" charset="0"/>
+                <a:cs typeface="Arial" panose="020B0604020202020204" pitchFamily="34" charset="0"/>
+              </a:rPr>
+              <a:t>Workspace 8</a:t>
+            </a:r>
+          </a:p>
+        </p:txBody>
+      </p:sp>
+      <p:cxnSp>
+        <p:nvCxnSpPr>
+          <p:cNvPr id="30" name="Straight Arrow Connector 29">
+            <a:extLst>
+              <a:ext uri="{FF2B5EF4-FFF2-40B4-BE49-F238E27FC236}">
+                <a16:creationId xmlns:a16="http://schemas.microsoft.com/office/drawing/2014/main" id="{118C80D6-CB82-F17E-0BA9-A2DE5957C379}"/>
+              </a:ext>
+            </a:extLst>
+          </p:cNvPr>
+          <p:cNvCxnSpPr/>
+          <p:nvPr/>
+        </p:nvCxnSpPr>
+        <p:spPr>
+          <a:xfrm>
+            <a:off x="4947262" y="1978089"/>
+            <a:ext cx="921693" cy="0"/>
+          </a:xfrm>
+          <a:prstGeom prst="straightConnector1">
+            <a:avLst/>
+          </a:prstGeom>
+          <a:ln w="38100">
+            <a:solidFill>
+              <a:schemeClr val="accent3">
+                <a:lumMod val="75000"/>
+              </a:schemeClr>
+            </a:solidFill>
+            <a:headEnd type="none"/>
+            <a:tailEnd type="triangle"/>
+          </a:ln>
+        </p:spPr>
+        <p:style>
+          <a:lnRef idx="1">
+            <a:schemeClr val="accent1"/>
+          </a:lnRef>
+          <a:fillRef idx="0">
+            <a:schemeClr val="accent1"/>
+          </a:fillRef>
+          <a:effectRef idx="0">
+            <a:schemeClr val="accent1"/>
+          </a:effectRef>
+          <a:fontRef idx="minor">
+            <a:schemeClr val="tx1"/>
+          </a:fontRef>
+        </p:style>
+      </p:cxnSp>
+      <p:cxnSp>
+        <p:nvCxnSpPr>
+          <p:cNvPr id="31" name="Straight Arrow Connector 30">
+            <a:extLst>
+              <a:ext uri="{FF2B5EF4-FFF2-40B4-BE49-F238E27FC236}">
+                <a16:creationId xmlns:a16="http://schemas.microsoft.com/office/drawing/2014/main" id="{97A8E7DD-86ED-8B12-ACE4-5858C0269EB3}"/>
+              </a:ext>
+            </a:extLst>
+          </p:cNvPr>
+          <p:cNvCxnSpPr>
+            <a:cxnSpLocks/>
+          </p:cNvCxnSpPr>
+          <p:nvPr/>
+        </p:nvCxnSpPr>
+        <p:spPr>
+          <a:xfrm flipV="1">
+            <a:off x="4947262" y="4908596"/>
+            <a:ext cx="921693" cy="142375"/>
+          </a:xfrm>
+          <a:prstGeom prst="straightConnector1">
+            <a:avLst/>
+          </a:prstGeom>
+          <a:ln w="38100">
+            <a:solidFill>
+              <a:schemeClr val="accent3">
+                <a:lumMod val="75000"/>
+              </a:schemeClr>
+            </a:solidFill>
+            <a:headEnd type="none"/>
+            <a:tailEnd type="triangle"/>
+          </a:ln>
+        </p:spPr>
+        <p:style>
+          <a:lnRef idx="1">
+            <a:schemeClr val="accent1"/>
+          </a:lnRef>
+          <a:fillRef idx="0">
+            <a:schemeClr val="accent1"/>
+          </a:fillRef>
+          <a:effectRef idx="0">
+            <a:schemeClr val="accent1"/>
+          </a:effectRef>
+          <a:fontRef idx="minor">
+            <a:schemeClr val="tx1"/>
+          </a:fontRef>
+        </p:style>
+      </p:cxnSp>
+      <p:cxnSp>
+        <p:nvCxnSpPr>
+          <p:cNvPr id="32" name="Straight Arrow Connector 31">
+            <a:extLst>
+              <a:ext uri="{FF2B5EF4-FFF2-40B4-BE49-F238E27FC236}">
+                <a16:creationId xmlns:a16="http://schemas.microsoft.com/office/drawing/2014/main" id="{968C7264-C5BC-7393-AE27-B4FF2B7D69B5}"/>
+              </a:ext>
+            </a:extLst>
+          </p:cNvPr>
+          <p:cNvCxnSpPr>
+            <a:cxnSpLocks/>
+          </p:cNvCxnSpPr>
+          <p:nvPr/>
+        </p:nvCxnSpPr>
+        <p:spPr>
+          <a:xfrm flipV="1">
+            <a:off x="4947262" y="4478147"/>
+            <a:ext cx="921693" cy="59640"/>
+          </a:xfrm>
+          <a:prstGeom prst="straightConnector1">
+            <a:avLst/>
+          </a:prstGeom>
+          <a:ln w="38100">
+            <a:solidFill>
+              <a:schemeClr val="accent3">
+                <a:lumMod val="75000"/>
+              </a:schemeClr>
+            </a:solidFill>
+            <a:headEnd type="none"/>
+            <a:tailEnd type="triangle"/>
+          </a:ln>
+        </p:spPr>
+        <p:style>
+          <a:lnRef idx="1">
+            <a:schemeClr val="accent1"/>
+          </a:lnRef>
+          <a:fillRef idx="0">
+            <a:schemeClr val="accent1"/>
+          </a:fillRef>
+          <a:effectRef idx="0">
+            <a:schemeClr val="accent1"/>
+          </a:effectRef>
+          <a:fontRef idx="minor">
+            <a:schemeClr val="tx1"/>
+          </a:fontRef>
+        </p:style>
+      </p:cxnSp>
+      <p:cxnSp>
+        <p:nvCxnSpPr>
+          <p:cNvPr id="33" name="Straight Arrow Connector 32">
+            <a:extLst>
+              <a:ext uri="{FF2B5EF4-FFF2-40B4-BE49-F238E27FC236}">
+                <a16:creationId xmlns:a16="http://schemas.microsoft.com/office/drawing/2014/main" id="{93A2BAD3-00EE-7273-E8CD-097572BAAD56}"/>
+              </a:ext>
+            </a:extLst>
+          </p:cNvPr>
+          <p:cNvCxnSpPr>
+            <a:cxnSpLocks/>
+          </p:cNvCxnSpPr>
+          <p:nvPr/>
+        </p:nvCxnSpPr>
+        <p:spPr>
+          <a:xfrm>
+            <a:off x="4947262" y="4024604"/>
+            <a:ext cx="921693" cy="110643"/>
+          </a:xfrm>
+          <a:prstGeom prst="straightConnector1">
+            <a:avLst/>
+          </a:prstGeom>
+          <a:ln w="38100">
+            <a:solidFill>
+              <a:schemeClr val="accent3">
+                <a:lumMod val="75000"/>
+              </a:schemeClr>
+            </a:solidFill>
+            <a:headEnd type="none"/>
+            <a:tailEnd type="triangle"/>
+          </a:ln>
+        </p:spPr>
+        <p:style>
+          <a:lnRef idx="1">
+            <a:schemeClr val="accent1"/>
+          </a:lnRef>
+          <a:fillRef idx="0">
+            <a:schemeClr val="accent1"/>
+          </a:fillRef>
+          <a:effectRef idx="0">
+            <a:schemeClr val="accent1"/>
+          </a:effectRef>
+          <a:fontRef idx="minor">
+            <a:schemeClr val="tx1"/>
+          </a:fontRef>
+        </p:style>
+      </p:cxnSp>
+      <p:cxnSp>
+        <p:nvCxnSpPr>
+          <p:cNvPr id="34" name="Straight Arrow Connector 33">
+            <a:extLst>
+              <a:ext uri="{FF2B5EF4-FFF2-40B4-BE49-F238E27FC236}">
+                <a16:creationId xmlns:a16="http://schemas.microsoft.com/office/drawing/2014/main" id="{41961CCE-1B69-489B-5946-083AEE451E3F}"/>
+              </a:ext>
+            </a:extLst>
+          </p:cNvPr>
+          <p:cNvCxnSpPr>
+            <a:cxnSpLocks/>
+          </p:cNvCxnSpPr>
+          <p:nvPr/>
+        </p:nvCxnSpPr>
+        <p:spPr>
+          <a:xfrm>
+            <a:off x="4947262" y="3502089"/>
+            <a:ext cx="892262" cy="195122"/>
+          </a:xfrm>
+          <a:prstGeom prst="straightConnector1">
+            <a:avLst/>
+          </a:prstGeom>
+          <a:ln w="38100">
+            <a:solidFill>
+              <a:schemeClr val="accent3">
+                <a:lumMod val="75000"/>
+              </a:schemeClr>
+            </a:solidFill>
+            <a:headEnd type="none"/>
+            <a:tailEnd type="triangle"/>
+          </a:ln>
+        </p:spPr>
+        <p:style>
+          <a:lnRef idx="1">
+            <a:schemeClr val="accent1"/>
+          </a:lnRef>
+          <a:fillRef idx="0">
+            <a:schemeClr val="accent1"/>
+          </a:fillRef>
+          <a:effectRef idx="0">
+            <a:schemeClr val="accent1"/>
+          </a:effectRef>
+          <a:fontRef idx="minor">
+            <a:schemeClr val="tx1"/>
+          </a:fontRef>
+        </p:style>
+      </p:cxnSp>
+      <p:cxnSp>
+        <p:nvCxnSpPr>
+          <p:cNvPr id="35" name="Straight Arrow Connector 34">
+            <a:extLst>
+              <a:ext uri="{FF2B5EF4-FFF2-40B4-BE49-F238E27FC236}">
+                <a16:creationId xmlns:a16="http://schemas.microsoft.com/office/drawing/2014/main" id="{EA76C55D-344B-1426-6D61-5EB6D6020961}"/>
+              </a:ext>
+            </a:extLst>
+          </p:cNvPr>
+          <p:cNvCxnSpPr>
+            <a:cxnSpLocks/>
+          </p:cNvCxnSpPr>
+          <p:nvPr/>
+        </p:nvCxnSpPr>
+        <p:spPr>
+          <a:xfrm flipV="1">
+            <a:off x="4947262" y="2929018"/>
+            <a:ext cx="921693" cy="78548"/>
+          </a:xfrm>
+          <a:prstGeom prst="straightConnector1">
+            <a:avLst/>
+          </a:prstGeom>
+          <a:ln w="38100">
+            <a:solidFill>
+              <a:schemeClr val="accent3">
+                <a:lumMod val="75000"/>
+              </a:schemeClr>
+            </a:solidFill>
+            <a:headEnd type="none"/>
+            <a:tailEnd type="triangle"/>
+          </a:ln>
+        </p:spPr>
+        <p:style>
+          <a:lnRef idx="1">
+            <a:schemeClr val="accent1"/>
+          </a:lnRef>
+          <a:fillRef idx="0">
+            <a:schemeClr val="accent1"/>
+          </a:fillRef>
+          <a:effectRef idx="0">
+            <a:schemeClr val="accent1"/>
+          </a:effectRef>
+          <a:fontRef idx="minor">
+            <a:schemeClr val="tx1"/>
+          </a:fontRef>
+        </p:style>
+      </p:cxnSp>
+      <p:cxnSp>
+        <p:nvCxnSpPr>
+          <p:cNvPr id="36" name="Straight Arrow Connector 35">
+            <a:extLst>
+              <a:ext uri="{FF2B5EF4-FFF2-40B4-BE49-F238E27FC236}">
+                <a16:creationId xmlns:a16="http://schemas.microsoft.com/office/drawing/2014/main" id="{C6CEFAC1-28E7-BD54-3B53-5190D4C43E0F}"/>
+              </a:ext>
+            </a:extLst>
+          </p:cNvPr>
+          <p:cNvCxnSpPr>
+            <a:cxnSpLocks/>
+          </p:cNvCxnSpPr>
+          <p:nvPr/>
+        </p:nvCxnSpPr>
+        <p:spPr>
+          <a:xfrm>
+            <a:off x="4947262" y="2485052"/>
+            <a:ext cx="921693" cy="74315"/>
+          </a:xfrm>
+          <a:prstGeom prst="straightConnector1">
+            <a:avLst/>
+          </a:prstGeom>
+          <a:ln w="38100">
+            <a:solidFill>
+              <a:schemeClr val="accent3">
+                <a:lumMod val="75000"/>
+              </a:schemeClr>
+            </a:solidFill>
+            <a:headEnd type="none"/>
+            <a:tailEnd type="triangle"/>
+          </a:ln>
+        </p:spPr>
+        <p:style>
+          <a:lnRef idx="1">
+            <a:schemeClr val="accent1"/>
+          </a:lnRef>
+          <a:fillRef idx="0">
+            <a:schemeClr val="accent1"/>
+          </a:fillRef>
+          <a:effectRef idx="0">
+            <a:schemeClr val="accent1"/>
+          </a:effectRef>
+          <a:fontRef idx="minor">
+            <a:schemeClr val="tx1"/>
+          </a:fontRef>
+        </p:style>
+      </p:cxnSp>
+    </p:spTree>
+    <p:extLst>
+      <p:ext uri="{BB962C8B-B14F-4D97-AF65-F5344CB8AC3E}">
+        <p14:creationId xmlns:p14="http://schemas.microsoft.com/office/powerpoint/2010/main" val="3589581608"/>
+      </p:ext>
+    </p:extLst>
+  </p:cSld>
+  <p:clrMapOvr>
+    <a:masterClrMapping/>
+  </p:clrMapOvr>
+  <p:transition>
+    <p:fade/>
+  </p:transition>
+</p:sld>
+</file>
+
+<file path=ppt/slides/slide21.xml><?xml version="1.0" encoding="utf-8"?>
 <p:sld xmlns:a="http://schemas.openxmlformats.org/drawingml/2006/main" xmlns:r="http://schemas.openxmlformats.org/officeDocument/2006/relationships" xmlns:p="http://schemas.openxmlformats.org/presentationml/2006/main">
   <p:cSld>
     <p:spTree>
@@ -13364,6 +16058,2516 @@
           <a:chExt cx="0" cy="0"/>
         </a:xfrm>
       </p:grpSpPr>
+      <p:sp>
+        <p:nvSpPr>
+          <p:cNvPr id="2" name="Rectangle 1">
+            <a:extLst>
+              <a:ext uri="{FF2B5EF4-FFF2-40B4-BE49-F238E27FC236}">
+                <a16:creationId xmlns:a16="http://schemas.microsoft.com/office/drawing/2014/main" id="{C95980A5-30E8-3275-8E41-EF2926676A53}"/>
+              </a:ext>
+            </a:extLst>
+          </p:cNvPr>
+          <p:cNvSpPr/>
+          <p:nvPr/>
+        </p:nvSpPr>
+        <p:spPr bwMode="auto">
+          <a:xfrm>
+            <a:off x="401586" y="485177"/>
+            <a:ext cx="10486923" cy="3738763"/>
+          </a:xfrm>
+          <a:prstGeom prst="rect">
+            <a:avLst/>
+          </a:prstGeom>
+          <a:solidFill>
+            <a:schemeClr val="bg1">
+              <a:lumMod val="85000"/>
+            </a:schemeClr>
+          </a:solidFill>
+          <a:ln w="12700">
+            <a:solidFill>
+              <a:schemeClr val="tx1"/>
+            </a:solidFill>
+            <a:headEnd type="none" w="med" len="med"/>
+            <a:tailEnd type="none" w="med" len="med"/>
+          </a:ln>
+          <a:effectLst/>
+        </p:spPr>
+        <p:style>
+          <a:lnRef idx="1">
+            <a:schemeClr val="accent2"/>
+          </a:lnRef>
+          <a:fillRef idx="3">
+            <a:schemeClr val="accent2"/>
+          </a:fillRef>
+          <a:effectRef idx="2">
+            <a:schemeClr val="accent2"/>
+          </a:effectRef>
+          <a:fontRef idx="minor">
+            <a:schemeClr val="lt1"/>
+          </a:fontRef>
+        </p:style>
+        <p:txBody>
+          <a:bodyPr rot="0" spcFirstLastPara="0" vertOverflow="overflow" horzOverflow="overflow" vert="horz" wrap="square" lIns="182880" tIns="146304" rIns="182880" bIns="146304" numCol="1" spcCol="0" rtlCol="0" fromWordArt="0" anchor="t" anchorCtr="0" forceAA="0" compatLnSpc="1">
+            <a:prstTxWarp prst="textNoShape">
+              <a:avLst/>
+            </a:prstTxWarp>
+            <a:noAutofit/>
+          </a:bodyPr>
+          <a:lstStyle/>
+          <a:p>
+            <a:pPr algn="ctr" defTabSz="932472" fontAlgn="base">
+              <a:lnSpc>
+                <a:spcPct val="90000"/>
+              </a:lnSpc>
+              <a:spcBef>
+                <a:spcPct val="0"/>
+              </a:spcBef>
+              <a:spcAft>
+                <a:spcPct val="0"/>
+              </a:spcAft>
+            </a:pPr>
+            <a:endParaRPr lang="en-US" sz="1200" b="1" dirty="0">
+              <a:solidFill>
+                <a:schemeClr val="tx1"/>
+              </a:solidFill>
+              <a:ea typeface="Segoe UI" pitchFamily="34" charset="0"/>
+              <a:cs typeface="Segoe UI" pitchFamily="34" charset="0"/>
+            </a:endParaRPr>
+          </a:p>
+        </p:txBody>
+      </p:sp>
+      <p:sp>
+        <p:nvSpPr>
+          <p:cNvPr id="3" name="Rectangle 2">
+            <a:extLst>
+              <a:ext uri="{FF2B5EF4-FFF2-40B4-BE49-F238E27FC236}">
+                <a16:creationId xmlns:a16="http://schemas.microsoft.com/office/drawing/2014/main" id="{23E08C12-01FA-4287-4F24-3959122A1E2D}"/>
+              </a:ext>
+            </a:extLst>
+          </p:cNvPr>
+          <p:cNvSpPr/>
+          <p:nvPr/>
+        </p:nvSpPr>
+        <p:spPr bwMode="auto">
+          <a:xfrm>
+            <a:off x="484039" y="594753"/>
+            <a:ext cx="10268895" cy="759921"/>
+          </a:xfrm>
+          <a:prstGeom prst="rect">
+            <a:avLst/>
+          </a:prstGeom>
+          <a:solidFill>
+            <a:schemeClr val="bg1">
+              <a:lumMod val="95000"/>
+            </a:schemeClr>
+          </a:solidFill>
+          <a:ln w="12700">
+            <a:solidFill>
+              <a:schemeClr val="tx1"/>
+            </a:solidFill>
+            <a:headEnd type="none" w="med" len="med"/>
+            <a:tailEnd type="none" w="med" len="med"/>
+          </a:ln>
+          <a:effectLst/>
+        </p:spPr>
+        <p:style>
+          <a:lnRef idx="1">
+            <a:schemeClr val="accent2"/>
+          </a:lnRef>
+          <a:fillRef idx="3">
+            <a:schemeClr val="accent2"/>
+          </a:fillRef>
+          <a:effectRef idx="2">
+            <a:schemeClr val="accent2"/>
+          </a:effectRef>
+          <a:fontRef idx="minor">
+            <a:schemeClr val="lt1"/>
+          </a:fontRef>
+        </p:style>
+        <p:txBody>
+          <a:bodyPr rot="0" spcFirstLastPara="0" vertOverflow="overflow" horzOverflow="overflow" vert="horz" wrap="square" lIns="182880" tIns="73152" rIns="182880" bIns="146304" numCol="1" spcCol="0" rtlCol="0" fromWordArt="0" anchor="t" anchorCtr="0" forceAA="0" compatLnSpc="1">
+            <a:prstTxWarp prst="textNoShape">
+              <a:avLst/>
+            </a:prstTxWarp>
+            <a:noAutofit/>
+          </a:bodyPr>
+          <a:lstStyle/>
+          <a:p>
+            <a:pPr defTabSz="932472" fontAlgn="base">
+              <a:lnSpc>
+                <a:spcPct val="90000"/>
+              </a:lnSpc>
+              <a:spcBef>
+                <a:spcPct val="0"/>
+              </a:spcBef>
+              <a:spcAft>
+                <a:spcPct val="0"/>
+              </a:spcAft>
+            </a:pPr>
+            <a:r>
+              <a:rPr lang="en-US" sz="1100" b="1" dirty="0">
+                <a:solidFill>
+                  <a:schemeClr val="tx1">
+                    <a:lumMod val="60000"/>
+                    <a:lumOff val="40000"/>
+                  </a:schemeClr>
+                </a:solidFill>
+                <a:ea typeface="Segoe UI" pitchFamily="34" charset="0"/>
+                <a:cs typeface="Segoe UI" pitchFamily="34" charset="0"/>
+              </a:rPr>
+              <a:t>Platform Item Types</a:t>
+            </a:r>
+          </a:p>
+        </p:txBody>
+      </p:sp>
+      <p:sp>
+        <p:nvSpPr>
+          <p:cNvPr id="4" name="Rectangle 3">
+            <a:extLst>
+              <a:ext uri="{FF2B5EF4-FFF2-40B4-BE49-F238E27FC236}">
+                <a16:creationId xmlns:a16="http://schemas.microsoft.com/office/drawing/2014/main" id="{32E8ABC3-0ADE-8DEE-9081-65A7FA92C7D4}"/>
+              </a:ext>
+            </a:extLst>
+          </p:cNvPr>
+          <p:cNvSpPr/>
+          <p:nvPr/>
+        </p:nvSpPr>
+        <p:spPr bwMode="auto">
+          <a:xfrm>
+            <a:off x="684036" y="917485"/>
+            <a:ext cx="1345642" cy="247613"/>
+          </a:xfrm>
+          <a:prstGeom prst="rect">
+            <a:avLst/>
+          </a:prstGeom>
+          <a:solidFill>
+            <a:schemeClr val="accent1">
+              <a:lumMod val="40000"/>
+              <a:lumOff val="60000"/>
+            </a:schemeClr>
+          </a:solidFill>
+          <a:ln>
+            <a:solidFill>
+              <a:schemeClr val="tx1"/>
+            </a:solidFill>
+            <a:headEnd type="none" w="med" len="med"/>
+            <a:tailEnd type="none" w="med" len="med"/>
+          </a:ln>
+          <a:effectLst/>
+        </p:spPr>
+        <p:style>
+          <a:lnRef idx="1">
+            <a:schemeClr val="accent2"/>
+          </a:lnRef>
+          <a:fillRef idx="3">
+            <a:schemeClr val="accent2"/>
+          </a:fillRef>
+          <a:effectRef idx="2">
+            <a:schemeClr val="accent2"/>
+          </a:effectRef>
+          <a:fontRef idx="minor">
+            <a:schemeClr val="lt1"/>
+          </a:fontRef>
+        </p:style>
+        <p:txBody>
+          <a:bodyPr rot="0" spcFirstLastPara="0" vertOverflow="overflow" horzOverflow="overflow" vert="horz" wrap="square" lIns="0" tIns="0" rIns="0" bIns="0" numCol="1" spcCol="0" rtlCol="0" fromWordArt="0" anchor="ctr" anchorCtr="0" forceAA="0" compatLnSpc="1">
+            <a:prstTxWarp prst="textNoShape">
+              <a:avLst/>
+            </a:prstTxWarp>
+            <a:noAutofit/>
+          </a:bodyPr>
+          <a:lstStyle/>
+          <a:p>
+            <a:pPr algn="ctr" defTabSz="932472" fontAlgn="base">
+              <a:lnSpc>
+                <a:spcPct val="90000"/>
+              </a:lnSpc>
+              <a:spcBef>
+                <a:spcPct val="0"/>
+              </a:spcBef>
+              <a:spcAft>
+                <a:spcPct val="0"/>
+              </a:spcAft>
+            </a:pPr>
+            <a:r>
+              <a:rPr lang="en-US" sz="800" b="1" dirty="0">
+                <a:solidFill>
+                  <a:schemeClr val="tx1"/>
+                </a:solidFill>
+                <a:latin typeface="Lucida Console" panose="020B0609040504020204" pitchFamily="49" charset="0"/>
+                <a:ea typeface="Segoe UI" pitchFamily="34" charset="0"/>
+                <a:cs typeface="Segoe UI" pitchFamily="34" charset="0"/>
+              </a:rPr>
+              <a:t>Capacity</a:t>
+            </a:r>
+          </a:p>
+        </p:txBody>
+      </p:sp>
+      <p:sp>
+        <p:nvSpPr>
+          <p:cNvPr id="5" name="Rectangle 4">
+            <a:extLst>
+              <a:ext uri="{FF2B5EF4-FFF2-40B4-BE49-F238E27FC236}">
+                <a16:creationId xmlns:a16="http://schemas.microsoft.com/office/drawing/2014/main" id="{7C21299B-2A53-A37E-B2AC-5B629B620371}"/>
+              </a:ext>
+            </a:extLst>
+          </p:cNvPr>
+          <p:cNvSpPr/>
+          <p:nvPr/>
+        </p:nvSpPr>
+        <p:spPr bwMode="auto">
+          <a:xfrm>
+            <a:off x="2324916" y="917485"/>
+            <a:ext cx="1345642" cy="247613"/>
+          </a:xfrm>
+          <a:prstGeom prst="rect">
+            <a:avLst/>
+          </a:prstGeom>
+          <a:solidFill>
+            <a:schemeClr val="accent1">
+              <a:lumMod val="40000"/>
+              <a:lumOff val="60000"/>
+            </a:schemeClr>
+          </a:solidFill>
+          <a:ln>
+            <a:solidFill>
+              <a:schemeClr val="tx1"/>
+            </a:solidFill>
+            <a:headEnd type="none" w="med" len="med"/>
+            <a:tailEnd type="none" w="med" len="med"/>
+          </a:ln>
+          <a:effectLst/>
+        </p:spPr>
+        <p:style>
+          <a:lnRef idx="1">
+            <a:schemeClr val="accent2"/>
+          </a:lnRef>
+          <a:fillRef idx="3">
+            <a:schemeClr val="accent2"/>
+          </a:fillRef>
+          <a:effectRef idx="2">
+            <a:schemeClr val="accent2"/>
+          </a:effectRef>
+          <a:fontRef idx="minor">
+            <a:schemeClr val="lt1"/>
+          </a:fontRef>
+        </p:style>
+        <p:txBody>
+          <a:bodyPr rot="0" spcFirstLastPara="0" vertOverflow="overflow" horzOverflow="overflow" vert="horz" wrap="square" lIns="0" tIns="0" rIns="0" bIns="0" numCol="1" spcCol="0" rtlCol="0" fromWordArt="0" anchor="ctr" anchorCtr="0" forceAA="0" compatLnSpc="1">
+            <a:prstTxWarp prst="textNoShape">
+              <a:avLst/>
+            </a:prstTxWarp>
+            <a:noAutofit/>
+          </a:bodyPr>
+          <a:lstStyle/>
+          <a:p>
+            <a:pPr algn="ctr" defTabSz="932472" fontAlgn="base">
+              <a:lnSpc>
+                <a:spcPct val="90000"/>
+              </a:lnSpc>
+              <a:spcBef>
+                <a:spcPct val="0"/>
+              </a:spcBef>
+              <a:spcAft>
+                <a:spcPct val="0"/>
+              </a:spcAft>
+            </a:pPr>
+            <a:r>
+              <a:rPr lang="en-US" sz="800" b="1" dirty="0">
+                <a:solidFill>
+                  <a:schemeClr val="tx1"/>
+                </a:solidFill>
+                <a:latin typeface="Lucida Console" panose="020B0609040504020204" pitchFamily="49" charset="0"/>
+                <a:ea typeface="Segoe UI" pitchFamily="34" charset="0"/>
+                <a:cs typeface="Segoe UI" pitchFamily="34" charset="0"/>
+              </a:rPr>
+              <a:t>Workspace</a:t>
+            </a:r>
+          </a:p>
+        </p:txBody>
+      </p:sp>
+      <p:sp>
+        <p:nvSpPr>
+          <p:cNvPr id="6" name="Rectangle 5">
+            <a:extLst>
+              <a:ext uri="{FF2B5EF4-FFF2-40B4-BE49-F238E27FC236}">
+                <a16:creationId xmlns:a16="http://schemas.microsoft.com/office/drawing/2014/main" id="{F8190131-B5FC-831D-B1E2-1F196596CCEC}"/>
+              </a:ext>
+            </a:extLst>
+          </p:cNvPr>
+          <p:cNvSpPr/>
+          <p:nvPr/>
+        </p:nvSpPr>
+        <p:spPr bwMode="auto">
+          <a:xfrm>
+            <a:off x="3965796" y="923011"/>
+            <a:ext cx="1345642" cy="247613"/>
+          </a:xfrm>
+          <a:prstGeom prst="rect">
+            <a:avLst/>
+          </a:prstGeom>
+          <a:solidFill>
+            <a:schemeClr val="accent1">
+              <a:lumMod val="40000"/>
+              <a:lumOff val="60000"/>
+            </a:schemeClr>
+          </a:solidFill>
+          <a:ln>
+            <a:solidFill>
+              <a:schemeClr val="tx1"/>
+            </a:solidFill>
+            <a:headEnd type="none" w="med" len="med"/>
+            <a:tailEnd type="none" w="med" len="med"/>
+          </a:ln>
+          <a:effectLst/>
+        </p:spPr>
+        <p:style>
+          <a:lnRef idx="1">
+            <a:schemeClr val="accent2"/>
+          </a:lnRef>
+          <a:fillRef idx="3">
+            <a:schemeClr val="accent2"/>
+          </a:fillRef>
+          <a:effectRef idx="2">
+            <a:schemeClr val="accent2"/>
+          </a:effectRef>
+          <a:fontRef idx="minor">
+            <a:schemeClr val="lt1"/>
+          </a:fontRef>
+        </p:style>
+        <p:txBody>
+          <a:bodyPr rot="0" spcFirstLastPara="0" vertOverflow="overflow" horzOverflow="overflow" vert="horz" wrap="square" lIns="0" tIns="0" rIns="0" bIns="0" numCol="1" spcCol="0" rtlCol="0" fromWordArt="0" anchor="ctr" anchorCtr="0" forceAA="0" compatLnSpc="1">
+            <a:prstTxWarp prst="textNoShape">
+              <a:avLst/>
+            </a:prstTxWarp>
+            <a:noAutofit/>
+          </a:bodyPr>
+          <a:lstStyle/>
+          <a:p>
+            <a:pPr algn="ctr" defTabSz="932472" fontAlgn="base">
+              <a:lnSpc>
+                <a:spcPct val="90000"/>
+              </a:lnSpc>
+              <a:spcBef>
+                <a:spcPct val="0"/>
+              </a:spcBef>
+              <a:spcAft>
+                <a:spcPct val="0"/>
+              </a:spcAft>
+            </a:pPr>
+            <a:r>
+              <a:rPr lang="en-US" sz="800" b="1" dirty="0">
+                <a:solidFill>
+                  <a:schemeClr val="tx1"/>
+                </a:solidFill>
+                <a:latin typeface="Lucida Console" panose="020B0609040504020204" pitchFamily="49" charset="0"/>
+                <a:ea typeface="Segoe UI" pitchFamily="34" charset="0"/>
+                <a:cs typeface="Segoe UI" pitchFamily="34" charset="0"/>
+              </a:rPr>
+              <a:t>Connection</a:t>
+            </a:r>
+          </a:p>
+        </p:txBody>
+      </p:sp>
+      <p:sp>
+        <p:nvSpPr>
+          <p:cNvPr id="7" name="Rectangle 6">
+            <a:extLst>
+              <a:ext uri="{FF2B5EF4-FFF2-40B4-BE49-F238E27FC236}">
+                <a16:creationId xmlns:a16="http://schemas.microsoft.com/office/drawing/2014/main" id="{DA79267C-C1F7-3161-A268-3A3ED3F7F7F3}"/>
+              </a:ext>
+            </a:extLst>
+          </p:cNvPr>
+          <p:cNvSpPr/>
+          <p:nvPr/>
+        </p:nvSpPr>
+        <p:spPr bwMode="auto">
+          <a:xfrm>
+            <a:off x="484039" y="1413611"/>
+            <a:ext cx="10268895" cy="2721212"/>
+          </a:xfrm>
+          <a:prstGeom prst="rect">
+            <a:avLst/>
+          </a:prstGeom>
+          <a:solidFill>
+            <a:schemeClr val="bg1">
+              <a:lumMod val="95000"/>
+            </a:schemeClr>
+          </a:solidFill>
+          <a:ln w="12700">
+            <a:solidFill>
+              <a:schemeClr val="tx1"/>
+            </a:solidFill>
+            <a:headEnd type="none" w="med" len="med"/>
+            <a:tailEnd type="none" w="med" len="med"/>
+          </a:ln>
+          <a:effectLst/>
+        </p:spPr>
+        <p:style>
+          <a:lnRef idx="1">
+            <a:schemeClr val="accent2"/>
+          </a:lnRef>
+          <a:fillRef idx="3">
+            <a:schemeClr val="accent2"/>
+          </a:fillRef>
+          <a:effectRef idx="2">
+            <a:schemeClr val="accent2"/>
+          </a:effectRef>
+          <a:fontRef idx="minor">
+            <a:schemeClr val="lt1"/>
+          </a:fontRef>
+        </p:style>
+        <p:txBody>
+          <a:bodyPr rot="0" spcFirstLastPara="0" vertOverflow="overflow" horzOverflow="overflow" vert="horz" wrap="square" lIns="182880" tIns="82296" rIns="182880" bIns="146304" numCol="1" spcCol="0" rtlCol="0" fromWordArt="0" anchor="t" anchorCtr="0" forceAA="0" compatLnSpc="1">
+            <a:prstTxWarp prst="textNoShape">
+              <a:avLst/>
+            </a:prstTxWarp>
+            <a:noAutofit/>
+          </a:bodyPr>
+          <a:lstStyle/>
+          <a:p>
+            <a:pPr defTabSz="932472" fontAlgn="base">
+              <a:lnSpc>
+                <a:spcPct val="90000"/>
+              </a:lnSpc>
+              <a:spcBef>
+                <a:spcPct val="0"/>
+              </a:spcBef>
+              <a:spcAft>
+                <a:spcPct val="0"/>
+              </a:spcAft>
+            </a:pPr>
+            <a:r>
+              <a:rPr lang="en-US" sz="1100" b="1" dirty="0">
+                <a:solidFill>
+                  <a:schemeClr val="tx1">
+                    <a:lumMod val="60000"/>
+                    <a:lumOff val="40000"/>
+                  </a:schemeClr>
+                </a:solidFill>
+                <a:ea typeface="Segoe UI" pitchFamily="34" charset="0"/>
+                <a:cs typeface="Segoe UI" pitchFamily="34" charset="0"/>
+              </a:rPr>
+              <a:t>Workspace Item Types by Workload</a:t>
+            </a:r>
+          </a:p>
+        </p:txBody>
+      </p:sp>
+      <p:sp>
+        <p:nvSpPr>
+          <p:cNvPr id="8" name="Rectangle 7">
+            <a:extLst>
+              <a:ext uri="{FF2B5EF4-FFF2-40B4-BE49-F238E27FC236}">
+                <a16:creationId xmlns:a16="http://schemas.microsoft.com/office/drawing/2014/main" id="{05A9578F-7110-4035-27C6-28162EF1F9D9}"/>
+              </a:ext>
+            </a:extLst>
+          </p:cNvPr>
+          <p:cNvSpPr/>
+          <p:nvPr/>
+        </p:nvSpPr>
+        <p:spPr bwMode="auto">
+          <a:xfrm>
+            <a:off x="588894" y="1708824"/>
+            <a:ext cx="1593127" cy="2313262"/>
+          </a:xfrm>
+          <a:prstGeom prst="rect">
+            <a:avLst/>
+          </a:prstGeom>
+          <a:solidFill>
+            <a:schemeClr val="bg1"/>
+          </a:solidFill>
+          <a:ln>
+            <a:solidFill>
+              <a:schemeClr val="bg1">
+                <a:lumMod val="65000"/>
+              </a:schemeClr>
+            </a:solidFill>
+            <a:headEnd type="none" w="med" len="med"/>
+            <a:tailEnd type="none" w="med" len="med"/>
+          </a:ln>
+          <a:effectLst/>
+        </p:spPr>
+        <p:style>
+          <a:lnRef idx="1">
+            <a:schemeClr val="accent2"/>
+          </a:lnRef>
+          <a:fillRef idx="3">
+            <a:schemeClr val="accent2"/>
+          </a:fillRef>
+          <a:effectRef idx="2">
+            <a:schemeClr val="accent2"/>
+          </a:effectRef>
+          <a:fontRef idx="minor">
+            <a:schemeClr val="lt1"/>
+          </a:fontRef>
+        </p:style>
+        <p:txBody>
+          <a:bodyPr rot="0" spcFirstLastPara="0" vertOverflow="overflow" horzOverflow="overflow" vert="horz" wrap="square" lIns="182880" tIns="91440" rIns="182880" bIns="146304" numCol="1" spcCol="0" rtlCol="0" fromWordArt="0" anchor="t" anchorCtr="0" forceAA="0" compatLnSpc="1">
+            <a:prstTxWarp prst="textNoShape">
+              <a:avLst/>
+            </a:prstTxWarp>
+            <a:noAutofit/>
+          </a:bodyPr>
+          <a:lstStyle/>
+          <a:p>
+            <a:pPr algn="ctr" defTabSz="932472" fontAlgn="base">
+              <a:lnSpc>
+                <a:spcPct val="90000"/>
+              </a:lnSpc>
+              <a:spcBef>
+                <a:spcPct val="0"/>
+              </a:spcBef>
+              <a:spcAft>
+                <a:spcPct val="0"/>
+              </a:spcAft>
+            </a:pPr>
+            <a:r>
+              <a:rPr lang="en-US" sz="800" dirty="0">
+                <a:solidFill>
+                  <a:schemeClr val="tx1"/>
+                </a:solidFill>
+                <a:latin typeface="Arial Black" panose="020B0A04020102020204" pitchFamily="34" charset="0"/>
+                <a:ea typeface="Segoe UI" pitchFamily="34" charset="0"/>
+                <a:cs typeface="Segoe UI" pitchFamily="34" charset="0"/>
+              </a:rPr>
+              <a:t>Power BI</a:t>
+            </a:r>
+          </a:p>
+        </p:txBody>
+      </p:sp>
+      <p:sp>
+        <p:nvSpPr>
+          <p:cNvPr id="9" name="Rectangle 8">
+            <a:extLst>
+              <a:ext uri="{FF2B5EF4-FFF2-40B4-BE49-F238E27FC236}">
+                <a16:creationId xmlns:a16="http://schemas.microsoft.com/office/drawing/2014/main" id="{A8FED6D6-2471-17C5-1C52-567B65E48199}"/>
+              </a:ext>
+            </a:extLst>
+          </p:cNvPr>
+          <p:cNvSpPr/>
+          <p:nvPr/>
+        </p:nvSpPr>
+        <p:spPr bwMode="auto">
+          <a:xfrm>
+            <a:off x="698744" y="1965782"/>
+            <a:ext cx="1365555" cy="284434"/>
+          </a:xfrm>
+          <a:prstGeom prst="rect">
+            <a:avLst/>
+          </a:prstGeom>
+          <a:solidFill>
+            <a:schemeClr val="accent4">
+              <a:lumMod val="40000"/>
+              <a:lumOff val="60000"/>
+            </a:schemeClr>
+          </a:solidFill>
+          <a:ln>
+            <a:solidFill>
+              <a:schemeClr val="tx1"/>
+            </a:solidFill>
+            <a:headEnd type="none" w="med" len="med"/>
+            <a:tailEnd type="none" w="med" len="med"/>
+          </a:ln>
+          <a:effectLst/>
+        </p:spPr>
+        <p:style>
+          <a:lnRef idx="1">
+            <a:schemeClr val="accent2"/>
+          </a:lnRef>
+          <a:fillRef idx="3">
+            <a:schemeClr val="accent2"/>
+          </a:fillRef>
+          <a:effectRef idx="2">
+            <a:schemeClr val="accent2"/>
+          </a:effectRef>
+          <a:fontRef idx="minor">
+            <a:schemeClr val="lt1"/>
+          </a:fontRef>
+        </p:style>
+        <p:txBody>
+          <a:bodyPr rot="0" spcFirstLastPara="0" vertOverflow="overflow" horzOverflow="overflow" vert="horz" wrap="square" lIns="0" tIns="0" rIns="0" bIns="0" numCol="1" spcCol="0" rtlCol="0" fromWordArt="0" anchor="ctr" anchorCtr="0" forceAA="0" compatLnSpc="1">
+            <a:prstTxWarp prst="textNoShape">
+              <a:avLst/>
+            </a:prstTxWarp>
+            <a:noAutofit/>
+          </a:bodyPr>
+          <a:lstStyle/>
+          <a:p>
+            <a:pPr algn="ctr" defTabSz="932472" fontAlgn="base">
+              <a:lnSpc>
+                <a:spcPct val="90000"/>
+              </a:lnSpc>
+              <a:spcBef>
+                <a:spcPct val="0"/>
+              </a:spcBef>
+              <a:spcAft>
+                <a:spcPct val="0"/>
+              </a:spcAft>
+            </a:pPr>
+            <a:r>
+              <a:rPr lang="en-US" sz="800" b="1" dirty="0">
+                <a:solidFill>
+                  <a:schemeClr val="tx1"/>
+                </a:solidFill>
+                <a:latin typeface="Lucida Console" panose="020B0609040504020204" pitchFamily="49" charset="0"/>
+                <a:ea typeface="Segoe UI" pitchFamily="34" charset="0"/>
+                <a:cs typeface="Segoe UI" pitchFamily="34" charset="0"/>
+              </a:rPr>
+              <a:t>SemanticModel</a:t>
+            </a:r>
+          </a:p>
+        </p:txBody>
+      </p:sp>
+      <p:sp>
+        <p:nvSpPr>
+          <p:cNvPr id="10" name="Rectangle 9">
+            <a:extLst>
+              <a:ext uri="{FF2B5EF4-FFF2-40B4-BE49-F238E27FC236}">
+                <a16:creationId xmlns:a16="http://schemas.microsoft.com/office/drawing/2014/main" id="{05EFEA1D-B3E3-3105-5314-B53FC1954532}"/>
+              </a:ext>
+            </a:extLst>
+          </p:cNvPr>
+          <p:cNvSpPr/>
+          <p:nvPr/>
+        </p:nvSpPr>
+        <p:spPr bwMode="auto">
+          <a:xfrm>
+            <a:off x="698744" y="2371530"/>
+            <a:ext cx="1365555" cy="284434"/>
+          </a:xfrm>
+          <a:prstGeom prst="rect">
+            <a:avLst/>
+          </a:prstGeom>
+          <a:solidFill>
+            <a:schemeClr val="accent4">
+              <a:lumMod val="40000"/>
+              <a:lumOff val="60000"/>
+            </a:schemeClr>
+          </a:solidFill>
+          <a:ln>
+            <a:solidFill>
+              <a:schemeClr val="tx1"/>
+            </a:solidFill>
+            <a:headEnd type="none" w="med" len="med"/>
+            <a:tailEnd type="none" w="med" len="med"/>
+          </a:ln>
+          <a:effectLst/>
+        </p:spPr>
+        <p:style>
+          <a:lnRef idx="1">
+            <a:schemeClr val="accent2"/>
+          </a:lnRef>
+          <a:fillRef idx="3">
+            <a:schemeClr val="accent2"/>
+          </a:fillRef>
+          <a:effectRef idx="2">
+            <a:schemeClr val="accent2"/>
+          </a:effectRef>
+          <a:fontRef idx="minor">
+            <a:schemeClr val="lt1"/>
+          </a:fontRef>
+        </p:style>
+        <p:txBody>
+          <a:bodyPr rot="0" spcFirstLastPara="0" vertOverflow="overflow" horzOverflow="overflow" vert="horz" wrap="square" lIns="0" tIns="0" rIns="0" bIns="0" numCol="1" spcCol="0" rtlCol="0" fromWordArt="0" anchor="ctr" anchorCtr="0" forceAA="0" compatLnSpc="1">
+            <a:prstTxWarp prst="textNoShape">
+              <a:avLst/>
+            </a:prstTxWarp>
+            <a:noAutofit/>
+          </a:bodyPr>
+          <a:lstStyle/>
+          <a:p>
+            <a:pPr algn="ctr" defTabSz="932472" fontAlgn="base">
+              <a:lnSpc>
+                <a:spcPct val="90000"/>
+              </a:lnSpc>
+              <a:spcBef>
+                <a:spcPct val="0"/>
+              </a:spcBef>
+              <a:spcAft>
+                <a:spcPct val="0"/>
+              </a:spcAft>
+            </a:pPr>
+            <a:r>
+              <a:rPr lang="en-US" sz="800" b="1" dirty="0">
+                <a:solidFill>
+                  <a:schemeClr val="tx1"/>
+                </a:solidFill>
+                <a:latin typeface="Lucida Console" panose="020B0609040504020204" pitchFamily="49" charset="0"/>
+                <a:ea typeface="Segoe UI" pitchFamily="34" charset="0"/>
+                <a:cs typeface="Segoe UI" pitchFamily="34" charset="0"/>
+              </a:rPr>
+              <a:t>Report</a:t>
+            </a:r>
+          </a:p>
+        </p:txBody>
+      </p:sp>
+      <p:sp>
+        <p:nvSpPr>
+          <p:cNvPr id="11" name="Rectangle 10">
+            <a:extLst>
+              <a:ext uri="{FF2B5EF4-FFF2-40B4-BE49-F238E27FC236}">
+                <a16:creationId xmlns:a16="http://schemas.microsoft.com/office/drawing/2014/main" id="{7469910C-10D8-CD3A-B3D4-5615FCF9C50E}"/>
+              </a:ext>
+            </a:extLst>
+          </p:cNvPr>
+          <p:cNvSpPr/>
+          <p:nvPr/>
+        </p:nvSpPr>
+        <p:spPr bwMode="auto">
+          <a:xfrm>
+            <a:off x="2291871" y="1708824"/>
+            <a:ext cx="1593127" cy="2313262"/>
+          </a:xfrm>
+          <a:prstGeom prst="rect">
+            <a:avLst/>
+          </a:prstGeom>
+          <a:solidFill>
+            <a:schemeClr val="bg1"/>
+          </a:solidFill>
+          <a:ln>
+            <a:solidFill>
+              <a:schemeClr val="bg1">
+                <a:lumMod val="65000"/>
+              </a:schemeClr>
+            </a:solidFill>
+            <a:headEnd type="none" w="med" len="med"/>
+            <a:tailEnd type="none" w="med" len="med"/>
+          </a:ln>
+          <a:effectLst/>
+        </p:spPr>
+        <p:style>
+          <a:lnRef idx="1">
+            <a:schemeClr val="accent2"/>
+          </a:lnRef>
+          <a:fillRef idx="3">
+            <a:schemeClr val="accent2"/>
+          </a:fillRef>
+          <a:effectRef idx="2">
+            <a:schemeClr val="accent2"/>
+          </a:effectRef>
+          <a:fontRef idx="minor">
+            <a:schemeClr val="lt1"/>
+          </a:fontRef>
+        </p:style>
+        <p:txBody>
+          <a:bodyPr rot="0" spcFirstLastPara="0" vertOverflow="overflow" horzOverflow="overflow" vert="horz" wrap="square" lIns="182880" tIns="91440" rIns="182880" bIns="146304" numCol="1" spcCol="0" rtlCol="0" fromWordArt="0" anchor="t" anchorCtr="0" forceAA="0" compatLnSpc="1">
+            <a:prstTxWarp prst="textNoShape">
+              <a:avLst/>
+            </a:prstTxWarp>
+            <a:noAutofit/>
+          </a:bodyPr>
+          <a:lstStyle/>
+          <a:p>
+            <a:pPr algn="ctr" defTabSz="932472" fontAlgn="base">
+              <a:lnSpc>
+                <a:spcPct val="90000"/>
+              </a:lnSpc>
+              <a:spcBef>
+                <a:spcPct val="0"/>
+              </a:spcBef>
+              <a:spcAft>
+                <a:spcPct val="0"/>
+              </a:spcAft>
+            </a:pPr>
+            <a:r>
+              <a:rPr lang="en-US" sz="800" dirty="0">
+                <a:solidFill>
+                  <a:schemeClr val="tx1"/>
+                </a:solidFill>
+                <a:latin typeface="Arial Black" panose="020B0A04020102020204" pitchFamily="34" charset="0"/>
+                <a:ea typeface="Segoe UI" pitchFamily="34" charset="0"/>
+                <a:cs typeface="Segoe UI" pitchFamily="34" charset="0"/>
+              </a:rPr>
+              <a:t>Data Engineering</a:t>
+            </a:r>
+          </a:p>
+        </p:txBody>
+      </p:sp>
+      <p:sp>
+        <p:nvSpPr>
+          <p:cNvPr id="12" name="Rectangle 11">
+            <a:extLst>
+              <a:ext uri="{FF2B5EF4-FFF2-40B4-BE49-F238E27FC236}">
+                <a16:creationId xmlns:a16="http://schemas.microsoft.com/office/drawing/2014/main" id="{5DB7971D-1EA0-13B4-D1DD-301A43012E5A}"/>
+              </a:ext>
+            </a:extLst>
+          </p:cNvPr>
+          <p:cNvSpPr/>
+          <p:nvPr/>
+        </p:nvSpPr>
+        <p:spPr bwMode="auto">
+          <a:xfrm>
+            <a:off x="2401720" y="1965782"/>
+            <a:ext cx="1365555" cy="284434"/>
+          </a:xfrm>
+          <a:prstGeom prst="rect">
+            <a:avLst/>
+          </a:prstGeom>
+          <a:solidFill>
+            <a:schemeClr val="accent4">
+              <a:lumMod val="40000"/>
+              <a:lumOff val="60000"/>
+            </a:schemeClr>
+          </a:solidFill>
+          <a:ln>
+            <a:solidFill>
+              <a:schemeClr val="tx1"/>
+            </a:solidFill>
+            <a:headEnd type="none" w="med" len="med"/>
+            <a:tailEnd type="none" w="med" len="med"/>
+          </a:ln>
+          <a:effectLst/>
+        </p:spPr>
+        <p:style>
+          <a:lnRef idx="1">
+            <a:schemeClr val="accent2"/>
+          </a:lnRef>
+          <a:fillRef idx="3">
+            <a:schemeClr val="accent2"/>
+          </a:fillRef>
+          <a:effectRef idx="2">
+            <a:schemeClr val="accent2"/>
+          </a:effectRef>
+          <a:fontRef idx="minor">
+            <a:schemeClr val="lt1"/>
+          </a:fontRef>
+        </p:style>
+        <p:txBody>
+          <a:bodyPr rot="0" spcFirstLastPara="0" vertOverflow="overflow" horzOverflow="overflow" vert="horz" wrap="square" lIns="0" tIns="0" rIns="0" bIns="0" numCol="1" spcCol="0" rtlCol="0" fromWordArt="0" anchor="ctr" anchorCtr="0" forceAA="0" compatLnSpc="1">
+            <a:prstTxWarp prst="textNoShape">
+              <a:avLst/>
+            </a:prstTxWarp>
+            <a:noAutofit/>
+          </a:bodyPr>
+          <a:lstStyle/>
+          <a:p>
+            <a:pPr algn="ctr" defTabSz="932472" fontAlgn="base">
+              <a:lnSpc>
+                <a:spcPct val="90000"/>
+              </a:lnSpc>
+              <a:spcBef>
+                <a:spcPct val="0"/>
+              </a:spcBef>
+              <a:spcAft>
+                <a:spcPct val="0"/>
+              </a:spcAft>
+            </a:pPr>
+            <a:r>
+              <a:rPr lang="en-US" sz="800" b="1" dirty="0">
+                <a:solidFill>
+                  <a:schemeClr val="tx1"/>
+                </a:solidFill>
+                <a:latin typeface="Lucida Console" panose="020B0609040504020204" pitchFamily="49" charset="0"/>
+                <a:ea typeface="Segoe UI" pitchFamily="34" charset="0"/>
+                <a:cs typeface="Segoe UI" pitchFamily="34" charset="0"/>
+              </a:rPr>
+              <a:t>Lakehouse</a:t>
+            </a:r>
+          </a:p>
+        </p:txBody>
+      </p:sp>
+      <p:sp>
+        <p:nvSpPr>
+          <p:cNvPr id="13" name="Rectangle 12">
+            <a:extLst>
+              <a:ext uri="{FF2B5EF4-FFF2-40B4-BE49-F238E27FC236}">
+                <a16:creationId xmlns:a16="http://schemas.microsoft.com/office/drawing/2014/main" id="{2B9FADF1-106F-7B74-3E75-99B327FEA88D}"/>
+              </a:ext>
+            </a:extLst>
+          </p:cNvPr>
+          <p:cNvSpPr/>
+          <p:nvPr/>
+        </p:nvSpPr>
+        <p:spPr bwMode="auto">
+          <a:xfrm>
+            <a:off x="2401720" y="2371530"/>
+            <a:ext cx="1365555" cy="284434"/>
+          </a:xfrm>
+          <a:prstGeom prst="rect">
+            <a:avLst/>
+          </a:prstGeom>
+          <a:solidFill>
+            <a:schemeClr val="accent4">
+              <a:lumMod val="40000"/>
+              <a:lumOff val="60000"/>
+            </a:schemeClr>
+          </a:solidFill>
+          <a:ln>
+            <a:solidFill>
+              <a:schemeClr val="tx1"/>
+            </a:solidFill>
+            <a:headEnd type="none" w="med" len="med"/>
+            <a:tailEnd type="none" w="med" len="med"/>
+          </a:ln>
+          <a:effectLst/>
+        </p:spPr>
+        <p:style>
+          <a:lnRef idx="1">
+            <a:schemeClr val="accent2"/>
+          </a:lnRef>
+          <a:fillRef idx="3">
+            <a:schemeClr val="accent2"/>
+          </a:fillRef>
+          <a:effectRef idx="2">
+            <a:schemeClr val="accent2"/>
+          </a:effectRef>
+          <a:fontRef idx="minor">
+            <a:schemeClr val="lt1"/>
+          </a:fontRef>
+        </p:style>
+        <p:txBody>
+          <a:bodyPr rot="0" spcFirstLastPara="0" vertOverflow="overflow" horzOverflow="overflow" vert="horz" wrap="square" lIns="0" tIns="0" rIns="0" bIns="0" numCol="1" spcCol="0" rtlCol="0" fromWordArt="0" anchor="ctr" anchorCtr="0" forceAA="0" compatLnSpc="1">
+            <a:prstTxWarp prst="textNoShape">
+              <a:avLst/>
+            </a:prstTxWarp>
+            <a:noAutofit/>
+          </a:bodyPr>
+          <a:lstStyle/>
+          <a:p>
+            <a:pPr algn="ctr" defTabSz="932472" fontAlgn="base">
+              <a:lnSpc>
+                <a:spcPct val="90000"/>
+              </a:lnSpc>
+              <a:spcBef>
+                <a:spcPct val="0"/>
+              </a:spcBef>
+              <a:spcAft>
+                <a:spcPct val="0"/>
+              </a:spcAft>
+            </a:pPr>
+            <a:r>
+              <a:rPr lang="en-US" sz="800" b="1" dirty="0">
+                <a:solidFill>
+                  <a:schemeClr val="tx1"/>
+                </a:solidFill>
+                <a:latin typeface="Lucida Console" panose="020B0609040504020204" pitchFamily="49" charset="0"/>
+                <a:ea typeface="Segoe UI" pitchFamily="34" charset="0"/>
+                <a:cs typeface="Segoe UI" pitchFamily="34" charset="0"/>
+              </a:rPr>
+              <a:t>Notebook</a:t>
+            </a:r>
+          </a:p>
+        </p:txBody>
+      </p:sp>
+      <p:sp>
+        <p:nvSpPr>
+          <p:cNvPr id="14" name="Rectangle 13">
+            <a:extLst>
+              <a:ext uri="{FF2B5EF4-FFF2-40B4-BE49-F238E27FC236}">
+                <a16:creationId xmlns:a16="http://schemas.microsoft.com/office/drawing/2014/main" id="{B7E1BF39-5071-57A4-33F1-4AC7A83AFB38}"/>
+              </a:ext>
+            </a:extLst>
+          </p:cNvPr>
+          <p:cNvSpPr/>
+          <p:nvPr/>
+        </p:nvSpPr>
+        <p:spPr bwMode="auto">
+          <a:xfrm>
+            <a:off x="2401720" y="2777277"/>
+            <a:ext cx="1365555" cy="284434"/>
+          </a:xfrm>
+          <a:prstGeom prst="rect">
+            <a:avLst/>
+          </a:prstGeom>
+          <a:solidFill>
+            <a:schemeClr val="accent4">
+              <a:lumMod val="40000"/>
+              <a:lumOff val="60000"/>
+            </a:schemeClr>
+          </a:solidFill>
+          <a:ln>
+            <a:solidFill>
+              <a:schemeClr val="tx1"/>
+            </a:solidFill>
+            <a:headEnd type="none" w="med" len="med"/>
+            <a:tailEnd type="none" w="med" len="med"/>
+          </a:ln>
+          <a:effectLst/>
+        </p:spPr>
+        <p:style>
+          <a:lnRef idx="1">
+            <a:schemeClr val="accent2"/>
+          </a:lnRef>
+          <a:fillRef idx="3">
+            <a:schemeClr val="accent2"/>
+          </a:fillRef>
+          <a:effectRef idx="2">
+            <a:schemeClr val="accent2"/>
+          </a:effectRef>
+          <a:fontRef idx="minor">
+            <a:schemeClr val="lt1"/>
+          </a:fontRef>
+        </p:style>
+        <p:txBody>
+          <a:bodyPr rot="0" spcFirstLastPara="0" vertOverflow="overflow" horzOverflow="overflow" vert="horz" wrap="square" lIns="0" tIns="0" rIns="0" bIns="0" numCol="1" spcCol="0" rtlCol="0" fromWordArt="0" anchor="ctr" anchorCtr="0" forceAA="0" compatLnSpc="1">
+            <a:prstTxWarp prst="textNoShape">
+              <a:avLst/>
+            </a:prstTxWarp>
+            <a:noAutofit/>
+          </a:bodyPr>
+          <a:lstStyle/>
+          <a:p>
+            <a:pPr algn="ctr" defTabSz="932472" fontAlgn="base">
+              <a:lnSpc>
+                <a:spcPct val="90000"/>
+              </a:lnSpc>
+              <a:spcBef>
+                <a:spcPct val="0"/>
+              </a:spcBef>
+              <a:spcAft>
+                <a:spcPct val="0"/>
+              </a:spcAft>
+            </a:pPr>
+            <a:r>
+              <a:rPr lang="en-US" sz="800" b="1" dirty="0">
+                <a:solidFill>
+                  <a:schemeClr val="tx1"/>
+                </a:solidFill>
+                <a:latin typeface="Lucida Console" panose="020B0609040504020204" pitchFamily="49" charset="0"/>
+                <a:ea typeface="Segoe UI" pitchFamily="34" charset="0"/>
+                <a:cs typeface="Segoe UI" pitchFamily="34" charset="0"/>
+              </a:rPr>
+              <a:t>SparkJobDefinition</a:t>
+            </a:r>
+          </a:p>
+        </p:txBody>
+      </p:sp>
+      <p:grpSp>
+        <p:nvGrpSpPr>
+          <p:cNvPr id="15" name="Group 14">
+            <a:extLst>
+              <a:ext uri="{FF2B5EF4-FFF2-40B4-BE49-F238E27FC236}">
+                <a16:creationId xmlns:a16="http://schemas.microsoft.com/office/drawing/2014/main" id="{8942FF82-1C73-85BC-EECA-0866B08A0F6A}"/>
+              </a:ext>
+            </a:extLst>
+          </p:cNvPr>
+          <p:cNvGrpSpPr/>
+          <p:nvPr/>
+        </p:nvGrpSpPr>
+        <p:grpSpPr>
+          <a:xfrm>
+            <a:off x="5710990" y="1708826"/>
+            <a:ext cx="1593127" cy="2313260"/>
+            <a:chOff x="7655404" y="4402518"/>
+            <a:chExt cx="1518303" cy="2313260"/>
+          </a:xfrm>
+        </p:grpSpPr>
+        <p:sp>
+          <p:nvSpPr>
+            <p:cNvPr id="16" name="Rectangle 15">
+              <a:extLst>
+                <a:ext uri="{FF2B5EF4-FFF2-40B4-BE49-F238E27FC236}">
+                  <a16:creationId xmlns:a16="http://schemas.microsoft.com/office/drawing/2014/main" id="{7ECF64DB-DA95-D041-FE7C-DAF93EC888E1}"/>
+                </a:ext>
+              </a:extLst>
+            </p:cNvPr>
+            <p:cNvSpPr/>
+            <p:nvPr/>
+          </p:nvSpPr>
+          <p:spPr bwMode="auto">
+            <a:xfrm>
+              <a:off x="7655404" y="4402518"/>
+              <a:ext cx="1518303" cy="2313260"/>
+            </a:xfrm>
+            <a:prstGeom prst="rect">
+              <a:avLst/>
+            </a:prstGeom>
+            <a:solidFill>
+              <a:schemeClr val="bg1"/>
+            </a:solidFill>
+            <a:ln>
+              <a:solidFill>
+                <a:schemeClr val="bg1">
+                  <a:lumMod val="65000"/>
+                </a:schemeClr>
+              </a:solidFill>
+              <a:headEnd type="none" w="med" len="med"/>
+              <a:tailEnd type="none" w="med" len="med"/>
+            </a:ln>
+            <a:effectLst/>
+          </p:spPr>
+          <p:style>
+            <a:lnRef idx="1">
+              <a:schemeClr val="accent2"/>
+            </a:lnRef>
+            <a:fillRef idx="3">
+              <a:schemeClr val="accent2"/>
+            </a:fillRef>
+            <a:effectRef idx="2">
+              <a:schemeClr val="accent2"/>
+            </a:effectRef>
+            <a:fontRef idx="minor">
+              <a:schemeClr val="lt1"/>
+            </a:fontRef>
+          </p:style>
+          <p:txBody>
+            <a:bodyPr rot="0" spcFirstLastPara="0" vertOverflow="overflow" horzOverflow="overflow" vert="horz" wrap="square" lIns="182880" tIns="91440" rIns="182880" bIns="146304" numCol="1" spcCol="0" rtlCol="0" fromWordArt="0" anchor="t" anchorCtr="0" forceAA="0" compatLnSpc="1">
+              <a:prstTxWarp prst="textNoShape">
+                <a:avLst/>
+              </a:prstTxWarp>
+              <a:noAutofit/>
+            </a:bodyPr>
+            <a:lstStyle/>
+            <a:p>
+              <a:pPr algn="ctr" defTabSz="932472" fontAlgn="base">
+                <a:lnSpc>
+                  <a:spcPct val="90000"/>
+                </a:lnSpc>
+                <a:spcBef>
+                  <a:spcPct val="0"/>
+                </a:spcBef>
+                <a:spcAft>
+                  <a:spcPct val="0"/>
+                </a:spcAft>
+              </a:pPr>
+              <a:r>
+                <a:rPr lang="en-US" sz="800" dirty="0">
+                  <a:solidFill>
+                    <a:schemeClr val="tx1"/>
+                  </a:solidFill>
+                  <a:latin typeface="Arial Black" panose="020B0A04020102020204" pitchFamily="34" charset="0"/>
+                  <a:ea typeface="Segoe UI" pitchFamily="34" charset="0"/>
+                  <a:cs typeface="Segoe UI" pitchFamily="34" charset="0"/>
+                </a:rPr>
+                <a:t>Data Factory</a:t>
+              </a:r>
+            </a:p>
+          </p:txBody>
+        </p:sp>
+        <p:sp>
+          <p:nvSpPr>
+            <p:cNvPr id="17" name="Rectangle 16">
+              <a:extLst>
+                <a:ext uri="{FF2B5EF4-FFF2-40B4-BE49-F238E27FC236}">
+                  <a16:creationId xmlns:a16="http://schemas.microsoft.com/office/drawing/2014/main" id="{66EC51C1-9A1D-4A3F-A3E8-B89DC9F2FE81}"/>
+                </a:ext>
+              </a:extLst>
+            </p:cNvPr>
+            <p:cNvSpPr/>
+            <p:nvPr/>
+          </p:nvSpPr>
+          <p:spPr bwMode="auto">
+            <a:xfrm>
+              <a:off x="7760094" y="4659477"/>
+              <a:ext cx="1301419" cy="284434"/>
+            </a:xfrm>
+            <a:prstGeom prst="rect">
+              <a:avLst/>
+            </a:prstGeom>
+            <a:solidFill>
+              <a:schemeClr val="accent4">
+                <a:lumMod val="40000"/>
+                <a:lumOff val="60000"/>
+              </a:schemeClr>
+            </a:solidFill>
+            <a:ln>
+              <a:solidFill>
+                <a:schemeClr val="tx1"/>
+              </a:solidFill>
+              <a:headEnd type="none" w="med" len="med"/>
+              <a:tailEnd type="none" w="med" len="med"/>
+            </a:ln>
+            <a:effectLst/>
+          </p:spPr>
+          <p:style>
+            <a:lnRef idx="1">
+              <a:schemeClr val="accent2"/>
+            </a:lnRef>
+            <a:fillRef idx="3">
+              <a:schemeClr val="accent2"/>
+            </a:fillRef>
+            <a:effectRef idx="2">
+              <a:schemeClr val="accent2"/>
+            </a:effectRef>
+            <a:fontRef idx="minor">
+              <a:schemeClr val="lt1"/>
+            </a:fontRef>
+          </p:style>
+          <p:txBody>
+            <a:bodyPr rot="0" spcFirstLastPara="0" vertOverflow="overflow" horzOverflow="overflow" vert="horz" wrap="square" lIns="0" tIns="0" rIns="0" bIns="0" numCol="1" spcCol="0" rtlCol="0" fromWordArt="0" anchor="ctr" anchorCtr="0" forceAA="0" compatLnSpc="1">
+              <a:prstTxWarp prst="textNoShape">
+                <a:avLst/>
+              </a:prstTxWarp>
+              <a:noAutofit/>
+            </a:bodyPr>
+            <a:lstStyle/>
+            <a:p>
+              <a:pPr algn="ctr" defTabSz="932472" fontAlgn="base">
+                <a:lnSpc>
+                  <a:spcPct val="90000"/>
+                </a:lnSpc>
+                <a:spcBef>
+                  <a:spcPct val="0"/>
+                </a:spcBef>
+                <a:spcAft>
+                  <a:spcPct val="0"/>
+                </a:spcAft>
+              </a:pPr>
+              <a:r>
+                <a:rPr lang="en-US" sz="800" b="1" dirty="0">
+                  <a:solidFill>
+                    <a:schemeClr val="tx1"/>
+                  </a:solidFill>
+                  <a:latin typeface="Lucida Console" panose="020B0609040504020204" pitchFamily="49" charset="0"/>
+                  <a:ea typeface="Segoe UI" pitchFamily="34" charset="0"/>
+                  <a:cs typeface="Segoe UI" pitchFamily="34" charset="0"/>
+                </a:rPr>
+                <a:t>DataPipeline</a:t>
+              </a:r>
+            </a:p>
+          </p:txBody>
+        </p:sp>
+        <p:sp>
+          <p:nvSpPr>
+            <p:cNvPr id="18" name="Rectangle 17">
+              <a:extLst>
+                <a:ext uri="{FF2B5EF4-FFF2-40B4-BE49-F238E27FC236}">
+                  <a16:creationId xmlns:a16="http://schemas.microsoft.com/office/drawing/2014/main" id="{1A2701CF-4FAB-393A-07BA-8CD4FC8E9AA8}"/>
+                </a:ext>
+              </a:extLst>
+            </p:cNvPr>
+            <p:cNvSpPr/>
+            <p:nvPr/>
+          </p:nvSpPr>
+          <p:spPr bwMode="auto">
+            <a:xfrm>
+              <a:off x="7760094" y="5065225"/>
+              <a:ext cx="1301419" cy="284434"/>
+            </a:xfrm>
+            <a:prstGeom prst="rect">
+              <a:avLst/>
+            </a:prstGeom>
+            <a:solidFill>
+              <a:schemeClr val="accent4">
+                <a:lumMod val="40000"/>
+                <a:lumOff val="60000"/>
+              </a:schemeClr>
+            </a:solidFill>
+            <a:ln>
+              <a:solidFill>
+                <a:schemeClr val="tx1"/>
+              </a:solidFill>
+              <a:headEnd type="none" w="med" len="med"/>
+              <a:tailEnd type="none" w="med" len="med"/>
+            </a:ln>
+            <a:effectLst/>
+          </p:spPr>
+          <p:style>
+            <a:lnRef idx="1">
+              <a:schemeClr val="accent2"/>
+            </a:lnRef>
+            <a:fillRef idx="3">
+              <a:schemeClr val="accent2"/>
+            </a:fillRef>
+            <a:effectRef idx="2">
+              <a:schemeClr val="accent2"/>
+            </a:effectRef>
+            <a:fontRef idx="minor">
+              <a:schemeClr val="lt1"/>
+            </a:fontRef>
+          </p:style>
+          <p:txBody>
+            <a:bodyPr rot="0" spcFirstLastPara="0" vertOverflow="overflow" horzOverflow="overflow" vert="horz" wrap="square" lIns="0" tIns="0" rIns="0" bIns="0" numCol="1" spcCol="0" rtlCol="0" fromWordArt="0" anchor="ctr" anchorCtr="0" forceAA="0" compatLnSpc="1">
+              <a:prstTxWarp prst="textNoShape">
+                <a:avLst/>
+              </a:prstTxWarp>
+              <a:noAutofit/>
+            </a:bodyPr>
+            <a:lstStyle/>
+            <a:p>
+              <a:pPr algn="ctr" defTabSz="932472" fontAlgn="base">
+                <a:lnSpc>
+                  <a:spcPct val="90000"/>
+                </a:lnSpc>
+                <a:spcBef>
+                  <a:spcPct val="0"/>
+                </a:spcBef>
+                <a:spcAft>
+                  <a:spcPct val="0"/>
+                </a:spcAft>
+              </a:pPr>
+              <a:r>
+                <a:rPr lang="en-US" sz="800" b="1" dirty="0">
+                  <a:solidFill>
+                    <a:schemeClr val="tx1"/>
+                  </a:solidFill>
+                  <a:latin typeface="Lucida Console" panose="020B0609040504020204" pitchFamily="49" charset="0"/>
+                  <a:ea typeface="Segoe UI" pitchFamily="34" charset="0"/>
+                  <a:cs typeface="Segoe UI" pitchFamily="34" charset="0"/>
+                </a:rPr>
+                <a:t>Dataflow</a:t>
+              </a:r>
+            </a:p>
+          </p:txBody>
+        </p:sp>
+      </p:grpSp>
+      <p:sp>
+        <p:nvSpPr>
+          <p:cNvPr id="19" name="Rectangle 18">
+            <a:extLst>
+              <a:ext uri="{FF2B5EF4-FFF2-40B4-BE49-F238E27FC236}">
+                <a16:creationId xmlns:a16="http://schemas.microsoft.com/office/drawing/2014/main" id="{3F2725FD-2092-176B-E359-3609C7C5D619}"/>
+              </a:ext>
+            </a:extLst>
+          </p:cNvPr>
+          <p:cNvSpPr/>
+          <p:nvPr/>
+        </p:nvSpPr>
+        <p:spPr bwMode="auto">
+          <a:xfrm>
+            <a:off x="4001430" y="1715172"/>
+            <a:ext cx="1593127" cy="2313262"/>
+          </a:xfrm>
+          <a:prstGeom prst="rect">
+            <a:avLst/>
+          </a:prstGeom>
+          <a:solidFill>
+            <a:schemeClr val="bg1"/>
+          </a:solidFill>
+          <a:ln>
+            <a:solidFill>
+              <a:schemeClr val="bg1">
+                <a:lumMod val="65000"/>
+              </a:schemeClr>
+            </a:solidFill>
+            <a:headEnd type="none" w="med" len="med"/>
+            <a:tailEnd type="none" w="med" len="med"/>
+          </a:ln>
+          <a:effectLst/>
+        </p:spPr>
+        <p:style>
+          <a:lnRef idx="1">
+            <a:schemeClr val="accent2"/>
+          </a:lnRef>
+          <a:fillRef idx="3">
+            <a:schemeClr val="accent2"/>
+          </a:fillRef>
+          <a:effectRef idx="2">
+            <a:schemeClr val="accent2"/>
+          </a:effectRef>
+          <a:fontRef idx="minor">
+            <a:schemeClr val="lt1"/>
+          </a:fontRef>
+        </p:style>
+        <p:txBody>
+          <a:bodyPr rot="0" spcFirstLastPara="0" vertOverflow="overflow" horzOverflow="overflow" vert="horz" wrap="square" lIns="182880" tIns="91440" rIns="182880" bIns="146304" numCol="1" spcCol="0" rtlCol="0" fromWordArt="0" anchor="t" anchorCtr="0" forceAA="0" compatLnSpc="1">
+            <a:prstTxWarp prst="textNoShape">
+              <a:avLst/>
+            </a:prstTxWarp>
+            <a:noAutofit/>
+          </a:bodyPr>
+          <a:lstStyle/>
+          <a:p>
+            <a:pPr algn="ctr" defTabSz="932472" fontAlgn="base">
+              <a:lnSpc>
+                <a:spcPct val="90000"/>
+              </a:lnSpc>
+              <a:spcBef>
+                <a:spcPct val="0"/>
+              </a:spcBef>
+              <a:spcAft>
+                <a:spcPct val="0"/>
+              </a:spcAft>
+            </a:pPr>
+            <a:r>
+              <a:rPr lang="en-US" sz="800" dirty="0">
+                <a:solidFill>
+                  <a:schemeClr val="tx1"/>
+                </a:solidFill>
+                <a:latin typeface="Arial Black" panose="020B0A04020102020204" pitchFamily="34" charset="0"/>
+                <a:ea typeface="Segoe UI" pitchFamily="34" charset="0"/>
+                <a:cs typeface="Segoe UI" pitchFamily="34" charset="0"/>
+              </a:rPr>
+              <a:t>Data Warehouse</a:t>
+            </a:r>
+          </a:p>
+        </p:txBody>
+      </p:sp>
+      <p:sp>
+        <p:nvSpPr>
+          <p:cNvPr id="20" name="Rectangle 19">
+            <a:extLst>
+              <a:ext uri="{FF2B5EF4-FFF2-40B4-BE49-F238E27FC236}">
+                <a16:creationId xmlns:a16="http://schemas.microsoft.com/office/drawing/2014/main" id="{72EE54D6-47FD-4296-1345-AB2C75E91278}"/>
+              </a:ext>
+            </a:extLst>
+          </p:cNvPr>
+          <p:cNvSpPr/>
+          <p:nvPr/>
+        </p:nvSpPr>
+        <p:spPr bwMode="auto">
+          <a:xfrm>
+            <a:off x="4111281" y="1972130"/>
+            <a:ext cx="1365555" cy="284434"/>
+          </a:xfrm>
+          <a:prstGeom prst="rect">
+            <a:avLst/>
+          </a:prstGeom>
+          <a:solidFill>
+            <a:schemeClr val="accent4">
+              <a:lumMod val="40000"/>
+              <a:lumOff val="60000"/>
+            </a:schemeClr>
+          </a:solidFill>
+          <a:ln>
+            <a:solidFill>
+              <a:schemeClr val="tx1"/>
+            </a:solidFill>
+            <a:headEnd type="none" w="med" len="med"/>
+            <a:tailEnd type="none" w="med" len="med"/>
+          </a:ln>
+          <a:effectLst/>
+        </p:spPr>
+        <p:style>
+          <a:lnRef idx="1">
+            <a:schemeClr val="accent2"/>
+          </a:lnRef>
+          <a:fillRef idx="3">
+            <a:schemeClr val="accent2"/>
+          </a:fillRef>
+          <a:effectRef idx="2">
+            <a:schemeClr val="accent2"/>
+          </a:effectRef>
+          <a:fontRef idx="minor">
+            <a:schemeClr val="lt1"/>
+          </a:fontRef>
+        </p:style>
+        <p:txBody>
+          <a:bodyPr rot="0" spcFirstLastPara="0" vertOverflow="overflow" horzOverflow="overflow" vert="horz" wrap="square" lIns="0" tIns="0" rIns="0" bIns="0" numCol="1" spcCol="0" rtlCol="0" fromWordArt="0" anchor="ctr" anchorCtr="0" forceAA="0" compatLnSpc="1">
+            <a:prstTxWarp prst="textNoShape">
+              <a:avLst/>
+            </a:prstTxWarp>
+            <a:noAutofit/>
+          </a:bodyPr>
+          <a:lstStyle/>
+          <a:p>
+            <a:pPr algn="ctr" defTabSz="932472" fontAlgn="base">
+              <a:lnSpc>
+                <a:spcPct val="90000"/>
+              </a:lnSpc>
+              <a:spcBef>
+                <a:spcPct val="0"/>
+              </a:spcBef>
+              <a:spcAft>
+                <a:spcPct val="0"/>
+              </a:spcAft>
+            </a:pPr>
+            <a:r>
+              <a:rPr lang="en-US" sz="800" b="1" dirty="0">
+                <a:solidFill>
+                  <a:schemeClr val="tx1"/>
+                </a:solidFill>
+                <a:latin typeface="Lucida Console" panose="020B0609040504020204" pitchFamily="49" charset="0"/>
+                <a:ea typeface="Segoe UI" pitchFamily="34" charset="0"/>
+                <a:cs typeface="Segoe UI" pitchFamily="34" charset="0"/>
+              </a:rPr>
+              <a:t>Warehouse</a:t>
+            </a:r>
+          </a:p>
+        </p:txBody>
+      </p:sp>
+      <p:sp>
+        <p:nvSpPr>
+          <p:cNvPr id="21" name="Rectangle 20">
+            <a:extLst>
+              <a:ext uri="{FF2B5EF4-FFF2-40B4-BE49-F238E27FC236}">
+                <a16:creationId xmlns:a16="http://schemas.microsoft.com/office/drawing/2014/main" id="{092AB011-91DA-38B6-20FD-2ECFDD9D72AD}"/>
+              </a:ext>
+            </a:extLst>
+          </p:cNvPr>
+          <p:cNvSpPr/>
+          <p:nvPr/>
+        </p:nvSpPr>
+        <p:spPr bwMode="auto">
+          <a:xfrm>
+            <a:off x="4107646" y="2371648"/>
+            <a:ext cx="1365555" cy="284434"/>
+          </a:xfrm>
+          <a:prstGeom prst="rect">
+            <a:avLst/>
+          </a:prstGeom>
+          <a:solidFill>
+            <a:schemeClr val="accent4">
+              <a:lumMod val="40000"/>
+              <a:lumOff val="60000"/>
+            </a:schemeClr>
+          </a:solidFill>
+          <a:ln>
+            <a:solidFill>
+              <a:schemeClr val="tx1"/>
+            </a:solidFill>
+            <a:headEnd type="none" w="med" len="med"/>
+            <a:tailEnd type="none" w="med" len="med"/>
+          </a:ln>
+          <a:effectLst/>
+        </p:spPr>
+        <p:style>
+          <a:lnRef idx="1">
+            <a:schemeClr val="accent2"/>
+          </a:lnRef>
+          <a:fillRef idx="3">
+            <a:schemeClr val="accent2"/>
+          </a:fillRef>
+          <a:effectRef idx="2">
+            <a:schemeClr val="accent2"/>
+          </a:effectRef>
+          <a:fontRef idx="minor">
+            <a:schemeClr val="lt1"/>
+          </a:fontRef>
+        </p:style>
+        <p:txBody>
+          <a:bodyPr rot="0" spcFirstLastPara="0" vertOverflow="overflow" horzOverflow="overflow" vert="horz" wrap="square" lIns="0" tIns="0" rIns="0" bIns="0" numCol="1" spcCol="0" rtlCol="0" fromWordArt="0" anchor="ctr" anchorCtr="0" forceAA="0" compatLnSpc="1">
+            <a:prstTxWarp prst="textNoShape">
+              <a:avLst/>
+            </a:prstTxWarp>
+            <a:noAutofit/>
+          </a:bodyPr>
+          <a:lstStyle/>
+          <a:p>
+            <a:pPr algn="ctr" defTabSz="932472" fontAlgn="base">
+              <a:lnSpc>
+                <a:spcPct val="90000"/>
+              </a:lnSpc>
+              <a:spcBef>
+                <a:spcPct val="0"/>
+              </a:spcBef>
+              <a:spcAft>
+                <a:spcPct val="0"/>
+              </a:spcAft>
+            </a:pPr>
+            <a:r>
+              <a:rPr lang="en-US" sz="800" b="1" dirty="0">
+                <a:solidFill>
+                  <a:schemeClr val="tx1"/>
+                </a:solidFill>
+                <a:latin typeface="Lucida Console" panose="020B0609040504020204" pitchFamily="49" charset="0"/>
+                <a:ea typeface="Segoe UI" pitchFamily="34" charset="0"/>
+                <a:cs typeface="Segoe UI" pitchFamily="34" charset="0"/>
+              </a:rPr>
+              <a:t>MirroredWarehouse</a:t>
+            </a:r>
+          </a:p>
+        </p:txBody>
+      </p:sp>
+      <p:sp>
+        <p:nvSpPr>
+          <p:cNvPr id="22" name="Rectangle 21">
+            <a:extLst>
+              <a:ext uri="{FF2B5EF4-FFF2-40B4-BE49-F238E27FC236}">
+                <a16:creationId xmlns:a16="http://schemas.microsoft.com/office/drawing/2014/main" id="{917AF550-AB94-5197-5244-AC7884331014}"/>
+              </a:ext>
+            </a:extLst>
+          </p:cNvPr>
+          <p:cNvSpPr/>
+          <p:nvPr/>
+        </p:nvSpPr>
+        <p:spPr bwMode="auto">
+          <a:xfrm>
+            <a:off x="7411198" y="1708823"/>
+            <a:ext cx="1593127" cy="2319609"/>
+          </a:xfrm>
+          <a:prstGeom prst="rect">
+            <a:avLst/>
+          </a:prstGeom>
+          <a:solidFill>
+            <a:schemeClr val="bg1"/>
+          </a:solidFill>
+          <a:ln>
+            <a:solidFill>
+              <a:schemeClr val="bg1">
+                <a:lumMod val="65000"/>
+              </a:schemeClr>
+            </a:solidFill>
+            <a:headEnd type="none" w="med" len="med"/>
+            <a:tailEnd type="none" w="med" len="med"/>
+          </a:ln>
+          <a:effectLst/>
+        </p:spPr>
+        <p:style>
+          <a:lnRef idx="1">
+            <a:schemeClr val="accent2"/>
+          </a:lnRef>
+          <a:fillRef idx="3">
+            <a:schemeClr val="accent2"/>
+          </a:fillRef>
+          <a:effectRef idx="2">
+            <a:schemeClr val="accent2"/>
+          </a:effectRef>
+          <a:fontRef idx="minor">
+            <a:schemeClr val="lt1"/>
+          </a:fontRef>
+        </p:style>
+        <p:txBody>
+          <a:bodyPr rot="0" spcFirstLastPara="0" vertOverflow="overflow" horzOverflow="overflow" vert="horz" wrap="square" lIns="182880" tIns="91440" rIns="182880" bIns="146304" numCol="1" spcCol="0" rtlCol="0" fromWordArt="0" anchor="t" anchorCtr="0" forceAA="0" compatLnSpc="1">
+            <a:prstTxWarp prst="textNoShape">
+              <a:avLst/>
+            </a:prstTxWarp>
+            <a:noAutofit/>
+          </a:bodyPr>
+          <a:lstStyle/>
+          <a:p>
+            <a:pPr algn="ctr" defTabSz="932472" fontAlgn="base">
+              <a:lnSpc>
+                <a:spcPct val="90000"/>
+              </a:lnSpc>
+              <a:spcBef>
+                <a:spcPct val="0"/>
+              </a:spcBef>
+              <a:spcAft>
+                <a:spcPct val="0"/>
+              </a:spcAft>
+            </a:pPr>
+            <a:r>
+              <a:rPr lang="en-US" sz="800" dirty="0">
+                <a:solidFill>
+                  <a:schemeClr val="tx1"/>
+                </a:solidFill>
+                <a:latin typeface="Arial Black" panose="020B0A04020102020204" pitchFamily="34" charset="0"/>
+                <a:ea typeface="Segoe UI" pitchFamily="34" charset="0"/>
+                <a:cs typeface="Segoe UI" pitchFamily="34" charset="0"/>
+              </a:rPr>
+              <a:t>Real-time Intelligence</a:t>
+            </a:r>
+          </a:p>
+        </p:txBody>
+      </p:sp>
+      <p:sp>
+        <p:nvSpPr>
+          <p:cNvPr id="23" name="Rectangle 22">
+            <a:extLst>
+              <a:ext uri="{FF2B5EF4-FFF2-40B4-BE49-F238E27FC236}">
+                <a16:creationId xmlns:a16="http://schemas.microsoft.com/office/drawing/2014/main" id="{F20658CE-4FEA-D97E-1039-38CB8556D505}"/>
+              </a:ext>
+            </a:extLst>
+          </p:cNvPr>
+          <p:cNvSpPr/>
+          <p:nvPr/>
+        </p:nvSpPr>
+        <p:spPr bwMode="auto">
+          <a:xfrm>
+            <a:off x="7521047" y="2381125"/>
+            <a:ext cx="1365555" cy="284434"/>
+          </a:xfrm>
+          <a:prstGeom prst="rect">
+            <a:avLst/>
+          </a:prstGeom>
+          <a:solidFill>
+            <a:schemeClr val="accent4">
+              <a:lumMod val="40000"/>
+              <a:lumOff val="60000"/>
+            </a:schemeClr>
+          </a:solidFill>
+          <a:ln>
+            <a:solidFill>
+              <a:schemeClr val="tx1"/>
+            </a:solidFill>
+            <a:headEnd type="none" w="med" len="med"/>
+            <a:tailEnd type="none" w="med" len="med"/>
+          </a:ln>
+          <a:effectLst/>
+        </p:spPr>
+        <p:style>
+          <a:lnRef idx="1">
+            <a:schemeClr val="accent2"/>
+          </a:lnRef>
+          <a:fillRef idx="3">
+            <a:schemeClr val="accent2"/>
+          </a:fillRef>
+          <a:effectRef idx="2">
+            <a:schemeClr val="accent2"/>
+          </a:effectRef>
+          <a:fontRef idx="minor">
+            <a:schemeClr val="lt1"/>
+          </a:fontRef>
+        </p:style>
+        <p:txBody>
+          <a:bodyPr rot="0" spcFirstLastPara="0" vertOverflow="overflow" horzOverflow="overflow" vert="horz" wrap="square" lIns="0" tIns="0" rIns="0" bIns="0" numCol="1" spcCol="0" rtlCol="0" fromWordArt="0" anchor="ctr" anchorCtr="0" forceAA="0" compatLnSpc="1">
+            <a:prstTxWarp prst="textNoShape">
+              <a:avLst/>
+            </a:prstTxWarp>
+            <a:noAutofit/>
+          </a:bodyPr>
+          <a:lstStyle/>
+          <a:p>
+            <a:pPr algn="ctr" defTabSz="932472" fontAlgn="base">
+              <a:lnSpc>
+                <a:spcPct val="90000"/>
+              </a:lnSpc>
+              <a:spcBef>
+                <a:spcPct val="0"/>
+              </a:spcBef>
+              <a:spcAft>
+                <a:spcPct val="0"/>
+              </a:spcAft>
+            </a:pPr>
+            <a:r>
+              <a:rPr lang="en-US" sz="800" b="1" dirty="0">
+                <a:solidFill>
+                  <a:schemeClr val="tx1"/>
+                </a:solidFill>
+                <a:latin typeface="Lucida Console" panose="020B0609040504020204" pitchFamily="49" charset="0"/>
+                <a:ea typeface="Segoe UI" pitchFamily="34" charset="0"/>
+                <a:cs typeface="Segoe UI" pitchFamily="34" charset="0"/>
+              </a:rPr>
+              <a:t>Eventstream</a:t>
+            </a:r>
+          </a:p>
+        </p:txBody>
+      </p:sp>
+      <p:sp>
+        <p:nvSpPr>
+          <p:cNvPr id="24" name="Rectangle 23">
+            <a:extLst>
+              <a:ext uri="{FF2B5EF4-FFF2-40B4-BE49-F238E27FC236}">
+                <a16:creationId xmlns:a16="http://schemas.microsoft.com/office/drawing/2014/main" id="{94CD4228-5FC4-B75A-B8AC-2E232A7CC767}"/>
+              </a:ext>
+            </a:extLst>
+          </p:cNvPr>
+          <p:cNvSpPr/>
+          <p:nvPr/>
+        </p:nvSpPr>
+        <p:spPr bwMode="auto">
+          <a:xfrm>
+            <a:off x="7521047" y="2793160"/>
+            <a:ext cx="1365555" cy="284434"/>
+          </a:xfrm>
+          <a:prstGeom prst="rect">
+            <a:avLst/>
+          </a:prstGeom>
+          <a:solidFill>
+            <a:schemeClr val="accent4">
+              <a:lumMod val="40000"/>
+              <a:lumOff val="60000"/>
+            </a:schemeClr>
+          </a:solidFill>
+          <a:ln>
+            <a:solidFill>
+              <a:schemeClr val="tx1"/>
+            </a:solidFill>
+            <a:headEnd type="none" w="med" len="med"/>
+            <a:tailEnd type="none" w="med" len="med"/>
+          </a:ln>
+          <a:effectLst/>
+        </p:spPr>
+        <p:style>
+          <a:lnRef idx="1">
+            <a:schemeClr val="accent2"/>
+          </a:lnRef>
+          <a:fillRef idx="3">
+            <a:schemeClr val="accent2"/>
+          </a:fillRef>
+          <a:effectRef idx="2">
+            <a:schemeClr val="accent2"/>
+          </a:effectRef>
+          <a:fontRef idx="minor">
+            <a:schemeClr val="lt1"/>
+          </a:fontRef>
+        </p:style>
+        <p:txBody>
+          <a:bodyPr rot="0" spcFirstLastPara="0" vertOverflow="overflow" horzOverflow="overflow" vert="horz" wrap="square" lIns="0" tIns="0" rIns="0" bIns="0" numCol="1" spcCol="0" rtlCol="0" fromWordArt="0" anchor="ctr" anchorCtr="0" forceAA="0" compatLnSpc="1">
+            <a:prstTxWarp prst="textNoShape">
+              <a:avLst/>
+            </a:prstTxWarp>
+            <a:noAutofit/>
+          </a:bodyPr>
+          <a:lstStyle/>
+          <a:p>
+            <a:pPr algn="ctr" defTabSz="932472" fontAlgn="base">
+              <a:lnSpc>
+                <a:spcPct val="90000"/>
+              </a:lnSpc>
+              <a:spcBef>
+                <a:spcPct val="0"/>
+              </a:spcBef>
+              <a:spcAft>
+                <a:spcPct val="0"/>
+              </a:spcAft>
+            </a:pPr>
+            <a:r>
+              <a:rPr lang="en-US" sz="800" b="1" dirty="0">
+                <a:solidFill>
+                  <a:schemeClr val="tx1"/>
+                </a:solidFill>
+                <a:latin typeface="Lucida Console" panose="020B0609040504020204" pitchFamily="49" charset="0"/>
+                <a:ea typeface="Segoe UI" pitchFamily="34" charset="0"/>
+                <a:cs typeface="Segoe UI" pitchFamily="34" charset="0"/>
+              </a:rPr>
+              <a:t>KQLDatabase</a:t>
+            </a:r>
+          </a:p>
+        </p:txBody>
+      </p:sp>
+      <p:sp>
+        <p:nvSpPr>
+          <p:cNvPr id="25" name="Rectangle 24">
+            <a:extLst>
+              <a:ext uri="{FF2B5EF4-FFF2-40B4-BE49-F238E27FC236}">
+                <a16:creationId xmlns:a16="http://schemas.microsoft.com/office/drawing/2014/main" id="{D78A9455-4B99-332C-8A03-793040CEE4AA}"/>
+              </a:ext>
+            </a:extLst>
+          </p:cNvPr>
+          <p:cNvSpPr/>
+          <p:nvPr/>
+        </p:nvSpPr>
+        <p:spPr bwMode="auto">
+          <a:xfrm>
+            <a:off x="7521047" y="3205195"/>
+            <a:ext cx="1365555" cy="284434"/>
+          </a:xfrm>
+          <a:prstGeom prst="rect">
+            <a:avLst/>
+          </a:prstGeom>
+          <a:solidFill>
+            <a:schemeClr val="accent4">
+              <a:lumMod val="40000"/>
+              <a:lumOff val="60000"/>
+            </a:schemeClr>
+          </a:solidFill>
+          <a:ln>
+            <a:solidFill>
+              <a:schemeClr val="tx1"/>
+            </a:solidFill>
+            <a:headEnd type="none" w="med" len="med"/>
+            <a:tailEnd type="none" w="med" len="med"/>
+          </a:ln>
+          <a:effectLst/>
+        </p:spPr>
+        <p:style>
+          <a:lnRef idx="1">
+            <a:schemeClr val="accent2"/>
+          </a:lnRef>
+          <a:fillRef idx="3">
+            <a:schemeClr val="accent2"/>
+          </a:fillRef>
+          <a:effectRef idx="2">
+            <a:schemeClr val="accent2"/>
+          </a:effectRef>
+          <a:fontRef idx="minor">
+            <a:schemeClr val="lt1"/>
+          </a:fontRef>
+        </p:style>
+        <p:txBody>
+          <a:bodyPr rot="0" spcFirstLastPara="0" vertOverflow="overflow" horzOverflow="overflow" vert="horz" wrap="square" lIns="0" tIns="0" rIns="0" bIns="0" numCol="1" spcCol="0" rtlCol="0" fromWordArt="0" anchor="ctr" anchorCtr="0" forceAA="0" compatLnSpc="1">
+            <a:prstTxWarp prst="textNoShape">
+              <a:avLst/>
+            </a:prstTxWarp>
+            <a:noAutofit/>
+          </a:bodyPr>
+          <a:lstStyle/>
+          <a:p>
+            <a:pPr algn="ctr" defTabSz="932472" fontAlgn="base">
+              <a:lnSpc>
+                <a:spcPct val="90000"/>
+              </a:lnSpc>
+              <a:spcBef>
+                <a:spcPct val="0"/>
+              </a:spcBef>
+              <a:spcAft>
+                <a:spcPct val="0"/>
+              </a:spcAft>
+            </a:pPr>
+            <a:r>
+              <a:rPr lang="en-US" sz="800" b="1" dirty="0">
+                <a:solidFill>
+                  <a:schemeClr val="tx1"/>
+                </a:solidFill>
+                <a:latin typeface="Lucida Console" panose="020B0609040504020204" pitchFamily="49" charset="0"/>
+                <a:ea typeface="Segoe UI" pitchFamily="34" charset="0"/>
+                <a:cs typeface="Segoe UI" pitchFamily="34" charset="0"/>
+              </a:rPr>
+              <a:t>KQLQueryset</a:t>
+            </a:r>
+          </a:p>
+        </p:txBody>
+      </p:sp>
+      <p:sp>
+        <p:nvSpPr>
+          <p:cNvPr id="26" name="Rectangle 25">
+            <a:extLst>
+              <a:ext uri="{FF2B5EF4-FFF2-40B4-BE49-F238E27FC236}">
+                <a16:creationId xmlns:a16="http://schemas.microsoft.com/office/drawing/2014/main" id="{51020CB7-3D3E-10BD-E50D-794C05E2C23F}"/>
+              </a:ext>
+            </a:extLst>
+          </p:cNvPr>
+          <p:cNvSpPr/>
+          <p:nvPr/>
+        </p:nvSpPr>
+        <p:spPr bwMode="auto">
+          <a:xfrm>
+            <a:off x="2412771" y="3199452"/>
+            <a:ext cx="1365555" cy="284434"/>
+          </a:xfrm>
+          <a:prstGeom prst="rect">
+            <a:avLst/>
+          </a:prstGeom>
+          <a:solidFill>
+            <a:schemeClr val="accent4">
+              <a:lumMod val="40000"/>
+              <a:lumOff val="60000"/>
+            </a:schemeClr>
+          </a:solidFill>
+          <a:ln>
+            <a:solidFill>
+              <a:schemeClr val="tx1"/>
+            </a:solidFill>
+            <a:headEnd type="none" w="med" len="med"/>
+            <a:tailEnd type="none" w="med" len="med"/>
+          </a:ln>
+          <a:effectLst/>
+        </p:spPr>
+        <p:style>
+          <a:lnRef idx="1">
+            <a:schemeClr val="accent2"/>
+          </a:lnRef>
+          <a:fillRef idx="3">
+            <a:schemeClr val="accent2"/>
+          </a:fillRef>
+          <a:effectRef idx="2">
+            <a:schemeClr val="accent2"/>
+          </a:effectRef>
+          <a:fontRef idx="minor">
+            <a:schemeClr val="lt1"/>
+          </a:fontRef>
+        </p:style>
+        <p:txBody>
+          <a:bodyPr rot="0" spcFirstLastPara="0" vertOverflow="overflow" horzOverflow="overflow" vert="horz" wrap="square" lIns="0" tIns="0" rIns="0" bIns="0" numCol="1" spcCol="0" rtlCol="0" fromWordArt="0" anchor="ctr" anchorCtr="0" forceAA="0" compatLnSpc="1">
+            <a:prstTxWarp prst="textNoShape">
+              <a:avLst/>
+            </a:prstTxWarp>
+            <a:noAutofit/>
+          </a:bodyPr>
+          <a:lstStyle/>
+          <a:p>
+            <a:pPr algn="ctr" defTabSz="932472" fontAlgn="base">
+              <a:lnSpc>
+                <a:spcPct val="90000"/>
+              </a:lnSpc>
+              <a:spcBef>
+                <a:spcPct val="0"/>
+              </a:spcBef>
+              <a:spcAft>
+                <a:spcPct val="0"/>
+              </a:spcAft>
+            </a:pPr>
+            <a:r>
+              <a:rPr lang="en-US" sz="800" b="1" dirty="0">
+                <a:solidFill>
+                  <a:schemeClr val="tx1"/>
+                </a:solidFill>
+                <a:latin typeface="Lucida Console" panose="020B0609040504020204" pitchFamily="49" charset="0"/>
+                <a:ea typeface="Segoe UI" pitchFamily="34" charset="0"/>
+                <a:cs typeface="Segoe UI" pitchFamily="34" charset="0"/>
+              </a:rPr>
+              <a:t>Environment</a:t>
+            </a:r>
+          </a:p>
+        </p:txBody>
+      </p:sp>
+      <p:sp>
+        <p:nvSpPr>
+          <p:cNvPr id="27" name="Rectangle 26">
+            <a:extLst>
+              <a:ext uri="{FF2B5EF4-FFF2-40B4-BE49-F238E27FC236}">
+                <a16:creationId xmlns:a16="http://schemas.microsoft.com/office/drawing/2014/main" id="{BE1E1161-09D3-1A66-5356-5FB073FDE55B}"/>
+              </a:ext>
+            </a:extLst>
+          </p:cNvPr>
+          <p:cNvSpPr/>
+          <p:nvPr/>
+        </p:nvSpPr>
+        <p:spPr bwMode="auto">
+          <a:xfrm>
+            <a:off x="9069306" y="1702199"/>
+            <a:ext cx="1593127" cy="2313260"/>
+          </a:xfrm>
+          <a:prstGeom prst="rect">
+            <a:avLst/>
+          </a:prstGeom>
+          <a:solidFill>
+            <a:schemeClr val="bg1"/>
+          </a:solidFill>
+          <a:ln>
+            <a:solidFill>
+              <a:schemeClr val="bg1">
+                <a:lumMod val="65000"/>
+              </a:schemeClr>
+            </a:solidFill>
+            <a:headEnd type="none" w="med" len="med"/>
+            <a:tailEnd type="none" w="med" len="med"/>
+          </a:ln>
+          <a:effectLst/>
+        </p:spPr>
+        <p:style>
+          <a:lnRef idx="1">
+            <a:schemeClr val="accent2"/>
+          </a:lnRef>
+          <a:fillRef idx="3">
+            <a:schemeClr val="accent2"/>
+          </a:fillRef>
+          <a:effectRef idx="2">
+            <a:schemeClr val="accent2"/>
+          </a:effectRef>
+          <a:fontRef idx="minor">
+            <a:schemeClr val="lt1"/>
+          </a:fontRef>
+        </p:style>
+        <p:txBody>
+          <a:bodyPr rot="0" spcFirstLastPara="0" vertOverflow="overflow" horzOverflow="overflow" vert="horz" wrap="square" lIns="182880" tIns="91440" rIns="182880" bIns="146304" numCol="1" spcCol="0" rtlCol="0" fromWordArt="0" anchor="t" anchorCtr="0" forceAA="0" compatLnSpc="1">
+            <a:prstTxWarp prst="textNoShape">
+              <a:avLst/>
+            </a:prstTxWarp>
+            <a:noAutofit/>
+          </a:bodyPr>
+          <a:lstStyle/>
+          <a:p>
+            <a:pPr algn="ctr" defTabSz="932472" fontAlgn="base">
+              <a:lnSpc>
+                <a:spcPct val="90000"/>
+              </a:lnSpc>
+              <a:spcBef>
+                <a:spcPct val="0"/>
+              </a:spcBef>
+              <a:spcAft>
+                <a:spcPct val="0"/>
+              </a:spcAft>
+            </a:pPr>
+            <a:r>
+              <a:rPr lang="en-US" sz="800" dirty="0">
+                <a:solidFill>
+                  <a:schemeClr val="tx1"/>
+                </a:solidFill>
+                <a:latin typeface="Arial Black" panose="020B0A04020102020204" pitchFamily="34" charset="0"/>
+                <a:ea typeface="Segoe UI" pitchFamily="34" charset="0"/>
+                <a:cs typeface="Segoe UI" pitchFamily="34" charset="0"/>
+              </a:rPr>
+              <a:t>Data Science</a:t>
+            </a:r>
+          </a:p>
+        </p:txBody>
+      </p:sp>
+      <p:sp>
+        <p:nvSpPr>
+          <p:cNvPr id="28" name="Rectangle 27">
+            <a:extLst>
+              <a:ext uri="{FF2B5EF4-FFF2-40B4-BE49-F238E27FC236}">
+                <a16:creationId xmlns:a16="http://schemas.microsoft.com/office/drawing/2014/main" id="{5E2754DA-7023-F575-D920-7A6E4272A262}"/>
+              </a:ext>
+            </a:extLst>
+          </p:cNvPr>
+          <p:cNvSpPr/>
+          <p:nvPr/>
+        </p:nvSpPr>
+        <p:spPr bwMode="auto">
+          <a:xfrm>
+            <a:off x="9179155" y="1959158"/>
+            <a:ext cx="1365555" cy="284434"/>
+          </a:xfrm>
+          <a:prstGeom prst="rect">
+            <a:avLst/>
+          </a:prstGeom>
+          <a:solidFill>
+            <a:schemeClr val="accent4">
+              <a:lumMod val="40000"/>
+              <a:lumOff val="60000"/>
+            </a:schemeClr>
+          </a:solidFill>
+          <a:ln>
+            <a:solidFill>
+              <a:schemeClr val="tx1"/>
+            </a:solidFill>
+            <a:headEnd type="none" w="med" len="med"/>
+            <a:tailEnd type="none" w="med" len="med"/>
+          </a:ln>
+          <a:effectLst/>
+        </p:spPr>
+        <p:style>
+          <a:lnRef idx="1">
+            <a:schemeClr val="accent2"/>
+          </a:lnRef>
+          <a:fillRef idx="3">
+            <a:schemeClr val="accent2"/>
+          </a:fillRef>
+          <a:effectRef idx="2">
+            <a:schemeClr val="accent2"/>
+          </a:effectRef>
+          <a:fontRef idx="minor">
+            <a:schemeClr val="lt1"/>
+          </a:fontRef>
+        </p:style>
+        <p:txBody>
+          <a:bodyPr rot="0" spcFirstLastPara="0" vertOverflow="overflow" horzOverflow="overflow" vert="horz" wrap="square" lIns="0" tIns="0" rIns="0" bIns="0" numCol="1" spcCol="0" rtlCol="0" fromWordArt="0" anchor="ctr" anchorCtr="0" forceAA="0" compatLnSpc="1">
+            <a:prstTxWarp prst="textNoShape">
+              <a:avLst/>
+            </a:prstTxWarp>
+            <a:noAutofit/>
+          </a:bodyPr>
+          <a:lstStyle/>
+          <a:p>
+            <a:pPr algn="ctr" defTabSz="932472" fontAlgn="base">
+              <a:lnSpc>
+                <a:spcPct val="90000"/>
+              </a:lnSpc>
+              <a:spcBef>
+                <a:spcPct val="0"/>
+              </a:spcBef>
+              <a:spcAft>
+                <a:spcPct val="0"/>
+              </a:spcAft>
+            </a:pPr>
+            <a:r>
+              <a:rPr lang="en-US" sz="800" b="1" dirty="0">
+                <a:solidFill>
+                  <a:schemeClr val="tx1"/>
+                </a:solidFill>
+                <a:latin typeface="Lucida Console" panose="020B0609040504020204" pitchFamily="49" charset="0"/>
+                <a:ea typeface="Segoe UI" pitchFamily="34" charset="0"/>
+                <a:cs typeface="Segoe UI" pitchFamily="34" charset="0"/>
+              </a:rPr>
+              <a:t>MLExperiment</a:t>
+            </a:r>
+          </a:p>
+        </p:txBody>
+      </p:sp>
+      <p:sp>
+        <p:nvSpPr>
+          <p:cNvPr id="29" name="Rectangle 28">
+            <a:extLst>
+              <a:ext uri="{FF2B5EF4-FFF2-40B4-BE49-F238E27FC236}">
+                <a16:creationId xmlns:a16="http://schemas.microsoft.com/office/drawing/2014/main" id="{8CC12CFD-2B3B-0F6C-EA17-84D9987BA254}"/>
+              </a:ext>
+            </a:extLst>
+          </p:cNvPr>
+          <p:cNvSpPr/>
+          <p:nvPr/>
+        </p:nvSpPr>
+        <p:spPr bwMode="auto">
+          <a:xfrm>
+            <a:off x="9179155" y="2364906"/>
+            <a:ext cx="1365555" cy="284434"/>
+          </a:xfrm>
+          <a:prstGeom prst="rect">
+            <a:avLst/>
+          </a:prstGeom>
+          <a:solidFill>
+            <a:schemeClr val="accent4">
+              <a:lumMod val="40000"/>
+              <a:lumOff val="60000"/>
+            </a:schemeClr>
+          </a:solidFill>
+          <a:ln>
+            <a:solidFill>
+              <a:schemeClr val="tx1"/>
+            </a:solidFill>
+            <a:headEnd type="none" w="med" len="med"/>
+            <a:tailEnd type="none" w="med" len="med"/>
+          </a:ln>
+          <a:effectLst/>
+        </p:spPr>
+        <p:style>
+          <a:lnRef idx="1">
+            <a:schemeClr val="accent2"/>
+          </a:lnRef>
+          <a:fillRef idx="3">
+            <a:schemeClr val="accent2"/>
+          </a:fillRef>
+          <a:effectRef idx="2">
+            <a:schemeClr val="accent2"/>
+          </a:effectRef>
+          <a:fontRef idx="minor">
+            <a:schemeClr val="lt1"/>
+          </a:fontRef>
+        </p:style>
+        <p:txBody>
+          <a:bodyPr rot="0" spcFirstLastPara="0" vertOverflow="overflow" horzOverflow="overflow" vert="horz" wrap="square" lIns="0" tIns="0" rIns="0" bIns="0" numCol="1" spcCol="0" rtlCol="0" fromWordArt="0" anchor="ctr" anchorCtr="0" forceAA="0" compatLnSpc="1">
+            <a:prstTxWarp prst="textNoShape">
+              <a:avLst/>
+            </a:prstTxWarp>
+            <a:noAutofit/>
+          </a:bodyPr>
+          <a:lstStyle/>
+          <a:p>
+            <a:pPr algn="ctr" defTabSz="932472" fontAlgn="base">
+              <a:lnSpc>
+                <a:spcPct val="90000"/>
+              </a:lnSpc>
+              <a:spcBef>
+                <a:spcPct val="0"/>
+              </a:spcBef>
+              <a:spcAft>
+                <a:spcPct val="0"/>
+              </a:spcAft>
+            </a:pPr>
+            <a:r>
+              <a:rPr lang="en-US" sz="800" b="1" dirty="0">
+                <a:solidFill>
+                  <a:schemeClr val="tx1"/>
+                </a:solidFill>
+                <a:latin typeface="Lucida Console" panose="020B0609040504020204" pitchFamily="49" charset="0"/>
+                <a:ea typeface="Segoe UI" pitchFamily="34" charset="0"/>
+                <a:cs typeface="Segoe UI" pitchFamily="34" charset="0"/>
+              </a:rPr>
+              <a:t>MLModel</a:t>
+            </a:r>
+          </a:p>
+        </p:txBody>
+      </p:sp>
+      <p:sp>
+        <p:nvSpPr>
+          <p:cNvPr id="30" name="Rectangle 29">
+            <a:extLst>
+              <a:ext uri="{FF2B5EF4-FFF2-40B4-BE49-F238E27FC236}">
+                <a16:creationId xmlns:a16="http://schemas.microsoft.com/office/drawing/2014/main" id="{5B8B783E-C158-491F-1548-BE3953C646D2}"/>
+              </a:ext>
+            </a:extLst>
+          </p:cNvPr>
+          <p:cNvSpPr/>
+          <p:nvPr/>
+        </p:nvSpPr>
+        <p:spPr bwMode="auto">
+          <a:xfrm>
+            <a:off x="7534954" y="1969090"/>
+            <a:ext cx="1365555" cy="284434"/>
+          </a:xfrm>
+          <a:prstGeom prst="rect">
+            <a:avLst/>
+          </a:prstGeom>
+          <a:solidFill>
+            <a:schemeClr val="accent4">
+              <a:lumMod val="40000"/>
+              <a:lumOff val="60000"/>
+            </a:schemeClr>
+          </a:solidFill>
+          <a:ln>
+            <a:solidFill>
+              <a:schemeClr val="tx1"/>
+            </a:solidFill>
+            <a:headEnd type="none" w="med" len="med"/>
+            <a:tailEnd type="none" w="med" len="med"/>
+          </a:ln>
+          <a:effectLst/>
+        </p:spPr>
+        <p:style>
+          <a:lnRef idx="1">
+            <a:schemeClr val="accent2"/>
+          </a:lnRef>
+          <a:fillRef idx="3">
+            <a:schemeClr val="accent2"/>
+          </a:fillRef>
+          <a:effectRef idx="2">
+            <a:schemeClr val="accent2"/>
+          </a:effectRef>
+          <a:fontRef idx="minor">
+            <a:schemeClr val="lt1"/>
+          </a:fontRef>
+        </p:style>
+        <p:txBody>
+          <a:bodyPr rot="0" spcFirstLastPara="0" vertOverflow="overflow" horzOverflow="overflow" vert="horz" wrap="square" lIns="0" tIns="0" rIns="0" bIns="0" numCol="1" spcCol="0" rtlCol="0" fromWordArt="0" anchor="ctr" anchorCtr="0" forceAA="0" compatLnSpc="1">
+            <a:prstTxWarp prst="textNoShape">
+              <a:avLst/>
+            </a:prstTxWarp>
+            <a:noAutofit/>
+          </a:bodyPr>
+          <a:lstStyle/>
+          <a:p>
+            <a:pPr algn="ctr" defTabSz="932472" fontAlgn="base">
+              <a:lnSpc>
+                <a:spcPct val="90000"/>
+              </a:lnSpc>
+              <a:spcBef>
+                <a:spcPct val="0"/>
+              </a:spcBef>
+              <a:spcAft>
+                <a:spcPct val="0"/>
+              </a:spcAft>
+            </a:pPr>
+            <a:r>
+              <a:rPr lang="en-US" sz="800" b="1" dirty="0">
+                <a:solidFill>
+                  <a:schemeClr val="tx1"/>
+                </a:solidFill>
+                <a:latin typeface="Lucida Console" panose="020B0609040504020204" pitchFamily="49" charset="0"/>
+                <a:ea typeface="Segoe UI" pitchFamily="34" charset="0"/>
+                <a:cs typeface="Segoe UI" pitchFamily="34" charset="0"/>
+              </a:rPr>
+              <a:t>Eventhouse</a:t>
+            </a:r>
+          </a:p>
+        </p:txBody>
+      </p:sp>
+      <p:sp>
+        <p:nvSpPr>
+          <p:cNvPr id="31" name="Rectangle 30">
+            <a:extLst>
+              <a:ext uri="{FF2B5EF4-FFF2-40B4-BE49-F238E27FC236}">
+                <a16:creationId xmlns:a16="http://schemas.microsoft.com/office/drawing/2014/main" id="{E8404D60-C79C-A8C5-CACE-AA46DF93C9DA}"/>
+              </a:ext>
+            </a:extLst>
+          </p:cNvPr>
+          <p:cNvSpPr/>
+          <p:nvPr/>
+        </p:nvSpPr>
+        <p:spPr bwMode="auto">
+          <a:xfrm>
+            <a:off x="5606677" y="923012"/>
+            <a:ext cx="1345642" cy="247613"/>
+          </a:xfrm>
+          <a:prstGeom prst="rect">
+            <a:avLst/>
+          </a:prstGeom>
+          <a:solidFill>
+            <a:schemeClr val="accent1">
+              <a:lumMod val="40000"/>
+              <a:lumOff val="60000"/>
+            </a:schemeClr>
+          </a:solidFill>
+          <a:ln>
+            <a:solidFill>
+              <a:schemeClr val="tx1"/>
+            </a:solidFill>
+            <a:headEnd type="none" w="med" len="med"/>
+            <a:tailEnd type="none" w="med" len="med"/>
+          </a:ln>
+          <a:effectLst/>
+        </p:spPr>
+        <p:style>
+          <a:lnRef idx="1">
+            <a:schemeClr val="accent2"/>
+          </a:lnRef>
+          <a:fillRef idx="3">
+            <a:schemeClr val="accent2"/>
+          </a:fillRef>
+          <a:effectRef idx="2">
+            <a:schemeClr val="accent2"/>
+          </a:effectRef>
+          <a:fontRef idx="minor">
+            <a:schemeClr val="lt1"/>
+          </a:fontRef>
+        </p:style>
+        <p:txBody>
+          <a:bodyPr rot="0" spcFirstLastPara="0" vertOverflow="overflow" horzOverflow="overflow" vert="horz" wrap="square" lIns="0" tIns="0" rIns="0" bIns="0" numCol="1" spcCol="0" rtlCol="0" fromWordArt="0" anchor="ctr" anchorCtr="0" forceAA="0" compatLnSpc="1">
+            <a:prstTxWarp prst="textNoShape">
+              <a:avLst/>
+            </a:prstTxWarp>
+            <a:noAutofit/>
+          </a:bodyPr>
+          <a:lstStyle/>
+          <a:p>
+            <a:pPr algn="ctr" defTabSz="932472" fontAlgn="base">
+              <a:lnSpc>
+                <a:spcPct val="90000"/>
+              </a:lnSpc>
+              <a:spcBef>
+                <a:spcPct val="0"/>
+              </a:spcBef>
+              <a:spcAft>
+                <a:spcPct val="0"/>
+              </a:spcAft>
+            </a:pPr>
+            <a:r>
+              <a:rPr lang="en-US" sz="800" b="1" dirty="0">
+                <a:solidFill>
+                  <a:schemeClr val="tx1"/>
+                </a:solidFill>
+                <a:latin typeface="Lucida Console" panose="020B0609040504020204" pitchFamily="49" charset="0"/>
+                <a:ea typeface="Segoe UI" pitchFamily="34" charset="0"/>
+                <a:cs typeface="Segoe UI" pitchFamily="34" charset="0"/>
+              </a:rPr>
+              <a:t>Gateway</a:t>
+            </a:r>
+          </a:p>
+        </p:txBody>
+      </p:sp>
+      <p:sp>
+        <p:nvSpPr>
+          <p:cNvPr id="32" name="Rectangle 31">
+            <a:extLst>
+              <a:ext uri="{FF2B5EF4-FFF2-40B4-BE49-F238E27FC236}">
+                <a16:creationId xmlns:a16="http://schemas.microsoft.com/office/drawing/2014/main" id="{348733D5-7C60-435A-2BDE-964112989B91}"/>
+              </a:ext>
+            </a:extLst>
+          </p:cNvPr>
+          <p:cNvSpPr/>
+          <p:nvPr/>
+        </p:nvSpPr>
+        <p:spPr bwMode="auto">
+          <a:xfrm>
+            <a:off x="7503934" y="3617231"/>
+            <a:ext cx="1365555" cy="284434"/>
+          </a:xfrm>
+          <a:prstGeom prst="rect">
+            <a:avLst/>
+          </a:prstGeom>
+          <a:solidFill>
+            <a:schemeClr val="accent4">
+              <a:lumMod val="40000"/>
+              <a:lumOff val="60000"/>
+            </a:schemeClr>
+          </a:solidFill>
+          <a:ln>
+            <a:solidFill>
+              <a:schemeClr val="tx1"/>
+            </a:solidFill>
+            <a:headEnd type="none" w="med" len="med"/>
+            <a:tailEnd type="none" w="med" len="med"/>
+          </a:ln>
+          <a:effectLst/>
+        </p:spPr>
+        <p:style>
+          <a:lnRef idx="1">
+            <a:schemeClr val="accent2"/>
+          </a:lnRef>
+          <a:fillRef idx="3">
+            <a:schemeClr val="accent2"/>
+          </a:fillRef>
+          <a:effectRef idx="2">
+            <a:schemeClr val="accent2"/>
+          </a:effectRef>
+          <a:fontRef idx="minor">
+            <a:schemeClr val="lt1"/>
+          </a:fontRef>
+        </p:style>
+        <p:txBody>
+          <a:bodyPr rot="0" spcFirstLastPara="0" vertOverflow="overflow" horzOverflow="overflow" vert="horz" wrap="square" lIns="0" tIns="0" rIns="0" bIns="0" numCol="1" spcCol="0" rtlCol="0" fromWordArt="0" anchor="ctr" anchorCtr="0" forceAA="0" compatLnSpc="1">
+            <a:prstTxWarp prst="textNoShape">
+              <a:avLst/>
+            </a:prstTxWarp>
+            <a:noAutofit/>
+          </a:bodyPr>
+          <a:lstStyle/>
+          <a:p>
+            <a:pPr algn="ctr" defTabSz="932472" fontAlgn="base">
+              <a:lnSpc>
+                <a:spcPct val="90000"/>
+              </a:lnSpc>
+              <a:spcBef>
+                <a:spcPct val="0"/>
+              </a:spcBef>
+              <a:spcAft>
+                <a:spcPct val="0"/>
+              </a:spcAft>
+            </a:pPr>
+            <a:r>
+              <a:rPr lang="en-US" sz="800" b="1" dirty="0" err="1">
+                <a:solidFill>
+                  <a:schemeClr val="tx1"/>
+                </a:solidFill>
+                <a:latin typeface="Lucida Console" panose="020B0609040504020204" pitchFamily="49" charset="0"/>
+                <a:ea typeface="Segoe UI" pitchFamily="34" charset="0"/>
+                <a:cs typeface="Segoe UI" pitchFamily="34" charset="0"/>
+              </a:rPr>
+              <a:t>KQLDashbord</a:t>
+            </a:r>
+            <a:endParaRPr lang="en-US" sz="800" b="1" dirty="0">
+              <a:solidFill>
+                <a:schemeClr val="tx1"/>
+              </a:solidFill>
+              <a:latin typeface="Lucida Console" panose="020B0609040504020204" pitchFamily="49" charset="0"/>
+              <a:ea typeface="Segoe UI" pitchFamily="34" charset="0"/>
+              <a:cs typeface="Segoe UI" pitchFamily="34" charset="0"/>
+            </a:endParaRPr>
+          </a:p>
+        </p:txBody>
+      </p:sp>
     </p:spTree>
     <p:extLst>
       <p:ext uri="{BB962C8B-B14F-4D97-AF65-F5344CB8AC3E}">
@@ -13377,7 +18581,151 @@
 </p:sld>
 </file>
 
-<file path=ppt/slides/slide2.xml><?xml version="1.0" encoding="utf-8"?>
+<file path=ppt/slides/slide22.xml><?xml version="1.0" encoding="utf-8"?>
+<p:sld xmlns:a="http://schemas.openxmlformats.org/drawingml/2006/main" xmlns:r="http://schemas.openxmlformats.org/officeDocument/2006/relationships" xmlns:p="http://schemas.openxmlformats.org/presentationml/2006/main">
+  <p:cSld>
+    <p:spTree>
+      <p:nvGrpSpPr>
+        <p:cNvPr id="1" name="">
+          <a:extLst>
+            <a:ext uri="{FF2B5EF4-FFF2-40B4-BE49-F238E27FC236}">
+              <a16:creationId xmlns:a16="http://schemas.microsoft.com/office/drawing/2014/main" id="{EB188D6E-E213-B959-8AD8-9DF82336331C}"/>
+            </a:ext>
+          </a:extLst>
+        </p:cNvPr>
+        <p:cNvGrpSpPr/>
+        <p:nvPr/>
+      </p:nvGrpSpPr>
+      <p:grpSpPr>
+        <a:xfrm>
+          <a:off x="0" y="0"/>
+          <a:ext cx="0" cy="0"/>
+          <a:chOff x="0" y="0"/>
+          <a:chExt cx="0" cy="0"/>
+        </a:xfrm>
+      </p:grpSpPr>
+    </p:spTree>
+    <p:extLst>
+      <p:ext uri="{BB962C8B-B14F-4D97-AF65-F5344CB8AC3E}">
+        <p14:creationId xmlns:p14="http://schemas.microsoft.com/office/powerpoint/2010/main" val="617579288"/>
+      </p:ext>
+    </p:extLst>
+  </p:cSld>
+  <p:clrMapOvr>
+    <a:masterClrMapping/>
+  </p:clrMapOvr>
+</p:sld>
+</file>
+
+<file path=ppt/slides/slide23.xml><?xml version="1.0" encoding="utf-8"?>
+<p:sld xmlns:a="http://schemas.openxmlformats.org/drawingml/2006/main" xmlns:r="http://schemas.openxmlformats.org/officeDocument/2006/relationships" xmlns:p="http://schemas.openxmlformats.org/presentationml/2006/main">
+  <p:cSld>
+    <p:spTree>
+      <p:nvGrpSpPr>
+        <p:cNvPr id="1" name="">
+          <a:extLst>
+            <a:ext uri="{FF2B5EF4-FFF2-40B4-BE49-F238E27FC236}">
+              <a16:creationId xmlns:a16="http://schemas.microsoft.com/office/drawing/2014/main" id="{C28B3D75-D317-FDC6-C53E-65200F7AD019}"/>
+            </a:ext>
+          </a:extLst>
+        </p:cNvPr>
+        <p:cNvGrpSpPr/>
+        <p:nvPr/>
+      </p:nvGrpSpPr>
+      <p:grpSpPr>
+        <a:xfrm>
+          <a:off x="0" y="0"/>
+          <a:ext cx="0" cy="0"/>
+          <a:chOff x="0" y="0"/>
+          <a:chExt cx="0" cy="0"/>
+        </a:xfrm>
+      </p:grpSpPr>
+    </p:spTree>
+    <p:extLst>
+      <p:ext uri="{BB962C8B-B14F-4D97-AF65-F5344CB8AC3E}">
+        <p14:creationId xmlns:p14="http://schemas.microsoft.com/office/powerpoint/2010/main" val="594454859"/>
+      </p:ext>
+    </p:extLst>
+  </p:cSld>
+  <p:clrMapOvr>
+    <a:masterClrMapping/>
+  </p:clrMapOvr>
+</p:sld>
+</file>
+
+<file path=ppt/slides/slide24.xml><?xml version="1.0" encoding="utf-8"?>
+<p:sld xmlns:a="http://schemas.openxmlformats.org/drawingml/2006/main" xmlns:r="http://schemas.openxmlformats.org/officeDocument/2006/relationships" xmlns:p="http://schemas.openxmlformats.org/presentationml/2006/main">
+  <p:cSld>
+    <p:spTree>
+      <p:nvGrpSpPr>
+        <p:cNvPr id="1" name="">
+          <a:extLst>
+            <a:ext uri="{FF2B5EF4-FFF2-40B4-BE49-F238E27FC236}">
+              <a16:creationId xmlns:a16="http://schemas.microsoft.com/office/drawing/2014/main" id="{DA3173A0-3D20-7501-0A9A-C3E8C7742430}"/>
+            </a:ext>
+          </a:extLst>
+        </p:cNvPr>
+        <p:cNvGrpSpPr/>
+        <p:nvPr/>
+      </p:nvGrpSpPr>
+      <p:grpSpPr>
+        <a:xfrm>
+          <a:off x="0" y="0"/>
+          <a:ext cx="0" cy="0"/>
+          <a:chOff x="0" y="0"/>
+          <a:chExt cx="0" cy="0"/>
+        </a:xfrm>
+      </p:grpSpPr>
+    </p:spTree>
+    <p:extLst>
+      <p:ext uri="{BB962C8B-B14F-4D97-AF65-F5344CB8AC3E}">
+        <p14:creationId xmlns:p14="http://schemas.microsoft.com/office/powerpoint/2010/main" val="4017955628"/>
+      </p:ext>
+    </p:extLst>
+  </p:cSld>
+  <p:clrMapOvr>
+    <a:masterClrMapping/>
+  </p:clrMapOvr>
+</p:sld>
+</file>
+
+<file path=ppt/slides/slide25.xml><?xml version="1.0" encoding="utf-8"?>
+<p:sld xmlns:a="http://schemas.openxmlformats.org/drawingml/2006/main" xmlns:r="http://schemas.openxmlformats.org/officeDocument/2006/relationships" xmlns:p="http://schemas.openxmlformats.org/presentationml/2006/main">
+  <p:cSld>
+    <p:spTree>
+      <p:nvGrpSpPr>
+        <p:cNvPr id="1" name="">
+          <a:extLst>
+            <a:ext uri="{FF2B5EF4-FFF2-40B4-BE49-F238E27FC236}">
+              <a16:creationId xmlns:a16="http://schemas.microsoft.com/office/drawing/2014/main" id="{5A8CC77A-3DA8-275A-252B-BE54C8BBB365}"/>
+            </a:ext>
+          </a:extLst>
+        </p:cNvPr>
+        <p:cNvGrpSpPr/>
+        <p:nvPr/>
+      </p:nvGrpSpPr>
+      <p:grpSpPr>
+        <a:xfrm>
+          <a:off x="0" y="0"/>
+          <a:ext cx="0" cy="0"/>
+          <a:chOff x="0" y="0"/>
+          <a:chExt cx="0" cy="0"/>
+        </a:xfrm>
+      </p:grpSpPr>
+    </p:spTree>
+    <p:extLst>
+      <p:ext uri="{BB962C8B-B14F-4D97-AF65-F5344CB8AC3E}">
+        <p14:creationId xmlns:p14="http://schemas.microsoft.com/office/powerpoint/2010/main" val="2390210636"/>
+      </p:ext>
+    </p:extLst>
+  </p:cSld>
+  <p:clrMapOvr>
+    <a:masterClrMapping/>
+  </p:clrMapOvr>
+</p:sld>
+</file>
+
+<file path=ppt/slides/slide3.xml><?xml version="1.0" encoding="utf-8"?>
 <p:sld xmlns:a="http://schemas.openxmlformats.org/drawingml/2006/main" xmlns:r="http://schemas.openxmlformats.org/officeDocument/2006/relationships" xmlns:p="http://schemas.openxmlformats.org/presentationml/2006/main">
   <p:cSld>
     <p:spTree>
@@ -14914,151 +20262,7 @@
 </p:sld>
 </file>
 
-<file path=ppt/slides/slide20.xml><?xml version="1.0" encoding="utf-8"?>
-<p:sld xmlns:a="http://schemas.openxmlformats.org/drawingml/2006/main" xmlns:r="http://schemas.openxmlformats.org/officeDocument/2006/relationships" xmlns:p="http://schemas.openxmlformats.org/presentationml/2006/main">
-  <p:cSld>
-    <p:spTree>
-      <p:nvGrpSpPr>
-        <p:cNvPr id="1" name="">
-          <a:extLst>
-            <a:ext uri="{FF2B5EF4-FFF2-40B4-BE49-F238E27FC236}">
-              <a16:creationId xmlns:a16="http://schemas.microsoft.com/office/drawing/2014/main" id="{EB188D6E-E213-B959-8AD8-9DF82336331C}"/>
-            </a:ext>
-          </a:extLst>
-        </p:cNvPr>
-        <p:cNvGrpSpPr/>
-        <p:nvPr/>
-      </p:nvGrpSpPr>
-      <p:grpSpPr>
-        <a:xfrm>
-          <a:off x="0" y="0"/>
-          <a:ext cx="0" cy="0"/>
-          <a:chOff x="0" y="0"/>
-          <a:chExt cx="0" cy="0"/>
-        </a:xfrm>
-      </p:grpSpPr>
-    </p:spTree>
-    <p:extLst>
-      <p:ext uri="{BB962C8B-B14F-4D97-AF65-F5344CB8AC3E}">
-        <p14:creationId xmlns:p14="http://schemas.microsoft.com/office/powerpoint/2010/main" val="617579288"/>
-      </p:ext>
-    </p:extLst>
-  </p:cSld>
-  <p:clrMapOvr>
-    <a:masterClrMapping/>
-  </p:clrMapOvr>
-</p:sld>
-</file>
-
-<file path=ppt/slides/slide21.xml><?xml version="1.0" encoding="utf-8"?>
-<p:sld xmlns:a="http://schemas.openxmlformats.org/drawingml/2006/main" xmlns:r="http://schemas.openxmlformats.org/officeDocument/2006/relationships" xmlns:p="http://schemas.openxmlformats.org/presentationml/2006/main">
-  <p:cSld>
-    <p:spTree>
-      <p:nvGrpSpPr>
-        <p:cNvPr id="1" name="">
-          <a:extLst>
-            <a:ext uri="{FF2B5EF4-FFF2-40B4-BE49-F238E27FC236}">
-              <a16:creationId xmlns:a16="http://schemas.microsoft.com/office/drawing/2014/main" id="{C28B3D75-D317-FDC6-C53E-65200F7AD019}"/>
-            </a:ext>
-          </a:extLst>
-        </p:cNvPr>
-        <p:cNvGrpSpPr/>
-        <p:nvPr/>
-      </p:nvGrpSpPr>
-      <p:grpSpPr>
-        <a:xfrm>
-          <a:off x="0" y="0"/>
-          <a:ext cx="0" cy="0"/>
-          <a:chOff x="0" y="0"/>
-          <a:chExt cx="0" cy="0"/>
-        </a:xfrm>
-      </p:grpSpPr>
-    </p:spTree>
-    <p:extLst>
-      <p:ext uri="{BB962C8B-B14F-4D97-AF65-F5344CB8AC3E}">
-        <p14:creationId xmlns:p14="http://schemas.microsoft.com/office/powerpoint/2010/main" val="594454859"/>
-      </p:ext>
-    </p:extLst>
-  </p:cSld>
-  <p:clrMapOvr>
-    <a:masterClrMapping/>
-  </p:clrMapOvr>
-</p:sld>
-</file>
-
-<file path=ppt/slides/slide22.xml><?xml version="1.0" encoding="utf-8"?>
-<p:sld xmlns:a="http://schemas.openxmlformats.org/drawingml/2006/main" xmlns:r="http://schemas.openxmlformats.org/officeDocument/2006/relationships" xmlns:p="http://schemas.openxmlformats.org/presentationml/2006/main">
-  <p:cSld>
-    <p:spTree>
-      <p:nvGrpSpPr>
-        <p:cNvPr id="1" name="">
-          <a:extLst>
-            <a:ext uri="{FF2B5EF4-FFF2-40B4-BE49-F238E27FC236}">
-              <a16:creationId xmlns:a16="http://schemas.microsoft.com/office/drawing/2014/main" id="{DA3173A0-3D20-7501-0A9A-C3E8C7742430}"/>
-            </a:ext>
-          </a:extLst>
-        </p:cNvPr>
-        <p:cNvGrpSpPr/>
-        <p:nvPr/>
-      </p:nvGrpSpPr>
-      <p:grpSpPr>
-        <a:xfrm>
-          <a:off x="0" y="0"/>
-          <a:ext cx="0" cy="0"/>
-          <a:chOff x="0" y="0"/>
-          <a:chExt cx="0" cy="0"/>
-        </a:xfrm>
-      </p:grpSpPr>
-    </p:spTree>
-    <p:extLst>
-      <p:ext uri="{BB962C8B-B14F-4D97-AF65-F5344CB8AC3E}">
-        <p14:creationId xmlns:p14="http://schemas.microsoft.com/office/powerpoint/2010/main" val="4017955628"/>
-      </p:ext>
-    </p:extLst>
-  </p:cSld>
-  <p:clrMapOvr>
-    <a:masterClrMapping/>
-  </p:clrMapOvr>
-</p:sld>
-</file>
-
-<file path=ppt/slides/slide23.xml><?xml version="1.0" encoding="utf-8"?>
-<p:sld xmlns:a="http://schemas.openxmlformats.org/drawingml/2006/main" xmlns:r="http://schemas.openxmlformats.org/officeDocument/2006/relationships" xmlns:p="http://schemas.openxmlformats.org/presentationml/2006/main">
-  <p:cSld>
-    <p:spTree>
-      <p:nvGrpSpPr>
-        <p:cNvPr id="1" name="">
-          <a:extLst>
-            <a:ext uri="{FF2B5EF4-FFF2-40B4-BE49-F238E27FC236}">
-              <a16:creationId xmlns:a16="http://schemas.microsoft.com/office/drawing/2014/main" id="{5A8CC77A-3DA8-275A-252B-BE54C8BBB365}"/>
-            </a:ext>
-          </a:extLst>
-        </p:cNvPr>
-        <p:cNvGrpSpPr/>
-        <p:nvPr/>
-      </p:nvGrpSpPr>
-      <p:grpSpPr>
-        <a:xfrm>
-          <a:off x="0" y="0"/>
-          <a:ext cx="0" cy="0"/>
-          <a:chOff x="0" y="0"/>
-          <a:chExt cx="0" cy="0"/>
-        </a:xfrm>
-      </p:grpSpPr>
-    </p:spTree>
-    <p:extLst>
-      <p:ext uri="{BB962C8B-B14F-4D97-AF65-F5344CB8AC3E}">
-        <p14:creationId xmlns:p14="http://schemas.microsoft.com/office/powerpoint/2010/main" val="2390210636"/>
-      </p:ext>
-    </p:extLst>
-  </p:cSld>
-  <p:clrMapOvr>
-    <a:masterClrMapping/>
-  </p:clrMapOvr>
-</p:sld>
-</file>
-
-<file path=ppt/slides/slide3.xml><?xml version="1.0" encoding="utf-8"?>
+<file path=ppt/slides/slide4.xml><?xml version="1.0" encoding="utf-8"?>
 <p:sld xmlns:a="http://schemas.openxmlformats.org/drawingml/2006/main" xmlns:r="http://schemas.openxmlformats.org/officeDocument/2006/relationships" xmlns:p="http://schemas.openxmlformats.org/presentationml/2006/main">
   <p:cSld>
     <p:spTree>
@@ -16509,7 +21713,7 @@
 </p:sld>
 </file>
 
-<file path=ppt/slides/slide4.xml><?xml version="1.0" encoding="utf-8"?>
+<file path=ppt/slides/slide5.xml><?xml version="1.0" encoding="utf-8"?>
 <p:sld xmlns:a="http://schemas.openxmlformats.org/drawingml/2006/main" xmlns:r="http://schemas.openxmlformats.org/officeDocument/2006/relationships" xmlns:p="http://schemas.openxmlformats.org/presentationml/2006/main">
   <p:cSld>
     <p:spTree>
@@ -19608,7 +24812,7 @@
 </p:sld>
 </file>
 
-<file path=ppt/slides/slide5.xml><?xml version="1.0" encoding="utf-8"?>
+<file path=ppt/slides/slide6.xml><?xml version="1.0" encoding="utf-8"?>
 <p:sld xmlns:a="http://schemas.openxmlformats.org/drawingml/2006/main" xmlns:r="http://schemas.openxmlformats.org/officeDocument/2006/relationships" xmlns:p="http://schemas.openxmlformats.org/presentationml/2006/main">
   <p:cSld>
     <p:spTree>
@@ -20147,7 +25351,7 @@
 </p:sld>
 </file>
 
-<file path=ppt/slides/slide6.xml><?xml version="1.0" encoding="utf-8"?>
+<file path=ppt/slides/slide7.xml><?xml version="1.0" encoding="utf-8"?>
 <p:sld xmlns:a="http://schemas.openxmlformats.org/drawingml/2006/main" xmlns:r="http://schemas.openxmlformats.org/officeDocument/2006/relationships" xmlns:p="http://schemas.openxmlformats.org/presentationml/2006/main">
   <p:cSld>
     <p:spTree>
@@ -20821,7 +26025,7 @@
 </p:sld>
 </file>
 
-<file path=ppt/slides/slide7.xml><?xml version="1.0" encoding="utf-8"?>
+<file path=ppt/slides/slide8.xml><?xml version="1.0" encoding="utf-8"?>
 <p:sld xmlns:a="http://schemas.openxmlformats.org/drawingml/2006/main" xmlns:r="http://schemas.openxmlformats.org/officeDocument/2006/relationships" xmlns:p="http://schemas.openxmlformats.org/presentationml/2006/main">
   <p:cSld>
     <p:spTree>
@@ -20941,7 +26145,7 @@
 </p:sld>
 </file>
 
-<file path=ppt/slides/slide8.xml><?xml version="1.0" encoding="utf-8"?>
+<file path=ppt/slides/slide9.xml><?xml version="1.0" encoding="utf-8"?>
 <p:sld xmlns:a="http://schemas.openxmlformats.org/drawingml/2006/main" xmlns:r="http://schemas.openxmlformats.org/officeDocument/2006/relationships" xmlns:p="http://schemas.openxmlformats.org/presentationml/2006/main">
   <p:cSld>
     <p:spTree>
@@ -21041,1215 +26245,6 @@
   <p:clrMapOvr>
     <a:masterClrMapping/>
   </p:clrMapOvr>
-</p:sld>
-</file>
-
-<file path=ppt/slides/slide9.xml><?xml version="1.0" encoding="utf-8"?>
-<p:sld xmlns:a="http://schemas.openxmlformats.org/drawingml/2006/main" xmlns:r="http://schemas.openxmlformats.org/officeDocument/2006/relationships" xmlns:p="http://schemas.openxmlformats.org/presentationml/2006/main">
-  <p:cSld>
-    <p:spTree>
-      <p:nvGrpSpPr>
-        <p:cNvPr id="1" name=""/>
-        <p:cNvGrpSpPr/>
-        <p:nvPr/>
-      </p:nvGrpSpPr>
-      <p:grpSpPr>
-        <a:xfrm>
-          <a:off x="0" y="0"/>
-          <a:ext cx="0" cy="0"/>
-          <a:chOff x="0" y="0"/>
-          <a:chExt cx="0" cy="0"/>
-        </a:xfrm>
-      </p:grpSpPr>
-      <p:sp>
-        <p:nvSpPr>
-          <p:cNvPr id="2" name="Title 1">
-            <a:extLst>
-              <a:ext uri="{FF2B5EF4-FFF2-40B4-BE49-F238E27FC236}">
-                <a16:creationId xmlns:a16="http://schemas.microsoft.com/office/drawing/2014/main" id="{6D17F9A1-6EAE-012D-1325-719965B5A039}"/>
-              </a:ext>
-            </a:extLst>
-          </p:cNvPr>
-          <p:cNvSpPr>
-            <a:spLocks noGrp="1"/>
-          </p:cNvSpPr>
-          <p:nvPr>
-            <p:ph type="title"/>
-          </p:nvPr>
-        </p:nvSpPr>
-        <p:spPr/>
-        <p:txBody>
-          <a:bodyPr/>
-          <a:lstStyle/>
-          <a:p>
-            <a:endParaRPr lang="en-US"/>
-          </a:p>
-        </p:txBody>
-      </p:sp>
-      <p:grpSp>
-        <p:nvGrpSpPr>
-          <p:cNvPr id="84" name="Group 83">
-            <a:extLst>
-              <a:ext uri="{FF2B5EF4-FFF2-40B4-BE49-F238E27FC236}">
-                <a16:creationId xmlns:a16="http://schemas.microsoft.com/office/drawing/2014/main" id="{E454475C-7728-D221-106D-B589CFB1B204}"/>
-              </a:ext>
-            </a:extLst>
-          </p:cNvPr>
-          <p:cNvGrpSpPr/>
-          <p:nvPr/>
-        </p:nvGrpSpPr>
-        <p:grpSpPr>
-          <a:xfrm>
-            <a:off x="207367" y="1055499"/>
-            <a:ext cx="11777266" cy="3161938"/>
-            <a:chOff x="89522" y="1048306"/>
-            <a:chExt cx="11873831" cy="5455283"/>
-          </a:xfrm>
-        </p:grpSpPr>
-        <p:sp>
-          <p:nvSpPr>
-            <p:cNvPr id="3" name="Rectangle: Rounded Corners 2">
-              <a:extLst>
-                <a:ext uri="{FF2B5EF4-FFF2-40B4-BE49-F238E27FC236}">
-                  <a16:creationId xmlns:a16="http://schemas.microsoft.com/office/drawing/2014/main" id="{EA28B88C-3F20-954E-B292-7F9FBCFDC078}"/>
-                </a:ext>
-              </a:extLst>
-            </p:cNvPr>
-            <p:cNvSpPr/>
-            <p:nvPr/>
-          </p:nvSpPr>
-          <p:spPr bwMode="auto">
-            <a:xfrm>
-              <a:off x="89522" y="3319583"/>
-              <a:ext cx="1370335" cy="905069"/>
-            </a:xfrm>
-            <a:prstGeom prst="roundRect">
-              <a:avLst/>
-            </a:prstGeom>
-            <a:solidFill>
-              <a:schemeClr val="accent4">
-                <a:lumMod val="20000"/>
-                <a:lumOff val="80000"/>
-              </a:schemeClr>
-            </a:solidFill>
-            <a:ln>
-              <a:solidFill>
-                <a:schemeClr val="tx1"/>
-              </a:solidFill>
-              <a:headEnd type="none" w="med" len="med"/>
-              <a:tailEnd type="none" w="med" len="med"/>
-            </a:ln>
-            <a:effectLst/>
-          </p:spPr>
-          <p:style>
-            <a:lnRef idx="1">
-              <a:schemeClr val="accent2"/>
-            </a:lnRef>
-            <a:fillRef idx="3">
-              <a:schemeClr val="accent2"/>
-            </a:fillRef>
-            <a:effectRef idx="2">
-              <a:schemeClr val="accent2"/>
-            </a:effectRef>
-            <a:fontRef idx="minor">
-              <a:schemeClr val="lt1"/>
-            </a:fontRef>
-          </p:style>
-          <p:txBody>
-            <a:bodyPr rot="0" spcFirstLastPara="0" vertOverflow="overflow" horzOverflow="overflow" vert="horz" wrap="square" lIns="0" tIns="146304" rIns="0" bIns="146304" numCol="1" spcCol="0" rtlCol="0" fromWordArt="0" anchor="ctr" anchorCtr="0" forceAA="0" compatLnSpc="1">
-              <a:prstTxWarp prst="textNoShape">
-                <a:avLst/>
-              </a:prstTxWarp>
-              <a:noAutofit/>
-            </a:bodyPr>
-            <a:lstStyle/>
-            <a:p>
-              <a:pPr algn="ctr" defTabSz="932472" fontAlgn="base">
-                <a:lnSpc>
-                  <a:spcPct val="90000"/>
-                </a:lnSpc>
-                <a:spcBef>
-                  <a:spcPct val="0"/>
-                </a:spcBef>
-                <a:spcAft>
-                  <a:spcPct val="0"/>
-                </a:spcAft>
-              </a:pPr>
-              <a:r>
-                <a:rPr lang="en-US" sz="1200" b="1" dirty="0">
-                  <a:solidFill>
-                    <a:schemeClr val="tx1"/>
-                  </a:solidFill>
-                  <a:latin typeface="Lucida Console" panose="020B0609040504020204" pitchFamily="49" charset="0"/>
-                  <a:ea typeface="Segoe UI" pitchFamily="34" charset="0"/>
-                  <a:cs typeface="Segoe UI" pitchFamily="34" charset="0"/>
-                </a:rPr>
-                <a:t>Program</a:t>
-              </a:r>
-            </a:p>
-          </p:txBody>
-        </p:sp>
-        <p:sp>
-          <p:nvSpPr>
-            <p:cNvPr id="4" name="Rectangle: Rounded Corners 3">
-              <a:extLst>
-                <a:ext uri="{FF2B5EF4-FFF2-40B4-BE49-F238E27FC236}">
-                  <a16:creationId xmlns:a16="http://schemas.microsoft.com/office/drawing/2014/main" id="{DC284A0A-D528-E326-2802-AE3F35D0F0DC}"/>
-                </a:ext>
-              </a:extLst>
-            </p:cNvPr>
-            <p:cNvSpPr/>
-            <p:nvPr/>
-          </p:nvSpPr>
-          <p:spPr bwMode="auto">
-            <a:xfrm>
-              <a:off x="2055027" y="3335923"/>
-              <a:ext cx="2408844" cy="905069"/>
-            </a:xfrm>
-            <a:prstGeom prst="roundRect">
-              <a:avLst/>
-            </a:prstGeom>
-            <a:solidFill>
-              <a:schemeClr val="accent4">
-                <a:lumMod val="20000"/>
-                <a:lumOff val="80000"/>
-              </a:schemeClr>
-            </a:solidFill>
-            <a:ln>
-              <a:solidFill>
-                <a:schemeClr val="tx1"/>
-              </a:solidFill>
-              <a:headEnd type="none" w="med" len="med"/>
-              <a:tailEnd type="none" w="med" len="med"/>
-            </a:ln>
-            <a:effectLst/>
-          </p:spPr>
-          <p:style>
-            <a:lnRef idx="1">
-              <a:schemeClr val="accent2"/>
-            </a:lnRef>
-            <a:fillRef idx="3">
-              <a:schemeClr val="accent2"/>
-            </a:fillRef>
-            <a:effectRef idx="2">
-              <a:schemeClr val="accent2"/>
-            </a:effectRef>
-            <a:fontRef idx="minor">
-              <a:schemeClr val="lt1"/>
-            </a:fontRef>
-          </p:style>
-          <p:txBody>
-            <a:bodyPr rot="0" spcFirstLastPara="0" vertOverflow="overflow" horzOverflow="overflow" vert="horz" wrap="square" lIns="0" tIns="146304" rIns="0" bIns="146304" numCol="1" spcCol="0" rtlCol="0" fromWordArt="0" anchor="ctr" anchorCtr="0" forceAA="0" compatLnSpc="1">
-              <a:prstTxWarp prst="textNoShape">
-                <a:avLst/>
-              </a:prstTxWarp>
-              <a:noAutofit/>
-            </a:bodyPr>
-            <a:lstStyle/>
-            <a:p>
-              <a:pPr algn="ctr" defTabSz="932472" fontAlgn="base">
-                <a:lnSpc>
-                  <a:spcPct val="90000"/>
-                </a:lnSpc>
-                <a:spcBef>
-                  <a:spcPct val="0"/>
-                </a:spcBef>
-                <a:spcAft>
-                  <a:spcPct val="0"/>
-                </a:spcAft>
-              </a:pPr>
-              <a:r>
-                <a:rPr lang="en-US" sz="1200" b="1" dirty="0">
-                  <a:solidFill>
-                    <a:schemeClr val="tx1"/>
-                  </a:solidFill>
-                  <a:latin typeface="Lucida Console" panose="020B0609040504020204" pitchFamily="49" charset="0"/>
-                  <a:ea typeface="Segoe UI" pitchFamily="34" charset="0"/>
-                  <a:cs typeface="Segoe UI" pitchFamily="34" charset="0"/>
-                </a:rPr>
-                <a:t>CustomerTenantBuilder</a:t>
-              </a:r>
-            </a:p>
-          </p:txBody>
-        </p:sp>
-        <p:sp>
-          <p:nvSpPr>
-            <p:cNvPr id="5" name="Rectangle: Rounded Corners 4">
-              <a:extLst>
-                <a:ext uri="{FF2B5EF4-FFF2-40B4-BE49-F238E27FC236}">
-                  <a16:creationId xmlns:a16="http://schemas.microsoft.com/office/drawing/2014/main" id="{B0B18DC8-6DF8-2431-7302-B6C99822A429}"/>
-                </a:ext>
-              </a:extLst>
-            </p:cNvPr>
-            <p:cNvSpPr/>
-            <p:nvPr/>
-          </p:nvSpPr>
-          <p:spPr bwMode="auto">
-            <a:xfrm>
-              <a:off x="5724351" y="2179604"/>
-              <a:ext cx="2826904" cy="905069"/>
-            </a:xfrm>
-            <a:prstGeom prst="roundRect">
-              <a:avLst/>
-            </a:prstGeom>
-            <a:solidFill>
-              <a:schemeClr val="accent4">
-                <a:lumMod val="20000"/>
-                <a:lumOff val="80000"/>
-              </a:schemeClr>
-            </a:solidFill>
-            <a:ln>
-              <a:solidFill>
-                <a:schemeClr val="tx1"/>
-              </a:solidFill>
-              <a:headEnd type="none" w="med" len="med"/>
-              <a:tailEnd type="none" w="med" len="med"/>
-            </a:ln>
-            <a:effectLst/>
-          </p:spPr>
-          <p:style>
-            <a:lnRef idx="1">
-              <a:schemeClr val="accent2"/>
-            </a:lnRef>
-            <a:fillRef idx="3">
-              <a:schemeClr val="accent2"/>
-            </a:fillRef>
-            <a:effectRef idx="2">
-              <a:schemeClr val="accent2"/>
-            </a:effectRef>
-            <a:fontRef idx="minor">
-              <a:schemeClr val="lt1"/>
-            </a:fontRef>
-          </p:style>
-          <p:txBody>
-            <a:bodyPr rot="0" spcFirstLastPara="0" vertOverflow="overflow" horzOverflow="overflow" vert="horz" wrap="square" lIns="0" tIns="146304" rIns="0" bIns="146304" numCol="1" spcCol="0" rtlCol="0" fromWordArt="0" anchor="ctr" anchorCtr="0" forceAA="0" compatLnSpc="1">
-              <a:prstTxWarp prst="textNoShape">
-                <a:avLst/>
-              </a:prstTxWarp>
-              <a:noAutofit/>
-            </a:bodyPr>
-            <a:lstStyle/>
-            <a:p>
-              <a:pPr algn="ctr" defTabSz="932472" fontAlgn="base">
-                <a:lnSpc>
-                  <a:spcPct val="90000"/>
-                </a:lnSpc>
-                <a:spcBef>
-                  <a:spcPct val="0"/>
-                </a:spcBef>
-                <a:spcAft>
-                  <a:spcPct val="0"/>
-                </a:spcAft>
-              </a:pPr>
-              <a:r>
-                <a:rPr lang="en-US" sz="1200" b="1" dirty="0">
-                  <a:solidFill>
-                    <a:schemeClr val="tx1"/>
-                  </a:solidFill>
-                  <a:latin typeface="Lucida Console" panose="020B0609040504020204" pitchFamily="49" charset="0"/>
-                  <a:ea typeface="Segoe UI" pitchFamily="34" charset="0"/>
-                  <a:cs typeface="Segoe UI" pitchFamily="34" charset="0"/>
-                </a:rPr>
-                <a:t>FabricRestApi</a:t>
-              </a:r>
-            </a:p>
-          </p:txBody>
-        </p:sp>
-        <p:sp>
-          <p:nvSpPr>
-            <p:cNvPr id="6" name="Rectangle: Rounded Corners 5">
-              <a:extLst>
-                <a:ext uri="{FF2B5EF4-FFF2-40B4-BE49-F238E27FC236}">
-                  <a16:creationId xmlns:a16="http://schemas.microsoft.com/office/drawing/2014/main" id="{10F353EB-0B7F-FC7E-7A08-628FFF4611E6}"/>
-                </a:ext>
-              </a:extLst>
-            </p:cNvPr>
-            <p:cNvSpPr/>
-            <p:nvPr/>
-          </p:nvSpPr>
-          <p:spPr bwMode="auto">
-            <a:xfrm>
-              <a:off x="5724352" y="3335924"/>
-              <a:ext cx="2826904" cy="905069"/>
-            </a:xfrm>
-            <a:prstGeom prst="roundRect">
-              <a:avLst/>
-            </a:prstGeom>
-            <a:solidFill>
-              <a:schemeClr val="accent4">
-                <a:lumMod val="20000"/>
-                <a:lumOff val="80000"/>
-              </a:schemeClr>
-            </a:solidFill>
-            <a:ln>
-              <a:solidFill>
-                <a:schemeClr val="tx1"/>
-              </a:solidFill>
-              <a:headEnd type="none" w="med" len="med"/>
-              <a:tailEnd type="none" w="med" len="med"/>
-            </a:ln>
-            <a:effectLst/>
-          </p:spPr>
-          <p:style>
-            <a:lnRef idx="1">
-              <a:schemeClr val="accent2"/>
-            </a:lnRef>
-            <a:fillRef idx="3">
-              <a:schemeClr val="accent2"/>
-            </a:fillRef>
-            <a:effectRef idx="2">
-              <a:schemeClr val="accent2"/>
-            </a:effectRef>
-            <a:fontRef idx="minor">
-              <a:schemeClr val="lt1"/>
-            </a:fontRef>
-          </p:style>
-          <p:txBody>
-            <a:bodyPr rot="0" spcFirstLastPara="0" vertOverflow="overflow" horzOverflow="overflow" vert="horz" wrap="square" lIns="0" tIns="146304" rIns="0" bIns="146304" numCol="1" spcCol="0" rtlCol="0" fromWordArt="0" anchor="ctr" anchorCtr="0" forceAA="0" compatLnSpc="1">
-              <a:prstTxWarp prst="textNoShape">
-                <a:avLst/>
-              </a:prstTxWarp>
-              <a:noAutofit/>
-            </a:bodyPr>
-            <a:lstStyle/>
-            <a:p>
-              <a:pPr algn="ctr" defTabSz="932472" fontAlgn="base">
-                <a:lnSpc>
-                  <a:spcPct val="90000"/>
-                </a:lnSpc>
-                <a:spcBef>
-                  <a:spcPct val="0"/>
-                </a:spcBef>
-                <a:spcAft>
-                  <a:spcPct val="0"/>
-                </a:spcAft>
-              </a:pPr>
-              <a:r>
-                <a:rPr lang="en-US" sz="1200" b="1" dirty="0">
-                  <a:solidFill>
-                    <a:schemeClr val="tx1"/>
-                  </a:solidFill>
-                  <a:latin typeface="Lucida Console" panose="020B0609040504020204" pitchFamily="49" charset="0"/>
-                  <a:ea typeface="Segoe UI" pitchFamily="34" charset="0"/>
-                  <a:cs typeface="Segoe UI" pitchFamily="34" charset="0"/>
-                </a:rPr>
-                <a:t>PowerBiRestApi</a:t>
-              </a:r>
-            </a:p>
-          </p:txBody>
-        </p:sp>
-        <p:sp>
-          <p:nvSpPr>
-            <p:cNvPr id="7" name="Rectangle: Rounded Corners 6">
-              <a:extLst>
-                <a:ext uri="{FF2B5EF4-FFF2-40B4-BE49-F238E27FC236}">
-                  <a16:creationId xmlns:a16="http://schemas.microsoft.com/office/drawing/2014/main" id="{BD6A8FA9-1847-82B1-BF5A-C04BDA75894B}"/>
-                </a:ext>
-              </a:extLst>
-            </p:cNvPr>
-            <p:cNvSpPr/>
-            <p:nvPr/>
-          </p:nvSpPr>
-          <p:spPr bwMode="auto">
-            <a:xfrm>
-              <a:off x="5724354" y="4467222"/>
-              <a:ext cx="2826904" cy="905069"/>
-            </a:xfrm>
-            <a:prstGeom prst="roundRect">
-              <a:avLst/>
-            </a:prstGeom>
-            <a:solidFill>
-              <a:schemeClr val="accent4">
-                <a:lumMod val="20000"/>
-                <a:lumOff val="80000"/>
-              </a:schemeClr>
-            </a:solidFill>
-            <a:ln>
-              <a:solidFill>
-                <a:schemeClr val="tx1"/>
-              </a:solidFill>
-              <a:headEnd type="none" w="med" len="med"/>
-              <a:tailEnd type="none" w="med" len="med"/>
-            </a:ln>
-            <a:effectLst/>
-          </p:spPr>
-          <p:style>
-            <a:lnRef idx="1">
-              <a:schemeClr val="accent2"/>
-            </a:lnRef>
-            <a:fillRef idx="3">
-              <a:schemeClr val="accent2"/>
-            </a:fillRef>
-            <a:effectRef idx="2">
-              <a:schemeClr val="accent2"/>
-            </a:effectRef>
-            <a:fontRef idx="minor">
-              <a:schemeClr val="lt1"/>
-            </a:fontRef>
-          </p:style>
-          <p:txBody>
-            <a:bodyPr rot="0" spcFirstLastPara="0" vertOverflow="overflow" horzOverflow="overflow" vert="horz" wrap="square" lIns="0" tIns="146304" rIns="0" bIns="146304" numCol="1" spcCol="0" rtlCol="0" fromWordArt="0" anchor="ctr" anchorCtr="0" forceAA="0" compatLnSpc="1">
-              <a:prstTxWarp prst="textNoShape">
-                <a:avLst/>
-              </a:prstTxWarp>
-              <a:noAutofit/>
-            </a:bodyPr>
-            <a:lstStyle/>
-            <a:p>
-              <a:pPr algn="ctr" defTabSz="932472" fontAlgn="base">
-                <a:lnSpc>
-                  <a:spcPct val="90000"/>
-                </a:lnSpc>
-                <a:spcBef>
-                  <a:spcPct val="0"/>
-                </a:spcBef>
-                <a:spcAft>
-                  <a:spcPct val="0"/>
-                </a:spcAft>
-              </a:pPr>
-              <a:r>
-                <a:rPr lang="en-US" sz="1200" b="1" dirty="0">
-                  <a:solidFill>
-                    <a:schemeClr val="tx1"/>
-                  </a:solidFill>
-                  <a:latin typeface="Lucida Console" panose="020B0609040504020204" pitchFamily="49" charset="0"/>
-                  <a:ea typeface="Segoe UI" pitchFamily="34" charset="0"/>
-                  <a:cs typeface="Segoe UI" pitchFamily="34" charset="0"/>
-                </a:rPr>
-                <a:t>OneLakeFileWriter</a:t>
-              </a:r>
-            </a:p>
-          </p:txBody>
-        </p:sp>
-        <p:sp>
-          <p:nvSpPr>
-            <p:cNvPr id="8" name="Rectangle: Rounded Corners 7">
-              <a:extLst>
-                <a:ext uri="{FF2B5EF4-FFF2-40B4-BE49-F238E27FC236}">
-                  <a16:creationId xmlns:a16="http://schemas.microsoft.com/office/drawing/2014/main" id="{95DDBBB8-D853-7DC3-4C85-0D33DC9E625A}"/>
-                </a:ext>
-              </a:extLst>
-            </p:cNvPr>
-            <p:cNvSpPr/>
-            <p:nvPr/>
-          </p:nvSpPr>
-          <p:spPr bwMode="auto">
-            <a:xfrm>
-              <a:off x="5724353" y="5598520"/>
-              <a:ext cx="2826904" cy="905069"/>
-            </a:xfrm>
-            <a:prstGeom prst="roundRect">
-              <a:avLst/>
-            </a:prstGeom>
-            <a:solidFill>
-              <a:schemeClr val="accent4">
-                <a:lumMod val="20000"/>
-                <a:lumOff val="80000"/>
-              </a:schemeClr>
-            </a:solidFill>
-            <a:ln>
-              <a:solidFill>
-                <a:schemeClr val="tx1"/>
-              </a:solidFill>
-              <a:headEnd type="none" w="med" len="med"/>
-              <a:tailEnd type="none" w="med" len="med"/>
-            </a:ln>
-            <a:effectLst/>
-          </p:spPr>
-          <p:style>
-            <a:lnRef idx="1">
-              <a:schemeClr val="accent2"/>
-            </a:lnRef>
-            <a:fillRef idx="3">
-              <a:schemeClr val="accent2"/>
-            </a:fillRef>
-            <a:effectRef idx="2">
-              <a:schemeClr val="accent2"/>
-            </a:effectRef>
-            <a:fontRef idx="minor">
-              <a:schemeClr val="lt1"/>
-            </a:fontRef>
-          </p:style>
-          <p:txBody>
-            <a:bodyPr rot="0" spcFirstLastPara="0" vertOverflow="overflow" horzOverflow="overflow" vert="horz" wrap="square" lIns="0" tIns="146304" rIns="0" bIns="146304" numCol="1" spcCol="0" rtlCol="0" fromWordArt="0" anchor="ctr" anchorCtr="0" forceAA="0" compatLnSpc="1">
-              <a:prstTxWarp prst="textNoShape">
-                <a:avLst/>
-              </a:prstTxWarp>
-              <a:noAutofit/>
-            </a:bodyPr>
-            <a:lstStyle/>
-            <a:p>
-              <a:pPr algn="ctr" defTabSz="932472" fontAlgn="base">
-                <a:lnSpc>
-                  <a:spcPct val="90000"/>
-                </a:lnSpc>
-                <a:spcBef>
-                  <a:spcPct val="0"/>
-                </a:spcBef>
-                <a:spcAft>
-                  <a:spcPct val="0"/>
-                </a:spcAft>
-              </a:pPr>
-              <a:r>
-                <a:rPr lang="en-US" sz="1200" b="1" dirty="0">
-                  <a:solidFill>
-                    <a:schemeClr val="tx1"/>
-                  </a:solidFill>
-                  <a:latin typeface="Lucida Console" panose="020B0609040504020204" pitchFamily="49" charset="0"/>
-                  <a:ea typeface="Segoe UI" pitchFamily="34" charset="0"/>
-                  <a:cs typeface="Segoe UI" pitchFamily="34" charset="0"/>
-                </a:rPr>
-                <a:t>SqlConnectionWriter</a:t>
-              </a:r>
-            </a:p>
-          </p:txBody>
-        </p:sp>
-        <p:sp>
-          <p:nvSpPr>
-            <p:cNvPr id="9" name="Rectangle: Rounded Corners 8">
-              <a:extLst>
-                <a:ext uri="{FF2B5EF4-FFF2-40B4-BE49-F238E27FC236}">
-                  <a16:creationId xmlns:a16="http://schemas.microsoft.com/office/drawing/2014/main" id="{5C84EEE3-FF68-FD52-337E-555C8ACE794F}"/>
-                </a:ext>
-              </a:extLst>
-            </p:cNvPr>
-            <p:cNvSpPr/>
-            <p:nvPr/>
-          </p:nvSpPr>
-          <p:spPr bwMode="auto">
-            <a:xfrm>
-              <a:off x="9991725" y="3890934"/>
-              <a:ext cx="1971628" cy="905069"/>
-            </a:xfrm>
-            <a:prstGeom prst="roundRect">
-              <a:avLst/>
-            </a:prstGeom>
-            <a:solidFill>
-              <a:schemeClr val="accent4">
-                <a:lumMod val="20000"/>
-                <a:lumOff val="80000"/>
-              </a:schemeClr>
-            </a:solidFill>
-            <a:ln>
-              <a:solidFill>
-                <a:schemeClr val="tx1"/>
-              </a:solidFill>
-              <a:headEnd type="none" w="med" len="med"/>
-              <a:tailEnd type="none" w="med" len="med"/>
-            </a:ln>
-            <a:effectLst/>
-          </p:spPr>
-          <p:style>
-            <a:lnRef idx="1">
-              <a:schemeClr val="accent2"/>
-            </a:lnRef>
-            <a:fillRef idx="3">
-              <a:schemeClr val="accent2"/>
-            </a:fillRef>
-            <a:effectRef idx="2">
-              <a:schemeClr val="accent2"/>
-            </a:effectRef>
-            <a:fontRef idx="minor">
-              <a:schemeClr val="lt1"/>
-            </a:fontRef>
-          </p:style>
-          <p:txBody>
-            <a:bodyPr rot="0" spcFirstLastPara="0" vertOverflow="overflow" horzOverflow="overflow" vert="horz" wrap="square" lIns="0" tIns="146304" rIns="0" bIns="146304" numCol="1" spcCol="0" rtlCol="0" fromWordArt="0" anchor="ctr" anchorCtr="0" forceAA="0" compatLnSpc="1">
-              <a:prstTxWarp prst="textNoShape">
-                <a:avLst/>
-              </a:prstTxWarp>
-              <a:noAutofit/>
-            </a:bodyPr>
-            <a:lstStyle/>
-            <a:p>
-              <a:pPr algn="ctr" defTabSz="932472" fontAlgn="base">
-                <a:lnSpc>
-                  <a:spcPct val="90000"/>
-                </a:lnSpc>
-                <a:spcBef>
-                  <a:spcPct val="0"/>
-                </a:spcBef>
-                <a:spcAft>
-                  <a:spcPct val="0"/>
-                </a:spcAft>
-              </a:pPr>
-              <a:r>
-                <a:rPr lang="en-US" sz="1200" b="1" dirty="0">
-                  <a:solidFill>
-                    <a:schemeClr val="tx1"/>
-                  </a:solidFill>
-                  <a:latin typeface="Lucida Console" panose="020B0609040504020204" pitchFamily="49" charset="0"/>
-                  <a:ea typeface="Segoe UI" pitchFamily="34" charset="0"/>
-                  <a:cs typeface="Segoe UI" pitchFamily="34" charset="0"/>
-                </a:rPr>
-                <a:t>EntraIdTokenManager</a:t>
-              </a:r>
-            </a:p>
-          </p:txBody>
-        </p:sp>
-        <p:sp>
-          <p:nvSpPr>
-            <p:cNvPr id="10" name="Rectangle: Rounded Corners 9">
-              <a:extLst>
-                <a:ext uri="{FF2B5EF4-FFF2-40B4-BE49-F238E27FC236}">
-                  <a16:creationId xmlns:a16="http://schemas.microsoft.com/office/drawing/2014/main" id="{3C5EB540-E7E6-DB11-0F07-E01D295B3E96}"/>
-                </a:ext>
-              </a:extLst>
-            </p:cNvPr>
-            <p:cNvSpPr/>
-            <p:nvPr/>
-          </p:nvSpPr>
-          <p:spPr bwMode="auto">
-            <a:xfrm>
-              <a:off x="5724352" y="1048306"/>
-              <a:ext cx="2826904" cy="905069"/>
-            </a:xfrm>
-            <a:prstGeom prst="roundRect">
-              <a:avLst/>
-            </a:prstGeom>
-            <a:solidFill>
-              <a:schemeClr val="accent4">
-                <a:lumMod val="20000"/>
-                <a:lumOff val="80000"/>
-              </a:schemeClr>
-            </a:solidFill>
-            <a:ln>
-              <a:solidFill>
-                <a:schemeClr val="tx1"/>
-              </a:solidFill>
-              <a:headEnd type="none" w="med" len="med"/>
-              <a:tailEnd type="none" w="med" len="med"/>
-            </a:ln>
-            <a:effectLst/>
-          </p:spPr>
-          <p:style>
-            <a:lnRef idx="1">
-              <a:schemeClr val="accent2"/>
-            </a:lnRef>
-            <a:fillRef idx="3">
-              <a:schemeClr val="accent2"/>
-            </a:fillRef>
-            <a:effectRef idx="2">
-              <a:schemeClr val="accent2"/>
-            </a:effectRef>
-            <a:fontRef idx="minor">
-              <a:schemeClr val="lt1"/>
-            </a:fontRef>
-          </p:style>
-          <p:txBody>
-            <a:bodyPr rot="0" spcFirstLastPara="0" vertOverflow="overflow" horzOverflow="overflow" vert="horz" wrap="square" lIns="0" tIns="146304" rIns="0" bIns="146304" numCol="1" spcCol="0" rtlCol="0" fromWordArt="0" anchor="ctr" anchorCtr="0" forceAA="0" compatLnSpc="1">
-              <a:prstTxWarp prst="textNoShape">
-                <a:avLst/>
-              </a:prstTxWarp>
-              <a:noAutofit/>
-            </a:bodyPr>
-            <a:lstStyle/>
-            <a:p>
-              <a:pPr algn="ctr" defTabSz="932472" fontAlgn="base">
-                <a:lnSpc>
-                  <a:spcPct val="90000"/>
-                </a:lnSpc>
-                <a:spcBef>
-                  <a:spcPct val="0"/>
-                </a:spcBef>
-                <a:spcAft>
-                  <a:spcPct val="0"/>
-                </a:spcAft>
-              </a:pPr>
-              <a:r>
-                <a:rPr lang="en-US" sz="1200" b="1" dirty="0">
-                  <a:solidFill>
-                    <a:schemeClr val="tx1"/>
-                  </a:solidFill>
-                  <a:latin typeface="Lucida Console" panose="020B0609040504020204" pitchFamily="49" charset="0"/>
-                  <a:ea typeface="Segoe UI" pitchFamily="34" charset="0"/>
-                  <a:cs typeface="Segoe UI" pitchFamily="34" charset="0"/>
-                </a:rPr>
-                <a:t>FabricItemDefinitionFactory</a:t>
-              </a:r>
-            </a:p>
-          </p:txBody>
-        </p:sp>
-        <p:cxnSp>
-          <p:nvCxnSpPr>
-            <p:cNvPr id="12" name="Straight Arrow Connector 11">
-              <a:extLst>
-                <a:ext uri="{FF2B5EF4-FFF2-40B4-BE49-F238E27FC236}">
-                  <a16:creationId xmlns:a16="http://schemas.microsoft.com/office/drawing/2014/main" id="{59308F53-B30B-9423-5E31-8F08A45F3BCA}"/>
-                </a:ext>
-              </a:extLst>
-            </p:cNvPr>
-            <p:cNvCxnSpPr>
-              <a:cxnSpLocks/>
-              <a:stCxn id="3" idx="3"/>
-              <a:endCxn id="4" idx="1"/>
-            </p:cNvCxnSpPr>
-            <p:nvPr/>
-          </p:nvCxnSpPr>
-          <p:spPr>
-            <a:xfrm>
-              <a:off x="1459857" y="3772118"/>
-              <a:ext cx="595170" cy="16340"/>
-            </a:xfrm>
-            <a:prstGeom prst="straightConnector1">
-              <a:avLst/>
-            </a:prstGeom>
-            <a:ln w="38100">
-              <a:solidFill>
-                <a:srgbClr val="C00000"/>
-              </a:solidFill>
-              <a:headEnd type="none" w="med" len="sm"/>
-              <a:tailEnd type="triangle" w="med" len="sm"/>
-            </a:ln>
-          </p:spPr>
-          <p:style>
-            <a:lnRef idx="1">
-              <a:schemeClr val="accent1"/>
-            </a:lnRef>
-            <a:fillRef idx="0">
-              <a:schemeClr val="accent1"/>
-            </a:fillRef>
-            <a:effectRef idx="0">
-              <a:schemeClr val="accent1"/>
-            </a:effectRef>
-            <a:fontRef idx="minor">
-              <a:schemeClr val="tx1"/>
-            </a:fontRef>
-          </p:style>
-        </p:cxnSp>
-        <p:cxnSp>
-          <p:nvCxnSpPr>
-            <p:cNvPr id="13" name="Straight Arrow Connector 12">
-              <a:extLst>
-                <a:ext uri="{FF2B5EF4-FFF2-40B4-BE49-F238E27FC236}">
-                  <a16:creationId xmlns:a16="http://schemas.microsoft.com/office/drawing/2014/main" id="{7435B112-345B-E038-4555-8C5F0E26D1D8}"/>
-                </a:ext>
-              </a:extLst>
-            </p:cNvPr>
-            <p:cNvCxnSpPr>
-              <a:cxnSpLocks/>
-              <a:stCxn id="4" idx="3"/>
-              <a:endCxn id="10" idx="1"/>
-            </p:cNvCxnSpPr>
-            <p:nvPr/>
-          </p:nvCxnSpPr>
-          <p:spPr>
-            <a:xfrm flipV="1">
-              <a:off x="4463871" y="1500841"/>
-              <a:ext cx="1260481" cy="2287617"/>
-            </a:xfrm>
-            <a:prstGeom prst="straightConnector1">
-              <a:avLst/>
-            </a:prstGeom>
-            <a:ln w="38100">
-              <a:solidFill>
-                <a:srgbClr val="C00000"/>
-              </a:solidFill>
-              <a:headEnd type="none" w="med" len="sm"/>
-              <a:tailEnd type="triangle" w="med" len="sm"/>
-            </a:ln>
-          </p:spPr>
-          <p:style>
-            <a:lnRef idx="1">
-              <a:schemeClr val="accent1"/>
-            </a:lnRef>
-            <a:fillRef idx="0">
-              <a:schemeClr val="accent1"/>
-            </a:fillRef>
-            <a:effectRef idx="0">
-              <a:schemeClr val="accent1"/>
-            </a:effectRef>
-            <a:fontRef idx="minor">
-              <a:schemeClr val="tx1"/>
-            </a:fontRef>
-          </p:style>
-        </p:cxnSp>
-        <p:cxnSp>
-          <p:nvCxnSpPr>
-            <p:cNvPr id="16" name="Straight Arrow Connector 15">
-              <a:extLst>
-                <a:ext uri="{FF2B5EF4-FFF2-40B4-BE49-F238E27FC236}">
-                  <a16:creationId xmlns:a16="http://schemas.microsoft.com/office/drawing/2014/main" id="{B3764C1D-A9C1-4423-54E9-7FD11913998A}"/>
-                </a:ext>
-              </a:extLst>
-            </p:cNvPr>
-            <p:cNvCxnSpPr>
-              <a:cxnSpLocks/>
-              <a:stCxn id="4" idx="3"/>
-              <a:endCxn id="5" idx="1"/>
-            </p:cNvCxnSpPr>
-            <p:nvPr/>
-          </p:nvCxnSpPr>
-          <p:spPr>
-            <a:xfrm flipV="1">
-              <a:off x="4463871" y="2632139"/>
-              <a:ext cx="1260480" cy="1156319"/>
-            </a:xfrm>
-            <a:prstGeom prst="straightConnector1">
-              <a:avLst/>
-            </a:prstGeom>
-            <a:ln w="38100">
-              <a:solidFill>
-                <a:srgbClr val="C00000"/>
-              </a:solidFill>
-              <a:headEnd type="none" w="med" len="sm"/>
-              <a:tailEnd type="triangle" w="med" len="sm"/>
-            </a:ln>
-          </p:spPr>
-          <p:style>
-            <a:lnRef idx="1">
-              <a:schemeClr val="accent1"/>
-            </a:lnRef>
-            <a:fillRef idx="0">
-              <a:schemeClr val="accent1"/>
-            </a:fillRef>
-            <a:effectRef idx="0">
-              <a:schemeClr val="accent1"/>
-            </a:effectRef>
-            <a:fontRef idx="minor">
-              <a:schemeClr val="tx1"/>
-            </a:fontRef>
-          </p:style>
-        </p:cxnSp>
-        <p:cxnSp>
-          <p:nvCxnSpPr>
-            <p:cNvPr id="19" name="Straight Arrow Connector 18">
-              <a:extLst>
-                <a:ext uri="{FF2B5EF4-FFF2-40B4-BE49-F238E27FC236}">
-                  <a16:creationId xmlns:a16="http://schemas.microsoft.com/office/drawing/2014/main" id="{A29C6D4B-2DC7-F227-9664-ECFF98AB1BAA}"/>
-                </a:ext>
-              </a:extLst>
-            </p:cNvPr>
-            <p:cNvCxnSpPr>
-              <a:cxnSpLocks/>
-              <a:stCxn id="4" idx="3"/>
-              <a:endCxn id="6" idx="1"/>
-            </p:cNvCxnSpPr>
-            <p:nvPr/>
-          </p:nvCxnSpPr>
-          <p:spPr>
-            <a:xfrm>
-              <a:off x="4463871" y="3788458"/>
-              <a:ext cx="1260481" cy="1"/>
-            </a:xfrm>
-            <a:prstGeom prst="straightConnector1">
-              <a:avLst/>
-            </a:prstGeom>
-            <a:ln w="38100">
-              <a:solidFill>
-                <a:srgbClr val="C00000"/>
-              </a:solidFill>
-              <a:headEnd type="none" w="med" len="sm"/>
-              <a:tailEnd type="triangle" w="med" len="sm"/>
-            </a:ln>
-          </p:spPr>
-          <p:style>
-            <a:lnRef idx="1">
-              <a:schemeClr val="accent1"/>
-            </a:lnRef>
-            <a:fillRef idx="0">
-              <a:schemeClr val="accent1"/>
-            </a:fillRef>
-            <a:effectRef idx="0">
-              <a:schemeClr val="accent1"/>
-            </a:effectRef>
-            <a:fontRef idx="minor">
-              <a:schemeClr val="tx1"/>
-            </a:fontRef>
-          </p:style>
-        </p:cxnSp>
-        <p:cxnSp>
-          <p:nvCxnSpPr>
-            <p:cNvPr id="23" name="Straight Arrow Connector 22">
-              <a:extLst>
-                <a:ext uri="{FF2B5EF4-FFF2-40B4-BE49-F238E27FC236}">
-                  <a16:creationId xmlns:a16="http://schemas.microsoft.com/office/drawing/2014/main" id="{E52E1FFC-2789-9651-8E23-0700CB06677C}"/>
-                </a:ext>
-              </a:extLst>
-            </p:cNvPr>
-            <p:cNvCxnSpPr>
-              <a:cxnSpLocks/>
-              <a:stCxn id="4" idx="3"/>
-              <a:endCxn id="7" idx="1"/>
-            </p:cNvCxnSpPr>
-            <p:nvPr/>
-          </p:nvCxnSpPr>
-          <p:spPr>
-            <a:xfrm>
-              <a:off x="4463871" y="3788458"/>
-              <a:ext cx="1260483" cy="1131299"/>
-            </a:xfrm>
-            <a:prstGeom prst="straightConnector1">
-              <a:avLst/>
-            </a:prstGeom>
-            <a:ln w="38100">
-              <a:solidFill>
-                <a:srgbClr val="C00000"/>
-              </a:solidFill>
-              <a:headEnd type="none" w="med" len="sm"/>
-              <a:tailEnd type="triangle" w="med" len="sm"/>
-            </a:ln>
-          </p:spPr>
-          <p:style>
-            <a:lnRef idx="1">
-              <a:schemeClr val="accent1"/>
-            </a:lnRef>
-            <a:fillRef idx="0">
-              <a:schemeClr val="accent1"/>
-            </a:fillRef>
-            <a:effectRef idx="0">
-              <a:schemeClr val="accent1"/>
-            </a:effectRef>
-            <a:fontRef idx="minor">
-              <a:schemeClr val="tx1"/>
-            </a:fontRef>
-          </p:style>
-        </p:cxnSp>
-        <p:cxnSp>
-          <p:nvCxnSpPr>
-            <p:cNvPr id="32" name="Straight Arrow Connector 31">
-              <a:extLst>
-                <a:ext uri="{FF2B5EF4-FFF2-40B4-BE49-F238E27FC236}">
-                  <a16:creationId xmlns:a16="http://schemas.microsoft.com/office/drawing/2014/main" id="{38281999-2BBB-A82A-3D56-70D3DCD3E0A4}"/>
-                </a:ext>
-              </a:extLst>
-            </p:cNvPr>
-            <p:cNvCxnSpPr>
-              <a:cxnSpLocks/>
-              <a:stCxn id="4" idx="3"/>
-              <a:endCxn id="8" idx="1"/>
-            </p:cNvCxnSpPr>
-            <p:nvPr/>
-          </p:nvCxnSpPr>
-          <p:spPr>
-            <a:xfrm>
-              <a:off x="4463871" y="3788458"/>
-              <a:ext cx="1260482" cy="2262597"/>
-            </a:xfrm>
-            <a:prstGeom prst="straightConnector1">
-              <a:avLst/>
-            </a:prstGeom>
-            <a:ln w="38100">
-              <a:solidFill>
-                <a:srgbClr val="C00000"/>
-              </a:solidFill>
-              <a:headEnd type="none" w="med" len="sm"/>
-              <a:tailEnd type="triangle" w="med" len="sm"/>
-            </a:ln>
-          </p:spPr>
-          <p:style>
-            <a:lnRef idx="1">
-              <a:schemeClr val="accent1"/>
-            </a:lnRef>
-            <a:fillRef idx="0">
-              <a:schemeClr val="accent1"/>
-            </a:fillRef>
-            <a:effectRef idx="0">
-              <a:schemeClr val="accent1"/>
-            </a:effectRef>
-            <a:fontRef idx="minor">
-              <a:schemeClr val="tx1"/>
-            </a:fontRef>
-          </p:style>
-        </p:cxnSp>
-        <p:cxnSp>
-          <p:nvCxnSpPr>
-            <p:cNvPr id="42" name="Straight Arrow Connector 41">
-              <a:extLst>
-                <a:ext uri="{FF2B5EF4-FFF2-40B4-BE49-F238E27FC236}">
-                  <a16:creationId xmlns:a16="http://schemas.microsoft.com/office/drawing/2014/main" id="{31BF171E-2C15-E515-2E54-F8DE9FAE8DDC}"/>
-                </a:ext>
-              </a:extLst>
-            </p:cNvPr>
-            <p:cNvCxnSpPr>
-              <a:cxnSpLocks/>
-              <a:stCxn id="5" idx="3"/>
-            </p:cNvCxnSpPr>
-            <p:nvPr/>
-          </p:nvCxnSpPr>
-          <p:spPr>
-            <a:xfrm>
-              <a:off x="8551255" y="2632139"/>
-              <a:ext cx="1335695" cy="1324845"/>
-            </a:xfrm>
-            <a:prstGeom prst="straightConnector1">
-              <a:avLst/>
-            </a:prstGeom>
-            <a:ln w="38100">
-              <a:solidFill>
-                <a:srgbClr val="C00000"/>
-              </a:solidFill>
-              <a:headEnd type="none" w="med" len="sm"/>
-              <a:tailEnd type="triangle" w="med" len="sm"/>
-            </a:ln>
-          </p:spPr>
-          <p:style>
-            <a:lnRef idx="1">
-              <a:schemeClr val="accent1"/>
-            </a:lnRef>
-            <a:fillRef idx="0">
-              <a:schemeClr val="accent1"/>
-            </a:fillRef>
-            <a:effectRef idx="0">
-              <a:schemeClr val="accent1"/>
-            </a:effectRef>
-            <a:fontRef idx="minor">
-              <a:schemeClr val="tx1"/>
-            </a:fontRef>
-          </p:style>
-        </p:cxnSp>
-        <p:cxnSp>
-          <p:nvCxnSpPr>
-            <p:cNvPr id="45" name="Straight Arrow Connector 44">
-              <a:extLst>
-                <a:ext uri="{FF2B5EF4-FFF2-40B4-BE49-F238E27FC236}">
-                  <a16:creationId xmlns:a16="http://schemas.microsoft.com/office/drawing/2014/main" id="{1902E382-4FC5-5B2F-CD32-D71B92A4340C}"/>
-                </a:ext>
-              </a:extLst>
-            </p:cNvPr>
-            <p:cNvCxnSpPr>
-              <a:cxnSpLocks/>
-              <a:stCxn id="6" idx="3"/>
-            </p:cNvCxnSpPr>
-            <p:nvPr/>
-          </p:nvCxnSpPr>
-          <p:spPr>
-            <a:xfrm>
-              <a:off x="8551256" y="3788459"/>
-              <a:ext cx="1260483" cy="436193"/>
-            </a:xfrm>
-            <a:prstGeom prst="straightConnector1">
-              <a:avLst/>
-            </a:prstGeom>
-            <a:ln w="38100">
-              <a:solidFill>
-                <a:srgbClr val="C00000"/>
-              </a:solidFill>
-              <a:headEnd type="none" w="med" len="sm"/>
-              <a:tailEnd type="triangle" w="med" len="sm"/>
-            </a:ln>
-          </p:spPr>
-          <p:style>
-            <a:lnRef idx="1">
-              <a:schemeClr val="accent1"/>
-            </a:lnRef>
-            <a:fillRef idx="0">
-              <a:schemeClr val="accent1"/>
-            </a:fillRef>
-            <a:effectRef idx="0">
-              <a:schemeClr val="accent1"/>
-            </a:effectRef>
-            <a:fontRef idx="minor">
-              <a:schemeClr val="tx1"/>
-            </a:fontRef>
-          </p:style>
-        </p:cxnSp>
-        <p:cxnSp>
-          <p:nvCxnSpPr>
-            <p:cNvPr id="48" name="Straight Arrow Connector 47">
-              <a:extLst>
-                <a:ext uri="{FF2B5EF4-FFF2-40B4-BE49-F238E27FC236}">
-                  <a16:creationId xmlns:a16="http://schemas.microsoft.com/office/drawing/2014/main" id="{F76F653E-C697-5514-C677-5A7E117BDBC6}"/>
-                </a:ext>
-              </a:extLst>
-            </p:cNvPr>
-            <p:cNvCxnSpPr>
-              <a:cxnSpLocks/>
-              <a:stCxn id="7" idx="3"/>
-            </p:cNvCxnSpPr>
-            <p:nvPr/>
-          </p:nvCxnSpPr>
-          <p:spPr>
-            <a:xfrm flipV="1">
-              <a:off x="8551258" y="4483564"/>
-              <a:ext cx="1260483" cy="436193"/>
-            </a:xfrm>
-            <a:prstGeom prst="straightConnector1">
-              <a:avLst/>
-            </a:prstGeom>
-            <a:ln w="38100">
-              <a:solidFill>
-                <a:srgbClr val="C00000"/>
-              </a:solidFill>
-              <a:headEnd type="none" w="med" len="sm"/>
-              <a:tailEnd type="triangle" w="med" len="sm"/>
-            </a:ln>
-          </p:spPr>
-          <p:style>
-            <a:lnRef idx="1">
-              <a:schemeClr val="accent1"/>
-            </a:lnRef>
-            <a:fillRef idx="0">
-              <a:schemeClr val="accent1"/>
-            </a:fillRef>
-            <a:effectRef idx="0">
-              <a:schemeClr val="accent1"/>
-            </a:effectRef>
-            <a:fontRef idx="minor">
-              <a:schemeClr val="tx1"/>
-            </a:fontRef>
-          </p:style>
-        </p:cxnSp>
-        <p:cxnSp>
-          <p:nvCxnSpPr>
-            <p:cNvPr id="50" name="Straight Arrow Connector 49">
-              <a:extLst>
-                <a:ext uri="{FF2B5EF4-FFF2-40B4-BE49-F238E27FC236}">
-                  <a16:creationId xmlns:a16="http://schemas.microsoft.com/office/drawing/2014/main" id="{F7B3CCD0-A87E-B78B-8185-94D7855B64D4}"/>
-                </a:ext>
-              </a:extLst>
-            </p:cNvPr>
-            <p:cNvCxnSpPr>
-              <a:cxnSpLocks/>
-              <a:stCxn id="8" idx="3"/>
-            </p:cNvCxnSpPr>
-            <p:nvPr/>
-          </p:nvCxnSpPr>
-          <p:spPr>
-            <a:xfrm flipV="1">
-              <a:off x="8551257" y="4726210"/>
-              <a:ext cx="1335693" cy="1324845"/>
-            </a:xfrm>
-            <a:prstGeom prst="straightConnector1">
-              <a:avLst/>
-            </a:prstGeom>
-            <a:ln w="38100">
-              <a:solidFill>
-                <a:srgbClr val="C00000"/>
-              </a:solidFill>
-              <a:headEnd type="none" w="med" len="sm"/>
-              <a:tailEnd type="triangle" w="med" len="sm"/>
-            </a:ln>
-          </p:spPr>
-          <p:style>
-            <a:lnRef idx="1">
-              <a:schemeClr val="accent1"/>
-            </a:lnRef>
-            <a:fillRef idx="0">
-              <a:schemeClr val="accent1"/>
-            </a:fillRef>
-            <a:effectRef idx="0">
-              <a:schemeClr val="accent1"/>
-            </a:effectRef>
-            <a:fontRef idx="minor">
-              <a:schemeClr val="tx1"/>
-            </a:fontRef>
-          </p:style>
-        </p:cxnSp>
-      </p:grpSp>
-    </p:spTree>
-    <p:extLst>
-      <p:ext uri="{BB962C8B-B14F-4D97-AF65-F5344CB8AC3E}">
-        <p14:creationId xmlns:p14="http://schemas.microsoft.com/office/powerpoint/2010/main" val="3280564616"/>
-      </p:ext>
-    </p:extLst>
-  </p:cSld>
-  <p:clrMapOvr>
-    <a:masterClrMapping/>
-  </p:clrMapOvr>
-  <p:transition>
-    <p:fade/>
-  </p:transition>
 </p:sld>
 </file>
 

--- a/Developing and Deploying Solutions with the Fabric REST API.pptx
+++ b/Developing and Deploying Solutions with the Fabric REST API.pptx
@@ -6,30 +6,31 @@
   </p:sldMasterIdLst>
   <p:sldIdLst>
     <p:sldId id="258" r:id="rId2"/>
-    <p:sldId id="281" r:id="rId3"/>
-    <p:sldId id="269" r:id="rId4"/>
-    <p:sldId id="268" r:id="rId5"/>
-    <p:sldId id="278" r:id="rId6"/>
-    <p:sldId id="279" r:id="rId7"/>
-    <p:sldId id="259" r:id="rId8"/>
-    <p:sldId id="260" r:id="rId9"/>
-    <p:sldId id="262" r:id="rId10"/>
-    <p:sldId id="276" r:id="rId11"/>
-    <p:sldId id="257" r:id="rId12"/>
-    <p:sldId id="263" r:id="rId13"/>
-    <p:sldId id="261" r:id="rId14"/>
-    <p:sldId id="277" r:id="rId15"/>
-    <p:sldId id="275" r:id="rId16"/>
-    <p:sldId id="264" r:id="rId17"/>
-    <p:sldId id="265" r:id="rId18"/>
-    <p:sldId id="266" r:id="rId19"/>
-    <p:sldId id="267" r:id="rId20"/>
-    <p:sldId id="280" r:id="rId21"/>
-    <p:sldId id="270" r:id="rId22"/>
-    <p:sldId id="271" r:id="rId23"/>
-    <p:sldId id="272" r:id="rId24"/>
-    <p:sldId id="273" r:id="rId25"/>
-    <p:sldId id="274" r:id="rId26"/>
+    <p:sldId id="282" r:id="rId3"/>
+    <p:sldId id="281" r:id="rId4"/>
+    <p:sldId id="269" r:id="rId5"/>
+    <p:sldId id="268" r:id="rId6"/>
+    <p:sldId id="278" r:id="rId7"/>
+    <p:sldId id="279" r:id="rId8"/>
+    <p:sldId id="259" r:id="rId9"/>
+    <p:sldId id="260" r:id="rId10"/>
+    <p:sldId id="262" r:id="rId11"/>
+    <p:sldId id="276" r:id="rId12"/>
+    <p:sldId id="257" r:id="rId13"/>
+    <p:sldId id="263" r:id="rId14"/>
+    <p:sldId id="261" r:id="rId15"/>
+    <p:sldId id="277" r:id="rId16"/>
+    <p:sldId id="275" r:id="rId17"/>
+    <p:sldId id="264" r:id="rId18"/>
+    <p:sldId id="265" r:id="rId19"/>
+    <p:sldId id="266" r:id="rId20"/>
+    <p:sldId id="267" r:id="rId21"/>
+    <p:sldId id="280" r:id="rId22"/>
+    <p:sldId id="270" r:id="rId23"/>
+    <p:sldId id="271" r:id="rId24"/>
+    <p:sldId id="272" r:id="rId25"/>
+    <p:sldId id="273" r:id="rId26"/>
+    <p:sldId id="274" r:id="rId27"/>
   </p:sldIdLst>
   <p:sldSz cx="12192000" cy="6858000"/>
   <p:notesSz cx="6858000" cy="9144000"/>
@@ -1525,7 +1526,7 @@
           <a:p>
             <a:fld id="{E0D9FF92-122F-4BD4-B926-248B1E5E6DEF}" type="datetimeFigureOut">
               <a:rPr lang="en-US" smtClean="0"/>
-              <a:t>11/3/2024</a:t>
+              <a:t>11/13/2024</a:t>
             </a:fld>
             <a:endParaRPr lang="en-US"/>
           </a:p>
@@ -2316,12 +2317,78 @@
           </a:ln>
         </p:spPr>
       </p:pic>
+    </p:spTree>
+    <p:extLst>
+      <p:ext uri="{BB962C8B-B14F-4D97-AF65-F5344CB8AC3E}">
+        <p14:creationId xmlns:p14="http://schemas.microsoft.com/office/powerpoint/2010/main" val="139859511"/>
+      </p:ext>
+    </p:extLst>
+  </p:cSld>
+  <p:clrMapOvr>
+    <a:masterClrMapping/>
+  </p:clrMapOvr>
+</p:sld>
+</file>
+
+<file path=ppt/slides/slide10.xml><?xml version="1.0" encoding="utf-8"?>
+<p:sld xmlns:a="http://schemas.openxmlformats.org/drawingml/2006/main" xmlns:r="http://schemas.openxmlformats.org/officeDocument/2006/relationships" xmlns:p="http://schemas.openxmlformats.org/presentationml/2006/main">
+  <p:cSld>
+    <p:spTree>
+      <p:nvGrpSpPr>
+        <p:cNvPr id="1" name="">
+          <a:extLst>
+            <a:ext uri="{FF2B5EF4-FFF2-40B4-BE49-F238E27FC236}">
+              <a16:creationId xmlns:a16="http://schemas.microsoft.com/office/drawing/2014/main" id="{F6B59C35-9936-2AAA-B00C-2D1ECC43CB3F}"/>
+            </a:ext>
+          </a:extLst>
+        </p:cNvPr>
+        <p:cNvGrpSpPr/>
+        <p:nvPr/>
+      </p:nvGrpSpPr>
+      <p:grpSpPr>
+        <a:xfrm>
+          <a:off x="0" y="0"/>
+          <a:ext cx="0" cy="0"/>
+          <a:chOff x="0" y="0"/>
+          <a:chExt cx="0" cy="0"/>
+        </a:xfrm>
+      </p:grpSpPr>
       <p:pic>
         <p:nvPicPr>
-          <p:cNvPr id="6" name="Picture 5">
+          <p:cNvPr id="2" name="Picture 1">
             <a:extLst>
               <a:ext uri="{FF2B5EF4-FFF2-40B4-BE49-F238E27FC236}">
-                <a16:creationId xmlns:a16="http://schemas.microsoft.com/office/drawing/2014/main" id="{ADAFC809-B21F-9720-3D71-65740C6E5AD0}"/>
+                <a16:creationId xmlns:a16="http://schemas.microsoft.com/office/drawing/2014/main" id="{6F340A2A-EE18-ED89-258F-584E533F32BF}"/>
+              </a:ext>
+            </a:extLst>
+          </p:cNvPr>
+          <p:cNvPicPr>
+            <a:picLocks noChangeAspect="1"/>
+          </p:cNvPicPr>
+          <p:nvPr/>
+        </p:nvPicPr>
+        <p:blipFill>
+          <a:blip r:embed="rId2"/>
+          <a:stretch>
+            <a:fillRect/>
+          </a:stretch>
+        </p:blipFill>
+        <p:spPr>
+          <a:xfrm>
+            <a:off x="652884" y="431997"/>
+            <a:ext cx="3115849" cy="3393585"/>
+          </a:xfrm>
+          <a:prstGeom prst="rect">
+            <a:avLst/>
+          </a:prstGeom>
+        </p:spPr>
+      </p:pic>
+      <p:pic>
+        <p:nvPicPr>
+          <p:cNvPr id="4" name="Picture 3">
+            <a:extLst>
+              <a:ext uri="{FF2B5EF4-FFF2-40B4-BE49-F238E27FC236}">
+                <a16:creationId xmlns:a16="http://schemas.microsoft.com/office/drawing/2014/main" id="{56B2CC06-B6B2-98CE-7704-BAE1240971F3}"/>
               </a:ext>
             </a:extLst>
           </p:cNvPr>
@@ -2338,18 +2405,25 @@
         </p:blipFill>
         <p:spPr>
           <a:xfrm>
-            <a:off x="4232748" y="3139415"/>
-            <a:ext cx="3726503" cy="579170"/>
+            <a:off x="6799030" y="1519005"/>
+            <a:ext cx="3248478" cy="3324689"/>
           </a:xfrm>
           <a:prstGeom prst="rect">
             <a:avLst/>
           </a:prstGeom>
+          <a:ln>
+            <a:solidFill>
+              <a:schemeClr val="tx1">
+                <a:lumMod val="75000"/>
+              </a:schemeClr>
+            </a:solidFill>
+          </a:ln>
         </p:spPr>
       </p:pic>
     </p:spTree>
     <p:extLst>
       <p:ext uri="{BB962C8B-B14F-4D97-AF65-F5344CB8AC3E}">
-        <p14:creationId xmlns:p14="http://schemas.microsoft.com/office/powerpoint/2010/main" val="139859511"/>
+        <p14:creationId xmlns:p14="http://schemas.microsoft.com/office/powerpoint/2010/main" val="245845627"/>
       </p:ext>
     </p:extLst>
   </p:cSld>
@@ -2359,7 +2433,7 @@
 </p:sld>
 </file>
 
-<file path=ppt/slides/slide10.xml><?xml version="1.0" encoding="utf-8"?>
+<file path=ppt/slides/slide11.xml><?xml version="1.0" encoding="utf-8"?>
 <p:sld xmlns:a="http://schemas.openxmlformats.org/drawingml/2006/main" xmlns:r="http://schemas.openxmlformats.org/officeDocument/2006/relationships" xmlns:p="http://schemas.openxmlformats.org/presentationml/2006/main">
   <p:cSld>
     <p:spTree>
@@ -3568,7 +3642,7 @@
 </p:sld>
 </file>
 
-<file path=ppt/slides/slide11.xml><?xml version="1.0" encoding="utf-8"?>
+<file path=ppt/slides/slide12.xml><?xml version="1.0" encoding="utf-8"?>
 <p:sld xmlns:a="http://schemas.openxmlformats.org/drawingml/2006/main" xmlns:r="http://schemas.openxmlformats.org/officeDocument/2006/relationships" xmlns:p="http://schemas.openxmlformats.org/presentationml/2006/main">
   <p:cSld>
     <p:spTree>
@@ -4741,7 +4815,7 @@
 </p:sld>
 </file>
 
-<file path=ppt/slides/slide12.xml><?xml version="1.0" encoding="utf-8"?>
+<file path=ppt/slides/slide13.xml><?xml version="1.0" encoding="utf-8"?>
 <p:sld xmlns:a="http://schemas.openxmlformats.org/drawingml/2006/main" xmlns:r="http://schemas.openxmlformats.org/officeDocument/2006/relationships" xmlns:p="http://schemas.openxmlformats.org/presentationml/2006/main">
   <p:cSld>
     <p:spTree>
@@ -5344,7 +5418,7 @@
 </p:sld>
 </file>
 
-<file path=ppt/slides/slide13.xml><?xml version="1.0" encoding="utf-8"?>
+<file path=ppt/slides/slide14.xml><?xml version="1.0" encoding="utf-8"?>
 <p:sld xmlns:a="http://schemas.openxmlformats.org/drawingml/2006/main" xmlns:r="http://schemas.openxmlformats.org/officeDocument/2006/relationships" xmlns:p="http://schemas.openxmlformats.org/presentationml/2006/main">
   <p:cSld>
     <p:spTree>
@@ -9293,7 +9367,7 @@
 </p:sld>
 </file>
 
-<file path=ppt/slides/slide14.xml><?xml version="1.0" encoding="utf-8"?>
+<file path=ppt/slides/slide15.xml><?xml version="1.0" encoding="utf-8"?>
 <p:sld xmlns:a="http://schemas.openxmlformats.org/drawingml/2006/main" xmlns:r="http://schemas.openxmlformats.org/officeDocument/2006/relationships" xmlns:p="http://schemas.openxmlformats.org/presentationml/2006/main">
   <p:cSld>
     <p:spTree>
@@ -13458,7 +13532,7 @@
 </p:sld>
 </file>
 
-<file path=ppt/slides/slide15.xml><?xml version="1.0" encoding="utf-8"?>
+<file path=ppt/slides/slide16.xml><?xml version="1.0" encoding="utf-8"?>
 <p:sld xmlns:a="http://schemas.openxmlformats.org/drawingml/2006/main" xmlns:r="http://schemas.openxmlformats.org/officeDocument/2006/relationships" xmlns:p="http://schemas.openxmlformats.org/presentationml/2006/main">
   <p:cSld>
     <p:spTree>
@@ -14019,7 +14093,7 @@
 </p:sld>
 </file>
 
-<file path=ppt/slides/slide16.xml><?xml version="1.0" encoding="utf-8"?>
+<file path=ppt/slides/slide17.xml><?xml version="1.0" encoding="utf-8"?>
 <p:sld xmlns:a="http://schemas.openxmlformats.org/drawingml/2006/main" xmlns:r="http://schemas.openxmlformats.org/officeDocument/2006/relationships" xmlns:p="http://schemas.openxmlformats.org/presentationml/2006/main">
   <p:cSld>
     <p:spTree>
@@ -14090,7 +14164,7 @@
 </p:sld>
 </file>
 
-<file path=ppt/slides/slide17.xml><?xml version="1.0" encoding="utf-8"?>
+<file path=ppt/slides/slide18.xml><?xml version="1.0" encoding="utf-8"?>
 <p:sld xmlns:a="http://schemas.openxmlformats.org/drawingml/2006/main" xmlns:r="http://schemas.openxmlformats.org/officeDocument/2006/relationships" xmlns:p="http://schemas.openxmlformats.org/presentationml/2006/main">
   <p:cSld>
     <p:spTree>
@@ -14156,7 +14230,7 @@
 </p:sld>
 </file>
 
-<file path=ppt/slides/slide18.xml><?xml version="1.0" encoding="utf-8"?>
+<file path=ppt/slides/slide19.xml><?xml version="1.0" encoding="utf-8"?>
 <p:sld xmlns:a="http://schemas.openxmlformats.org/drawingml/2006/main" xmlns:r="http://schemas.openxmlformats.org/officeDocument/2006/relationships" xmlns:p="http://schemas.openxmlformats.org/presentationml/2006/main">
   <p:cSld>
     <p:spTree>
@@ -14516,7 +14590,170 @@
 </p:sld>
 </file>
 
-<file path=ppt/slides/slide19.xml><?xml version="1.0" encoding="utf-8"?>
+<file path=ppt/slides/slide2.xml><?xml version="1.0" encoding="utf-8"?>
+<p:sld xmlns:a="http://schemas.openxmlformats.org/drawingml/2006/main" xmlns:r="http://schemas.openxmlformats.org/officeDocument/2006/relationships" xmlns:p="http://schemas.openxmlformats.org/presentationml/2006/main">
+  <p:cSld>
+    <p:spTree>
+      <p:nvGrpSpPr>
+        <p:cNvPr id="1" name=""/>
+        <p:cNvGrpSpPr/>
+        <p:nvPr/>
+      </p:nvGrpSpPr>
+      <p:grpSpPr>
+        <a:xfrm>
+          <a:off x="0" y="0"/>
+          <a:ext cx="0" cy="0"/>
+          <a:chOff x="0" y="0"/>
+          <a:chExt cx="0" cy="0"/>
+        </a:xfrm>
+      </p:grpSpPr>
+      <p:sp>
+        <p:nvSpPr>
+          <p:cNvPr id="2" name="Title 1">
+            <a:extLst>
+              <a:ext uri="{FF2B5EF4-FFF2-40B4-BE49-F238E27FC236}">
+                <a16:creationId xmlns:a16="http://schemas.microsoft.com/office/drawing/2014/main" id="{C3F34578-44A3-590D-0FDE-F40290EC4931}"/>
+              </a:ext>
+            </a:extLst>
+          </p:cNvPr>
+          <p:cNvSpPr>
+            <a:spLocks noGrp="1"/>
+          </p:cNvSpPr>
+          <p:nvPr>
+            <p:ph type="title"/>
+          </p:nvPr>
+        </p:nvSpPr>
+        <p:spPr/>
+        <p:txBody>
+          <a:bodyPr/>
+          <a:lstStyle/>
+          <a:p>
+            <a:endParaRPr lang="en-US"/>
+          </a:p>
+        </p:txBody>
+      </p:sp>
+      <p:pic>
+        <p:nvPicPr>
+          <p:cNvPr id="4" name="Picture 3">
+            <a:extLst>
+              <a:ext uri="{FF2B5EF4-FFF2-40B4-BE49-F238E27FC236}">
+                <a16:creationId xmlns:a16="http://schemas.microsoft.com/office/drawing/2014/main" id="{EC6FBC7F-9175-60B2-035E-C5620B4BBA06}"/>
+              </a:ext>
+            </a:extLst>
+          </p:cNvPr>
+          <p:cNvPicPr>
+            <a:picLocks noChangeAspect="1"/>
+          </p:cNvPicPr>
+          <p:nvPr/>
+        </p:nvPicPr>
+        <p:blipFill>
+          <a:blip r:embed="rId2"/>
+          <a:stretch>
+            <a:fillRect/>
+          </a:stretch>
+        </p:blipFill>
+        <p:spPr>
+          <a:xfrm>
+            <a:off x="6836761" y="2225494"/>
+            <a:ext cx="4956228" cy="3366655"/>
+          </a:xfrm>
+          <a:prstGeom prst="rect">
+            <a:avLst/>
+          </a:prstGeom>
+          <a:ln>
+            <a:solidFill>
+              <a:schemeClr val="accent1"/>
+            </a:solidFill>
+          </a:ln>
+        </p:spPr>
+      </p:pic>
+      <p:pic>
+        <p:nvPicPr>
+          <p:cNvPr id="5" name="Picture 4">
+            <a:extLst>
+              <a:ext uri="{FF2B5EF4-FFF2-40B4-BE49-F238E27FC236}">
+                <a16:creationId xmlns:a16="http://schemas.microsoft.com/office/drawing/2014/main" id="{B1BB5333-F76F-D281-3320-3D98D80ACA2A}"/>
+              </a:ext>
+            </a:extLst>
+          </p:cNvPr>
+          <p:cNvPicPr>
+            <a:picLocks noChangeAspect="1"/>
+          </p:cNvPicPr>
+          <p:nvPr/>
+        </p:nvPicPr>
+        <p:blipFill>
+          <a:blip r:embed="rId3"/>
+          <a:stretch>
+            <a:fillRect/>
+          </a:stretch>
+        </p:blipFill>
+        <p:spPr>
+          <a:xfrm>
+            <a:off x="308145" y="2225494"/>
+            <a:ext cx="6184669" cy="2560090"/>
+          </a:xfrm>
+          <a:prstGeom prst="rect">
+            <a:avLst/>
+          </a:prstGeom>
+          <a:ln>
+            <a:solidFill>
+              <a:schemeClr val="accent1"/>
+            </a:solidFill>
+          </a:ln>
+        </p:spPr>
+      </p:pic>
+      <p:pic>
+        <p:nvPicPr>
+          <p:cNvPr id="6" name="Picture 5">
+            <a:extLst>
+              <a:ext uri="{FF2B5EF4-FFF2-40B4-BE49-F238E27FC236}">
+                <a16:creationId xmlns:a16="http://schemas.microsoft.com/office/drawing/2014/main" id="{ADAFC809-B21F-9720-3D71-65740C6E5AD0}"/>
+              </a:ext>
+            </a:extLst>
+          </p:cNvPr>
+          <p:cNvPicPr>
+            <a:picLocks noChangeAspect="1"/>
+          </p:cNvPicPr>
+          <p:nvPr/>
+        </p:nvPicPr>
+        <p:blipFill>
+          <a:blip r:embed="rId4"/>
+          <a:stretch>
+            <a:fillRect/>
+          </a:stretch>
+        </p:blipFill>
+        <p:spPr>
+          <a:xfrm>
+            <a:off x="308145" y="1269051"/>
+            <a:ext cx="3726503" cy="579170"/>
+          </a:xfrm>
+          <a:prstGeom prst="rect">
+            <a:avLst/>
+          </a:prstGeom>
+          <a:ln>
+            <a:solidFill>
+              <a:schemeClr val="accent1"/>
+            </a:solidFill>
+          </a:ln>
+        </p:spPr>
+      </p:pic>
+    </p:spTree>
+    <p:extLst>
+      <p:ext uri="{BB962C8B-B14F-4D97-AF65-F5344CB8AC3E}">
+        <p14:creationId xmlns:p14="http://schemas.microsoft.com/office/powerpoint/2010/main" val="1780696391"/>
+      </p:ext>
+    </p:extLst>
+  </p:cSld>
+  <p:clrMapOvr>
+    <a:masterClrMapping/>
+  </p:clrMapOvr>
+  <p:transition>
+    <p:fade/>
+  </p:transition>
+</p:sld>
+</file>
+
+<file path=ppt/slides/slide20.xml><?xml version="1.0" encoding="utf-8"?>
 <p:sld xmlns:a="http://schemas.openxmlformats.org/drawingml/2006/main" xmlns:r="http://schemas.openxmlformats.org/officeDocument/2006/relationships" xmlns:p="http://schemas.openxmlformats.org/presentationml/2006/main">
   <p:cSld>
     <p:spTree>
@@ -14582,107 +14819,7 @@
 </p:sld>
 </file>
 
-<file path=ppt/slides/slide2.xml><?xml version="1.0" encoding="utf-8"?>
-<p:sld xmlns:a="http://schemas.openxmlformats.org/drawingml/2006/main" xmlns:r="http://schemas.openxmlformats.org/officeDocument/2006/relationships" xmlns:p="http://schemas.openxmlformats.org/presentationml/2006/main">
-  <p:cSld>
-    <p:spTree>
-      <p:nvGrpSpPr>
-        <p:cNvPr id="1" name=""/>
-        <p:cNvGrpSpPr/>
-        <p:nvPr/>
-      </p:nvGrpSpPr>
-      <p:grpSpPr>
-        <a:xfrm>
-          <a:off x="0" y="0"/>
-          <a:ext cx="0" cy="0"/>
-          <a:chOff x="0" y="0"/>
-          <a:chExt cx="0" cy="0"/>
-        </a:xfrm>
-      </p:grpSpPr>
-      <p:pic>
-        <p:nvPicPr>
-          <p:cNvPr id="3" name="Picture 2">
-            <a:extLst>
-              <a:ext uri="{FF2B5EF4-FFF2-40B4-BE49-F238E27FC236}">
-                <a16:creationId xmlns:a16="http://schemas.microsoft.com/office/drawing/2014/main" id="{05AE7D1A-BD17-3B03-96F7-087154211367}"/>
-              </a:ext>
-            </a:extLst>
-          </p:cNvPr>
-          <p:cNvPicPr>
-            <a:picLocks noChangeAspect="1"/>
-          </p:cNvPicPr>
-          <p:nvPr/>
-        </p:nvPicPr>
-        <p:blipFill>
-          <a:blip r:embed="rId2"/>
-          <a:stretch>
-            <a:fillRect/>
-          </a:stretch>
-        </p:blipFill>
-        <p:spPr>
-          <a:xfrm>
-            <a:off x="808223" y="394536"/>
-            <a:ext cx="2216465" cy="3412354"/>
-          </a:xfrm>
-          <a:prstGeom prst="rect">
-            <a:avLst/>
-          </a:prstGeom>
-          <a:ln>
-            <a:solidFill>
-              <a:schemeClr val="tx1"/>
-            </a:solidFill>
-          </a:ln>
-        </p:spPr>
-      </p:pic>
-      <p:pic>
-        <p:nvPicPr>
-          <p:cNvPr id="5" name="Picture 4">
-            <a:extLst>
-              <a:ext uri="{FF2B5EF4-FFF2-40B4-BE49-F238E27FC236}">
-                <a16:creationId xmlns:a16="http://schemas.microsoft.com/office/drawing/2014/main" id="{B7C326C5-E39B-39C9-7D90-721493FA7FA0}"/>
-              </a:ext>
-            </a:extLst>
-          </p:cNvPr>
-          <p:cNvPicPr>
-            <a:picLocks noChangeAspect="1"/>
-          </p:cNvPicPr>
-          <p:nvPr/>
-        </p:nvPicPr>
-        <p:blipFill>
-          <a:blip r:embed="rId3"/>
-          <a:stretch>
-            <a:fillRect/>
-          </a:stretch>
-        </p:blipFill>
-        <p:spPr>
-          <a:xfrm>
-            <a:off x="5023112" y="691678"/>
-            <a:ext cx="5910283" cy="2350102"/>
-          </a:xfrm>
-          <a:prstGeom prst="rect">
-            <a:avLst/>
-          </a:prstGeom>
-          <a:ln>
-            <a:solidFill>
-              <a:schemeClr val="tx1"/>
-            </a:solidFill>
-          </a:ln>
-        </p:spPr>
-      </p:pic>
-    </p:spTree>
-    <p:extLst>
-      <p:ext uri="{BB962C8B-B14F-4D97-AF65-F5344CB8AC3E}">
-        <p14:creationId xmlns:p14="http://schemas.microsoft.com/office/powerpoint/2010/main" val="2638259506"/>
-      </p:ext>
-    </p:extLst>
-  </p:cSld>
-  <p:clrMapOvr>
-    <a:masterClrMapping/>
-  </p:clrMapOvr>
-</p:sld>
-</file>
-
-<file path=ppt/slides/slide20.xml><?xml version="1.0" encoding="utf-8"?>
+<file path=ppt/slides/slide21.xml><?xml version="1.0" encoding="utf-8"?>
 <p:sld xmlns:a="http://schemas.openxmlformats.org/drawingml/2006/main" xmlns:r="http://schemas.openxmlformats.org/officeDocument/2006/relationships" xmlns:p="http://schemas.openxmlformats.org/presentationml/2006/main">
   <p:cSld>
     <p:spTree>
@@ -16035,7 +16172,7 @@
 </p:sld>
 </file>
 
-<file path=ppt/slides/slide21.xml><?xml version="1.0" encoding="utf-8"?>
+<file path=ppt/slides/slide22.xml><?xml version="1.0" encoding="utf-8"?>
 <p:sld xmlns:a="http://schemas.openxmlformats.org/drawingml/2006/main" xmlns:r="http://schemas.openxmlformats.org/officeDocument/2006/relationships" xmlns:p="http://schemas.openxmlformats.org/presentationml/2006/main">
   <p:cSld>
     <p:spTree>
@@ -18581,7 +18718,7 @@
 </p:sld>
 </file>
 
-<file path=ppt/slides/slide22.xml><?xml version="1.0" encoding="utf-8"?>
+<file path=ppt/slides/slide23.xml><?xml version="1.0" encoding="utf-8"?>
 <p:sld xmlns:a="http://schemas.openxmlformats.org/drawingml/2006/main" xmlns:r="http://schemas.openxmlformats.org/officeDocument/2006/relationships" xmlns:p="http://schemas.openxmlformats.org/presentationml/2006/main">
   <p:cSld>
     <p:spTree>
@@ -18617,7 +18754,7 @@
 </p:sld>
 </file>
 
-<file path=ppt/slides/slide23.xml><?xml version="1.0" encoding="utf-8"?>
+<file path=ppt/slides/slide24.xml><?xml version="1.0" encoding="utf-8"?>
 <p:sld xmlns:a="http://schemas.openxmlformats.org/drawingml/2006/main" xmlns:r="http://schemas.openxmlformats.org/officeDocument/2006/relationships" xmlns:p="http://schemas.openxmlformats.org/presentationml/2006/main">
   <p:cSld>
     <p:spTree>
@@ -18653,7 +18790,7 @@
 </p:sld>
 </file>
 
-<file path=ppt/slides/slide24.xml><?xml version="1.0" encoding="utf-8"?>
+<file path=ppt/slides/slide25.xml><?xml version="1.0" encoding="utf-8"?>
 <p:sld xmlns:a="http://schemas.openxmlformats.org/drawingml/2006/main" xmlns:r="http://schemas.openxmlformats.org/officeDocument/2006/relationships" xmlns:p="http://schemas.openxmlformats.org/presentationml/2006/main">
   <p:cSld>
     <p:spTree>
@@ -18689,7 +18826,7 @@
 </p:sld>
 </file>
 
-<file path=ppt/slides/slide25.xml><?xml version="1.0" encoding="utf-8"?>
+<file path=ppt/slides/slide26.xml><?xml version="1.0" encoding="utf-8"?>
 <p:sld xmlns:a="http://schemas.openxmlformats.org/drawingml/2006/main" xmlns:r="http://schemas.openxmlformats.org/officeDocument/2006/relationships" xmlns:p="http://schemas.openxmlformats.org/presentationml/2006/main">
   <p:cSld>
     <p:spTree>
@@ -18726,6 +18863,106 @@
 </file>
 
 <file path=ppt/slides/slide3.xml><?xml version="1.0" encoding="utf-8"?>
+<p:sld xmlns:a="http://schemas.openxmlformats.org/drawingml/2006/main" xmlns:r="http://schemas.openxmlformats.org/officeDocument/2006/relationships" xmlns:p="http://schemas.openxmlformats.org/presentationml/2006/main">
+  <p:cSld>
+    <p:spTree>
+      <p:nvGrpSpPr>
+        <p:cNvPr id="1" name=""/>
+        <p:cNvGrpSpPr/>
+        <p:nvPr/>
+      </p:nvGrpSpPr>
+      <p:grpSpPr>
+        <a:xfrm>
+          <a:off x="0" y="0"/>
+          <a:ext cx="0" cy="0"/>
+          <a:chOff x="0" y="0"/>
+          <a:chExt cx="0" cy="0"/>
+        </a:xfrm>
+      </p:grpSpPr>
+      <p:pic>
+        <p:nvPicPr>
+          <p:cNvPr id="3" name="Picture 2">
+            <a:extLst>
+              <a:ext uri="{FF2B5EF4-FFF2-40B4-BE49-F238E27FC236}">
+                <a16:creationId xmlns:a16="http://schemas.microsoft.com/office/drawing/2014/main" id="{05AE7D1A-BD17-3B03-96F7-087154211367}"/>
+              </a:ext>
+            </a:extLst>
+          </p:cNvPr>
+          <p:cNvPicPr>
+            <a:picLocks noChangeAspect="1"/>
+          </p:cNvPicPr>
+          <p:nvPr/>
+        </p:nvPicPr>
+        <p:blipFill>
+          <a:blip r:embed="rId2"/>
+          <a:stretch>
+            <a:fillRect/>
+          </a:stretch>
+        </p:blipFill>
+        <p:spPr>
+          <a:xfrm>
+            <a:off x="808223" y="394536"/>
+            <a:ext cx="2216465" cy="3412354"/>
+          </a:xfrm>
+          <a:prstGeom prst="rect">
+            <a:avLst/>
+          </a:prstGeom>
+          <a:ln>
+            <a:solidFill>
+              <a:schemeClr val="tx1"/>
+            </a:solidFill>
+          </a:ln>
+        </p:spPr>
+      </p:pic>
+      <p:pic>
+        <p:nvPicPr>
+          <p:cNvPr id="5" name="Picture 4">
+            <a:extLst>
+              <a:ext uri="{FF2B5EF4-FFF2-40B4-BE49-F238E27FC236}">
+                <a16:creationId xmlns:a16="http://schemas.microsoft.com/office/drawing/2014/main" id="{B7C326C5-E39B-39C9-7D90-721493FA7FA0}"/>
+              </a:ext>
+            </a:extLst>
+          </p:cNvPr>
+          <p:cNvPicPr>
+            <a:picLocks noChangeAspect="1"/>
+          </p:cNvPicPr>
+          <p:nvPr/>
+        </p:nvPicPr>
+        <p:blipFill>
+          <a:blip r:embed="rId3"/>
+          <a:stretch>
+            <a:fillRect/>
+          </a:stretch>
+        </p:blipFill>
+        <p:spPr>
+          <a:xfrm>
+            <a:off x="5023112" y="691678"/>
+            <a:ext cx="5910283" cy="2350102"/>
+          </a:xfrm>
+          <a:prstGeom prst="rect">
+            <a:avLst/>
+          </a:prstGeom>
+          <a:ln>
+            <a:solidFill>
+              <a:schemeClr val="tx1"/>
+            </a:solidFill>
+          </a:ln>
+        </p:spPr>
+      </p:pic>
+    </p:spTree>
+    <p:extLst>
+      <p:ext uri="{BB962C8B-B14F-4D97-AF65-F5344CB8AC3E}">
+        <p14:creationId xmlns:p14="http://schemas.microsoft.com/office/powerpoint/2010/main" val="2638259506"/>
+      </p:ext>
+    </p:extLst>
+  </p:cSld>
+  <p:clrMapOvr>
+    <a:masterClrMapping/>
+  </p:clrMapOvr>
+</p:sld>
+</file>
+
+<file path=ppt/slides/slide4.xml><?xml version="1.0" encoding="utf-8"?>
 <p:sld xmlns:a="http://schemas.openxmlformats.org/drawingml/2006/main" xmlns:r="http://schemas.openxmlformats.org/officeDocument/2006/relationships" xmlns:p="http://schemas.openxmlformats.org/presentationml/2006/main">
   <p:cSld>
     <p:spTree>
@@ -20262,7 +20499,7 @@
 </p:sld>
 </file>
 
-<file path=ppt/slides/slide4.xml><?xml version="1.0" encoding="utf-8"?>
+<file path=ppt/slides/slide5.xml><?xml version="1.0" encoding="utf-8"?>
 <p:sld xmlns:a="http://schemas.openxmlformats.org/drawingml/2006/main" xmlns:r="http://schemas.openxmlformats.org/officeDocument/2006/relationships" xmlns:p="http://schemas.openxmlformats.org/presentationml/2006/main">
   <p:cSld>
     <p:spTree>
@@ -21713,7 +21950,7 @@
 </p:sld>
 </file>
 
-<file path=ppt/slides/slide5.xml><?xml version="1.0" encoding="utf-8"?>
+<file path=ppt/slides/slide6.xml><?xml version="1.0" encoding="utf-8"?>
 <p:sld xmlns:a="http://schemas.openxmlformats.org/drawingml/2006/main" xmlns:r="http://schemas.openxmlformats.org/officeDocument/2006/relationships" xmlns:p="http://schemas.openxmlformats.org/presentationml/2006/main">
   <p:cSld>
     <p:spTree>
@@ -24812,7 +25049,7 @@
 </p:sld>
 </file>
 
-<file path=ppt/slides/slide6.xml><?xml version="1.0" encoding="utf-8"?>
+<file path=ppt/slides/slide7.xml><?xml version="1.0" encoding="utf-8"?>
 <p:sld xmlns:a="http://schemas.openxmlformats.org/drawingml/2006/main" xmlns:r="http://schemas.openxmlformats.org/officeDocument/2006/relationships" xmlns:p="http://schemas.openxmlformats.org/presentationml/2006/main">
   <p:cSld>
     <p:spTree>
@@ -25351,7 +25588,7 @@
 </p:sld>
 </file>
 
-<file path=ppt/slides/slide7.xml><?xml version="1.0" encoding="utf-8"?>
+<file path=ppt/slides/slide8.xml><?xml version="1.0" encoding="utf-8"?>
 <p:sld xmlns:a="http://schemas.openxmlformats.org/drawingml/2006/main" xmlns:r="http://schemas.openxmlformats.org/officeDocument/2006/relationships" xmlns:p="http://schemas.openxmlformats.org/presentationml/2006/main">
   <p:cSld>
     <p:spTree>
@@ -26025,7 +26262,7 @@
 </p:sld>
 </file>
 
-<file path=ppt/slides/slide8.xml><?xml version="1.0" encoding="utf-8"?>
+<file path=ppt/slides/slide9.xml><?xml version="1.0" encoding="utf-8"?>
 <p:sld xmlns:a="http://schemas.openxmlformats.org/drawingml/2006/main" xmlns:r="http://schemas.openxmlformats.org/officeDocument/2006/relationships" xmlns:p="http://schemas.openxmlformats.org/presentationml/2006/main">
   <p:cSld>
     <p:spTree>
@@ -26136,109 +26373,6 @@
     <p:extLst>
       <p:ext uri="{BB962C8B-B14F-4D97-AF65-F5344CB8AC3E}">
         <p14:creationId xmlns:p14="http://schemas.microsoft.com/office/powerpoint/2010/main" val="327268080"/>
-      </p:ext>
-    </p:extLst>
-  </p:cSld>
-  <p:clrMapOvr>
-    <a:masterClrMapping/>
-  </p:clrMapOvr>
-</p:sld>
-</file>
-
-<file path=ppt/slides/slide9.xml><?xml version="1.0" encoding="utf-8"?>
-<p:sld xmlns:a="http://schemas.openxmlformats.org/drawingml/2006/main" xmlns:r="http://schemas.openxmlformats.org/officeDocument/2006/relationships" xmlns:p="http://schemas.openxmlformats.org/presentationml/2006/main">
-  <p:cSld>
-    <p:spTree>
-      <p:nvGrpSpPr>
-        <p:cNvPr id="1" name="">
-          <a:extLst>
-            <a:ext uri="{FF2B5EF4-FFF2-40B4-BE49-F238E27FC236}">
-              <a16:creationId xmlns:a16="http://schemas.microsoft.com/office/drawing/2014/main" id="{F6B59C35-9936-2AAA-B00C-2D1ECC43CB3F}"/>
-            </a:ext>
-          </a:extLst>
-        </p:cNvPr>
-        <p:cNvGrpSpPr/>
-        <p:nvPr/>
-      </p:nvGrpSpPr>
-      <p:grpSpPr>
-        <a:xfrm>
-          <a:off x="0" y="0"/>
-          <a:ext cx="0" cy="0"/>
-          <a:chOff x="0" y="0"/>
-          <a:chExt cx="0" cy="0"/>
-        </a:xfrm>
-      </p:grpSpPr>
-      <p:pic>
-        <p:nvPicPr>
-          <p:cNvPr id="2" name="Picture 1">
-            <a:extLst>
-              <a:ext uri="{FF2B5EF4-FFF2-40B4-BE49-F238E27FC236}">
-                <a16:creationId xmlns:a16="http://schemas.microsoft.com/office/drawing/2014/main" id="{6F340A2A-EE18-ED89-258F-584E533F32BF}"/>
-              </a:ext>
-            </a:extLst>
-          </p:cNvPr>
-          <p:cNvPicPr>
-            <a:picLocks noChangeAspect="1"/>
-          </p:cNvPicPr>
-          <p:nvPr/>
-        </p:nvPicPr>
-        <p:blipFill>
-          <a:blip r:embed="rId2"/>
-          <a:stretch>
-            <a:fillRect/>
-          </a:stretch>
-        </p:blipFill>
-        <p:spPr>
-          <a:xfrm>
-            <a:off x="652884" y="431997"/>
-            <a:ext cx="3115849" cy="3393585"/>
-          </a:xfrm>
-          <a:prstGeom prst="rect">
-            <a:avLst/>
-          </a:prstGeom>
-        </p:spPr>
-      </p:pic>
-      <p:pic>
-        <p:nvPicPr>
-          <p:cNvPr id="4" name="Picture 3">
-            <a:extLst>
-              <a:ext uri="{FF2B5EF4-FFF2-40B4-BE49-F238E27FC236}">
-                <a16:creationId xmlns:a16="http://schemas.microsoft.com/office/drawing/2014/main" id="{56B2CC06-B6B2-98CE-7704-BAE1240971F3}"/>
-              </a:ext>
-            </a:extLst>
-          </p:cNvPr>
-          <p:cNvPicPr>
-            <a:picLocks noChangeAspect="1"/>
-          </p:cNvPicPr>
-          <p:nvPr/>
-        </p:nvPicPr>
-        <p:blipFill>
-          <a:blip r:embed="rId3"/>
-          <a:stretch>
-            <a:fillRect/>
-          </a:stretch>
-        </p:blipFill>
-        <p:spPr>
-          <a:xfrm>
-            <a:off x="6799030" y="1519005"/>
-            <a:ext cx="3248478" cy="3324689"/>
-          </a:xfrm>
-          <a:prstGeom prst="rect">
-            <a:avLst/>
-          </a:prstGeom>
-          <a:ln>
-            <a:solidFill>
-              <a:schemeClr val="tx1">
-                <a:lumMod val="75000"/>
-              </a:schemeClr>
-            </a:solidFill>
-          </a:ln>
-        </p:spPr>
-      </p:pic>
-    </p:spTree>
-    <p:extLst>
-      <p:ext uri="{BB962C8B-B14F-4D97-AF65-F5344CB8AC3E}">
-        <p14:creationId xmlns:p14="http://schemas.microsoft.com/office/powerpoint/2010/main" val="245845627"/>
       </p:ext>
     </p:extLst>
   </p:cSld>

--- a/Developing and Deploying Solutions with the Fabric REST API.pptx
+++ b/Developing and Deploying Solutions with the Fabric REST API.pptx
@@ -17,20 +17,25 @@
     <p:sldId id="262" r:id="rId11"/>
     <p:sldId id="276" r:id="rId12"/>
     <p:sldId id="257" r:id="rId13"/>
-    <p:sldId id="263" r:id="rId14"/>
-    <p:sldId id="261" r:id="rId15"/>
-    <p:sldId id="277" r:id="rId16"/>
-    <p:sldId id="275" r:id="rId17"/>
-    <p:sldId id="264" r:id="rId18"/>
-    <p:sldId id="265" r:id="rId19"/>
-    <p:sldId id="266" r:id="rId20"/>
-    <p:sldId id="267" r:id="rId21"/>
-    <p:sldId id="280" r:id="rId22"/>
-    <p:sldId id="270" r:id="rId23"/>
-    <p:sldId id="271" r:id="rId24"/>
-    <p:sldId id="272" r:id="rId25"/>
-    <p:sldId id="273" r:id="rId26"/>
-    <p:sldId id="274" r:id="rId27"/>
+    <p:sldId id="283" r:id="rId14"/>
+    <p:sldId id="285" r:id="rId15"/>
+    <p:sldId id="284" r:id="rId16"/>
+    <p:sldId id="286" r:id="rId17"/>
+    <p:sldId id="287" r:id="rId18"/>
+    <p:sldId id="263" r:id="rId19"/>
+    <p:sldId id="261" r:id="rId20"/>
+    <p:sldId id="277" r:id="rId21"/>
+    <p:sldId id="275" r:id="rId22"/>
+    <p:sldId id="264" r:id="rId23"/>
+    <p:sldId id="265" r:id="rId24"/>
+    <p:sldId id="266" r:id="rId25"/>
+    <p:sldId id="267" r:id="rId26"/>
+    <p:sldId id="280" r:id="rId27"/>
+    <p:sldId id="270" r:id="rId28"/>
+    <p:sldId id="271" r:id="rId29"/>
+    <p:sldId id="272" r:id="rId30"/>
+    <p:sldId id="273" r:id="rId31"/>
+    <p:sldId id="274" r:id="rId32"/>
   </p:sldIdLst>
   <p:sldSz cx="12192000" cy="6858000"/>
   <p:notesSz cx="6858000" cy="9144000"/>
@@ -1526,7 +1531,7 @@
           <a:p>
             <a:fld id="{E0D9FF92-122F-4BD4-B926-248B1E5E6DEF}" type="datetimeFigureOut">
               <a:rPr lang="en-US" smtClean="0"/>
-              <a:t>11/13/2024</a:t>
+              <a:t>11/20/2024</a:t>
             </a:fld>
             <a:endParaRPr lang="en-US"/>
           </a:p>
@@ -3659,12 +3664,748 @@
           <a:chExt cx="0" cy="0"/>
         </a:xfrm>
       </p:grpSpPr>
+      <p:sp>
+        <p:nvSpPr>
+          <p:cNvPr id="3" name="Rectangle 2">
+            <a:extLst>
+              <a:ext uri="{FF2B5EF4-FFF2-40B4-BE49-F238E27FC236}">
+                <a16:creationId xmlns:a16="http://schemas.microsoft.com/office/drawing/2014/main" id="{8E9B5688-A3D3-57D0-63BD-BE3D193E4049}"/>
+              </a:ext>
+            </a:extLst>
+          </p:cNvPr>
+          <p:cNvSpPr/>
+          <p:nvPr/>
+        </p:nvSpPr>
+        <p:spPr>
+          <a:xfrm>
+            <a:off x="668208" y="521114"/>
+            <a:ext cx="1298573" cy="3034886"/>
+          </a:xfrm>
+          <a:prstGeom prst="rect">
+            <a:avLst/>
+          </a:prstGeom>
+          <a:solidFill>
+            <a:srgbClr val="EFF4FF"/>
+          </a:solidFill>
+          <a:ln>
+            <a:solidFill>
+              <a:schemeClr val="tx1"/>
+            </a:solidFill>
+          </a:ln>
+        </p:spPr>
+        <p:style>
+          <a:lnRef idx="2">
+            <a:schemeClr val="accent1">
+              <a:shade val="50000"/>
+            </a:schemeClr>
+          </a:lnRef>
+          <a:fillRef idx="1">
+            <a:schemeClr val="accent1"/>
+          </a:fillRef>
+          <a:effectRef idx="0">
+            <a:schemeClr val="accent1"/>
+          </a:effectRef>
+          <a:fontRef idx="minor">
+            <a:schemeClr val="lt1"/>
+          </a:fontRef>
+        </p:style>
+        <p:txBody>
+          <a:bodyPr tIns="91440" rtlCol="0" anchor="ctr"/>
+          <a:lstStyle/>
+          <a:p>
+            <a:pPr algn="ctr"/>
+            <a:r>
+              <a:rPr lang="en-US" sz="1200" b="1" dirty="0">
+                <a:solidFill>
+                  <a:schemeClr val="tx1"/>
+                </a:solidFill>
+              </a:rPr>
+              <a:t>Custom ISV Application</a:t>
+            </a:r>
+            <a:endParaRPr lang="en-US" sz="1050" b="1" dirty="0">
+              <a:solidFill>
+                <a:schemeClr val="tx1"/>
+              </a:solidFill>
+            </a:endParaRPr>
+          </a:p>
+        </p:txBody>
+      </p:sp>
+      <p:sp>
+        <p:nvSpPr>
+          <p:cNvPr id="4" name="Rectangle 3">
+            <a:extLst>
+              <a:ext uri="{FF2B5EF4-FFF2-40B4-BE49-F238E27FC236}">
+                <a16:creationId xmlns:a16="http://schemas.microsoft.com/office/drawing/2014/main" id="{F29473F3-15FE-1B28-3F86-3A11A70A9441}"/>
+              </a:ext>
+            </a:extLst>
+          </p:cNvPr>
+          <p:cNvSpPr/>
+          <p:nvPr/>
+        </p:nvSpPr>
+        <p:spPr>
+          <a:xfrm>
+            <a:off x="4027816" y="521114"/>
+            <a:ext cx="2234439" cy="3034886"/>
+          </a:xfrm>
+          <a:prstGeom prst="rect">
+            <a:avLst/>
+          </a:prstGeom>
+          <a:solidFill>
+            <a:srgbClr val="FFF5D5"/>
+          </a:solidFill>
+          <a:ln w="6350">
+            <a:solidFill>
+              <a:schemeClr val="tx1"/>
+            </a:solidFill>
+          </a:ln>
+        </p:spPr>
+        <p:style>
+          <a:lnRef idx="2">
+            <a:schemeClr val="accent1">
+              <a:shade val="50000"/>
+            </a:schemeClr>
+          </a:lnRef>
+          <a:fillRef idx="1">
+            <a:schemeClr val="accent1"/>
+          </a:fillRef>
+          <a:effectRef idx="0">
+            <a:schemeClr val="accent1"/>
+          </a:effectRef>
+          <a:fontRef idx="minor">
+            <a:schemeClr val="lt1"/>
+          </a:fontRef>
+        </p:style>
+        <p:txBody>
+          <a:bodyPr tIns="91440" rtlCol="0" anchor="t"/>
+          <a:lstStyle/>
+          <a:p>
+            <a:pPr algn="ctr"/>
+            <a:r>
+              <a:rPr lang="en-US" sz="1200" b="1" dirty="0">
+                <a:solidFill>
+                  <a:schemeClr val="tx1"/>
+                </a:solidFill>
+              </a:rPr>
+              <a:t>Fabric Environment</a:t>
+            </a:r>
+          </a:p>
+        </p:txBody>
+      </p:sp>
+      <p:sp>
+        <p:nvSpPr>
+          <p:cNvPr id="5" name="Rectangle 4">
+            <a:extLst>
+              <a:ext uri="{FF2B5EF4-FFF2-40B4-BE49-F238E27FC236}">
+                <a16:creationId xmlns:a16="http://schemas.microsoft.com/office/drawing/2014/main" id="{54C7B40B-95B2-1B1C-12E3-D230B929F828}"/>
+              </a:ext>
+            </a:extLst>
+          </p:cNvPr>
+          <p:cNvSpPr/>
+          <p:nvPr/>
+        </p:nvSpPr>
+        <p:spPr>
+          <a:xfrm>
+            <a:off x="4317015" y="932285"/>
+            <a:ext cx="1626586" cy="2428982"/>
+          </a:xfrm>
+          <a:prstGeom prst="rect">
+            <a:avLst/>
+          </a:prstGeom>
+          <a:solidFill>
+            <a:srgbClr val="EFF4FF"/>
+          </a:solidFill>
+          <a:ln>
+            <a:solidFill>
+              <a:schemeClr val="tx1"/>
+            </a:solidFill>
+          </a:ln>
+        </p:spPr>
+        <p:style>
+          <a:lnRef idx="2">
+            <a:schemeClr val="accent1">
+              <a:shade val="50000"/>
+            </a:schemeClr>
+          </a:lnRef>
+          <a:fillRef idx="1">
+            <a:schemeClr val="accent1"/>
+          </a:fillRef>
+          <a:effectRef idx="0">
+            <a:schemeClr val="accent1"/>
+          </a:effectRef>
+          <a:fontRef idx="minor">
+            <a:schemeClr val="lt1"/>
+          </a:fontRef>
+        </p:style>
+        <p:txBody>
+          <a:bodyPr tIns="73152" bIns="91440" rtlCol="0" anchor="b"/>
+          <a:lstStyle/>
+          <a:p>
+            <a:pPr algn="ctr"/>
+            <a:r>
+              <a:rPr lang="en-US" sz="1100" b="1" dirty="0">
+                <a:solidFill>
+                  <a:schemeClr val="bg2">
+                    <a:lumMod val="65000"/>
+                  </a:schemeClr>
+                </a:solidFill>
+              </a:rPr>
+              <a:t>Customer Workspace</a:t>
+            </a:r>
+          </a:p>
+        </p:txBody>
+      </p:sp>
+      <p:sp>
+        <p:nvSpPr>
+          <p:cNvPr id="6" name="Arrow: Right 5">
+            <a:extLst>
+              <a:ext uri="{FF2B5EF4-FFF2-40B4-BE49-F238E27FC236}">
+                <a16:creationId xmlns:a16="http://schemas.microsoft.com/office/drawing/2014/main" id="{6D73CE79-A6BD-EF49-7CFB-D842592BA0AE}"/>
+              </a:ext>
+            </a:extLst>
+          </p:cNvPr>
+          <p:cNvSpPr/>
+          <p:nvPr/>
+        </p:nvSpPr>
+        <p:spPr bwMode="auto">
+          <a:xfrm>
+            <a:off x="1966781" y="1559804"/>
+            <a:ext cx="2136688" cy="732356"/>
+          </a:xfrm>
+          <a:prstGeom prst="rightArrow">
+            <a:avLst>
+              <a:gd name="adj1" fmla="val 64902"/>
+              <a:gd name="adj2" fmla="val 50000"/>
+            </a:avLst>
+          </a:prstGeom>
+          <a:solidFill>
+            <a:srgbClr val="8A0000"/>
+          </a:solidFill>
+          <a:ln w="19050">
+            <a:solidFill>
+              <a:srgbClr val="8A0000"/>
+            </a:solidFill>
+            <a:headEnd type="none" w="med" len="med"/>
+            <a:tailEnd type="none" w="med" len="med"/>
+          </a:ln>
+          <a:effectLst/>
+        </p:spPr>
+        <p:style>
+          <a:lnRef idx="1">
+            <a:schemeClr val="accent2"/>
+          </a:lnRef>
+          <a:fillRef idx="3">
+            <a:schemeClr val="accent2"/>
+          </a:fillRef>
+          <a:effectRef idx="2">
+            <a:schemeClr val="accent2"/>
+          </a:effectRef>
+          <a:fontRef idx="minor">
+            <a:schemeClr val="lt1"/>
+          </a:fontRef>
+        </p:style>
+        <p:txBody>
+          <a:bodyPr rot="0" spcFirstLastPara="0" vertOverflow="overflow" horzOverflow="overflow" vert="horz" wrap="square" lIns="274320" tIns="0" rIns="0" bIns="0" numCol="1" spcCol="0" rtlCol="0" fromWordArt="0" anchor="ctr" anchorCtr="0" forceAA="0" compatLnSpc="1">
+            <a:prstTxWarp prst="textNoShape">
+              <a:avLst/>
+            </a:prstTxWarp>
+            <a:noAutofit/>
+          </a:bodyPr>
+          <a:lstStyle/>
+          <a:p>
+            <a:pPr defTabSz="932472" fontAlgn="base">
+              <a:lnSpc>
+                <a:spcPct val="90000"/>
+              </a:lnSpc>
+              <a:spcBef>
+                <a:spcPct val="0"/>
+              </a:spcBef>
+              <a:spcAft>
+                <a:spcPct val="0"/>
+              </a:spcAft>
+            </a:pPr>
+            <a:r>
+              <a:rPr lang="en-US" sz="1200" b="1" dirty="0">
+                <a:solidFill>
+                  <a:schemeClr val="bg1"/>
+                </a:solidFill>
+                <a:ea typeface="Segoe UI" pitchFamily="34" charset="0"/>
+                <a:cs typeface="Segoe UI" pitchFamily="34" charset="0"/>
+              </a:rPr>
+              <a:t>Inbound Security</a:t>
+            </a:r>
+            <a:endParaRPr lang="en-US" sz="1600" b="1" dirty="0">
+              <a:solidFill>
+                <a:schemeClr val="bg1"/>
+              </a:solidFill>
+              <a:ea typeface="Segoe UI" pitchFamily="34" charset="0"/>
+              <a:cs typeface="Segoe UI" pitchFamily="34" charset="0"/>
+            </a:endParaRPr>
+          </a:p>
+          <a:p>
+            <a:pPr defTabSz="932472" fontAlgn="base">
+              <a:lnSpc>
+                <a:spcPct val="90000"/>
+              </a:lnSpc>
+              <a:spcBef>
+                <a:spcPct val="0"/>
+              </a:spcBef>
+              <a:spcAft>
+                <a:spcPct val="0"/>
+              </a:spcAft>
+            </a:pPr>
+            <a:r>
+              <a:rPr lang="en-US" sz="1000" dirty="0">
+                <a:solidFill>
+                  <a:schemeClr val="bg1"/>
+                </a:solidFill>
+                <a:ea typeface="Segoe UI" pitchFamily="34" charset="0"/>
+                <a:cs typeface="Segoe UI" pitchFamily="34" charset="0"/>
+              </a:rPr>
+              <a:t>Calls to Fabric REST API</a:t>
+            </a:r>
+          </a:p>
+        </p:txBody>
+      </p:sp>
+      <p:sp>
+        <p:nvSpPr>
+          <p:cNvPr id="7" name="Arrow: Right 6">
+            <a:extLst>
+              <a:ext uri="{FF2B5EF4-FFF2-40B4-BE49-F238E27FC236}">
+                <a16:creationId xmlns:a16="http://schemas.microsoft.com/office/drawing/2014/main" id="{F892C1CB-983C-43F2-3BAB-0F91684D6F8C}"/>
+              </a:ext>
+            </a:extLst>
+          </p:cNvPr>
+          <p:cNvSpPr/>
+          <p:nvPr/>
+        </p:nvSpPr>
+        <p:spPr bwMode="auto">
+          <a:xfrm>
+            <a:off x="5533544" y="1197267"/>
+            <a:ext cx="3048000" cy="607821"/>
+          </a:xfrm>
+          <a:prstGeom prst="rightArrow">
+            <a:avLst>
+              <a:gd name="adj1" fmla="val 64902"/>
+              <a:gd name="adj2" fmla="val 50000"/>
+            </a:avLst>
+          </a:prstGeom>
+          <a:solidFill>
+            <a:srgbClr val="8A0000"/>
+          </a:solidFill>
+          <a:ln w="19050">
+            <a:solidFill>
+              <a:srgbClr val="8A0000"/>
+            </a:solidFill>
+            <a:headEnd type="none" w="med" len="med"/>
+            <a:tailEnd type="none" w="med" len="med"/>
+          </a:ln>
+          <a:effectLst/>
+        </p:spPr>
+        <p:style>
+          <a:lnRef idx="1">
+            <a:schemeClr val="accent2"/>
+          </a:lnRef>
+          <a:fillRef idx="3">
+            <a:schemeClr val="accent2"/>
+          </a:fillRef>
+          <a:effectRef idx="2">
+            <a:schemeClr val="accent2"/>
+          </a:effectRef>
+          <a:fontRef idx="minor">
+            <a:schemeClr val="lt1"/>
+          </a:fontRef>
+        </p:style>
+        <p:txBody>
+          <a:bodyPr rot="0" spcFirstLastPara="0" vertOverflow="overflow" horzOverflow="overflow" vert="horz" wrap="square" lIns="274320" tIns="0" rIns="0" bIns="0" numCol="1" spcCol="0" rtlCol="0" fromWordArt="0" anchor="ctr" anchorCtr="0" forceAA="0" compatLnSpc="1">
+            <a:prstTxWarp prst="textNoShape">
+              <a:avLst/>
+            </a:prstTxWarp>
+            <a:noAutofit/>
+          </a:bodyPr>
+          <a:lstStyle/>
+          <a:p>
+            <a:pPr defTabSz="932472" fontAlgn="base">
+              <a:lnSpc>
+                <a:spcPct val="90000"/>
+              </a:lnSpc>
+              <a:spcBef>
+                <a:spcPct val="0"/>
+              </a:spcBef>
+              <a:spcAft>
+                <a:spcPct val="0"/>
+              </a:spcAft>
+            </a:pPr>
+            <a:r>
+              <a:rPr lang="en-US" sz="1200" b="1" dirty="0">
+                <a:solidFill>
+                  <a:schemeClr val="bg1"/>
+                </a:solidFill>
+                <a:ea typeface="Segoe UI" pitchFamily="34" charset="0"/>
+                <a:cs typeface="Segoe UI" pitchFamily="34" charset="0"/>
+              </a:rPr>
+              <a:t>Outbound Security</a:t>
+            </a:r>
+            <a:endParaRPr lang="en-US" sz="1400" b="1" dirty="0">
+              <a:solidFill>
+                <a:schemeClr val="bg1"/>
+              </a:solidFill>
+              <a:ea typeface="Segoe UI" pitchFamily="34" charset="0"/>
+              <a:cs typeface="Segoe UI" pitchFamily="34" charset="0"/>
+            </a:endParaRPr>
+          </a:p>
+          <a:p>
+            <a:pPr defTabSz="932472" fontAlgn="base">
+              <a:lnSpc>
+                <a:spcPct val="90000"/>
+              </a:lnSpc>
+              <a:spcBef>
+                <a:spcPct val="0"/>
+              </a:spcBef>
+              <a:spcAft>
+                <a:spcPct val="0"/>
+              </a:spcAft>
+            </a:pPr>
+            <a:r>
+              <a:rPr lang="en-US" sz="1000" dirty="0">
+                <a:solidFill>
+                  <a:schemeClr val="bg1"/>
+                </a:solidFill>
+                <a:ea typeface="Segoe UI" pitchFamily="34" charset="0"/>
+                <a:cs typeface="Segoe UI" pitchFamily="34" charset="0"/>
+              </a:rPr>
+              <a:t>Connection to external Datasource</a:t>
+            </a:r>
+          </a:p>
+        </p:txBody>
+      </p:sp>
+      <p:sp>
+        <p:nvSpPr>
+          <p:cNvPr id="8" name="Flowchart: Magnetic Disk 7">
+            <a:extLst>
+              <a:ext uri="{FF2B5EF4-FFF2-40B4-BE49-F238E27FC236}">
+                <a16:creationId xmlns:a16="http://schemas.microsoft.com/office/drawing/2014/main" id="{56838331-7383-9A33-5D7C-A0F009ECFC3F}"/>
+              </a:ext>
+            </a:extLst>
+          </p:cNvPr>
+          <p:cNvSpPr/>
+          <p:nvPr/>
+        </p:nvSpPr>
+        <p:spPr bwMode="auto">
+          <a:xfrm>
+            <a:off x="8581544" y="2070070"/>
+            <a:ext cx="1394285" cy="867357"/>
+          </a:xfrm>
+          <a:prstGeom prst="flowChartMagneticDisk">
+            <a:avLst/>
+          </a:prstGeom>
+          <a:solidFill>
+            <a:schemeClr val="accent2">
+              <a:lumMod val="40000"/>
+              <a:lumOff val="60000"/>
+            </a:schemeClr>
+          </a:solidFill>
+          <a:ln>
+            <a:solidFill>
+              <a:schemeClr val="tx1"/>
+            </a:solidFill>
+            <a:headEnd type="none" w="med" len="med"/>
+            <a:tailEnd type="none" w="med" len="med"/>
+          </a:ln>
+          <a:effectLst/>
+        </p:spPr>
+        <p:style>
+          <a:lnRef idx="1">
+            <a:schemeClr val="accent2"/>
+          </a:lnRef>
+          <a:fillRef idx="3">
+            <a:schemeClr val="accent2"/>
+          </a:fillRef>
+          <a:effectRef idx="2">
+            <a:schemeClr val="accent2"/>
+          </a:effectRef>
+          <a:fontRef idx="minor">
+            <a:schemeClr val="lt1"/>
+          </a:fontRef>
+        </p:style>
+        <p:txBody>
+          <a:bodyPr rot="0" spcFirstLastPara="0" vertOverflow="overflow" horzOverflow="overflow" vert="horz" wrap="square" lIns="182880" tIns="146304" rIns="182880" bIns="146304" numCol="1" spcCol="0" rtlCol="0" fromWordArt="0" anchor="t" anchorCtr="0" forceAA="0" compatLnSpc="1">
+            <a:prstTxWarp prst="textNoShape">
+              <a:avLst/>
+            </a:prstTxWarp>
+            <a:noAutofit/>
+          </a:bodyPr>
+          <a:lstStyle/>
+          <a:p>
+            <a:pPr algn="ctr" defTabSz="932472" fontAlgn="base">
+              <a:lnSpc>
+                <a:spcPct val="90000"/>
+              </a:lnSpc>
+              <a:spcBef>
+                <a:spcPct val="0"/>
+              </a:spcBef>
+              <a:spcAft>
+                <a:spcPct val="0"/>
+              </a:spcAft>
+            </a:pPr>
+            <a:r>
+              <a:rPr lang="en-US" sz="1050" b="1" dirty="0">
+                <a:solidFill>
+                  <a:schemeClr val="tx1"/>
+                </a:solidFill>
+                <a:ea typeface="Segoe UI" pitchFamily="34" charset="0"/>
+                <a:cs typeface="Segoe UI" pitchFamily="34" charset="0"/>
+              </a:rPr>
+              <a:t>Azure</a:t>
+            </a:r>
+          </a:p>
+          <a:p>
+            <a:pPr algn="ctr" defTabSz="932472" fontAlgn="base">
+              <a:lnSpc>
+                <a:spcPct val="90000"/>
+              </a:lnSpc>
+              <a:spcBef>
+                <a:spcPct val="0"/>
+              </a:spcBef>
+              <a:spcAft>
+                <a:spcPct val="0"/>
+              </a:spcAft>
+            </a:pPr>
+            <a:r>
+              <a:rPr lang="en-US" sz="1050" b="1" dirty="0">
+                <a:solidFill>
+                  <a:schemeClr val="tx1"/>
+                </a:solidFill>
+                <a:ea typeface="Segoe UI" pitchFamily="34" charset="0"/>
+                <a:cs typeface="Segoe UI" pitchFamily="34" charset="0"/>
+              </a:rPr>
+              <a:t>SQL Database</a:t>
+            </a:r>
+          </a:p>
+        </p:txBody>
+      </p:sp>
+      <p:sp>
+        <p:nvSpPr>
+          <p:cNvPr id="9" name="Arrow: Right 8">
+            <a:extLst>
+              <a:ext uri="{FF2B5EF4-FFF2-40B4-BE49-F238E27FC236}">
+                <a16:creationId xmlns:a16="http://schemas.microsoft.com/office/drawing/2014/main" id="{7B9B3848-A196-681C-5B39-FEFC2E5B2E35}"/>
+              </a:ext>
+            </a:extLst>
+          </p:cNvPr>
+          <p:cNvSpPr/>
+          <p:nvPr/>
+        </p:nvSpPr>
+        <p:spPr bwMode="auto">
+          <a:xfrm>
+            <a:off x="5533544" y="2185087"/>
+            <a:ext cx="3048000" cy="607821"/>
+          </a:xfrm>
+          <a:prstGeom prst="rightArrow">
+            <a:avLst>
+              <a:gd name="adj1" fmla="val 64902"/>
+              <a:gd name="adj2" fmla="val 50000"/>
+            </a:avLst>
+          </a:prstGeom>
+          <a:solidFill>
+            <a:srgbClr val="8A0000"/>
+          </a:solidFill>
+          <a:ln w="19050">
+            <a:solidFill>
+              <a:srgbClr val="8A0000"/>
+            </a:solidFill>
+            <a:headEnd type="none" w="med" len="med"/>
+            <a:tailEnd type="none" w="med" len="med"/>
+          </a:ln>
+          <a:effectLst/>
+        </p:spPr>
+        <p:style>
+          <a:lnRef idx="1">
+            <a:schemeClr val="accent2"/>
+          </a:lnRef>
+          <a:fillRef idx="3">
+            <a:schemeClr val="accent2"/>
+          </a:fillRef>
+          <a:effectRef idx="2">
+            <a:schemeClr val="accent2"/>
+          </a:effectRef>
+          <a:fontRef idx="minor">
+            <a:schemeClr val="lt1"/>
+          </a:fontRef>
+        </p:style>
+        <p:txBody>
+          <a:bodyPr rot="0" spcFirstLastPara="0" vertOverflow="overflow" horzOverflow="overflow" vert="horz" wrap="square" lIns="274320" tIns="0" rIns="0" bIns="0" numCol="1" spcCol="0" rtlCol="0" fromWordArt="0" anchor="ctr" anchorCtr="0" forceAA="0" compatLnSpc="1">
+            <a:prstTxWarp prst="textNoShape">
+              <a:avLst/>
+            </a:prstTxWarp>
+            <a:noAutofit/>
+          </a:bodyPr>
+          <a:lstStyle/>
+          <a:p>
+            <a:pPr defTabSz="932472" fontAlgn="base">
+              <a:lnSpc>
+                <a:spcPct val="90000"/>
+              </a:lnSpc>
+              <a:spcBef>
+                <a:spcPct val="0"/>
+              </a:spcBef>
+              <a:spcAft>
+                <a:spcPct val="0"/>
+              </a:spcAft>
+            </a:pPr>
+            <a:r>
+              <a:rPr lang="en-US" sz="1200" b="1" dirty="0">
+                <a:solidFill>
+                  <a:schemeClr val="bg1"/>
+                </a:solidFill>
+                <a:ea typeface="Segoe UI" pitchFamily="34" charset="0"/>
+                <a:cs typeface="Segoe UI" pitchFamily="34" charset="0"/>
+              </a:rPr>
+              <a:t>Outbound Security</a:t>
+            </a:r>
+            <a:endParaRPr lang="en-US" sz="2000" b="1" dirty="0">
+              <a:solidFill>
+                <a:schemeClr val="bg1"/>
+              </a:solidFill>
+              <a:ea typeface="Segoe UI" pitchFamily="34" charset="0"/>
+              <a:cs typeface="Segoe UI" pitchFamily="34" charset="0"/>
+            </a:endParaRPr>
+          </a:p>
+          <a:p>
+            <a:pPr defTabSz="932472" fontAlgn="base">
+              <a:lnSpc>
+                <a:spcPct val="90000"/>
+              </a:lnSpc>
+              <a:spcBef>
+                <a:spcPct val="0"/>
+              </a:spcBef>
+              <a:spcAft>
+                <a:spcPct val="0"/>
+              </a:spcAft>
+            </a:pPr>
+            <a:r>
+              <a:rPr lang="en-US" sz="1000" dirty="0">
+                <a:solidFill>
+                  <a:schemeClr val="bg1"/>
+                </a:solidFill>
+                <a:ea typeface="Segoe UI" pitchFamily="34" charset="0"/>
+                <a:cs typeface="Segoe UI" pitchFamily="34" charset="0"/>
+              </a:rPr>
+              <a:t>Connection to external Datasource</a:t>
+            </a:r>
+          </a:p>
+        </p:txBody>
+      </p:sp>
+      <p:sp>
+        <p:nvSpPr>
+          <p:cNvPr id="10" name="Rectangle: Top Corners One Rounded and One Snipped 9">
+            <a:extLst>
+              <a:ext uri="{FF2B5EF4-FFF2-40B4-BE49-F238E27FC236}">
+                <a16:creationId xmlns:a16="http://schemas.microsoft.com/office/drawing/2014/main" id="{0D58CAD5-5736-04A6-4690-74762995E062}"/>
+              </a:ext>
+            </a:extLst>
+          </p:cNvPr>
+          <p:cNvSpPr/>
+          <p:nvPr/>
+        </p:nvSpPr>
+        <p:spPr bwMode="auto">
+          <a:xfrm>
+            <a:off x="8581544" y="1146465"/>
+            <a:ext cx="1394284" cy="703776"/>
+          </a:xfrm>
+          <a:prstGeom prst="snipRoundRect">
+            <a:avLst/>
+          </a:prstGeom>
+          <a:solidFill>
+            <a:schemeClr val="accent2">
+              <a:lumMod val="40000"/>
+              <a:lumOff val="60000"/>
+            </a:schemeClr>
+          </a:solidFill>
+          <a:ln>
+            <a:solidFill>
+              <a:schemeClr val="tx1"/>
+            </a:solidFill>
+            <a:headEnd type="none" w="med" len="med"/>
+            <a:tailEnd type="none" w="med" len="med"/>
+          </a:ln>
+          <a:effectLst/>
+        </p:spPr>
+        <p:style>
+          <a:lnRef idx="1">
+            <a:schemeClr val="accent2"/>
+          </a:lnRef>
+          <a:fillRef idx="3">
+            <a:schemeClr val="accent2"/>
+          </a:fillRef>
+          <a:effectRef idx="2">
+            <a:schemeClr val="accent2"/>
+          </a:effectRef>
+          <a:fontRef idx="minor">
+            <a:schemeClr val="lt1"/>
+          </a:fontRef>
+        </p:style>
+        <p:txBody>
+          <a:bodyPr rot="0" spcFirstLastPara="0" vertOverflow="overflow" horzOverflow="overflow" vert="horz" wrap="square" lIns="0" tIns="146304" rIns="0" bIns="146304" numCol="1" spcCol="0" rtlCol="0" fromWordArt="0" anchor="ctr" anchorCtr="0" forceAA="0" compatLnSpc="1">
+            <a:prstTxWarp prst="textNoShape">
+              <a:avLst/>
+            </a:prstTxWarp>
+            <a:noAutofit/>
+          </a:bodyPr>
+          <a:lstStyle/>
+          <a:p>
+            <a:pPr algn="ctr" defTabSz="932472" fontAlgn="base">
+              <a:lnSpc>
+                <a:spcPct val="90000"/>
+              </a:lnSpc>
+              <a:spcBef>
+                <a:spcPct val="0"/>
+              </a:spcBef>
+              <a:spcAft>
+                <a:spcPct val="0"/>
+              </a:spcAft>
+            </a:pPr>
+            <a:r>
+              <a:rPr lang="en-US" sz="1050" b="1" dirty="0">
+                <a:solidFill>
+                  <a:schemeClr val="tx1"/>
+                </a:solidFill>
+                <a:ea typeface="Segoe UI" pitchFamily="34" charset="0"/>
+                <a:cs typeface="Segoe UI" pitchFamily="34" charset="0"/>
+              </a:rPr>
+              <a:t>ADLS Gen2</a:t>
+            </a:r>
+          </a:p>
+          <a:p>
+            <a:pPr algn="ctr" defTabSz="932472" fontAlgn="base">
+              <a:lnSpc>
+                <a:spcPct val="90000"/>
+              </a:lnSpc>
+              <a:spcBef>
+                <a:spcPct val="0"/>
+              </a:spcBef>
+              <a:spcAft>
+                <a:spcPct val="0"/>
+              </a:spcAft>
+            </a:pPr>
+            <a:r>
+              <a:rPr lang="en-US" sz="1050" b="1" dirty="0">
+                <a:solidFill>
+                  <a:schemeClr val="tx1"/>
+                </a:solidFill>
+                <a:ea typeface="Segoe UI" pitchFamily="34" charset="0"/>
+                <a:cs typeface="Segoe UI" pitchFamily="34" charset="0"/>
+              </a:rPr>
+              <a:t>Storage Container</a:t>
+            </a:r>
+          </a:p>
+        </p:txBody>
+      </p:sp>
       <p:grpSp>
         <p:nvGrpSpPr>
-          <p:cNvPr id="2" name="Group 1">
+          <p:cNvPr id="27" name="Group 26">
             <a:extLst>
               <a:ext uri="{FF2B5EF4-FFF2-40B4-BE49-F238E27FC236}">
-                <a16:creationId xmlns:a16="http://schemas.microsoft.com/office/drawing/2014/main" id="{DFCCC2FE-D7E5-13F1-3860-0BCD2AAE766E}"/>
+                <a16:creationId xmlns:a16="http://schemas.microsoft.com/office/drawing/2014/main" id="{3119191F-FF88-A7F8-4EA5-9DE1A79D3136}"/>
               </a:ext>
             </a:extLst>
           </p:cNvPr>
@@ -3673,208 +4414,18 @@
         </p:nvGrpSpPr>
         <p:grpSpPr>
           <a:xfrm>
-            <a:off x="668208" y="521114"/>
-            <a:ext cx="10855583" cy="2907886"/>
-            <a:chOff x="412800" y="3230217"/>
-            <a:chExt cx="10855583" cy="3573808"/>
+            <a:off x="4715434" y="2119200"/>
+            <a:ext cx="818110" cy="771165"/>
+            <a:chOff x="6961787" y="3043417"/>
+            <a:chExt cx="818110" cy="771165"/>
           </a:xfrm>
         </p:grpSpPr>
         <p:sp>
           <p:nvSpPr>
-            <p:cNvPr id="3" name="Rectangle 2">
+            <p:cNvPr id="19" name="Rectangle 18">
               <a:extLst>
                 <a:ext uri="{FF2B5EF4-FFF2-40B4-BE49-F238E27FC236}">
-                  <a16:creationId xmlns:a16="http://schemas.microsoft.com/office/drawing/2014/main" id="{8E9B5688-A3D3-57D0-63BD-BE3D193E4049}"/>
-                </a:ext>
-              </a:extLst>
-            </p:cNvPr>
-            <p:cNvSpPr/>
-            <p:nvPr/>
-          </p:nvSpPr>
-          <p:spPr>
-            <a:xfrm>
-              <a:off x="412800" y="3230217"/>
-              <a:ext cx="1298573" cy="3573808"/>
-            </a:xfrm>
-            <a:prstGeom prst="rect">
-              <a:avLst/>
-            </a:prstGeom>
-            <a:solidFill>
-              <a:srgbClr val="EFF4FF"/>
-            </a:solidFill>
-            <a:ln>
-              <a:solidFill>
-                <a:schemeClr val="tx1"/>
-              </a:solidFill>
-            </a:ln>
-          </p:spPr>
-          <p:style>
-            <a:lnRef idx="2">
-              <a:schemeClr val="accent1">
-                <a:shade val="50000"/>
-              </a:schemeClr>
-            </a:lnRef>
-            <a:fillRef idx="1">
-              <a:schemeClr val="accent1"/>
-            </a:fillRef>
-            <a:effectRef idx="0">
-              <a:schemeClr val="accent1"/>
-            </a:effectRef>
-            <a:fontRef idx="minor">
-              <a:schemeClr val="lt1"/>
-            </a:fontRef>
-          </p:style>
-          <p:txBody>
-            <a:bodyPr tIns="91440" rtlCol="0" anchor="ctr"/>
-            <a:lstStyle/>
-            <a:p>
-              <a:pPr algn="ctr"/>
-              <a:r>
-                <a:rPr lang="en-US" sz="1200" b="1" dirty="0">
-                  <a:solidFill>
-                    <a:schemeClr val="tx1"/>
-                  </a:solidFill>
-                </a:rPr>
-                <a:t>Custom ISV Application</a:t>
-              </a:r>
-              <a:endParaRPr lang="en-US" sz="1050" b="1" dirty="0">
-                <a:solidFill>
-                  <a:schemeClr val="tx1"/>
-                </a:solidFill>
-              </a:endParaRPr>
-            </a:p>
-          </p:txBody>
-        </p:sp>
-        <p:sp>
-          <p:nvSpPr>
-            <p:cNvPr id="4" name="Rectangle 3">
-              <a:extLst>
-                <a:ext uri="{FF2B5EF4-FFF2-40B4-BE49-F238E27FC236}">
-                  <a16:creationId xmlns:a16="http://schemas.microsoft.com/office/drawing/2014/main" id="{F29473F3-15FE-1B28-3F86-3A11A70A9441}"/>
-                </a:ext>
-              </a:extLst>
-            </p:cNvPr>
-            <p:cNvSpPr/>
-            <p:nvPr/>
-          </p:nvSpPr>
-          <p:spPr>
-            <a:xfrm>
-              <a:off x="3772408" y="3230217"/>
-              <a:ext cx="2797473" cy="3573808"/>
-            </a:xfrm>
-            <a:prstGeom prst="rect">
-              <a:avLst/>
-            </a:prstGeom>
-            <a:solidFill>
-              <a:srgbClr val="FFF5D5"/>
-            </a:solidFill>
-            <a:ln w="6350">
-              <a:solidFill>
-                <a:schemeClr val="tx1"/>
-              </a:solidFill>
-            </a:ln>
-          </p:spPr>
-          <p:style>
-            <a:lnRef idx="2">
-              <a:schemeClr val="accent1">
-                <a:shade val="50000"/>
-              </a:schemeClr>
-            </a:lnRef>
-            <a:fillRef idx="1">
-              <a:schemeClr val="accent1"/>
-            </a:fillRef>
-            <a:effectRef idx="0">
-              <a:schemeClr val="accent1"/>
-            </a:effectRef>
-            <a:fontRef idx="minor">
-              <a:schemeClr val="lt1"/>
-            </a:fontRef>
-          </p:style>
-          <p:txBody>
-            <a:bodyPr tIns="91440" rtlCol="0" anchor="t"/>
-            <a:lstStyle/>
-            <a:p>
-              <a:pPr algn="ctr"/>
-              <a:r>
-                <a:rPr lang="en-US" sz="1400" b="1" dirty="0">
-                  <a:solidFill>
-                    <a:schemeClr val="tx1"/>
-                  </a:solidFill>
-                </a:rPr>
-                <a:t>Fabric Environment</a:t>
-              </a:r>
-            </a:p>
-          </p:txBody>
-        </p:sp>
-        <p:sp>
-          <p:nvSpPr>
-            <p:cNvPr id="5" name="Rectangle 4">
-              <a:extLst>
-                <a:ext uri="{FF2B5EF4-FFF2-40B4-BE49-F238E27FC236}">
-                  <a16:creationId xmlns:a16="http://schemas.microsoft.com/office/drawing/2014/main" id="{54C7B40B-95B2-1B1C-12E3-D230B929F828}"/>
-                </a:ext>
-              </a:extLst>
-            </p:cNvPr>
-            <p:cNvSpPr/>
-            <p:nvPr/>
-          </p:nvSpPr>
-          <p:spPr>
-            <a:xfrm>
-              <a:off x="4061606" y="3735548"/>
-              <a:ext cx="2223795" cy="2855117"/>
-            </a:xfrm>
-            <a:prstGeom prst="rect">
-              <a:avLst/>
-            </a:prstGeom>
-            <a:solidFill>
-              <a:srgbClr val="EFF4FF"/>
-            </a:solidFill>
-            <a:ln>
-              <a:solidFill>
-                <a:schemeClr val="tx1"/>
-              </a:solidFill>
-            </a:ln>
-          </p:spPr>
-          <p:style>
-            <a:lnRef idx="2">
-              <a:schemeClr val="accent1">
-                <a:shade val="50000"/>
-              </a:schemeClr>
-            </a:lnRef>
-            <a:fillRef idx="1">
-              <a:schemeClr val="accent1"/>
-            </a:fillRef>
-            <a:effectRef idx="0">
-              <a:schemeClr val="accent1"/>
-            </a:effectRef>
-            <a:fontRef idx="minor">
-              <a:schemeClr val="lt1"/>
-            </a:fontRef>
-          </p:style>
-          <p:txBody>
-            <a:bodyPr tIns="73152" bIns="91440" rtlCol="0" anchor="b"/>
-            <a:lstStyle/>
-            <a:p>
-              <a:pPr algn="ctr"/>
-              <a:r>
-                <a:rPr lang="en-US" sz="1100" b="1" dirty="0">
-                  <a:solidFill>
-                    <a:schemeClr val="bg2">
-                      <a:lumMod val="65000"/>
-                    </a:schemeClr>
-                  </a:solidFill>
-                </a:rPr>
-                <a:t>Customer Tenant Workspace</a:t>
-              </a:r>
-            </a:p>
-          </p:txBody>
-        </p:sp>
-        <p:sp>
-          <p:nvSpPr>
-            <p:cNvPr id="6" name="Arrow: Right 5">
-              <a:extLst>
-                <a:ext uri="{FF2B5EF4-FFF2-40B4-BE49-F238E27FC236}">
-                  <a16:creationId xmlns:a16="http://schemas.microsoft.com/office/drawing/2014/main" id="{6D73CE79-A6BD-EF49-7CFB-D842592BA0AE}"/>
+                  <a16:creationId xmlns:a16="http://schemas.microsoft.com/office/drawing/2014/main" id="{C6BCBC33-0CA0-5D20-C7A0-C161B99826EE}"/>
                 </a:ext>
               </a:extLst>
             </p:cNvPr>
@@ -3883,243 +4434,18 @@
           </p:nvSpPr>
           <p:spPr bwMode="auto">
             <a:xfrm>
-              <a:off x="1711373" y="4506773"/>
-              <a:ext cx="2136688" cy="900070"/>
+              <a:off x="6961787" y="3043417"/>
+              <a:ext cx="818110" cy="771165"/>
             </a:xfrm>
-            <a:prstGeom prst="rightArrow">
-              <a:avLst>
-                <a:gd name="adj1" fmla="val 64902"/>
-                <a:gd name="adj2" fmla="val 50000"/>
-              </a:avLst>
-            </a:prstGeom>
-            <a:solidFill>
-              <a:srgbClr val="8A0000"/>
-            </a:solidFill>
-            <a:ln w="19050">
-              <a:solidFill>
-                <a:srgbClr val="8A0000"/>
-              </a:solidFill>
-              <a:headEnd type="none" w="med" len="med"/>
-              <a:tailEnd type="none" w="med" len="med"/>
-            </a:ln>
-            <a:effectLst/>
-          </p:spPr>
-          <p:style>
-            <a:lnRef idx="1">
-              <a:schemeClr val="accent2"/>
-            </a:lnRef>
-            <a:fillRef idx="3">
-              <a:schemeClr val="accent2"/>
-            </a:fillRef>
-            <a:effectRef idx="2">
-              <a:schemeClr val="accent2"/>
-            </a:effectRef>
-            <a:fontRef idx="minor">
-              <a:schemeClr val="lt1"/>
-            </a:fontRef>
-          </p:style>
-          <p:txBody>
-            <a:bodyPr rot="0" spcFirstLastPara="0" vertOverflow="overflow" horzOverflow="overflow" vert="horz" wrap="square" lIns="274320" tIns="0" rIns="0" bIns="0" numCol="1" spcCol="0" rtlCol="0" fromWordArt="0" anchor="ctr" anchorCtr="0" forceAA="0" compatLnSpc="1">
-              <a:prstTxWarp prst="textNoShape">
-                <a:avLst/>
-              </a:prstTxWarp>
-              <a:noAutofit/>
-            </a:bodyPr>
-            <a:lstStyle/>
-            <a:p>
-              <a:pPr defTabSz="932472" fontAlgn="base">
-                <a:lnSpc>
-                  <a:spcPct val="90000"/>
-                </a:lnSpc>
-                <a:spcBef>
-                  <a:spcPct val="0"/>
-                </a:spcBef>
-                <a:spcAft>
-                  <a:spcPct val="0"/>
-                </a:spcAft>
-              </a:pPr>
-              <a:r>
-                <a:rPr lang="en-US" sz="1200" b="1" dirty="0">
-                  <a:solidFill>
-                    <a:schemeClr val="bg1"/>
-                  </a:solidFill>
-                  <a:ea typeface="Segoe UI" pitchFamily="34" charset="0"/>
-                  <a:cs typeface="Segoe UI" pitchFamily="34" charset="0"/>
-                </a:rPr>
-                <a:t>Inbound Security</a:t>
-              </a:r>
-              <a:endParaRPr lang="en-US" sz="1600" b="1" dirty="0">
-                <a:solidFill>
-                  <a:schemeClr val="bg1"/>
-                </a:solidFill>
-                <a:ea typeface="Segoe UI" pitchFamily="34" charset="0"/>
-                <a:cs typeface="Segoe UI" pitchFamily="34" charset="0"/>
-              </a:endParaRPr>
-            </a:p>
-            <a:p>
-              <a:pPr defTabSz="932472" fontAlgn="base">
-                <a:lnSpc>
-                  <a:spcPct val="90000"/>
-                </a:lnSpc>
-                <a:spcBef>
-                  <a:spcPct val="0"/>
-                </a:spcBef>
-                <a:spcAft>
-                  <a:spcPct val="0"/>
-                </a:spcAft>
-              </a:pPr>
-              <a:r>
-                <a:rPr lang="en-US" sz="1000" dirty="0">
-                  <a:solidFill>
-                    <a:schemeClr val="bg1"/>
-                  </a:solidFill>
-                  <a:ea typeface="Segoe UI" pitchFamily="34" charset="0"/>
-                  <a:cs typeface="Segoe UI" pitchFamily="34" charset="0"/>
-                </a:rPr>
-                <a:t>Calls to Fabric REST API</a:t>
-              </a:r>
-            </a:p>
-          </p:txBody>
-        </p:sp>
-        <p:sp>
-          <p:nvSpPr>
-            <p:cNvPr id="7" name="Arrow: Right 6">
-              <a:extLst>
-                <a:ext uri="{FF2B5EF4-FFF2-40B4-BE49-F238E27FC236}">
-                  <a16:creationId xmlns:a16="http://schemas.microsoft.com/office/drawing/2014/main" id="{F892C1CB-983C-43F2-3BAB-0F91684D6F8C}"/>
-                </a:ext>
-              </a:extLst>
-            </p:cNvPr>
-            <p:cNvSpPr/>
-            <p:nvPr/>
-          </p:nvSpPr>
-          <p:spPr bwMode="auto">
-            <a:xfrm>
-              <a:off x="6308653" y="3893069"/>
-              <a:ext cx="3048000" cy="900070"/>
-            </a:xfrm>
-            <a:prstGeom prst="rightArrow">
-              <a:avLst>
-                <a:gd name="adj1" fmla="val 64902"/>
-                <a:gd name="adj2" fmla="val 50000"/>
-              </a:avLst>
-            </a:prstGeom>
-            <a:solidFill>
-              <a:srgbClr val="8A0000"/>
-            </a:solidFill>
-            <a:ln w="19050">
-              <a:solidFill>
-                <a:srgbClr val="8A0000"/>
-              </a:solidFill>
-              <a:headEnd type="none" w="med" len="med"/>
-              <a:tailEnd type="none" w="med" len="med"/>
-            </a:ln>
-            <a:effectLst/>
-          </p:spPr>
-          <p:style>
-            <a:lnRef idx="1">
-              <a:schemeClr val="accent2"/>
-            </a:lnRef>
-            <a:fillRef idx="3">
-              <a:schemeClr val="accent2"/>
-            </a:fillRef>
-            <a:effectRef idx="2">
-              <a:schemeClr val="accent2"/>
-            </a:effectRef>
-            <a:fontRef idx="minor">
-              <a:schemeClr val="lt1"/>
-            </a:fontRef>
-          </p:style>
-          <p:txBody>
-            <a:bodyPr rot="0" spcFirstLastPara="0" vertOverflow="overflow" horzOverflow="overflow" vert="horz" wrap="square" lIns="274320" tIns="0" rIns="0" bIns="0" numCol="1" spcCol="0" rtlCol="0" fromWordArt="0" anchor="ctr" anchorCtr="0" forceAA="0" compatLnSpc="1">
-              <a:prstTxWarp prst="textNoShape">
-                <a:avLst/>
-              </a:prstTxWarp>
-              <a:noAutofit/>
-            </a:bodyPr>
-            <a:lstStyle/>
-            <a:p>
-              <a:pPr defTabSz="932472" fontAlgn="base">
-                <a:lnSpc>
-                  <a:spcPct val="90000"/>
-                </a:lnSpc>
-                <a:spcBef>
-                  <a:spcPct val="0"/>
-                </a:spcBef>
-                <a:spcAft>
-                  <a:spcPct val="0"/>
-                </a:spcAft>
-              </a:pPr>
-              <a:r>
-                <a:rPr lang="en-US" sz="1200" b="1" dirty="0">
-                  <a:solidFill>
-                    <a:schemeClr val="bg1"/>
-                  </a:solidFill>
-                  <a:ea typeface="Segoe UI" pitchFamily="34" charset="0"/>
-                  <a:cs typeface="Segoe UI" pitchFamily="34" charset="0"/>
-                </a:rPr>
-                <a:t>Outbound Security</a:t>
-              </a:r>
-              <a:endParaRPr lang="en-US" sz="1400" b="1" dirty="0">
-                <a:solidFill>
-                  <a:schemeClr val="bg1"/>
-                </a:solidFill>
-                <a:ea typeface="Segoe UI" pitchFamily="34" charset="0"/>
-                <a:cs typeface="Segoe UI" pitchFamily="34" charset="0"/>
-              </a:endParaRPr>
-            </a:p>
-            <a:p>
-              <a:pPr defTabSz="932472" fontAlgn="base">
-                <a:lnSpc>
-                  <a:spcPct val="90000"/>
-                </a:lnSpc>
-                <a:spcBef>
-                  <a:spcPct val="0"/>
-                </a:spcBef>
-                <a:spcAft>
-                  <a:spcPct val="0"/>
-                </a:spcAft>
-              </a:pPr>
-              <a:r>
-                <a:rPr lang="en-US" sz="1000" dirty="0">
-                  <a:solidFill>
-                    <a:schemeClr val="bg1"/>
-                  </a:solidFill>
-                  <a:ea typeface="Segoe UI" pitchFamily="34" charset="0"/>
-                  <a:cs typeface="Segoe UI" pitchFamily="34" charset="0"/>
-                </a:rPr>
-                <a:t>Connection to external Datasource</a:t>
-              </a:r>
-            </a:p>
-          </p:txBody>
-        </p:sp>
-        <p:sp>
-          <p:nvSpPr>
-            <p:cNvPr id="8" name="Flowchart: Magnetic Disk 7">
-              <a:extLst>
-                <a:ext uri="{FF2B5EF4-FFF2-40B4-BE49-F238E27FC236}">
-                  <a16:creationId xmlns:a16="http://schemas.microsoft.com/office/drawing/2014/main" id="{56838331-7383-9A33-5D7C-A0F009ECFC3F}"/>
-                </a:ext>
-              </a:extLst>
-            </p:cNvPr>
-            <p:cNvSpPr/>
-            <p:nvPr/>
-          </p:nvSpPr>
-          <p:spPr bwMode="auto">
-            <a:xfrm>
-              <a:off x="9458253" y="3768801"/>
-              <a:ext cx="1810130" cy="1133573"/>
-            </a:xfrm>
-            <a:prstGeom prst="flowChartMagneticDisk">
+            <a:prstGeom prst="rect">
               <a:avLst/>
             </a:prstGeom>
             <a:solidFill>
-              <a:schemeClr val="accent2">
-                <a:lumMod val="40000"/>
-                <a:lumOff val="60000"/>
+              <a:schemeClr val="bg1">
+                <a:alpha val="45000"/>
               </a:schemeClr>
             </a:solidFill>
-            <a:ln>
+            <a:ln w="12700">
               <a:solidFill>
                 <a:schemeClr val="tx1"/>
               </a:solidFill>
@@ -4143,7 +4469,7 @@
             </a:fontRef>
           </p:style>
           <p:txBody>
-            <a:bodyPr rot="0" spcFirstLastPara="0" vertOverflow="overflow" horzOverflow="overflow" vert="horz" wrap="square" lIns="182880" tIns="146304" rIns="182880" bIns="146304" numCol="1" spcCol="0" rtlCol="0" fromWordArt="0" anchor="t" anchorCtr="0" forceAA="0" compatLnSpc="1">
+            <a:bodyPr rot="0" spcFirstLastPara="0" vertOverflow="overflow" horzOverflow="overflow" vert="horz" wrap="square" lIns="0" tIns="146304" rIns="0" bIns="45720" numCol="1" spcCol="0" rtlCol="0" fromWordArt="0" anchor="b" anchorCtr="0" forceAA="0" compatLnSpc="1">
               <a:prstTxWarp prst="textNoShape">
                 <a:avLst/>
               </a:prstTxWarp>
@@ -4163,47 +4489,82 @@
                 </a:spcAft>
               </a:pPr>
               <a:r>
-                <a:rPr lang="en-US" sz="1200" b="1" dirty="0">
+                <a:rPr lang="en-US" sz="700" dirty="0">
                   <a:solidFill>
                     <a:schemeClr val="tx1"/>
                   </a:solidFill>
+                  <a:latin typeface="Arial" panose="020B0604020202020204" pitchFamily="34" charset="0"/>
                   <a:ea typeface="Segoe UI" pitchFamily="34" charset="0"/>
-                  <a:cs typeface="Segoe UI" pitchFamily="34" charset="0"/>
+                  <a:cs typeface="Arial" panose="020B0604020202020204" pitchFamily="34" charset="0"/>
                 </a:rPr>
-                <a:t>Azure</a:t>
-              </a:r>
-            </a:p>
-            <a:p>
-              <a:pPr algn="ctr" defTabSz="932472" fontAlgn="base">
-                <a:lnSpc>
-                  <a:spcPct val="90000"/>
-                </a:lnSpc>
-                <a:spcBef>
-                  <a:spcPct val="0"/>
-                </a:spcBef>
-                <a:spcAft>
-                  <a:spcPct val="0"/>
-                </a:spcAft>
-              </a:pPr>
-              <a:r>
-                <a:rPr lang="en-US" sz="1200" b="1" dirty="0">
-                  <a:solidFill>
-                    <a:schemeClr val="tx1"/>
-                  </a:solidFill>
-                  <a:ea typeface="Segoe UI" pitchFamily="34" charset="0"/>
-                  <a:cs typeface="Segoe UI" pitchFamily="34" charset="0"/>
-                </a:rPr>
-                <a:t>SQL Database</a:t>
+                <a:t>Semantic Model</a:t>
               </a:r>
             </a:p>
           </p:txBody>
         </p:sp>
+        <p:pic>
+          <p:nvPicPr>
+            <p:cNvPr id="20" name="Picture 19" descr="A white square with purple dots&#10;&#10;Description automatically generated">
+              <a:extLst>
+                <a:ext uri="{FF2B5EF4-FFF2-40B4-BE49-F238E27FC236}">
+                  <a16:creationId xmlns:a16="http://schemas.microsoft.com/office/drawing/2014/main" id="{633E8BAE-72CB-2CD9-869B-7F0DE8F48B1D}"/>
+                </a:ext>
+              </a:extLst>
+            </p:cNvPr>
+            <p:cNvPicPr>
+              <a:picLocks noChangeAspect="1"/>
+            </p:cNvPicPr>
+            <p:nvPr/>
+          </p:nvPicPr>
+          <p:blipFill>
+            <a:blip r:embed="rId2">
+              <a:extLst>
+                <a:ext uri="{28A0092B-C50C-407E-A947-70E740481C1C}">
+                  <a14:useLocalDpi xmlns:a14="http://schemas.microsoft.com/office/drawing/2010/main" val="0"/>
+                </a:ext>
+              </a:extLst>
+            </a:blip>
+            <a:stretch>
+              <a:fillRect/>
+            </a:stretch>
+          </p:blipFill>
+          <p:spPr>
+            <a:xfrm>
+              <a:off x="7072679" y="3085585"/>
+              <a:ext cx="585421" cy="580738"/>
+            </a:xfrm>
+            <a:prstGeom prst="rect">
+              <a:avLst/>
+            </a:prstGeom>
+          </p:spPr>
+        </p:pic>
+      </p:grpSp>
+      <p:grpSp>
+        <p:nvGrpSpPr>
+          <p:cNvPr id="28" name="Group 27">
+            <a:extLst>
+              <a:ext uri="{FF2B5EF4-FFF2-40B4-BE49-F238E27FC236}">
+                <a16:creationId xmlns:a16="http://schemas.microsoft.com/office/drawing/2014/main" id="{669E08A9-8E28-8319-405D-93696E86D18E}"/>
+              </a:ext>
+            </a:extLst>
+          </p:cNvPr>
+          <p:cNvGrpSpPr/>
+          <p:nvPr/>
+        </p:nvGrpSpPr>
+        <p:grpSpPr>
+          <a:xfrm>
+            <a:off x="4715434" y="1110525"/>
+            <a:ext cx="818110" cy="771166"/>
+            <a:chOff x="6564061" y="3745966"/>
+            <a:chExt cx="818110" cy="771166"/>
+          </a:xfrm>
+        </p:grpSpPr>
         <p:sp>
           <p:nvSpPr>
-            <p:cNvPr id="9" name="Arrow: Right 8">
+            <p:cNvPr id="26" name="Rectangle 25">
               <a:extLst>
                 <a:ext uri="{FF2B5EF4-FFF2-40B4-BE49-F238E27FC236}">
-                  <a16:creationId xmlns:a16="http://schemas.microsoft.com/office/drawing/2014/main" id="{7B9B3848-A196-681C-5B39-FEFC2E5B2E35}"/>
+                  <a16:creationId xmlns:a16="http://schemas.microsoft.com/office/drawing/2014/main" id="{8AA28945-2EFA-F2D9-46B8-D9E0064131C7}"/>
                 </a:ext>
               </a:extLst>
             </p:cNvPr>
@@ -4212,131 +4573,18 @@
           </p:nvSpPr>
           <p:spPr bwMode="auto">
             <a:xfrm>
-              <a:off x="6308653" y="5373474"/>
-              <a:ext cx="3048000" cy="900070"/>
+              <a:off x="6564061" y="3745966"/>
+              <a:ext cx="818110" cy="771166"/>
             </a:xfrm>
-            <a:prstGeom prst="rightArrow">
-              <a:avLst>
-                <a:gd name="adj1" fmla="val 64902"/>
-                <a:gd name="adj2" fmla="val 50000"/>
-              </a:avLst>
-            </a:prstGeom>
-            <a:solidFill>
-              <a:srgbClr val="8A0000"/>
-            </a:solidFill>
-            <a:ln w="19050">
-              <a:solidFill>
-                <a:srgbClr val="8A0000"/>
-              </a:solidFill>
-              <a:headEnd type="none" w="med" len="med"/>
-              <a:tailEnd type="none" w="med" len="med"/>
-            </a:ln>
-            <a:effectLst/>
-          </p:spPr>
-          <p:style>
-            <a:lnRef idx="1">
-              <a:schemeClr val="accent2"/>
-            </a:lnRef>
-            <a:fillRef idx="3">
-              <a:schemeClr val="accent2"/>
-            </a:fillRef>
-            <a:effectRef idx="2">
-              <a:schemeClr val="accent2"/>
-            </a:effectRef>
-            <a:fontRef idx="minor">
-              <a:schemeClr val="lt1"/>
-            </a:fontRef>
-          </p:style>
-          <p:txBody>
-            <a:bodyPr rot="0" spcFirstLastPara="0" vertOverflow="overflow" horzOverflow="overflow" vert="horz" wrap="square" lIns="274320" tIns="0" rIns="0" bIns="0" numCol="1" spcCol="0" rtlCol="0" fromWordArt="0" anchor="ctr" anchorCtr="0" forceAA="0" compatLnSpc="1">
-              <a:prstTxWarp prst="textNoShape">
-                <a:avLst/>
-              </a:prstTxWarp>
-              <a:noAutofit/>
-            </a:bodyPr>
-            <a:lstStyle/>
-            <a:p>
-              <a:pPr defTabSz="932472" fontAlgn="base">
-                <a:lnSpc>
-                  <a:spcPct val="90000"/>
-                </a:lnSpc>
-                <a:spcBef>
-                  <a:spcPct val="0"/>
-                </a:spcBef>
-                <a:spcAft>
-                  <a:spcPct val="0"/>
-                </a:spcAft>
-              </a:pPr>
-              <a:r>
-                <a:rPr lang="en-US" sz="1200" b="1" dirty="0">
-                  <a:solidFill>
-                    <a:schemeClr val="bg1"/>
-                  </a:solidFill>
-                  <a:ea typeface="Segoe UI" pitchFamily="34" charset="0"/>
-                  <a:cs typeface="Segoe UI" pitchFamily="34" charset="0"/>
-                </a:rPr>
-                <a:t>Outbound Security</a:t>
-              </a:r>
-              <a:endParaRPr lang="en-US" sz="2000" b="1" dirty="0">
-                <a:solidFill>
-                  <a:schemeClr val="bg1"/>
-                </a:solidFill>
-                <a:ea typeface="Segoe UI" pitchFamily="34" charset="0"/>
-                <a:cs typeface="Segoe UI" pitchFamily="34" charset="0"/>
-              </a:endParaRPr>
-            </a:p>
-            <a:p>
-              <a:pPr defTabSz="932472" fontAlgn="base">
-                <a:lnSpc>
-                  <a:spcPct val="90000"/>
-                </a:lnSpc>
-                <a:spcBef>
-                  <a:spcPct val="0"/>
-                </a:spcBef>
-                <a:spcAft>
-                  <a:spcPct val="0"/>
-                </a:spcAft>
-              </a:pPr>
-              <a:r>
-                <a:rPr lang="en-US" sz="1000" dirty="0">
-                  <a:solidFill>
-                    <a:schemeClr val="bg1"/>
-                  </a:solidFill>
-                  <a:ea typeface="Segoe UI" pitchFamily="34" charset="0"/>
-                  <a:cs typeface="Segoe UI" pitchFamily="34" charset="0"/>
-                </a:rPr>
-                <a:t>Connection to external Datasource</a:t>
-              </a:r>
-            </a:p>
-          </p:txBody>
-        </p:sp>
-        <p:sp>
-          <p:nvSpPr>
-            <p:cNvPr id="10" name="Rectangle: Top Corners One Rounded and One Snipped 9">
-              <a:extLst>
-                <a:ext uri="{FF2B5EF4-FFF2-40B4-BE49-F238E27FC236}">
-                  <a16:creationId xmlns:a16="http://schemas.microsoft.com/office/drawing/2014/main" id="{0D58CAD5-5736-04A6-4690-74762995E062}"/>
-                </a:ext>
-              </a:extLst>
-            </p:cNvPr>
-            <p:cNvSpPr/>
-            <p:nvPr/>
-          </p:nvSpPr>
-          <p:spPr bwMode="auto">
-            <a:xfrm>
-              <a:off x="9458253" y="5139971"/>
-              <a:ext cx="1810130" cy="1133573"/>
-            </a:xfrm>
-            <a:prstGeom prst="snipRoundRect">
+            <a:prstGeom prst="rect">
               <a:avLst/>
             </a:prstGeom>
             <a:solidFill>
-              <a:schemeClr val="accent2">
-                <a:lumMod val="40000"/>
-                <a:lumOff val="60000"/>
+              <a:schemeClr val="bg1">
+                <a:alpha val="45000"/>
               </a:schemeClr>
             </a:solidFill>
-            <a:ln>
+            <a:ln w="12700">
               <a:solidFill>
                 <a:schemeClr val="tx1"/>
               </a:solidFill>
@@ -4360,7 +4608,7 @@
             </a:fontRef>
           </p:style>
           <p:txBody>
-            <a:bodyPr rot="0" spcFirstLastPara="0" vertOverflow="overflow" horzOverflow="overflow" vert="horz" wrap="square" lIns="182880" tIns="146304" rIns="182880" bIns="146304" numCol="1" spcCol="0" rtlCol="0" fromWordArt="0" anchor="ctr" anchorCtr="0" forceAA="0" compatLnSpc="1">
+            <a:bodyPr rot="0" spcFirstLastPara="0" vertOverflow="overflow" horzOverflow="overflow" vert="horz" wrap="square" lIns="0" tIns="146304" rIns="0" bIns="45720" numCol="1" spcCol="0" rtlCol="0" fromWordArt="0" anchor="b" anchorCtr="0" forceAA="0" compatLnSpc="1">
               <a:prstTxWarp prst="textNoShape">
                 <a:avLst/>
               </a:prstTxWarp>
@@ -4380,427 +4628,55 @@
                 </a:spcAft>
               </a:pPr>
               <a:r>
-                <a:rPr lang="en-US" sz="1200" b="1" dirty="0">
+                <a:rPr lang="en-US" sz="700" dirty="0">
                   <a:solidFill>
                     <a:schemeClr val="tx1"/>
                   </a:solidFill>
+                  <a:latin typeface="Arial" panose="020B0604020202020204" pitchFamily="34" charset="0"/>
                   <a:ea typeface="Segoe UI" pitchFamily="34" charset="0"/>
-                  <a:cs typeface="Segoe UI" pitchFamily="34" charset="0"/>
+                  <a:cs typeface="Arial" panose="020B0604020202020204" pitchFamily="34" charset="0"/>
                 </a:rPr>
-                <a:t>Azure</a:t>
-              </a:r>
-            </a:p>
-            <a:p>
-              <a:pPr algn="ctr" defTabSz="932472" fontAlgn="base">
-                <a:lnSpc>
-                  <a:spcPct val="90000"/>
-                </a:lnSpc>
-                <a:spcBef>
-                  <a:spcPct val="0"/>
-                </a:spcBef>
-                <a:spcAft>
-                  <a:spcPct val="0"/>
-                </a:spcAft>
-              </a:pPr>
-              <a:r>
-                <a:rPr lang="en-US" sz="1200" b="1" dirty="0">
-                  <a:solidFill>
-                    <a:schemeClr val="tx1"/>
-                  </a:solidFill>
-                  <a:ea typeface="Segoe UI" pitchFamily="34" charset="0"/>
-                  <a:cs typeface="Segoe UI" pitchFamily="34" charset="0"/>
-                </a:rPr>
-                <a:t>Storage Account</a:t>
+                <a:t>OneLake Shortcut</a:t>
               </a:r>
             </a:p>
           </p:txBody>
         </p:sp>
-        <p:grpSp>
-          <p:nvGrpSpPr>
-            <p:cNvPr id="11" name="Group 10">
+        <p:pic>
+          <p:nvPicPr>
+            <p:cNvPr id="23" name="Picture 22" descr="A white square with orange lines on it&#10;&#10;Description automatically generated">
               <a:extLst>
                 <a:ext uri="{FF2B5EF4-FFF2-40B4-BE49-F238E27FC236}">
-                  <a16:creationId xmlns:a16="http://schemas.microsoft.com/office/drawing/2014/main" id="{DA5E28AA-D774-A30B-6271-DD42DBFA33EC}"/>
+                  <a16:creationId xmlns:a16="http://schemas.microsoft.com/office/drawing/2014/main" id="{C08841DC-E8A5-49CF-C450-6EBE9D2957F9}"/>
                 </a:ext>
               </a:extLst>
             </p:cNvPr>
-            <p:cNvGrpSpPr/>
+            <p:cNvPicPr>
+              <a:picLocks noChangeAspect="1"/>
+            </p:cNvPicPr>
             <p:nvPr/>
-          </p:nvGrpSpPr>
-          <p:grpSpPr>
-            <a:xfrm>
-              <a:off x="4850685" y="3992321"/>
-              <a:ext cx="640918" cy="616466"/>
-              <a:chOff x="9619022" y="3176803"/>
-              <a:chExt cx="640918" cy="640919"/>
-            </a:xfrm>
-          </p:grpSpPr>
-          <p:sp>
-            <p:nvSpPr>
-              <p:cNvPr id="16" name="Rectangle 15">
-                <a:extLst>
-                  <a:ext uri="{FF2B5EF4-FFF2-40B4-BE49-F238E27FC236}">
-                    <a16:creationId xmlns:a16="http://schemas.microsoft.com/office/drawing/2014/main" id="{F9302BD1-86A9-EC81-D737-377DABCB4835}"/>
-                  </a:ext>
-                </a:extLst>
-              </p:cNvPr>
-              <p:cNvSpPr/>
-              <p:nvPr/>
-            </p:nvSpPr>
-            <p:spPr bwMode="auto">
-              <a:xfrm>
-                <a:off x="9619022" y="3176803"/>
-                <a:ext cx="640918" cy="640919"/>
-              </a:xfrm>
-              <a:prstGeom prst="rect">
-                <a:avLst/>
-              </a:prstGeom>
-              <a:solidFill>
-                <a:schemeClr val="bg1"/>
-              </a:solidFill>
-              <a:ln>
-                <a:solidFill>
-                  <a:schemeClr val="tx1"/>
-                </a:solidFill>
-                <a:headEnd type="none" w="med" len="med"/>
-                <a:tailEnd type="none" w="med" len="med"/>
-              </a:ln>
-              <a:effectLst/>
-            </p:spPr>
-            <p:style>
-              <a:lnRef idx="1">
-                <a:schemeClr val="accent2"/>
-              </a:lnRef>
-              <a:fillRef idx="3">
-                <a:schemeClr val="accent2"/>
-              </a:fillRef>
-              <a:effectRef idx="2">
-                <a:schemeClr val="accent2"/>
-              </a:effectRef>
-              <a:fontRef idx="minor">
-                <a:schemeClr val="lt1"/>
-              </a:fontRef>
-            </p:style>
-            <p:txBody>
-              <a:bodyPr rot="0" spcFirstLastPara="0" vertOverflow="overflow" horzOverflow="overflow" vert="horz" wrap="square" lIns="182880" tIns="146304" rIns="182880" bIns="146304" numCol="1" spcCol="0" rtlCol="0" fromWordArt="0" anchor="t" anchorCtr="0" forceAA="0" compatLnSpc="1">
-                <a:prstTxWarp prst="textNoShape">
-                  <a:avLst/>
-                </a:prstTxWarp>
-                <a:noAutofit/>
-              </a:bodyPr>
-              <a:lstStyle/>
-              <a:p>
-                <a:pPr algn="ctr" defTabSz="932472" fontAlgn="base">
-                  <a:lnSpc>
-                    <a:spcPct val="90000"/>
-                  </a:lnSpc>
-                  <a:spcBef>
-                    <a:spcPct val="0"/>
-                  </a:spcBef>
-                  <a:spcAft>
-                    <a:spcPct val="0"/>
-                  </a:spcAft>
-                </a:pPr>
-                <a:endParaRPr lang="en-US" b="1" dirty="0" err="1">
-                  <a:gradFill>
-                    <a:gsLst>
-                      <a:gs pos="0">
-                        <a:srgbClr val="FFFFFF"/>
-                      </a:gs>
-                      <a:gs pos="100000">
-                        <a:srgbClr val="FFFFFF"/>
-                      </a:gs>
-                    </a:gsLst>
-                    <a:lin ang="5400000" scaled="0"/>
-                  </a:gradFill>
-                  <a:ea typeface="Segoe UI" pitchFamily="34" charset="0"/>
-                  <a:cs typeface="Segoe UI" pitchFamily="34" charset="0"/>
-                </a:endParaRPr>
-              </a:p>
-            </p:txBody>
-          </p:sp>
-          <p:pic>
-            <p:nvPicPr>
-              <p:cNvPr id="17" name="Graphic 16">
-                <a:extLst>
-                  <a:ext uri="{FF2B5EF4-FFF2-40B4-BE49-F238E27FC236}">
-                    <a16:creationId xmlns:a16="http://schemas.microsoft.com/office/drawing/2014/main" id="{1CA8FB46-8DC3-7AFD-9CC4-CCECB4C1A7D5}"/>
-                  </a:ext>
-                </a:extLst>
-              </p:cNvPr>
-              <p:cNvPicPr>
-                <a:picLocks noChangeAspect="1"/>
-              </p:cNvPicPr>
-              <p:nvPr/>
-            </p:nvPicPr>
-            <p:blipFill>
-              <a:blip r:embed="rId2">
-                <a:extLst>
-                  <a:ext uri="{28A0092B-C50C-407E-A947-70E740481C1C}">
-                    <a14:useLocalDpi xmlns:a14="http://schemas.microsoft.com/office/drawing/2010/main" val="0"/>
-                  </a:ext>
-                  <a:ext uri="{96DAC541-7B7A-43D3-8B79-37D633B846F1}">
-                    <asvg:svgBlip xmlns:asvg="http://schemas.microsoft.com/office/drawing/2016/SVG/main" r:embed="rId3"/>
-                  </a:ext>
-                </a:extLst>
-              </a:blip>
-              <a:stretch>
-                <a:fillRect/>
-              </a:stretch>
-            </p:blipFill>
-            <p:spPr>
-              <a:xfrm>
-                <a:off x="9719315" y="3339055"/>
-                <a:ext cx="427279" cy="440631"/>
-              </a:xfrm>
-              <a:prstGeom prst="rect">
-                <a:avLst/>
-              </a:prstGeom>
-            </p:spPr>
-          </p:pic>
-          <p:sp>
-            <p:nvSpPr>
-              <p:cNvPr id="18" name="TextBox 17">
-                <a:extLst>
-                  <a:ext uri="{FF2B5EF4-FFF2-40B4-BE49-F238E27FC236}">
-                    <a16:creationId xmlns:a16="http://schemas.microsoft.com/office/drawing/2014/main" id="{6D0A7E7A-23A4-EB60-7E10-945147FB6723}"/>
-                  </a:ext>
-                </a:extLst>
-              </p:cNvPr>
-              <p:cNvSpPr txBox="1"/>
-              <p:nvPr/>
-            </p:nvSpPr>
-            <p:spPr>
-              <a:xfrm>
-                <a:off x="9619022" y="3178738"/>
-                <a:ext cx="640918" cy="160316"/>
-              </a:xfrm>
-              <a:prstGeom prst="rect">
-                <a:avLst/>
-              </a:prstGeom>
-              <a:solidFill>
-                <a:schemeClr val="tx1"/>
-              </a:solidFill>
-            </p:spPr>
-            <p:txBody>
-              <a:bodyPr wrap="none" lIns="182880" tIns="146304" rIns="182880" bIns="146304" rtlCol="0" anchor="ctr">
-                <a:noAutofit/>
-              </a:bodyPr>
-              <a:lstStyle/>
-              <a:p>
-                <a:pPr algn="ctr">
-                  <a:lnSpc>
-                    <a:spcPct val="90000"/>
-                  </a:lnSpc>
-                  <a:spcAft>
-                    <a:spcPts val="600"/>
-                  </a:spcAft>
-                </a:pPr>
-                <a:r>
-                  <a:rPr lang="en-US" sz="900" b="1" dirty="0">
-                    <a:solidFill>
-                      <a:schemeClr val="bg1"/>
-                    </a:solidFill>
-                  </a:rPr>
-                  <a:t>shortcut</a:t>
-                </a:r>
-              </a:p>
-            </p:txBody>
-          </p:sp>
-        </p:grpSp>
-        <p:grpSp>
-          <p:nvGrpSpPr>
-            <p:cNvPr id="12" name="Group 11">
+          </p:nvPicPr>
+          <p:blipFill>
+            <a:blip r:embed="rId3">
               <a:extLst>
-                <a:ext uri="{FF2B5EF4-FFF2-40B4-BE49-F238E27FC236}">
-                  <a16:creationId xmlns:a16="http://schemas.microsoft.com/office/drawing/2014/main" id="{FDCE4FD3-CFF8-A44C-7A94-06C07E697D57}"/>
+                <a:ext uri="{28A0092B-C50C-407E-A947-70E740481C1C}">
+                  <a14:useLocalDpi xmlns:a14="http://schemas.microsoft.com/office/drawing/2010/main" val="0"/>
                 </a:ext>
               </a:extLst>
-            </p:cNvPr>
-            <p:cNvGrpSpPr/>
-            <p:nvPr/>
-          </p:nvGrpSpPr>
-          <p:grpSpPr>
+            </a:blip>
+            <a:stretch>
+              <a:fillRect/>
+            </a:stretch>
+          </p:blipFill>
+          <p:spPr>
             <a:xfrm>
-              <a:off x="4887901" y="5406843"/>
-              <a:ext cx="640918" cy="616465"/>
-              <a:chOff x="9619022" y="3176803"/>
-              <a:chExt cx="640918" cy="640918"/>
+              <a:off x="6662201" y="3781906"/>
+              <a:ext cx="621830" cy="611880"/>
             </a:xfrm>
-          </p:grpSpPr>
-          <p:sp>
-            <p:nvSpPr>
-              <p:cNvPr id="13" name="Rectangle 12">
-                <a:extLst>
-                  <a:ext uri="{FF2B5EF4-FFF2-40B4-BE49-F238E27FC236}">
-                    <a16:creationId xmlns:a16="http://schemas.microsoft.com/office/drawing/2014/main" id="{4D0AE88E-5961-069A-3BFD-241FBF0176CB}"/>
-                  </a:ext>
-                </a:extLst>
-              </p:cNvPr>
-              <p:cNvSpPr/>
-              <p:nvPr/>
-            </p:nvSpPr>
-            <p:spPr bwMode="auto">
-              <a:xfrm>
-                <a:off x="9619022" y="3176803"/>
-                <a:ext cx="640918" cy="640918"/>
-              </a:xfrm>
-              <a:prstGeom prst="rect">
-                <a:avLst/>
-              </a:prstGeom>
-              <a:solidFill>
-                <a:schemeClr val="bg1"/>
-              </a:solidFill>
-              <a:ln>
-                <a:solidFill>
-                  <a:schemeClr val="tx1"/>
-                </a:solidFill>
-                <a:headEnd type="none" w="med" len="med"/>
-                <a:tailEnd type="none" w="med" len="med"/>
-              </a:ln>
-              <a:effectLst/>
-            </p:spPr>
-            <p:style>
-              <a:lnRef idx="1">
-                <a:schemeClr val="accent2"/>
-              </a:lnRef>
-              <a:fillRef idx="3">
-                <a:schemeClr val="accent2"/>
-              </a:fillRef>
-              <a:effectRef idx="2">
-                <a:schemeClr val="accent2"/>
-              </a:effectRef>
-              <a:fontRef idx="minor">
-                <a:schemeClr val="lt1"/>
-              </a:fontRef>
-            </p:style>
-            <p:txBody>
-              <a:bodyPr rot="0" spcFirstLastPara="0" vertOverflow="overflow" horzOverflow="overflow" vert="horz" wrap="square" lIns="182880" tIns="146304" rIns="182880" bIns="146304" numCol="1" spcCol="0" rtlCol="0" fromWordArt="0" anchor="t" anchorCtr="0" forceAA="0" compatLnSpc="1">
-                <a:prstTxWarp prst="textNoShape">
-                  <a:avLst/>
-                </a:prstTxWarp>
-                <a:noAutofit/>
-              </a:bodyPr>
-              <a:lstStyle/>
-              <a:p>
-                <a:pPr algn="ctr" defTabSz="932472" fontAlgn="base">
-                  <a:lnSpc>
-                    <a:spcPct val="90000"/>
-                  </a:lnSpc>
-                  <a:spcBef>
-                    <a:spcPct val="0"/>
-                  </a:spcBef>
-                  <a:spcAft>
-                    <a:spcPct val="0"/>
-                  </a:spcAft>
-                </a:pPr>
-                <a:endParaRPr lang="en-US" b="1" dirty="0" err="1">
-                  <a:gradFill>
-                    <a:gsLst>
-                      <a:gs pos="0">
-                        <a:srgbClr val="FFFFFF"/>
-                      </a:gs>
-                      <a:gs pos="100000">
-                        <a:srgbClr val="FFFFFF"/>
-                      </a:gs>
-                    </a:gsLst>
-                    <a:lin ang="5400000" scaled="0"/>
-                  </a:gradFill>
-                  <a:ea typeface="Segoe UI" pitchFamily="34" charset="0"/>
-                  <a:cs typeface="Segoe UI" pitchFamily="34" charset="0"/>
-                </a:endParaRPr>
-              </a:p>
-            </p:txBody>
-          </p:sp>
-          <p:pic>
-            <p:nvPicPr>
-              <p:cNvPr id="14" name="Graphic 13">
-                <a:extLst>
-                  <a:ext uri="{FF2B5EF4-FFF2-40B4-BE49-F238E27FC236}">
-                    <a16:creationId xmlns:a16="http://schemas.microsoft.com/office/drawing/2014/main" id="{EFD07881-AA5D-F5E0-336A-00EA1F32FC50}"/>
-                  </a:ext>
-                </a:extLst>
-              </p:cNvPr>
-              <p:cNvPicPr>
-                <a:picLocks noChangeAspect="1"/>
-              </p:cNvPicPr>
-              <p:nvPr/>
-            </p:nvPicPr>
-            <p:blipFill>
-              <a:blip r:embed="rId2">
-                <a:extLst>
-                  <a:ext uri="{28A0092B-C50C-407E-A947-70E740481C1C}">
-                    <a14:useLocalDpi xmlns:a14="http://schemas.microsoft.com/office/drawing/2010/main" val="0"/>
-                  </a:ext>
-                  <a:ext uri="{96DAC541-7B7A-43D3-8B79-37D633B846F1}">
-                    <asvg:svgBlip xmlns:asvg="http://schemas.microsoft.com/office/drawing/2016/SVG/main" r:embed="rId3"/>
-                  </a:ext>
-                </a:extLst>
-              </a:blip>
-              <a:stretch>
-                <a:fillRect/>
-              </a:stretch>
-            </p:blipFill>
-            <p:spPr>
-              <a:xfrm>
-                <a:off x="9719315" y="3339055"/>
-                <a:ext cx="427279" cy="440631"/>
-              </a:xfrm>
-              <a:prstGeom prst="rect">
-                <a:avLst/>
-              </a:prstGeom>
-            </p:spPr>
-          </p:pic>
-          <p:sp>
-            <p:nvSpPr>
-              <p:cNvPr id="15" name="TextBox 14">
-                <a:extLst>
-                  <a:ext uri="{FF2B5EF4-FFF2-40B4-BE49-F238E27FC236}">
-                    <a16:creationId xmlns:a16="http://schemas.microsoft.com/office/drawing/2014/main" id="{AA5410F2-914F-817C-9C79-97BC241302F0}"/>
-                  </a:ext>
-                </a:extLst>
-              </p:cNvPr>
-              <p:cNvSpPr txBox="1"/>
-              <p:nvPr/>
-            </p:nvSpPr>
-            <p:spPr>
-              <a:xfrm>
-                <a:off x="9619022" y="3178739"/>
-                <a:ext cx="640918" cy="141130"/>
-              </a:xfrm>
-              <a:prstGeom prst="rect">
-                <a:avLst/>
-              </a:prstGeom>
-              <a:solidFill>
-                <a:schemeClr val="tx1"/>
-              </a:solidFill>
-            </p:spPr>
-            <p:txBody>
-              <a:bodyPr wrap="none" lIns="182880" tIns="146304" rIns="182880" bIns="146304" rtlCol="0" anchor="ctr">
-                <a:noAutofit/>
-              </a:bodyPr>
-              <a:lstStyle/>
-              <a:p>
-                <a:pPr algn="ctr">
-                  <a:lnSpc>
-                    <a:spcPct val="90000"/>
-                  </a:lnSpc>
-                  <a:spcAft>
-                    <a:spcPts val="600"/>
-                  </a:spcAft>
-                </a:pPr>
-                <a:r>
-                  <a:rPr lang="en-US" sz="900" b="1" dirty="0">
-                    <a:solidFill>
-                      <a:schemeClr val="bg1"/>
-                    </a:solidFill>
-                  </a:rPr>
-                  <a:t>model</a:t>
-                </a:r>
-              </a:p>
-            </p:txBody>
-          </p:sp>
-        </p:grpSp>
+            <a:prstGeom prst="rect">
+              <a:avLst/>
+            </a:prstGeom>
+          </p:spPr>
+        </p:pic>
       </p:grpSp>
     </p:spTree>
     <p:extLst>
@@ -4816,6 +4692,1416 @@
 </file>
 
 <file path=ppt/slides/slide13.xml><?xml version="1.0" encoding="utf-8"?>
+<p:sld xmlns:a="http://schemas.openxmlformats.org/drawingml/2006/main" xmlns:r="http://schemas.openxmlformats.org/officeDocument/2006/relationships" xmlns:p="http://schemas.openxmlformats.org/presentationml/2006/main">
+  <p:cSld>
+    <p:spTree>
+      <p:nvGrpSpPr>
+        <p:cNvPr id="1" name=""/>
+        <p:cNvGrpSpPr/>
+        <p:nvPr/>
+      </p:nvGrpSpPr>
+      <p:grpSpPr>
+        <a:xfrm>
+          <a:off x="0" y="0"/>
+          <a:ext cx="0" cy="0"/>
+          <a:chOff x="0" y="0"/>
+          <a:chExt cx="0" cy="0"/>
+        </a:xfrm>
+      </p:grpSpPr>
+      <p:sp>
+        <p:nvSpPr>
+          <p:cNvPr id="3" name="Rectangle 2">
+            <a:extLst>
+              <a:ext uri="{FF2B5EF4-FFF2-40B4-BE49-F238E27FC236}">
+                <a16:creationId xmlns:a16="http://schemas.microsoft.com/office/drawing/2014/main" id="{5944592D-239A-6C75-E1BF-95BBD6B10088}"/>
+              </a:ext>
+            </a:extLst>
+          </p:cNvPr>
+          <p:cNvSpPr/>
+          <p:nvPr/>
+        </p:nvSpPr>
+        <p:spPr>
+          <a:xfrm>
+            <a:off x="2039095" y="2084654"/>
+            <a:ext cx="3376186" cy="2428982"/>
+          </a:xfrm>
+          <a:prstGeom prst="rect">
+            <a:avLst/>
+          </a:prstGeom>
+          <a:solidFill>
+            <a:srgbClr val="FFF5D5">
+              <a:alpha val="25098"/>
+            </a:srgbClr>
+          </a:solidFill>
+          <a:ln w="6350">
+            <a:solidFill>
+              <a:schemeClr val="tx1"/>
+            </a:solidFill>
+          </a:ln>
+        </p:spPr>
+        <p:style>
+          <a:lnRef idx="2">
+            <a:schemeClr val="accent1">
+              <a:shade val="50000"/>
+            </a:schemeClr>
+          </a:lnRef>
+          <a:fillRef idx="1">
+            <a:schemeClr val="accent1"/>
+          </a:fillRef>
+          <a:effectRef idx="0">
+            <a:schemeClr val="accent1"/>
+          </a:effectRef>
+          <a:fontRef idx="minor">
+            <a:schemeClr val="lt1"/>
+          </a:fontRef>
+        </p:style>
+        <p:txBody>
+          <a:bodyPr tIns="91440" rtlCol="0" anchor="t"/>
+          <a:lstStyle/>
+          <a:p>
+            <a:pPr algn="ctr"/>
+            <a:r>
+              <a:rPr lang="en-US" sz="1100" b="1" dirty="0">
+                <a:solidFill>
+                  <a:schemeClr val="tx1"/>
+                </a:solidFill>
+              </a:rPr>
+              <a:t>Fabric Environment</a:t>
+            </a:r>
+          </a:p>
+        </p:txBody>
+      </p:sp>
+      <p:sp>
+        <p:nvSpPr>
+          <p:cNvPr id="4" name="Rectangle 3">
+            <a:extLst>
+              <a:ext uri="{FF2B5EF4-FFF2-40B4-BE49-F238E27FC236}">
+                <a16:creationId xmlns:a16="http://schemas.microsoft.com/office/drawing/2014/main" id="{8FDE849B-0F8D-5B0C-30A8-DD1352C77CC4}"/>
+              </a:ext>
+            </a:extLst>
+          </p:cNvPr>
+          <p:cNvSpPr/>
+          <p:nvPr/>
+        </p:nvSpPr>
+        <p:spPr>
+          <a:xfrm>
+            <a:off x="9684699" y="888063"/>
+            <a:ext cx="1626586" cy="2428982"/>
+          </a:xfrm>
+          <a:prstGeom prst="rect">
+            <a:avLst/>
+          </a:prstGeom>
+          <a:solidFill>
+            <a:srgbClr val="EFF4FF"/>
+          </a:solidFill>
+          <a:ln>
+            <a:solidFill>
+              <a:schemeClr val="tx1"/>
+            </a:solidFill>
+          </a:ln>
+        </p:spPr>
+        <p:style>
+          <a:lnRef idx="2">
+            <a:schemeClr val="accent1">
+              <a:shade val="50000"/>
+            </a:schemeClr>
+          </a:lnRef>
+          <a:fillRef idx="1">
+            <a:schemeClr val="accent1"/>
+          </a:fillRef>
+          <a:effectRef idx="0">
+            <a:schemeClr val="accent1"/>
+          </a:effectRef>
+          <a:fontRef idx="minor">
+            <a:schemeClr val="lt1"/>
+          </a:fontRef>
+        </p:style>
+        <p:txBody>
+          <a:bodyPr tIns="73152" bIns="91440" rtlCol="0" anchor="b"/>
+          <a:lstStyle/>
+          <a:p>
+            <a:pPr algn="ctr"/>
+            <a:r>
+              <a:rPr lang="en-US" sz="1100" b="1" dirty="0">
+                <a:solidFill>
+                  <a:schemeClr val="bg2">
+                    <a:lumMod val="65000"/>
+                  </a:schemeClr>
+                </a:solidFill>
+              </a:rPr>
+              <a:t>Customer Workspace</a:t>
+            </a:r>
+          </a:p>
+        </p:txBody>
+      </p:sp>
+      <p:sp>
+        <p:nvSpPr>
+          <p:cNvPr id="5" name="Arrow: Right 4">
+            <a:extLst>
+              <a:ext uri="{FF2B5EF4-FFF2-40B4-BE49-F238E27FC236}">
+                <a16:creationId xmlns:a16="http://schemas.microsoft.com/office/drawing/2014/main" id="{4C00F258-CB84-3E3F-C980-533B7DCA05FF}"/>
+              </a:ext>
+            </a:extLst>
+          </p:cNvPr>
+          <p:cNvSpPr/>
+          <p:nvPr/>
+        </p:nvSpPr>
+        <p:spPr bwMode="auto">
+          <a:xfrm>
+            <a:off x="3227272" y="2587710"/>
+            <a:ext cx="4040861" cy="607821"/>
+          </a:xfrm>
+          <a:prstGeom prst="rightArrow">
+            <a:avLst>
+              <a:gd name="adj1" fmla="val 64902"/>
+              <a:gd name="adj2" fmla="val 50000"/>
+            </a:avLst>
+          </a:prstGeom>
+          <a:solidFill>
+            <a:srgbClr val="8A0000"/>
+          </a:solidFill>
+          <a:ln w="19050">
+            <a:solidFill>
+              <a:srgbClr val="8A0000"/>
+            </a:solidFill>
+            <a:headEnd type="none" w="med" len="med"/>
+            <a:tailEnd type="none" w="med" len="med"/>
+          </a:ln>
+          <a:effectLst/>
+        </p:spPr>
+        <p:style>
+          <a:lnRef idx="1">
+            <a:schemeClr val="accent2"/>
+          </a:lnRef>
+          <a:fillRef idx="3">
+            <a:schemeClr val="accent2"/>
+          </a:fillRef>
+          <a:effectRef idx="2">
+            <a:schemeClr val="accent2"/>
+          </a:effectRef>
+          <a:fontRef idx="minor">
+            <a:schemeClr val="lt1"/>
+          </a:fontRef>
+        </p:style>
+        <p:txBody>
+          <a:bodyPr rot="0" spcFirstLastPara="0" vertOverflow="overflow" horzOverflow="overflow" vert="horz" wrap="square" lIns="365760" tIns="0" rIns="182880" bIns="0" numCol="1" spcCol="0" rtlCol="0" fromWordArt="0" anchor="ctr" anchorCtr="0" forceAA="0" compatLnSpc="1">
+            <a:prstTxWarp prst="textNoShape">
+              <a:avLst/>
+            </a:prstTxWarp>
+            <a:noAutofit/>
+          </a:bodyPr>
+          <a:lstStyle/>
+          <a:p>
+            <a:pPr algn="r" defTabSz="932472" fontAlgn="base">
+              <a:lnSpc>
+                <a:spcPct val="90000"/>
+              </a:lnSpc>
+              <a:spcBef>
+                <a:spcPct val="0"/>
+              </a:spcBef>
+              <a:spcAft>
+                <a:spcPct val="0"/>
+              </a:spcAft>
+            </a:pPr>
+            <a:r>
+              <a:rPr lang="en-US" sz="1100" b="1" dirty="0">
+                <a:solidFill>
+                  <a:schemeClr val="bg1"/>
+                </a:solidFill>
+                <a:ea typeface="Segoe UI" pitchFamily="34" charset="0"/>
+                <a:cs typeface="Segoe UI" pitchFamily="34" charset="0"/>
+              </a:rPr>
+              <a:t>Outbound Connection</a:t>
+            </a:r>
+            <a:endParaRPr lang="en-US" sz="1200" b="1" dirty="0">
+              <a:solidFill>
+                <a:schemeClr val="bg1"/>
+              </a:solidFill>
+              <a:ea typeface="Segoe UI" pitchFamily="34" charset="0"/>
+              <a:cs typeface="Segoe UI" pitchFamily="34" charset="0"/>
+            </a:endParaRPr>
+          </a:p>
+        </p:txBody>
+      </p:sp>
+      <p:sp>
+        <p:nvSpPr>
+          <p:cNvPr id="6" name="Flowchart: Magnetic Disk 5">
+            <a:extLst>
+              <a:ext uri="{FF2B5EF4-FFF2-40B4-BE49-F238E27FC236}">
+                <a16:creationId xmlns:a16="http://schemas.microsoft.com/office/drawing/2014/main" id="{308355FA-3689-16CC-B7B3-C712CBE8B1CF}"/>
+              </a:ext>
+            </a:extLst>
+          </p:cNvPr>
+          <p:cNvSpPr/>
+          <p:nvPr/>
+        </p:nvSpPr>
+        <p:spPr bwMode="auto">
+          <a:xfrm>
+            <a:off x="7268133" y="3460513"/>
+            <a:ext cx="1394285" cy="867357"/>
+          </a:xfrm>
+          <a:prstGeom prst="flowChartMagneticDisk">
+            <a:avLst/>
+          </a:prstGeom>
+          <a:solidFill>
+            <a:schemeClr val="accent2">
+              <a:lumMod val="40000"/>
+              <a:lumOff val="60000"/>
+            </a:schemeClr>
+          </a:solidFill>
+          <a:ln>
+            <a:solidFill>
+              <a:schemeClr val="tx1"/>
+            </a:solidFill>
+            <a:headEnd type="none" w="med" len="med"/>
+            <a:tailEnd type="none" w="med" len="med"/>
+          </a:ln>
+          <a:effectLst/>
+        </p:spPr>
+        <p:style>
+          <a:lnRef idx="1">
+            <a:schemeClr val="accent2"/>
+          </a:lnRef>
+          <a:fillRef idx="3">
+            <a:schemeClr val="accent2"/>
+          </a:fillRef>
+          <a:effectRef idx="2">
+            <a:schemeClr val="accent2"/>
+          </a:effectRef>
+          <a:fontRef idx="minor">
+            <a:schemeClr val="lt1"/>
+          </a:fontRef>
+        </p:style>
+        <p:txBody>
+          <a:bodyPr rot="0" spcFirstLastPara="0" vertOverflow="overflow" horzOverflow="overflow" vert="horz" wrap="square" lIns="182880" tIns="146304" rIns="182880" bIns="146304" numCol="1" spcCol="0" rtlCol="0" fromWordArt="0" anchor="t" anchorCtr="0" forceAA="0" compatLnSpc="1">
+            <a:prstTxWarp prst="textNoShape">
+              <a:avLst/>
+            </a:prstTxWarp>
+            <a:noAutofit/>
+          </a:bodyPr>
+          <a:lstStyle/>
+          <a:p>
+            <a:pPr algn="ctr" defTabSz="932472" fontAlgn="base">
+              <a:lnSpc>
+                <a:spcPct val="90000"/>
+              </a:lnSpc>
+              <a:spcBef>
+                <a:spcPct val="0"/>
+              </a:spcBef>
+              <a:spcAft>
+                <a:spcPct val="0"/>
+              </a:spcAft>
+            </a:pPr>
+            <a:r>
+              <a:rPr lang="en-US" sz="1050" b="1" dirty="0">
+                <a:solidFill>
+                  <a:schemeClr val="tx1"/>
+                </a:solidFill>
+                <a:ea typeface="Segoe UI" pitchFamily="34" charset="0"/>
+                <a:cs typeface="Segoe UI" pitchFamily="34" charset="0"/>
+              </a:rPr>
+              <a:t>Azure</a:t>
+            </a:r>
+          </a:p>
+          <a:p>
+            <a:pPr algn="ctr" defTabSz="932472" fontAlgn="base">
+              <a:lnSpc>
+                <a:spcPct val="90000"/>
+              </a:lnSpc>
+              <a:spcBef>
+                <a:spcPct val="0"/>
+              </a:spcBef>
+              <a:spcAft>
+                <a:spcPct val="0"/>
+              </a:spcAft>
+            </a:pPr>
+            <a:r>
+              <a:rPr lang="en-US" sz="1050" b="1" dirty="0">
+                <a:solidFill>
+                  <a:schemeClr val="tx1"/>
+                </a:solidFill>
+                <a:ea typeface="Segoe UI" pitchFamily="34" charset="0"/>
+                <a:cs typeface="Segoe UI" pitchFamily="34" charset="0"/>
+              </a:rPr>
+              <a:t>SQL Database</a:t>
+            </a:r>
+          </a:p>
+        </p:txBody>
+      </p:sp>
+      <p:sp>
+        <p:nvSpPr>
+          <p:cNvPr id="7" name="Arrow: Right 6">
+            <a:extLst>
+              <a:ext uri="{FF2B5EF4-FFF2-40B4-BE49-F238E27FC236}">
+                <a16:creationId xmlns:a16="http://schemas.microsoft.com/office/drawing/2014/main" id="{5B9B80A7-31C7-0B32-34A4-0040F31AE0FF}"/>
+              </a:ext>
+            </a:extLst>
+          </p:cNvPr>
+          <p:cNvSpPr/>
+          <p:nvPr/>
+        </p:nvSpPr>
+        <p:spPr bwMode="auto">
+          <a:xfrm>
+            <a:off x="3227273" y="3575530"/>
+            <a:ext cx="4040861" cy="607821"/>
+          </a:xfrm>
+          <a:prstGeom prst="rightArrow">
+            <a:avLst>
+              <a:gd name="adj1" fmla="val 64902"/>
+              <a:gd name="adj2" fmla="val 50000"/>
+            </a:avLst>
+          </a:prstGeom>
+          <a:solidFill>
+            <a:srgbClr val="8A0000"/>
+          </a:solidFill>
+          <a:ln w="19050">
+            <a:solidFill>
+              <a:srgbClr val="8A0000"/>
+            </a:solidFill>
+            <a:headEnd type="none" w="med" len="med"/>
+            <a:tailEnd type="none" w="med" len="med"/>
+          </a:ln>
+          <a:effectLst/>
+        </p:spPr>
+        <p:style>
+          <a:lnRef idx="1">
+            <a:schemeClr val="accent2"/>
+          </a:lnRef>
+          <a:fillRef idx="3">
+            <a:schemeClr val="accent2"/>
+          </a:fillRef>
+          <a:effectRef idx="2">
+            <a:schemeClr val="accent2"/>
+          </a:effectRef>
+          <a:fontRef idx="minor">
+            <a:schemeClr val="lt1"/>
+          </a:fontRef>
+        </p:style>
+        <p:txBody>
+          <a:bodyPr rot="0" spcFirstLastPara="0" vertOverflow="overflow" horzOverflow="overflow" vert="horz" wrap="square" lIns="365760" tIns="0" rIns="182880" bIns="0" numCol="1" spcCol="0" rtlCol="0" fromWordArt="0" anchor="ctr" anchorCtr="0" forceAA="0" compatLnSpc="1">
+            <a:prstTxWarp prst="textNoShape">
+              <a:avLst/>
+            </a:prstTxWarp>
+            <a:noAutofit/>
+          </a:bodyPr>
+          <a:lstStyle/>
+          <a:p>
+            <a:pPr algn="r" defTabSz="932472" fontAlgn="base">
+              <a:lnSpc>
+                <a:spcPct val="90000"/>
+              </a:lnSpc>
+              <a:spcBef>
+                <a:spcPct val="0"/>
+              </a:spcBef>
+              <a:spcAft>
+                <a:spcPct val="0"/>
+              </a:spcAft>
+            </a:pPr>
+            <a:r>
+              <a:rPr lang="en-US" sz="1100" b="1" dirty="0">
+                <a:solidFill>
+                  <a:schemeClr val="bg1"/>
+                </a:solidFill>
+                <a:ea typeface="Segoe UI" pitchFamily="34" charset="0"/>
+                <a:cs typeface="Segoe UI" pitchFamily="34" charset="0"/>
+              </a:rPr>
+              <a:t>Outbound Connection</a:t>
+            </a:r>
+            <a:endParaRPr lang="en-US" sz="900" dirty="0">
+              <a:solidFill>
+                <a:schemeClr val="bg1"/>
+              </a:solidFill>
+              <a:ea typeface="Segoe UI" pitchFamily="34" charset="0"/>
+              <a:cs typeface="Segoe UI" pitchFamily="34" charset="0"/>
+            </a:endParaRPr>
+          </a:p>
+        </p:txBody>
+      </p:sp>
+      <p:sp>
+        <p:nvSpPr>
+          <p:cNvPr id="8" name="Rectangle: Top Corners One Rounded and One Snipped 7">
+            <a:extLst>
+              <a:ext uri="{FF2B5EF4-FFF2-40B4-BE49-F238E27FC236}">
+                <a16:creationId xmlns:a16="http://schemas.microsoft.com/office/drawing/2014/main" id="{86EE7B52-9F6A-8F49-E921-73401A008E06}"/>
+              </a:ext>
+            </a:extLst>
+          </p:cNvPr>
+          <p:cNvSpPr/>
+          <p:nvPr/>
+        </p:nvSpPr>
+        <p:spPr bwMode="auto">
+          <a:xfrm>
+            <a:off x="7268133" y="2536908"/>
+            <a:ext cx="1394284" cy="703776"/>
+          </a:xfrm>
+          <a:prstGeom prst="snipRoundRect">
+            <a:avLst/>
+          </a:prstGeom>
+          <a:solidFill>
+            <a:schemeClr val="accent2">
+              <a:lumMod val="40000"/>
+              <a:lumOff val="60000"/>
+            </a:schemeClr>
+          </a:solidFill>
+          <a:ln>
+            <a:solidFill>
+              <a:schemeClr val="tx1"/>
+            </a:solidFill>
+            <a:headEnd type="none" w="med" len="med"/>
+            <a:tailEnd type="none" w="med" len="med"/>
+          </a:ln>
+          <a:effectLst/>
+        </p:spPr>
+        <p:style>
+          <a:lnRef idx="1">
+            <a:schemeClr val="accent2"/>
+          </a:lnRef>
+          <a:fillRef idx="3">
+            <a:schemeClr val="accent2"/>
+          </a:fillRef>
+          <a:effectRef idx="2">
+            <a:schemeClr val="accent2"/>
+          </a:effectRef>
+          <a:fontRef idx="minor">
+            <a:schemeClr val="lt1"/>
+          </a:fontRef>
+        </p:style>
+        <p:txBody>
+          <a:bodyPr rot="0" spcFirstLastPara="0" vertOverflow="overflow" horzOverflow="overflow" vert="horz" wrap="square" lIns="0" tIns="146304" rIns="0" bIns="146304" numCol="1" spcCol="0" rtlCol="0" fromWordArt="0" anchor="ctr" anchorCtr="0" forceAA="0" compatLnSpc="1">
+            <a:prstTxWarp prst="textNoShape">
+              <a:avLst/>
+            </a:prstTxWarp>
+            <a:noAutofit/>
+          </a:bodyPr>
+          <a:lstStyle/>
+          <a:p>
+            <a:pPr algn="ctr" defTabSz="932472" fontAlgn="base">
+              <a:lnSpc>
+                <a:spcPct val="90000"/>
+              </a:lnSpc>
+              <a:spcBef>
+                <a:spcPct val="0"/>
+              </a:spcBef>
+              <a:spcAft>
+                <a:spcPct val="0"/>
+              </a:spcAft>
+            </a:pPr>
+            <a:r>
+              <a:rPr lang="en-US" sz="1050" b="1" dirty="0">
+                <a:solidFill>
+                  <a:schemeClr val="tx1"/>
+                </a:solidFill>
+                <a:ea typeface="Segoe UI" pitchFamily="34" charset="0"/>
+                <a:cs typeface="Segoe UI" pitchFamily="34" charset="0"/>
+              </a:rPr>
+              <a:t>ADLS Gen2</a:t>
+            </a:r>
+          </a:p>
+          <a:p>
+            <a:pPr algn="ctr" defTabSz="932472" fontAlgn="base">
+              <a:lnSpc>
+                <a:spcPct val="90000"/>
+              </a:lnSpc>
+              <a:spcBef>
+                <a:spcPct val="0"/>
+              </a:spcBef>
+              <a:spcAft>
+                <a:spcPct val="0"/>
+              </a:spcAft>
+            </a:pPr>
+            <a:r>
+              <a:rPr lang="en-US" sz="1050" b="1" dirty="0">
+                <a:solidFill>
+                  <a:schemeClr val="tx1"/>
+                </a:solidFill>
+                <a:ea typeface="Segoe UI" pitchFamily="34" charset="0"/>
+                <a:cs typeface="Segoe UI" pitchFamily="34" charset="0"/>
+              </a:rPr>
+              <a:t>Storage Container</a:t>
+            </a:r>
+          </a:p>
+        </p:txBody>
+      </p:sp>
+      <p:grpSp>
+        <p:nvGrpSpPr>
+          <p:cNvPr id="9" name="Group 8">
+            <a:extLst>
+              <a:ext uri="{FF2B5EF4-FFF2-40B4-BE49-F238E27FC236}">
+                <a16:creationId xmlns:a16="http://schemas.microsoft.com/office/drawing/2014/main" id="{6BDBF5C5-3ED8-BF09-B2AA-CF51F0BCF137}"/>
+              </a:ext>
+            </a:extLst>
+          </p:cNvPr>
+          <p:cNvGrpSpPr/>
+          <p:nvPr/>
+        </p:nvGrpSpPr>
+        <p:grpSpPr>
+          <a:xfrm>
+            <a:off x="2409161" y="3475753"/>
+            <a:ext cx="818110" cy="771165"/>
+            <a:chOff x="6961787" y="3043417"/>
+            <a:chExt cx="818110" cy="771165"/>
+          </a:xfrm>
+          <a:solidFill>
+            <a:srgbClr val="FFFFFF"/>
+          </a:solidFill>
+        </p:grpSpPr>
+        <p:sp>
+          <p:nvSpPr>
+            <p:cNvPr id="10" name="Rectangle 9">
+              <a:extLst>
+                <a:ext uri="{FF2B5EF4-FFF2-40B4-BE49-F238E27FC236}">
+                  <a16:creationId xmlns:a16="http://schemas.microsoft.com/office/drawing/2014/main" id="{F26997DB-1B91-2870-7FA0-D05990F6FF01}"/>
+                </a:ext>
+              </a:extLst>
+            </p:cNvPr>
+            <p:cNvSpPr/>
+            <p:nvPr/>
+          </p:nvSpPr>
+          <p:spPr bwMode="auto">
+            <a:xfrm>
+              <a:off x="6961787" y="3043417"/>
+              <a:ext cx="818110" cy="771165"/>
+            </a:xfrm>
+            <a:prstGeom prst="rect">
+              <a:avLst/>
+            </a:prstGeom>
+            <a:grpFill/>
+            <a:ln w="12700">
+              <a:solidFill>
+                <a:schemeClr val="tx1"/>
+              </a:solidFill>
+              <a:headEnd type="none" w="med" len="med"/>
+              <a:tailEnd type="none" w="med" len="med"/>
+            </a:ln>
+            <a:effectLst/>
+          </p:spPr>
+          <p:style>
+            <a:lnRef idx="1">
+              <a:schemeClr val="accent2"/>
+            </a:lnRef>
+            <a:fillRef idx="3">
+              <a:schemeClr val="accent2"/>
+            </a:fillRef>
+            <a:effectRef idx="2">
+              <a:schemeClr val="accent2"/>
+            </a:effectRef>
+            <a:fontRef idx="minor">
+              <a:schemeClr val="lt1"/>
+            </a:fontRef>
+          </p:style>
+          <p:txBody>
+            <a:bodyPr rot="0" spcFirstLastPara="0" vertOverflow="overflow" horzOverflow="overflow" vert="horz" wrap="square" lIns="0" tIns="146304" rIns="0" bIns="45720" numCol="1" spcCol="0" rtlCol="0" fromWordArt="0" anchor="b" anchorCtr="0" forceAA="0" compatLnSpc="1">
+              <a:prstTxWarp prst="textNoShape">
+                <a:avLst/>
+              </a:prstTxWarp>
+              <a:noAutofit/>
+            </a:bodyPr>
+            <a:lstStyle/>
+            <a:p>
+              <a:pPr algn="ctr" defTabSz="932472" fontAlgn="base">
+                <a:lnSpc>
+                  <a:spcPct val="90000"/>
+                </a:lnSpc>
+                <a:spcBef>
+                  <a:spcPct val="0"/>
+                </a:spcBef>
+                <a:spcAft>
+                  <a:spcPct val="0"/>
+                </a:spcAft>
+              </a:pPr>
+              <a:r>
+                <a:rPr lang="en-US" sz="700" dirty="0">
+                  <a:solidFill>
+                    <a:schemeClr val="tx1"/>
+                  </a:solidFill>
+                  <a:latin typeface="Arial" panose="020B0604020202020204" pitchFamily="34" charset="0"/>
+                  <a:ea typeface="Segoe UI" pitchFamily="34" charset="0"/>
+                  <a:cs typeface="Arial" panose="020B0604020202020204" pitchFamily="34" charset="0"/>
+                </a:rPr>
+                <a:t>Semantic Model</a:t>
+              </a:r>
+            </a:p>
+          </p:txBody>
+        </p:sp>
+        <p:pic>
+          <p:nvPicPr>
+            <p:cNvPr id="11" name="Picture 10" descr="A white square with purple dots&#10;&#10;Description automatically generated">
+              <a:extLst>
+                <a:ext uri="{FF2B5EF4-FFF2-40B4-BE49-F238E27FC236}">
+                  <a16:creationId xmlns:a16="http://schemas.microsoft.com/office/drawing/2014/main" id="{75E9BD91-32E0-2843-ADE8-56F87984675A}"/>
+                </a:ext>
+              </a:extLst>
+            </p:cNvPr>
+            <p:cNvPicPr>
+              <a:picLocks noChangeAspect="1"/>
+            </p:cNvPicPr>
+            <p:nvPr/>
+          </p:nvPicPr>
+          <p:blipFill>
+            <a:blip r:embed="rId2">
+              <a:extLst>
+                <a:ext uri="{28A0092B-C50C-407E-A947-70E740481C1C}">
+                  <a14:useLocalDpi xmlns:a14="http://schemas.microsoft.com/office/drawing/2010/main" val="0"/>
+                </a:ext>
+              </a:extLst>
+            </a:blip>
+            <a:stretch>
+              <a:fillRect/>
+            </a:stretch>
+          </p:blipFill>
+          <p:spPr>
+            <a:xfrm>
+              <a:off x="7072679" y="3085585"/>
+              <a:ext cx="585421" cy="580738"/>
+            </a:xfrm>
+            <a:prstGeom prst="rect">
+              <a:avLst/>
+            </a:prstGeom>
+            <a:grpFill/>
+          </p:spPr>
+        </p:pic>
+      </p:grpSp>
+      <p:grpSp>
+        <p:nvGrpSpPr>
+          <p:cNvPr id="12" name="Group 11">
+            <a:extLst>
+              <a:ext uri="{FF2B5EF4-FFF2-40B4-BE49-F238E27FC236}">
+                <a16:creationId xmlns:a16="http://schemas.microsoft.com/office/drawing/2014/main" id="{B6E391BB-AA16-FA1C-2CE0-D06BD91321CC}"/>
+              </a:ext>
+            </a:extLst>
+          </p:cNvPr>
+          <p:cNvGrpSpPr/>
+          <p:nvPr/>
+        </p:nvGrpSpPr>
+        <p:grpSpPr>
+          <a:xfrm>
+            <a:off x="2409161" y="2492478"/>
+            <a:ext cx="818110" cy="771166"/>
+            <a:chOff x="6564061" y="3745966"/>
+            <a:chExt cx="818110" cy="771166"/>
+          </a:xfrm>
+          <a:solidFill>
+            <a:srgbClr val="FFFFFF"/>
+          </a:solidFill>
+        </p:grpSpPr>
+        <p:sp>
+          <p:nvSpPr>
+            <p:cNvPr id="13" name="Rectangle 12">
+              <a:extLst>
+                <a:ext uri="{FF2B5EF4-FFF2-40B4-BE49-F238E27FC236}">
+                  <a16:creationId xmlns:a16="http://schemas.microsoft.com/office/drawing/2014/main" id="{AD07B087-3F80-27B2-8328-DEC59434344F}"/>
+                </a:ext>
+              </a:extLst>
+            </p:cNvPr>
+            <p:cNvSpPr/>
+            <p:nvPr/>
+          </p:nvSpPr>
+          <p:spPr bwMode="auto">
+            <a:xfrm>
+              <a:off x="6564061" y="3745966"/>
+              <a:ext cx="818110" cy="771166"/>
+            </a:xfrm>
+            <a:prstGeom prst="rect">
+              <a:avLst/>
+            </a:prstGeom>
+            <a:grpFill/>
+            <a:ln w="12700">
+              <a:solidFill>
+                <a:schemeClr val="tx1"/>
+              </a:solidFill>
+              <a:headEnd type="none" w="med" len="med"/>
+              <a:tailEnd type="none" w="med" len="med"/>
+            </a:ln>
+            <a:effectLst/>
+          </p:spPr>
+          <p:style>
+            <a:lnRef idx="1">
+              <a:schemeClr val="accent2"/>
+            </a:lnRef>
+            <a:fillRef idx="3">
+              <a:schemeClr val="accent2"/>
+            </a:fillRef>
+            <a:effectRef idx="2">
+              <a:schemeClr val="accent2"/>
+            </a:effectRef>
+            <a:fontRef idx="minor">
+              <a:schemeClr val="lt1"/>
+            </a:fontRef>
+          </p:style>
+          <p:txBody>
+            <a:bodyPr rot="0" spcFirstLastPara="0" vertOverflow="overflow" horzOverflow="overflow" vert="horz" wrap="square" lIns="0" tIns="146304" rIns="0" bIns="45720" numCol="1" spcCol="0" rtlCol="0" fromWordArt="0" anchor="b" anchorCtr="0" forceAA="0" compatLnSpc="1">
+              <a:prstTxWarp prst="textNoShape">
+                <a:avLst/>
+              </a:prstTxWarp>
+              <a:noAutofit/>
+            </a:bodyPr>
+            <a:lstStyle/>
+            <a:p>
+              <a:pPr algn="ctr" defTabSz="932472" fontAlgn="base">
+                <a:lnSpc>
+                  <a:spcPct val="90000"/>
+                </a:lnSpc>
+                <a:spcBef>
+                  <a:spcPct val="0"/>
+                </a:spcBef>
+                <a:spcAft>
+                  <a:spcPct val="0"/>
+                </a:spcAft>
+              </a:pPr>
+              <a:r>
+                <a:rPr lang="en-US" sz="700" dirty="0">
+                  <a:solidFill>
+                    <a:schemeClr val="tx1"/>
+                  </a:solidFill>
+                  <a:latin typeface="Arial" panose="020B0604020202020204" pitchFamily="34" charset="0"/>
+                  <a:ea typeface="Segoe UI" pitchFamily="34" charset="0"/>
+                  <a:cs typeface="Arial" panose="020B0604020202020204" pitchFamily="34" charset="0"/>
+                </a:rPr>
+                <a:t>OneLake Shortcut</a:t>
+              </a:r>
+            </a:p>
+          </p:txBody>
+        </p:sp>
+        <p:pic>
+          <p:nvPicPr>
+            <p:cNvPr id="14" name="Picture 13" descr="A white square with orange lines on it&#10;&#10;Description automatically generated">
+              <a:extLst>
+                <a:ext uri="{FF2B5EF4-FFF2-40B4-BE49-F238E27FC236}">
+                  <a16:creationId xmlns:a16="http://schemas.microsoft.com/office/drawing/2014/main" id="{6438C972-03C8-78D7-5C42-A13427976DE5}"/>
+                </a:ext>
+              </a:extLst>
+            </p:cNvPr>
+            <p:cNvPicPr>
+              <a:picLocks noChangeAspect="1"/>
+            </p:cNvPicPr>
+            <p:nvPr/>
+          </p:nvPicPr>
+          <p:blipFill>
+            <a:blip r:embed="rId3">
+              <a:extLst>
+                <a:ext uri="{28A0092B-C50C-407E-A947-70E740481C1C}">
+                  <a14:useLocalDpi xmlns:a14="http://schemas.microsoft.com/office/drawing/2010/main" val="0"/>
+                </a:ext>
+              </a:extLst>
+            </a:blip>
+            <a:stretch>
+              <a:fillRect/>
+            </a:stretch>
+          </p:blipFill>
+          <p:spPr>
+            <a:xfrm>
+              <a:off x="6662201" y="3781906"/>
+              <a:ext cx="621830" cy="611880"/>
+            </a:xfrm>
+            <a:prstGeom prst="rect">
+              <a:avLst/>
+            </a:prstGeom>
+            <a:grpFill/>
+          </p:spPr>
+        </p:pic>
+      </p:grpSp>
+      <p:sp>
+        <p:nvSpPr>
+          <p:cNvPr id="15" name="Rectangle 14">
+            <a:extLst>
+              <a:ext uri="{FF2B5EF4-FFF2-40B4-BE49-F238E27FC236}">
+                <a16:creationId xmlns:a16="http://schemas.microsoft.com/office/drawing/2014/main" id="{5EFECAEC-4ADE-3FB3-1313-0D88DB39CEED}"/>
+              </a:ext>
+            </a:extLst>
+          </p:cNvPr>
+          <p:cNvSpPr/>
+          <p:nvPr/>
+        </p:nvSpPr>
+        <p:spPr bwMode="auto">
+          <a:xfrm>
+            <a:off x="3353735" y="2738194"/>
+            <a:ext cx="1880503" cy="291932"/>
+          </a:xfrm>
+          <a:prstGeom prst="rect">
+            <a:avLst/>
+          </a:prstGeom>
+          <a:solidFill>
+            <a:schemeClr val="accent4">
+              <a:lumMod val="20000"/>
+              <a:lumOff val="80000"/>
+            </a:schemeClr>
+          </a:solidFill>
+          <a:ln>
+            <a:noFill/>
+            <a:headEnd type="none" w="med" len="med"/>
+            <a:tailEnd type="none" w="med" len="med"/>
+          </a:ln>
+          <a:effectLst/>
+        </p:spPr>
+        <p:style>
+          <a:lnRef idx="1">
+            <a:schemeClr val="accent2"/>
+          </a:lnRef>
+          <a:fillRef idx="3">
+            <a:schemeClr val="accent2"/>
+          </a:fillRef>
+          <a:effectRef idx="2">
+            <a:schemeClr val="accent2"/>
+          </a:effectRef>
+          <a:fontRef idx="minor">
+            <a:schemeClr val="lt1"/>
+          </a:fontRef>
+        </p:style>
+        <p:txBody>
+          <a:bodyPr rot="0" spcFirstLastPara="0" vertOverflow="overflow" horzOverflow="overflow" vert="horz" wrap="square" lIns="0" tIns="146304" rIns="0" bIns="146304" numCol="1" spcCol="0" rtlCol="0" fromWordArt="0" anchor="ctr" anchorCtr="0" forceAA="0" compatLnSpc="1">
+            <a:prstTxWarp prst="textNoShape">
+              <a:avLst/>
+            </a:prstTxWarp>
+            <a:noAutofit/>
+          </a:bodyPr>
+          <a:lstStyle/>
+          <a:p>
+            <a:pPr algn="ctr" defTabSz="932472" fontAlgn="base">
+              <a:lnSpc>
+                <a:spcPct val="90000"/>
+              </a:lnSpc>
+              <a:spcBef>
+                <a:spcPct val="0"/>
+              </a:spcBef>
+              <a:spcAft>
+                <a:spcPct val="0"/>
+              </a:spcAft>
+            </a:pPr>
+            <a:r>
+              <a:rPr lang="en-US" sz="1100" b="1" dirty="0">
+                <a:solidFill>
+                  <a:schemeClr val="tx1"/>
+                </a:solidFill>
+                <a:ea typeface="Segoe UI" pitchFamily="34" charset="0"/>
+                <a:cs typeface="Segoe UI" pitchFamily="34" charset="0"/>
+              </a:rPr>
+              <a:t>AzureDataLakeStorage</a:t>
+            </a:r>
+          </a:p>
+        </p:txBody>
+      </p:sp>
+      <p:sp>
+        <p:nvSpPr>
+          <p:cNvPr id="16" name="Rectangle 15">
+            <a:extLst>
+              <a:ext uri="{FF2B5EF4-FFF2-40B4-BE49-F238E27FC236}">
+                <a16:creationId xmlns:a16="http://schemas.microsoft.com/office/drawing/2014/main" id="{A2488F43-3308-C226-D7C2-35749E6A8226}"/>
+              </a:ext>
+            </a:extLst>
+          </p:cNvPr>
+          <p:cNvSpPr/>
+          <p:nvPr/>
+        </p:nvSpPr>
+        <p:spPr bwMode="auto">
+          <a:xfrm>
+            <a:off x="3348654" y="3728838"/>
+            <a:ext cx="1880503" cy="291932"/>
+          </a:xfrm>
+          <a:prstGeom prst="rect">
+            <a:avLst/>
+          </a:prstGeom>
+          <a:solidFill>
+            <a:schemeClr val="accent4">
+              <a:lumMod val="20000"/>
+              <a:lumOff val="80000"/>
+            </a:schemeClr>
+          </a:solidFill>
+          <a:ln>
+            <a:noFill/>
+            <a:headEnd type="none" w="med" len="med"/>
+            <a:tailEnd type="none" w="med" len="med"/>
+          </a:ln>
+          <a:effectLst/>
+        </p:spPr>
+        <p:style>
+          <a:lnRef idx="1">
+            <a:schemeClr val="accent2"/>
+          </a:lnRef>
+          <a:fillRef idx="3">
+            <a:schemeClr val="accent2"/>
+          </a:fillRef>
+          <a:effectRef idx="2">
+            <a:schemeClr val="accent2"/>
+          </a:effectRef>
+          <a:fontRef idx="minor">
+            <a:schemeClr val="lt1"/>
+          </a:fontRef>
+        </p:style>
+        <p:txBody>
+          <a:bodyPr rot="0" spcFirstLastPara="0" vertOverflow="overflow" horzOverflow="overflow" vert="horz" wrap="square" lIns="0" tIns="146304" rIns="0" bIns="146304" numCol="1" spcCol="0" rtlCol="0" fromWordArt="0" anchor="ctr" anchorCtr="0" forceAA="0" compatLnSpc="1">
+            <a:prstTxWarp prst="textNoShape">
+              <a:avLst/>
+            </a:prstTxWarp>
+            <a:noAutofit/>
+          </a:bodyPr>
+          <a:lstStyle/>
+          <a:p>
+            <a:pPr algn="ctr" defTabSz="932472" fontAlgn="base">
+              <a:lnSpc>
+                <a:spcPct val="90000"/>
+              </a:lnSpc>
+              <a:spcBef>
+                <a:spcPct val="0"/>
+              </a:spcBef>
+              <a:spcAft>
+                <a:spcPct val="0"/>
+              </a:spcAft>
+            </a:pPr>
+            <a:r>
+              <a:rPr lang="en-US" sz="1100" b="1" dirty="0">
+                <a:solidFill>
+                  <a:schemeClr val="tx1"/>
+                </a:solidFill>
+                <a:ea typeface="Segoe UI" pitchFamily="34" charset="0"/>
+                <a:cs typeface="Segoe UI" pitchFamily="34" charset="0"/>
+              </a:rPr>
+              <a:t>SQL</a:t>
+            </a:r>
+          </a:p>
+        </p:txBody>
+      </p:sp>
+      <p:sp>
+        <p:nvSpPr>
+          <p:cNvPr id="17" name="Rectangle 16">
+            <a:extLst>
+              <a:ext uri="{FF2B5EF4-FFF2-40B4-BE49-F238E27FC236}">
+                <a16:creationId xmlns:a16="http://schemas.microsoft.com/office/drawing/2014/main" id="{22C6EA50-A6FD-D15A-987A-9485A171E3AF}"/>
+              </a:ext>
+            </a:extLst>
+          </p:cNvPr>
+          <p:cNvSpPr/>
+          <p:nvPr/>
+        </p:nvSpPr>
+        <p:spPr>
+          <a:xfrm>
+            <a:off x="9116143" y="4513635"/>
+            <a:ext cx="2073525" cy="1993232"/>
+          </a:xfrm>
+          <a:prstGeom prst="rect">
+            <a:avLst/>
+          </a:prstGeom>
+          <a:noFill/>
+          <a:ln w="6350">
+            <a:solidFill>
+              <a:schemeClr val="tx1"/>
+            </a:solidFill>
+          </a:ln>
+        </p:spPr>
+        <p:style>
+          <a:lnRef idx="2">
+            <a:schemeClr val="accent1">
+              <a:shade val="50000"/>
+            </a:schemeClr>
+          </a:lnRef>
+          <a:fillRef idx="1">
+            <a:schemeClr val="accent1"/>
+          </a:fillRef>
+          <a:effectRef idx="0">
+            <a:schemeClr val="accent1"/>
+          </a:effectRef>
+          <a:fontRef idx="minor">
+            <a:schemeClr val="lt1"/>
+          </a:fontRef>
+        </p:style>
+        <p:txBody>
+          <a:bodyPr tIns="91440" rtlCol="0" anchor="t"/>
+          <a:lstStyle/>
+          <a:p>
+            <a:pPr algn="ctr"/>
+            <a:r>
+              <a:rPr lang="en-US" sz="1200" b="1" dirty="0">
+                <a:solidFill>
+                  <a:schemeClr val="tx1"/>
+                </a:solidFill>
+              </a:rPr>
+              <a:t>Connectors</a:t>
+            </a:r>
+          </a:p>
+        </p:txBody>
+      </p:sp>
+    </p:spTree>
+    <p:extLst>
+      <p:ext uri="{BB962C8B-B14F-4D97-AF65-F5344CB8AC3E}">
+        <p14:creationId xmlns:p14="http://schemas.microsoft.com/office/powerpoint/2010/main" val="3179063007"/>
+      </p:ext>
+    </p:extLst>
+  </p:cSld>
+  <p:clrMapOvr>
+    <a:masterClrMapping/>
+  </p:clrMapOvr>
+  <p:transition>
+    <p:fade/>
+  </p:transition>
+</p:sld>
+</file>
+
+<file path=ppt/slides/slide14.xml><?xml version="1.0" encoding="utf-8"?>
+<p:sld xmlns:a="http://schemas.openxmlformats.org/drawingml/2006/main" xmlns:r="http://schemas.openxmlformats.org/officeDocument/2006/relationships" xmlns:p="http://schemas.openxmlformats.org/presentationml/2006/main">
+  <p:cSld>
+    <p:spTree>
+      <p:nvGrpSpPr>
+        <p:cNvPr id="1" name=""/>
+        <p:cNvGrpSpPr/>
+        <p:nvPr/>
+      </p:nvGrpSpPr>
+      <p:grpSpPr>
+        <a:xfrm>
+          <a:off x="0" y="0"/>
+          <a:ext cx="0" cy="0"/>
+          <a:chOff x="0" y="0"/>
+          <a:chExt cx="0" cy="0"/>
+        </a:xfrm>
+      </p:grpSpPr>
+      <p:pic>
+        <p:nvPicPr>
+          <p:cNvPr id="3" name="Picture 2">
+            <a:extLst>
+              <a:ext uri="{FF2B5EF4-FFF2-40B4-BE49-F238E27FC236}">
+                <a16:creationId xmlns:a16="http://schemas.microsoft.com/office/drawing/2014/main" id="{C4089867-7540-0AA2-BB18-1B0F93853191}"/>
+              </a:ext>
+            </a:extLst>
+          </p:cNvPr>
+          <p:cNvPicPr>
+            <a:picLocks noChangeAspect="1"/>
+          </p:cNvPicPr>
+          <p:nvPr/>
+        </p:nvPicPr>
+        <p:blipFill>
+          <a:blip r:embed="rId2"/>
+          <a:stretch>
+            <a:fillRect/>
+          </a:stretch>
+        </p:blipFill>
+        <p:spPr>
+          <a:xfrm>
+            <a:off x="1313526" y="950234"/>
+            <a:ext cx="7883022" cy="2478766"/>
+          </a:xfrm>
+          <a:prstGeom prst="rect">
+            <a:avLst/>
+          </a:prstGeom>
+          <a:ln>
+            <a:solidFill>
+              <a:schemeClr val="bg1">
+                <a:lumMod val="65000"/>
+              </a:schemeClr>
+            </a:solidFill>
+          </a:ln>
+        </p:spPr>
+      </p:pic>
+      <p:pic>
+        <p:nvPicPr>
+          <p:cNvPr id="4" name="Picture 3">
+            <a:extLst>
+              <a:ext uri="{FF2B5EF4-FFF2-40B4-BE49-F238E27FC236}">
+                <a16:creationId xmlns:a16="http://schemas.microsoft.com/office/drawing/2014/main" id="{1EDE9331-C147-2252-E130-F7A98537F9E9}"/>
+              </a:ext>
+            </a:extLst>
+          </p:cNvPr>
+          <p:cNvPicPr>
+            <a:picLocks noChangeAspect="1"/>
+          </p:cNvPicPr>
+          <p:nvPr/>
+        </p:nvPicPr>
+        <p:blipFill>
+          <a:blip r:embed="rId3"/>
+          <a:stretch>
+            <a:fillRect/>
+          </a:stretch>
+        </p:blipFill>
+        <p:spPr>
+          <a:xfrm>
+            <a:off x="1151822" y="3699163"/>
+            <a:ext cx="3975460" cy="2707303"/>
+          </a:xfrm>
+          <a:prstGeom prst="rect">
+            <a:avLst/>
+          </a:prstGeom>
+          <a:ln>
+            <a:solidFill>
+              <a:schemeClr val="tx1">
+                <a:lumMod val="75000"/>
+              </a:schemeClr>
+            </a:solidFill>
+          </a:ln>
+        </p:spPr>
+      </p:pic>
+    </p:spTree>
+    <p:extLst>
+      <p:ext uri="{BB962C8B-B14F-4D97-AF65-F5344CB8AC3E}">
+        <p14:creationId xmlns:p14="http://schemas.microsoft.com/office/powerpoint/2010/main" val="126902238"/>
+      </p:ext>
+    </p:extLst>
+  </p:cSld>
+  <p:clrMapOvr>
+    <a:masterClrMapping/>
+  </p:clrMapOvr>
+</p:sld>
+</file>
+
+<file path=ppt/slides/slide15.xml><?xml version="1.0" encoding="utf-8"?>
+<p:sld xmlns:a="http://schemas.openxmlformats.org/drawingml/2006/main" xmlns:r="http://schemas.openxmlformats.org/officeDocument/2006/relationships" xmlns:p="http://schemas.openxmlformats.org/presentationml/2006/main">
+  <p:cSld>
+    <p:spTree>
+      <p:nvGrpSpPr>
+        <p:cNvPr id="1" name=""/>
+        <p:cNvGrpSpPr/>
+        <p:nvPr/>
+      </p:nvGrpSpPr>
+      <p:grpSpPr>
+        <a:xfrm>
+          <a:off x="0" y="0"/>
+          <a:ext cx="0" cy="0"/>
+          <a:chOff x="0" y="0"/>
+          <a:chExt cx="0" cy="0"/>
+        </a:xfrm>
+      </p:grpSpPr>
+      <p:pic>
+        <p:nvPicPr>
+          <p:cNvPr id="5" name="Picture 4">
+            <a:extLst>
+              <a:ext uri="{FF2B5EF4-FFF2-40B4-BE49-F238E27FC236}">
+                <a16:creationId xmlns:a16="http://schemas.microsoft.com/office/drawing/2014/main" id="{B679ABFA-3B01-A4DD-01AD-64DFEF05D533}"/>
+              </a:ext>
+            </a:extLst>
+          </p:cNvPr>
+          <p:cNvPicPr>
+            <a:picLocks noChangeAspect="1"/>
+          </p:cNvPicPr>
+          <p:nvPr/>
+        </p:nvPicPr>
+        <p:blipFill>
+          <a:blip r:embed="rId2"/>
+          <a:stretch>
+            <a:fillRect/>
+          </a:stretch>
+        </p:blipFill>
+        <p:spPr>
+          <a:xfrm>
+            <a:off x="900970" y="468318"/>
+            <a:ext cx="4046571" cy="4183743"/>
+          </a:xfrm>
+          <a:prstGeom prst="rect">
+            <a:avLst/>
+          </a:prstGeom>
+          <a:ln>
+            <a:solidFill>
+              <a:schemeClr val="tx1">
+                <a:lumMod val="40000"/>
+                <a:lumOff val="60000"/>
+              </a:schemeClr>
+            </a:solidFill>
+          </a:ln>
+        </p:spPr>
+      </p:pic>
+      <p:pic>
+        <p:nvPicPr>
+          <p:cNvPr id="7" name="Picture 6">
+            <a:extLst>
+              <a:ext uri="{FF2B5EF4-FFF2-40B4-BE49-F238E27FC236}">
+                <a16:creationId xmlns:a16="http://schemas.microsoft.com/office/drawing/2014/main" id="{22175894-9722-D7E4-8D1E-7E400BF28573}"/>
+              </a:ext>
+            </a:extLst>
+          </p:cNvPr>
+          <p:cNvPicPr>
+            <a:picLocks noChangeAspect="1"/>
+          </p:cNvPicPr>
+          <p:nvPr/>
+        </p:nvPicPr>
+        <p:blipFill>
+          <a:blip r:embed="rId3"/>
+          <a:stretch>
+            <a:fillRect/>
+          </a:stretch>
+        </p:blipFill>
+        <p:spPr>
+          <a:xfrm>
+            <a:off x="5426804" y="702637"/>
+            <a:ext cx="4725059" cy="1371791"/>
+          </a:xfrm>
+          <a:prstGeom prst="rect">
+            <a:avLst/>
+          </a:prstGeom>
+        </p:spPr>
+      </p:pic>
+      <p:pic>
+        <p:nvPicPr>
+          <p:cNvPr id="9" name="Picture 8">
+            <a:extLst>
+              <a:ext uri="{FF2B5EF4-FFF2-40B4-BE49-F238E27FC236}">
+                <a16:creationId xmlns:a16="http://schemas.microsoft.com/office/drawing/2014/main" id="{ACC611A6-D8BB-1302-AD34-3A2374F2170D}"/>
+              </a:ext>
+            </a:extLst>
+          </p:cNvPr>
+          <p:cNvPicPr>
+            <a:picLocks noChangeAspect="1"/>
+          </p:cNvPicPr>
+          <p:nvPr/>
+        </p:nvPicPr>
+        <p:blipFill>
+          <a:blip r:embed="rId4"/>
+          <a:stretch>
+            <a:fillRect/>
+          </a:stretch>
+        </p:blipFill>
+        <p:spPr>
+          <a:xfrm>
+            <a:off x="5426804" y="2329720"/>
+            <a:ext cx="3444538" cy="2453853"/>
+          </a:xfrm>
+          <a:prstGeom prst="rect">
+            <a:avLst/>
+          </a:prstGeom>
+          <a:ln>
+            <a:solidFill>
+              <a:schemeClr val="bg1">
+                <a:lumMod val="65000"/>
+              </a:schemeClr>
+            </a:solidFill>
+          </a:ln>
+        </p:spPr>
+      </p:pic>
+    </p:spTree>
+    <p:extLst>
+      <p:ext uri="{BB962C8B-B14F-4D97-AF65-F5344CB8AC3E}">
+        <p14:creationId xmlns:p14="http://schemas.microsoft.com/office/powerpoint/2010/main" val="3722406885"/>
+      </p:ext>
+    </p:extLst>
+  </p:cSld>
+  <p:clrMapOvr>
+    <a:masterClrMapping/>
+  </p:clrMapOvr>
+</p:sld>
+</file>
+
+<file path=ppt/slides/slide16.xml><?xml version="1.0" encoding="utf-8"?>
+<p:sld xmlns:a="http://schemas.openxmlformats.org/drawingml/2006/main" xmlns:r="http://schemas.openxmlformats.org/officeDocument/2006/relationships" xmlns:p="http://schemas.openxmlformats.org/presentationml/2006/main">
+  <p:cSld>
+    <p:spTree>
+      <p:nvGrpSpPr>
+        <p:cNvPr id="1" name=""/>
+        <p:cNvGrpSpPr/>
+        <p:nvPr/>
+      </p:nvGrpSpPr>
+      <p:grpSpPr>
+        <a:xfrm>
+          <a:off x="0" y="0"/>
+          <a:ext cx="0" cy="0"/>
+          <a:chOff x="0" y="0"/>
+          <a:chExt cx="0" cy="0"/>
+        </a:xfrm>
+      </p:grpSpPr>
+      <p:pic>
+        <p:nvPicPr>
+          <p:cNvPr id="3" name="Picture 2">
+            <a:extLst>
+              <a:ext uri="{FF2B5EF4-FFF2-40B4-BE49-F238E27FC236}">
+                <a16:creationId xmlns:a16="http://schemas.microsoft.com/office/drawing/2014/main" id="{D862925A-91E8-7018-D2E0-01D505DBB176}"/>
+              </a:ext>
+            </a:extLst>
+          </p:cNvPr>
+          <p:cNvPicPr>
+            <a:picLocks noChangeAspect="1"/>
+          </p:cNvPicPr>
+          <p:nvPr/>
+        </p:nvPicPr>
+        <p:blipFill>
+          <a:blip r:embed="rId2"/>
+          <a:stretch>
+            <a:fillRect/>
+          </a:stretch>
+        </p:blipFill>
+        <p:spPr>
+          <a:xfrm>
+            <a:off x="505470" y="476486"/>
+            <a:ext cx="4686954" cy="3572374"/>
+          </a:xfrm>
+          <a:prstGeom prst="rect">
+            <a:avLst/>
+          </a:prstGeom>
+        </p:spPr>
+      </p:pic>
+    </p:spTree>
+    <p:extLst>
+      <p:ext uri="{BB962C8B-B14F-4D97-AF65-F5344CB8AC3E}">
+        <p14:creationId xmlns:p14="http://schemas.microsoft.com/office/powerpoint/2010/main" val="2693415792"/>
+      </p:ext>
+    </p:extLst>
+  </p:cSld>
+  <p:clrMapOvr>
+    <a:masterClrMapping/>
+  </p:clrMapOvr>
+</p:sld>
+</file>
+
+<file path=ppt/slides/slide17.xml><?xml version="1.0" encoding="utf-8"?>
+<p:sld xmlns:a="http://schemas.openxmlformats.org/drawingml/2006/main" xmlns:r="http://schemas.openxmlformats.org/officeDocument/2006/relationships" xmlns:p="http://schemas.openxmlformats.org/presentationml/2006/main">
+  <p:cSld>
+    <p:spTree>
+      <p:nvGrpSpPr>
+        <p:cNvPr id="1" name=""/>
+        <p:cNvGrpSpPr/>
+        <p:nvPr/>
+      </p:nvGrpSpPr>
+      <p:grpSpPr>
+        <a:xfrm>
+          <a:off x="0" y="0"/>
+          <a:ext cx="0" cy="0"/>
+          <a:chOff x="0" y="0"/>
+          <a:chExt cx="0" cy="0"/>
+        </a:xfrm>
+      </p:grpSpPr>
+      <p:pic>
+        <p:nvPicPr>
+          <p:cNvPr id="3" name="Picture 2">
+            <a:extLst>
+              <a:ext uri="{FF2B5EF4-FFF2-40B4-BE49-F238E27FC236}">
+                <a16:creationId xmlns:a16="http://schemas.microsoft.com/office/drawing/2014/main" id="{4644CFDB-06AF-1B95-1AC7-F4BD7854C103}"/>
+              </a:ext>
+            </a:extLst>
+          </p:cNvPr>
+          <p:cNvPicPr>
+            <a:picLocks noChangeAspect="1"/>
+          </p:cNvPicPr>
+          <p:nvPr/>
+        </p:nvPicPr>
+        <p:blipFill>
+          <a:blip r:embed="rId2"/>
+          <a:stretch>
+            <a:fillRect/>
+          </a:stretch>
+        </p:blipFill>
+        <p:spPr>
+          <a:xfrm>
+            <a:off x="781974" y="503003"/>
+            <a:ext cx="5478868" cy="3904610"/>
+          </a:xfrm>
+          <a:prstGeom prst="rect">
+            <a:avLst/>
+          </a:prstGeom>
+          <a:ln>
+            <a:solidFill>
+              <a:schemeClr val="tx1">
+                <a:lumMod val="50000"/>
+              </a:schemeClr>
+            </a:solidFill>
+          </a:ln>
+        </p:spPr>
+      </p:pic>
+    </p:spTree>
+    <p:extLst>
+      <p:ext uri="{BB962C8B-B14F-4D97-AF65-F5344CB8AC3E}">
+        <p14:creationId xmlns:p14="http://schemas.microsoft.com/office/powerpoint/2010/main" val="5476343"/>
+      </p:ext>
+    </p:extLst>
+  </p:cSld>
+  <p:clrMapOvr>
+    <a:masterClrMapping/>
+  </p:clrMapOvr>
+</p:sld>
+</file>
+
+<file path=ppt/slides/slide18.xml><?xml version="1.0" encoding="utf-8"?>
 <p:sld xmlns:a="http://schemas.openxmlformats.org/drawingml/2006/main" xmlns:r="http://schemas.openxmlformats.org/officeDocument/2006/relationships" xmlns:p="http://schemas.openxmlformats.org/presentationml/2006/main">
   <p:cSld>
     <p:spTree>
@@ -5418,7 +6704,7 @@
 </p:sld>
 </file>
 
-<file path=ppt/slides/slide14.xml><?xml version="1.0" encoding="utf-8"?>
+<file path=ppt/slides/slide19.xml><?xml version="1.0" encoding="utf-8"?>
 <p:sld xmlns:a="http://schemas.openxmlformats.org/drawingml/2006/main" xmlns:r="http://schemas.openxmlformats.org/officeDocument/2006/relationships" xmlns:p="http://schemas.openxmlformats.org/presentationml/2006/main">
   <p:cSld>
     <p:spTree>
@@ -9367,7 +10653,170 @@
 </p:sld>
 </file>
 
-<file path=ppt/slides/slide15.xml><?xml version="1.0" encoding="utf-8"?>
+<file path=ppt/slides/slide2.xml><?xml version="1.0" encoding="utf-8"?>
+<p:sld xmlns:a="http://schemas.openxmlformats.org/drawingml/2006/main" xmlns:r="http://schemas.openxmlformats.org/officeDocument/2006/relationships" xmlns:p="http://schemas.openxmlformats.org/presentationml/2006/main">
+  <p:cSld>
+    <p:spTree>
+      <p:nvGrpSpPr>
+        <p:cNvPr id="1" name=""/>
+        <p:cNvGrpSpPr/>
+        <p:nvPr/>
+      </p:nvGrpSpPr>
+      <p:grpSpPr>
+        <a:xfrm>
+          <a:off x="0" y="0"/>
+          <a:ext cx="0" cy="0"/>
+          <a:chOff x="0" y="0"/>
+          <a:chExt cx="0" cy="0"/>
+        </a:xfrm>
+      </p:grpSpPr>
+      <p:sp>
+        <p:nvSpPr>
+          <p:cNvPr id="2" name="Title 1">
+            <a:extLst>
+              <a:ext uri="{FF2B5EF4-FFF2-40B4-BE49-F238E27FC236}">
+                <a16:creationId xmlns:a16="http://schemas.microsoft.com/office/drawing/2014/main" id="{C3F34578-44A3-590D-0FDE-F40290EC4931}"/>
+              </a:ext>
+            </a:extLst>
+          </p:cNvPr>
+          <p:cNvSpPr>
+            <a:spLocks noGrp="1"/>
+          </p:cNvSpPr>
+          <p:nvPr>
+            <p:ph type="title"/>
+          </p:nvPr>
+        </p:nvSpPr>
+        <p:spPr/>
+        <p:txBody>
+          <a:bodyPr/>
+          <a:lstStyle/>
+          <a:p>
+            <a:endParaRPr lang="en-US"/>
+          </a:p>
+        </p:txBody>
+      </p:sp>
+      <p:pic>
+        <p:nvPicPr>
+          <p:cNvPr id="4" name="Picture 3">
+            <a:extLst>
+              <a:ext uri="{FF2B5EF4-FFF2-40B4-BE49-F238E27FC236}">
+                <a16:creationId xmlns:a16="http://schemas.microsoft.com/office/drawing/2014/main" id="{EC6FBC7F-9175-60B2-035E-C5620B4BBA06}"/>
+              </a:ext>
+            </a:extLst>
+          </p:cNvPr>
+          <p:cNvPicPr>
+            <a:picLocks noChangeAspect="1"/>
+          </p:cNvPicPr>
+          <p:nvPr/>
+        </p:nvPicPr>
+        <p:blipFill>
+          <a:blip r:embed="rId2"/>
+          <a:stretch>
+            <a:fillRect/>
+          </a:stretch>
+        </p:blipFill>
+        <p:spPr>
+          <a:xfrm>
+            <a:off x="6836761" y="2225494"/>
+            <a:ext cx="4956228" cy="3366655"/>
+          </a:xfrm>
+          <a:prstGeom prst="rect">
+            <a:avLst/>
+          </a:prstGeom>
+          <a:ln>
+            <a:solidFill>
+              <a:schemeClr val="accent1"/>
+            </a:solidFill>
+          </a:ln>
+        </p:spPr>
+      </p:pic>
+      <p:pic>
+        <p:nvPicPr>
+          <p:cNvPr id="5" name="Picture 4">
+            <a:extLst>
+              <a:ext uri="{FF2B5EF4-FFF2-40B4-BE49-F238E27FC236}">
+                <a16:creationId xmlns:a16="http://schemas.microsoft.com/office/drawing/2014/main" id="{B1BB5333-F76F-D281-3320-3D98D80ACA2A}"/>
+              </a:ext>
+            </a:extLst>
+          </p:cNvPr>
+          <p:cNvPicPr>
+            <a:picLocks noChangeAspect="1"/>
+          </p:cNvPicPr>
+          <p:nvPr/>
+        </p:nvPicPr>
+        <p:blipFill>
+          <a:blip r:embed="rId3"/>
+          <a:stretch>
+            <a:fillRect/>
+          </a:stretch>
+        </p:blipFill>
+        <p:spPr>
+          <a:xfrm>
+            <a:off x="308145" y="2225494"/>
+            <a:ext cx="6184669" cy="2560090"/>
+          </a:xfrm>
+          <a:prstGeom prst="rect">
+            <a:avLst/>
+          </a:prstGeom>
+          <a:ln>
+            <a:solidFill>
+              <a:schemeClr val="accent1"/>
+            </a:solidFill>
+          </a:ln>
+        </p:spPr>
+      </p:pic>
+      <p:pic>
+        <p:nvPicPr>
+          <p:cNvPr id="6" name="Picture 5">
+            <a:extLst>
+              <a:ext uri="{FF2B5EF4-FFF2-40B4-BE49-F238E27FC236}">
+                <a16:creationId xmlns:a16="http://schemas.microsoft.com/office/drawing/2014/main" id="{ADAFC809-B21F-9720-3D71-65740C6E5AD0}"/>
+              </a:ext>
+            </a:extLst>
+          </p:cNvPr>
+          <p:cNvPicPr>
+            <a:picLocks noChangeAspect="1"/>
+          </p:cNvPicPr>
+          <p:nvPr/>
+        </p:nvPicPr>
+        <p:blipFill>
+          <a:blip r:embed="rId4"/>
+          <a:stretch>
+            <a:fillRect/>
+          </a:stretch>
+        </p:blipFill>
+        <p:spPr>
+          <a:xfrm>
+            <a:off x="308145" y="1269051"/>
+            <a:ext cx="3726503" cy="579170"/>
+          </a:xfrm>
+          <a:prstGeom prst="rect">
+            <a:avLst/>
+          </a:prstGeom>
+          <a:ln>
+            <a:solidFill>
+              <a:schemeClr val="accent1"/>
+            </a:solidFill>
+          </a:ln>
+        </p:spPr>
+      </p:pic>
+    </p:spTree>
+    <p:extLst>
+      <p:ext uri="{BB962C8B-B14F-4D97-AF65-F5344CB8AC3E}">
+        <p14:creationId xmlns:p14="http://schemas.microsoft.com/office/powerpoint/2010/main" val="1780696391"/>
+      </p:ext>
+    </p:extLst>
+  </p:cSld>
+  <p:clrMapOvr>
+    <a:masterClrMapping/>
+  </p:clrMapOvr>
+  <p:transition>
+    <p:fade/>
+  </p:transition>
+</p:sld>
+</file>
+
+<file path=ppt/slides/slide20.xml><?xml version="1.0" encoding="utf-8"?>
 <p:sld xmlns:a="http://schemas.openxmlformats.org/drawingml/2006/main" xmlns:r="http://schemas.openxmlformats.org/officeDocument/2006/relationships" xmlns:p="http://schemas.openxmlformats.org/presentationml/2006/main">
   <p:cSld>
     <p:spTree>
@@ -13532,7 +14981,7 @@
 </p:sld>
 </file>
 
-<file path=ppt/slides/slide16.xml><?xml version="1.0" encoding="utf-8"?>
+<file path=ppt/slides/slide21.xml><?xml version="1.0" encoding="utf-8"?>
 <p:sld xmlns:a="http://schemas.openxmlformats.org/drawingml/2006/main" xmlns:r="http://schemas.openxmlformats.org/officeDocument/2006/relationships" xmlns:p="http://schemas.openxmlformats.org/presentationml/2006/main">
   <p:cSld>
     <p:spTree>
@@ -14093,7 +15542,7 @@
 </p:sld>
 </file>
 
-<file path=ppt/slides/slide17.xml><?xml version="1.0" encoding="utf-8"?>
+<file path=ppt/slides/slide22.xml><?xml version="1.0" encoding="utf-8"?>
 <p:sld xmlns:a="http://schemas.openxmlformats.org/drawingml/2006/main" xmlns:r="http://schemas.openxmlformats.org/officeDocument/2006/relationships" xmlns:p="http://schemas.openxmlformats.org/presentationml/2006/main">
   <p:cSld>
     <p:spTree>
@@ -14164,7 +15613,7 @@
 </p:sld>
 </file>
 
-<file path=ppt/slides/slide18.xml><?xml version="1.0" encoding="utf-8"?>
+<file path=ppt/slides/slide23.xml><?xml version="1.0" encoding="utf-8"?>
 <p:sld xmlns:a="http://schemas.openxmlformats.org/drawingml/2006/main" xmlns:r="http://schemas.openxmlformats.org/officeDocument/2006/relationships" xmlns:p="http://schemas.openxmlformats.org/presentationml/2006/main">
   <p:cSld>
     <p:spTree>
@@ -14230,7 +15679,7 @@
 </p:sld>
 </file>
 
-<file path=ppt/slides/slide19.xml><?xml version="1.0" encoding="utf-8"?>
+<file path=ppt/slides/slide24.xml><?xml version="1.0" encoding="utf-8"?>
 <p:sld xmlns:a="http://schemas.openxmlformats.org/drawingml/2006/main" xmlns:r="http://schemas.openxmlformats.org/officeDocument/2006/relationships" xmlns:p="http://schemas.openxmlformats.org/presentationml/2006/main">
   <p:cSld>
     <p:spTree>
@@ -14590,170 +16039,7 @@
 </p:sld>
 </file>
 
-<file path=ppt/slides/slide2.xml><?xml version="1.0" encoding="utf-8"?>
-<p:sld xmlns:a="http://schemas.openxmlformats.org/drawingml/2006/main" xmlns:r="http://schemas.openxmlformats.org/officeDocument/2006/relationships" xmlns:p="http://schemas.openxmlformats.org/presentationml/2006/main">
-  <p:cSld>
-    <p:spTree>
-      <p:nvGrpSpPr>
-        <p:cNvPr id="1" name=""/>
-        <p:cNvGrpSpPr/>
-        <p:nvPr/>
-      </p:nvGrpSpPr>
-      <p:grpSpPr>
-        <a:xfrm>
-          <a:off x="0" y="0"/>
-          <a:ext cx="0" cy="0"/>
-          <a:chOff x="0" y="0"/>
-          <a:chExt cx="0" cy="0"/>
-        </a:xfrm>
-      </p:grpSpPr>
-      <p:sp>
-        <p:nvSpPr>
-          <p:cNvPr id="2" name="Title 1">
-            <a:extLst>
-              <a:ext uri="{FF2B5EF4-FFF2-40B4-BE49-F238E27FC236}">
-                <a16:creationId xmlns:a16="http://schemas.microsoft.com/office/drawing/2014/main" id="{C3F34578-44A3-590D-0FDE-F40290EC4931}"/>
-              </a:ext>
-            </a:extLst>
-          </p:cNvPr>
-          <p:cNvSpPr>
-            <a:spLocks noGrp="1"/>
-          </p:cNvSpPr>
-          <p:nvPr>
-            <p:ph type="title"/>
-          </p:nvPr>
-        </p:nvSpPr>
-        <p:spPr/>
-        <p:txBody>
-          <a:bodyPr/>
-          <a:lstStyle/>
-          <a:p>
-            <a:endParaRPr lang="en-US"/>
-          </a:p>
-        </p:txBody>
-      </p:sp>
-      <p:pic>
-        <p:nvPicPr>
-          <p:cNvPr id="4" name="Picture 3">
-            <a:extLst>
-              <a:ext uri="{FF2B5EF4-FFF2-40B4-BE49-F238E27FC236}">
-                <a16:creationId xmlns:a16="http://schemas.microsoft.com/office/drawing/2014/main" id="{EC6FBC7F-9175-60B2-035E-C5620B4BBA06}"/>
-              </a:ext>
-            </a:extLst>
-          </p:cNvPr>
-          <p:cNvPicPr>
-            <a:picLocks noChangeAspect="1"/>
-          </p:cNvPicPr>
-          <p:nvPr/>
-        </p:nvPicPr>
-        <p:blipFill>
-          <a:blip r:embed="rId2"/>
-          <a:stretch>
-            <a:fillRect/>
-          </a:stretch>
-        </p:blipFill>
-        <p:spPr>
-          <a:xfrm>
-            <a:off x="6836761" y="2225494"/>
-            <a:ext cx="4956228" cy="3366655"/>
-          </a:xfrm>
-          <a:prstGeom prst="rect">
-            <a:avLst/>
-          </a:prstGeom>
-          <a:ln>
-            <a:solidFill>
-              <a:schemeClr val="accent1"/>
-            </a:solidFill>
-          </a:ln>
-        </p:spPr>
-      </p:pic>
-      <p:pic>
-        <p:nvPicPr>
-          <p:cNvPr id="5" name="Picture 4">
-            <a:extLst>
-              <a:ext uri="{FF2B5EF4-FFF2-40B4-BE49-F238E27FC236}">
-                <a16:creationId xmlns:a16="http://schemas.microsoft.com/office/drawing/2014/main" id="{B1BB5333-F76F-D281-3320-3D98D80ACA2A}"/>
-              </a:ext>
-            </a:extLst>
-          </p:cNvPr>
-          <p:cNvPicPr>
-            <a:picLocks noChangeAspect="1"/>
-          </p:cNvPicPr>
-          <p:nvPr/>
-        </p:nvPicPr>
-        <p:blipFill>
-          <a:blip r:embed="rId3"/>
-          <a:stretch>
-            <a:fillRect/>
-          </a:stretch>
-        </p:blipFill>
-        <p:spPr>
-          <a:xfrm>
-            <a:off x="308145" y="2225494"/>
-            <a:ext cx="6184669" cy="2560090"/>
-          </a:xfrm>
-          <a:prstGeom prst="rect">
-            <a:avLst/>
-          </a:prstGeom>
-          <a:ln>
-            <a:solidFill>
-              <a:schemeClr val="accent1"/>
-            </a:solidFill>
-          </a:ln>
-        </p:spPr>
-      </p:pic>
-      <p:pic>
-        <p:nvPicPr>
-          <p:cNvPr id="6" name="Picture 5">
-            <a:extLst>
-              <a:ext uri="{FF2B5EF4-FFF2-40B4-BE49-F238E27FC236}">
-                <a16:creationId xmlns:a16="http://schemas.microsoft.com/office/drawing/2014/main" id="{ADAFC809-B21F-9720-3D71-65740C6E5AD0}"/>
-              </a:ext>
-            </a:extLst>
-          </p:cNvPr>
-          <p:cNvPicPr>
-            <a:picLocks noChangeAspect="1"/>
-          </p:cNvPicPr>
-          <p:nvPr/>
-        </p:nvPicPr>
-        <p:blipFill>
-          <a:blip r:embed="rId4"/>
-          <a:stretch>
-            <a:fillRect/>
-          </a:stretch>
-        </p:blipFill>
-        <p:spPr>
-          <a:xfrm>
-            <a:off x="308145" y="1269051"/>
-            <a:ext cx="3726503" cy="579170"/>
-          </a:xfrm>
-          <a:prstGeom prst="rect">
-            <a:avLst/>
-          </a:prstGeom>
-          <a:ln>
-            <a:solidFill>
-              <a:schemeClr val="accent1"/>
-            </a:solidFill>
-          </a:ln>
-        </p:spPr>
-      </p:pic>
-    </p:spTree>
-    <p:extLst>
-      <p:ext uri="{BB962C8B-B14F-4D97-AF65-F5344CB8AC3E}">
-        <p14:creationId xmlns:p14="http://schemas.microsoft.com/office/powerpoint/2010/main" val="1780696391"/>
-      </p:ext>
-    </p:extLst>
-  </p:cSld>
-  <p:clrMapOvr>
-    <a:masterClrMapping/>
-  </p:clrMapOvr>
-  <p:transition>
-    <p:fade/>
-  </p:transition>
-</p:sld>
-</file>
-
-<file path=ppt/slides/slide20.xml><?xml version="1.0" encoding="utf-8"?>
+<file path=ppt/slides/slide25.xml><?xml version="1.0" encoding="utf-8"?>
 <p:sld xmlns:a="http://schemas.openxmlformats.org/drawingml/2006/main" xmlns:r="http://schemas.openxmlformats.org/officeDocument/2006/relationships" xmlns:p="http://schemas.openxmlformats.org/presentationml/2006/main">
   <p:cSld>
     <p:spTree>
@@ -14819,7 +16105,7 @@
 </p:sld>
 </file>
 
-<file path=ppt/slides/slide21.xml><?xml version="1.0" encoding="utf-8"?>
+<file path=ppt/slides/slide26.xml><?xml version="1.0" encoding="utf-8"?>
 <p:sld xmlns:a="http://schemas.openxmlformats.org/drawingml/2006/main" xmlns:r="http://schemas.openxmlformats.org/officeDocument/2006/relationships" xmlns:p="http://schemas.openxmlformats.org/presentationml/2006/main">
   <p:cSld>
     <p:spTree>
@@ -16172,7 +17458,7 @@
 </p:sld>
 </file>
 
-<file path=ppt/slides/slide22.xml><?xml version="1.0" encoding="utf-8"?>
+<file path=ppt/slides/slide27.xml><?xml version="1.0" encoding="utf-8"?>
 <p:sld xmlns:a="http://schemas.openxmlformats.org/drawingml/2006/main" xmlns:r="http://schemas.openxmlformats.org/officeDocument/2006/relationships" xmlns:p="http://schemas.openxmlformats.org/presentationml/2006/main">
   <p:cSld>
     <p:spTree>
@@ -18684,7 +19970,7 @@
               </a:spcAft>
             </a:pPr>
             <a:r>
-              <a:rPr lang="en-US" sz="800" b="1" dirty="0" err="1">
+              <a:rPr lang="en-US" sz="800" b="1" dirty="0">
                 <a:solidFill>
                   <a:schemeClr val="tx1"/>
                 </a:solidFill>
@@ -18694,14 +19980,6 @@
               </a:rPr>
               <a:t>KQLDashbord</a:t>
             </a:r>
-            <a:endParaRPr lang="en-US" sz="800" b="1" dirty="0">
-              <a:solidFill>
-                <a:schemeClr val="tx1"/>
-              </a:solidFill>
-              <a:latin typeface="Lucida Console" panose="020B0609040504020204" pitchFamily="49" charset="0"/>
-              <a:ea typeface="Segoe UI" pitchFamily="34" charset="0"/>
-              <a:cs typeface="Segoe UI" pitchFamily="34" charset="0"/>
-            </a:endParaRPr>
           </a:p>
         </p:txBody>
       </p:sp>
@@ -18718,7 +19996,7 @@
 </p:sld>
 </file>
 
-<file path=ppt/slides/slide23.xml><?xml version="1.0" encoding="utf-8"?>
+<file path=ppt/slides/slide28.xml><?xml version="1.0" encoding="utf-8"?>
 <p:sld xmlns:a="http://schemas.openxmlformats.org/drawingml/2006/main" xmlns:r="http://schemas.openxmlformats.org/officeDocument/2006/relationships" xmlns:p="http://schemas.openxmlformats.org/presentationml/2006/main">
   <p:cSld>
     <p:spTree>
@@ -18754,7 +20032,7 @@
 </p:sld>
 </file>
 
-<file path=ppt/slides/slide24.xml><?xml version="1.0" encoding="utf-8"?>
+<file path=ppt/slides/slide29.xml><?xml version="1.0" encoding="utf-8"?>
 <p:sld xmlns:a="http://schemas.openxmlformats.org/drawingml/2006/main" xmlns:r="http://schemas.openxmlformats.org/officeDocument/2006/relationships" xmlns:p="http://schemas.openxmlformats.org/presentationml/2006/main">
   <p:cSld>
     <p:spTree>
@@ -18781,78 +20059,6 @@
     <p:extLst>
       <p:ext uri="{BB962C8B-B14F-4D97-AF65-F5344CB8AC3E}">
         <p14:creationId xmlns:p14="http://schemas.microsoft.com/office/powerpoint/2010/main" val="594454859"/>
-      </p:ext>
-    </p:extLst>
-  </p:cSld>
-  <p:clrMapOvr>
-    <a:masterClrMapping/>
-  </p:clrMapOvr>
-</p:sld>
-</file>
-
-<file path=ppt/slides/slide25.xml><?xml version="1.0" encoding="utf-8"?>
-<p:sld xmlns:a="http://schemas.openxmlformats.org/drawingml/2006/main" xmlns:r="http://schemas.openxmlformats.org/officeDocument/2006/relationships" xmlns:p="http://schemas.openxmlformats.org/presentationml/2006/main">
-  <p:cSld>
-    <p:spTree>
-      <p:nvGrpSpPr>
-        <p:cNvPr id="1" name="">
-          <a:extLst>
-            <a:ext uri="{FF2B5EF4-FFF2-40B4-BE49-F238E27FC236}">
-              <a16:creationId xmlns:a16="http://schemas.microsoft.com/office/drawing/2014/main" id="{DA3173A0-3D20-7501-0A9A-C3E8C7742430}"/>
-            </a:ext>
-          </a:extLst>
-        </p:cNvPr>
-        <p:cNvGrpSpPr/>
-        <p:nvPr/>
-      </p:nvGrpSpPr>
-      <p:grpSpPr>
-        <a:xfrm>
-          <a:off x="0" y="0"/>
-          <a:ext cx="0" cy="0"/>
-          <a:chOff x="0" y="0"/>
-          <a:chExt cx="0" cy="0"/>
-        </a:xfrm>
-      </p:grpSpPr>
-    </p:spTree>
-    <p:extLst>
-      <p:ext uri="{BB962C8B-B14F-4D97-AF65-F5344CB8AC3E}">
-        <p14:creationId xmlns:p14="http://schemas.microsoft.com/office/powerpoint/2010/main" val="4017955628"/>
-      </p:ext>
-    </p:extLst>
-  </p:cSld>
-  <p:clrMapOvr>
-    <a:masterClrMapping/>
-  </p:clrMapOvr>
-</p:sld>
-</file>
-
-<file path=ppt/slides/slide26.xml><?xml version="1.0" encoding="utf-8"?>
-<p:sld xmlns:a="http://schemas.openxmlformats.org/drawingml/2006/main" xmlns:r="http://schemas.openxmlformats.org/officeDocument/2006/relationships" xmlns:p="http://schemas.openxmlformats.org/presentationml/2006/main">
-  <p:cSld>
-    <p:spTree>
-      <p:nvGrpSpPr>
-        <p:cNvPr id="1" name="">
-          <a:extLst>
-            <a:ext uri="{FF2B5EF4-FFF2-40B4-BE49-F238E27FC236}">
-              <a16:creationId xmlns:a16="http://schemas.microsoft.com/office/drawing/2014/main" id="{5A8CC77A-3DA8-275A-252B-BE54C8BBB365}"/>
-            </a:ext>
-          </a:extLst>
-        </p:cNvPr>
-        <p:cNvGrpSpPr/>
-        <p:nvPr/>
-      </p:nvGrpSpPr>
-      <p:grpSpPr>
-        <a:xfrm>
-          <a:off x="0" y="0"/>
-          <a:ext cx="0" cy="0"/>
-          <a:chOff x="0" y="0"/>
-          <a:chExt cx="0" cy="0"/>
-        </a:xfrm>
-      </p:grpSpPr>
-    </p:spTree>
-    <p:extLst>
-      <p:ext uri="{BB962C8B-B14F-4D97-AF65-F5344CB8AC3E}">
-        <p14:creationId xmlns:p14="http://schemas.microsoft.com/office/powerpoint/2010/main" val="2390210636"/>
       </p:ext>
     </p:extLst>
   </p:cSld>
@@ -18953,6 +20159,78 @@
     <p:extLst>
       <p:ext uri="{BB962C8B-B14F-4D97-AF65-F5344CB8AC3E}">
         <p14:creationId xmlns:p14="http://schemas.microsoft.com/office/powerpoint/2010/main" val="2638259506"/>
+      </p:ext>
+    </p:extLst>
+  </p:cSld>
+  <p:clrMapOvr>
+    <a:masterClrMapping/>
+  </p:clrMapOvr>
+</p:sld>
+</file>
+
+<file path=ppt/slides/slide30.xml><?xml version="1.0" encoding="utf-8"?>
+<p:sld xmlns:a="http://schemas.openxmlformats.org/drawingml/2006/main" xmlns:r="http://schemas.openxmlformats.org/officeDocument/2006/relationships" xmlns:p="http://schemas.openxmlformats.org/presentationml/2006/main">
+  <p:cSld>
+    <p:spTree>
+      <p:nvGrpSpPr>
+        <p:cNvPr id="1" name="">
+          <a:extLst>
+            <a:ext uri="{FF2B5EF4-FFF2-40B4-BE49-F238E27FC236}">
+              <a16:creationId xmlns:a16="http://schemas.microsoft.com/office/drawing/2014/main" id="{DA3173A0-3D20-7501-0A9A-C3E8C7742430}"/>
+            </a:ext>
+          </a:extLst>
+        </p:cNvPr>
+        <p:cNvGrpSpPr/>
+        <p:nvPr/>
+      </p:nvGrpSpPr>
+      <p:grpSpPr>
+        <a:xfrm>
+          <a:off x="0" y="0"/>
+          <a:ext cx="0" cy="0"/>
+          <a:chOff x="0" y="0"/>
+          <a:chExt cx="0" cy="0"/>
+        </a:xfrm>
+      </p:grpSpPr>
+    </p:spTree>
+    <p:extLst>
+      <p:ext uri="{BB962C8B-B14F-4D97-AF65-F5344CB8AC3E}">
+        <p14:creationId xmlns:p14="http://schemas.microsoft.com/office/powerpoint/2010/main" val="4017955628"/>
+      </p:ext>
+    </p:extLst>
+  </p:cSld>
+  <p:clrMapOvr>
+    <a:masterClrMapping/>
+  </p:clrMapOvr>
+</p:sld>
+</file>
+
+<file path=ppt/slides/slide31.xml><?xml version="1.0" encoding="utf-8"?>
+<p:sld xmlns:a="http://schemas.openxmlformats.org/drawingml/2006/main" xmlns:r="http://schemas.openxmlformats.org/officeDocument/2006/relationships" xmlns:p="http://schemas.openxmlformats.org/presentationml/2006/main">
+  <p:cSld>
+    <p:spTree>
+      <p:nvGrpSpPr>
+        <p:cNvPr id="1" name="">
+          <a:extLst>
+            <a:ext uri="{FF2B5EF4-FFF2-40B4-BE49-F238E27FC236}">
+              <a16:creationId xmlns:a16="http://schemas.microsoft.com/office/drawing/2014/main" id="{5A8CC77A-3DA8-275A-252B-BE54C8BBB365}"/>
+            </a:ext>
+          </a:extLst>
+        </p:cNvPr>
+        <p:cNvGrpSpPr/>
+        <p:nvPr/>
+      </p:nvGrpSpPr>
+      <p:grpSpPr>
+        <a:xfrm>
+          <a:off x="0" y="0"/>
+          <a:ext cx="0" cy="0"/>
+          <a:chOff x="0" y="0"/>
+          <a:chExt cx="0" cy="0"/>
+        </a:xfrm>
+      </p:grpSpPr>
+    </p:spTree>
+    <p:extLst>
+      <p:ext uri="{BB962C8B-B14F-4D97-AF65-F5344CB8AC3E}">
+        <p14:creationId xmlns:p14="http://schemas.microsoft.com/office/powerpoint/2010/main" val="2390210636"/>
       </p:ext>
     </p:extLst>
   </p:cSld>

--- a/Developing and Deploying Solutions with the Fabric REST API.pptx
+++ b/Developing and Deploying Solutions with the Fabric REST API.pptx
@@ -1531,7 +1531,7 @@
           <a:p>
             <a:fld id="{E0D9FF92-122F-4BD4-B926-248B1E5E6DEF}" type="datetimeFigureOut">
               <a:rPr lang="en-US" smtClean="0"/>
-              <a:t>11/20/2024</a:t>
+              <a:t>12/19/2024</a:t>
             </a:fld>
             <a:endParaRPr lang="en-US"/>
           </a:p>
@@ -20019,6 +20019,2014 @@
           <a:chExt cx="0" cy="0"/>
         </a:xfrm>
       </p:grpSpPr>
+      <p:sp>
+        <p:nvSpPr>
+          <p:cNvPr id="2" name="Rectangle 1">
+            <a:extLst>
+              <a:ext uri="{FF2B5EF4-FFF2-40B4-BE49-F238E27FC236}">
+                <a16:creationId xmlns:a16="http://schemas.microsoft.com/office/drawing/2014/main" id="{90F10F78-151E-F98C-8FDD-406680FF7C36}"/>
+              </a:ext>
+            </a:extLst>
+          </p:cNvPr>
+          <p:cNvSpPr/>
+          <p:nvPr/>
+        </p:nvSpPr>
+        <p:spPr bwMode="auto">
+          <a:xfrm>
+            <a:off x="484039" y="1413611"/>
+            <a:ext cx="10268895" cy="2721212"/>
+          </a:xfrm>
+          <a:prstGeom prst="rect">
+            <a:avLst/>
+          </a:prstGeom>
+          <a:solidFill>
+            <a:schemeClr val="bg1">
+              <a:lumMod val="95000"/>
+            </a:schemeClr>
+          </a:solidFill>
+          <a:ln w="12700">
+            <a:solidFill>
+              <a:schemeClr val="tx1"/>
+            </a:solidFill>
+            <a:headEnd type="none" w="med" len="med"/>
+            <a:tailEnd type="none" w="med" len="med"/>
+          </a:ln>
+          <a:effectLst/>
+        </p:spPr>
+        <p:style>
+          <a:lnRef idx="1">
+            <a:schemeClr val="accent2"/>
+          </a:lnRef>
+          <a:fillRef idx="3">
+            <a:schemeClr val="accent2"/>
+          </a:fillRef>
+          <a:effectRef idx="2">
+            <a:schemeClr val="accent2"/>
+          </a:effectRef>
+          <a:fontRef idx="minor">
+            <a:schemeClr val="lt1"/>
+          </a:fontRef>
+        </p:style>
+        <p:txBody>
+          <a:bodyPr rot="0" spcFirstLastPara="0" vertOverflow="overflow" horzOverflow="overflow" vert="horz" wrap="square" lIns="182880" tIns="82296" rIns="182880" bIns="146304" numCol="1" spcCol="0" rtlCol="0" fromWordArt="0" anchor="t" anchorCtr="0" forceAA="0" compatLnSpc="1">
+            <a:prstTxWarp prst="textNoShape">
+              <a:avLst/>
+            </a:prstTxWarp>
+            <a:noAutofit/>
+          </a:bodyPr>
+          <a:lstStyle/>
+          <a:p>
+            <a:pPr defTabSz="932472" fontAlgn="base">
+              <a:lnSpc>
+                <a:spcPct val="90000"/>
+              </a:lnSpc>
+              <a:spcBef>
+                <a:spcPct val="0"/>
+              </a:spcBef>
+              <a:spcAft>
+                <a:spcPct val="0"/>
+              </a:spcAft>
+            </a:pPr>
+            <a:r>
+              <a:rPr lang="en-US" sz="1100" b="1" dirty="0">
+                <a:solidFill>
+                  <a:schemeClr val="tx1">
+                    <a:lumMod val="60000"/>
+                    <a:lumOff val="40000"/>
+                  </a:schemeClr>
+                </a:solidFill>
+                <a:ea typeface="Segoe UI" pitchFamily="34" charset="0"/>
+                <a:cs typeface="Segoe UI" pitchFamily="34" charset="0"/>
+              </a:rPr>
+              <a:t>Creatable Workspace Item Types by Workload</a:t>
+            </a:r>
+          </a:p>
+        </p:txBody>
+      </p:sp>
+      <p:sp>
+        <p:nvSpPr>
+          <p:cNvPr id="3" name="Rectangle 2">
+            <a:extLst>
+              <a:ext uri="{FF2B5EF4-FFF2-40B4-BE49-F238E27FC236}">
+                <a16:creationId xmlns:a16="http://schemas.microsoft.com/office/drawing/2014/main" id="{736A03BE-67D4-2349-129A-DB91773630D7}"/>
+              </a:ext>
+            </a:extLst>
+          </p:cNvPr>
+          <p:cNvSpPr/>
+          <p:nvPr/>
+        </p:nvSpPr>
+        <p:spPr bwMode="auto">
+          <a:xfrm>
+            <a:off x="2284614" y="1702197"/>
+            <a:ext cx="1593127" cy="2313262"/>
+          </a:xfrm>
+          <a:prstGeom prst="rect">
+            <a:avLst/>
+          </a:prstGeom>
+          <a:solidFill>
+            <a:schemeClr val="bg1"/>
+          </a:solidFill>
+          <a:ln>
+            <a:solidFill>
+              <a:schemeClr val="bg1">
+                <a:lumMod val="65000"/>
+              </a:schemeClr>
+            </a:solidFill>
+            <a:headEnd type="none" w="med" len="med"/>
+            <a:tailEnd type="none" w="med" len="med"/>
+          </a:ln>
+          <a:effectLst/>
+        </p:spPr>
+        <p:style>
+          <a:lnRef idx="1">
+            <a:schemeClr val="accent2"/>
+          </a:lnRef>
+          <a:fillRef idx="3">
+            <a:schemeClr val="accent2"/>
+          </a:fillRef>
+          <a:effectRef idx="2">
+            <a:schemeClr val="accent2"/>
+          </a:effectRef>
+          <a:fontRef idx="minor">
+            <a:schemeClr val="lt1"/>
+          </a:fontRef>
+        </p:style>
+        <p:txBody>
+          <a:bodyPr rot="0" spcFirstLastPara="0" vertOverflow="overflow" horzOverflow="overflow" vert="horz" wrap="square" lIns="182880" tIns="91440" rIns="182880" bIns="146304" numCol="1" spcCol="0" rtlCol="0" fromWordArt="0" anchor="t" anchorCtr="0" forceAA="0" compatLnSpc="1">
+            <a:prstTxWarp prst="textNoShape">
+              <a:avLst/>
+            </a:prstTxWarp>
+            <a:noAutofit/>
+          </a:bodyPr>
+          <a:lstStyle/>
+          <a:p>
+            <a:pPr algn="ctr" defTabSz="932472" fontAlgn="base">
+              <a:lnSpc>
+                <a:spcPct val="90000"/>
+              </a:lnSpc>
+              <a:spcBef>
+                <a:spcPct val="0"/>
+              </a:spcBef>
+              <a:spcAft>
+                <a:spcPct val="0"/>
+              </a:spcAft>
+            </a:pPr>
+            <a:r>
+              <a:rPr lang="en-US" sz="800" dirty="0">
+                <a:solidFill>
+                  <a:schemeClr val="tx1"/>
+                </a:solidFill>
+                <a:latin typeface="Arial Black" panose="020B0A04020102020204" pitchFamily="34" charset="0"/>
+                <a:ea typeface="Segoe UI" pitchFamily="34" charset="0"/>
+                <a:cs typeface="Segoe UI" pitchFamily="34" charset="0"/>
+              </a:rPr>
+              <a:t>Power BI</a:t>
+            </a:r>
+          </a:p>
+        </p:txBody>
+      </p:sp>
+      <p:sp>
+        <p:nvSpPr>
+          <p:cNvPr id="4" name="Rectangle 3">
+            <a:extLst>
+              <a:ext uri="{FF2B5EF4-FFF2-40B4-BE49-F238E27FC236}">
+                <a16:creationId xmlns:a16="http://schemas.microsoft.com/office/drawing/2014/main" id="{8A770D1D-BBFA-3307-1237-70F3DBEB6348}"/>
+              </a:ext>
+            </a:extLst>
+          </p:cNvPr>
+          <p:cNvSpPr/>
+          <p:nvPr/>
+        </p:nvSpPr>
+        <p:spPr bwMode="auto">
+          <a:xfrm>
+            <a:off x="2394464" y="1959155"/>
+            <a:ext cx="1365555" cy="284434"/>
+          </a:xfrm>
+          <a:prstGeom prst="rect">
+            <a:avLst/>
+          </a:prstGeom>
+          <a:solidFill>
+            <a:schemeClr val="accent4">
+              <a:lumMod val="40000"/>
+              <a:lumOff val="60000"/>
+            </a:schemeClr>
+          </a:solidFill>
+          <a:ln>
+            <a:solidFill>
+              <a:schemeClr val="tx1"/>
+            </a:solidFill>
+            <a:headEnd type="none" w="med" len="med"/>
+            <a:tailEnd type="none" w="med" len="med"/>
+          </a:ln>
+          <a:effectLst/>
+        </p:spPr>
+        <p:style>
+          <a:lnRef idx="1">
+            <a:schemeClr val="accent2"/>
+          </a:lnRef>
+          <a:fillRef idx="3">
+            <a:schemeClr val="accent2"/>
+          </a:fillRef>
+          <a:effectRef idx="2">
+            <a:schemeClr val="accent2"/>
+          </a:effectRef>
+          <a:fontRef idx="minor">
+            <a:schemeClr val="lt1"/>
+          </a:fontRef>
+        </p:style>
+        <p:txBody>
+          <a:bodyPr rot="0" spcFirstLastPara="0" vertOverflow="overflow" horzOverflow="overflow" vert="horz" wrap="square" lIns="0" tIns="0" rIns="0" bIns="0" numCol="1" spcCol="0" rtlCol="0" fromWordArt="0" anchor="ctr" anchorCtr="0" forceAA="0" compatLnSpc="1">
+            <a:prstTxWarp prst="textNoShape">
+              <a:avLst/>
+            </a:prstTxWarp>
+            <a:noAutofit/>
+          </a:bodyPr>
+          <a:lstStyle/>
+          <a:p>
+            <a:pPr algn="ctr" defTabSz="932472" fontAlgn="base">
+              <a:lnSpc>
+                <a:spcPct val="90000"/>
+              </a:lnSpc>
+              <a:spcBef>
+                <a:spcPct val="0"/>
+              </a:spcBef>
+              <a:spcAft>
+                <a:spcPct val="0"/>
+              </a:spcAft>
+            </a:pPr>
+            <a:r>
+              <a:rPr lang="en-US" sz="800" b="1" dirty="0">
+                <a:solidFill>
+                  <a:schemeClr val="tx1"/>
+                </a:solidFill>
+                <a:latin typeface="Lucida Console" panose="020B0609040504020204" pitchFamily="49" charset="0"/>
+                <a:ea typeface="Segoe UI" pitchFamily="34" charset="0"/>
+                <a:cs typeface="Segoe UI" pitchFamily="34" charset="0"/>
+              </a:rPr>
+              <a:t>SemanticModel</a:t>
+            </a:r>
+          </a:p>
+        </p:txBody>
+      </p:sp>
+      <p:sp>
+        <p:nvSpPr>
+          <p:cNvPr id="5" name="Rectangle 4">
+            <a:extLst>
+              <a:ext uri="{FF2B5EF4-FFF2-40B4-BE49-F238E27FC236}">
+                <a16:creationId xmlns:a16="http://schemas.microsoft.com/office/drawing/2014/main" id="{FFC668A0-88D5-A92A-488A-C309A4F4E840}"/>
+              </a:ext>
+            </a:extLst>
+          </p:cNvPr>
+          <p:cNvSpPr/>
+          <p:nvPr/>
+        </p:nvSpPr>
+        <p:spPr bwMode="auto">
+          <a:xfrm>
+            <a:off x="2394464" y="2364903"/>
+            <a:ext cx="1365555" cy="284434"/>
+          </a:xfrm>
+          <a:prstGeom prst="rect">
+            <a:avLst/>
+          </a:prstGeom>
+          <a:solidFill>
+            <a:schemeClr val="accent4">
+              <a:lumMod val="40000"/>
+              <a:lumOff val="60000"/>
+            </a:schemeClr>
+          </a:solidFill>
+          <a:ln>
+            <a:solidFill>
+              <a:schemeClr val="tx1"/>
+            </a:solidFill>
+            <a:headEnd type="none" w="med" len="med"/>
+            <a:tailEnd type="none" w="med" len="med"/>
+          </a:ln>
+          <a:effectLst/>
+        </p:spPr>
+        <p:style>
+          <a:lnRef idx="1">
+            <a:schemeClr val="accent2"/>
+          </a:lnRef>
+          <a:fillRef idx="3">
+            <a:schemeClr val="accent2"/>
+          </a:fillRef>
+          <a:effectRef idx="2">
+            <a:schemeClr val="accent2"/>
+          </a:effectRef>
+          <a:fontRef idx="minor">
+            <a:schemeClr val="lt1"/>
+          </a:fontRef>
+        </p:style>
+        <p:txBody>
+          <a:bodyPr rot="0" spcFirstLastPara="0" vertOverflow="overflow" horzOverflow="overflow" vert="horz" wrap="square" lIns="0" tIns="0" rIns="0" bIns="0" numCol="1" spcCol="0" rtlCol="0" fromWordArt="0" anchor="ctr" anchorCtr="0" forceAA="0" compatLnSpc="1">
+            <a:prstTxWarp prst="textNoShape">
+              <a:avLst/>
+            </a:prstTxWarp>
+            <a:noAutofit/>
+          </a:bodyPr>
+          <a:lstStyle/>
+          <a:p>
+            <a:pPr algn="ctr" defTabSz="932472" fontAlgn="base">
+              <a:lnSpc>
+                <a:spcPct val="90000"/>
+              </a:lnSpc>
+              <a:spcBef>
+                <a:spcPct val="0"/>
+              </a:spcBef>
+              <a:spcAft>
+                <a:spcPct val="0"/>
+              </a:spcAft>
+            </a:pPr>
+            <a:r>
+              <a:rPr lang="en-US" sz="800" b="1" dirty="0">
+                <a:solidFill>
+                  <a:schemeClr val="tx1"/>
+                </a:solidFill>
+                <a:latin typeface="Lucida Console" panose="020B0609040504020204" pitchFamily="49" charset="0"/>
+                <a:ea typeface="Segoe UI" pitchFamily="34" charset="0"/>
+                <a:cs typeface="Segoe UI" pitchFamily="34" charset="0"/>
+              </a:rPr>
+              <a:t>Report</a:t>
+            </a:r>
+          </a:p>
+        </p:txBody>
+      </p:sp>
+      <p:sp>
+        <p:nvSpPr>
+          <p:cNvPr id="6" name="Rectangle 5">
+            <a:extLst>
+              <a:ext uri="{FF2B5EF4-FFF2-40B4-BE49-F238E27FC236}">
+                <a16:creationId xmlns:a16="http://schemas.microsoft.com/office/drawing/2014/main" id="{4FDE5F17-72AE-1F9F-B894-341C6A5D711C}"/>
+              </a:ext>
+            </a:extLst>
+          </p:cNvPr>
+          <p:cNvSpPr/>
+          <p:nvPr/>
+        </p:nvSpPr>
+        <p:spPr bwMode="auto">
+          <a:xfrm>
+            <a:off x="587763" y="1708824"/>
+            <a:ext cx="1593127" cy="2313262"/>
+          </a:xfrm>
+          <a:prstGeom prst="rect">
+            <a:avLst/>
+          </a:prstGeom>
+          <a:solidFill>
+            <a:schemeClr val="bg1"/>
+          </a:solidFill>
+          <a:ln>
+            <a:solidFill>
+              <a:schemeClr val="bg1">
+                <a:lumMod val="65000"/>
+              </a:schemeClr>
+            </a:solidFill>
+            <a:headEnd type="none" w="med" len="med"/>
+            <a:tailEnd type="none" w="med" len="med"/>
+          </a:ln>
+          <a:effectLst/>
+        </p:spPr>
+        <p:style>
+          <a:lnRef idx="1">
+            <a:schemeClr val="accent2"/>
+          </a:lnRef>
+          <a:fillRef idx="3">
+            <a:schemeClr val="accent2"/>
+          </a:fillRef>
+          <a:effectRef idx="2">
+            <a:schemeClr val="accent2"/>
+          </a:effectRef>
+          <a:fontRef idx="minor">
+            <a:schemeClr val="lt1"/>
+          </a:fontRef>
+        </p:style>
+        <p:txBody>
+          <a:bodyPr rot="0" spcFirstLastPara="0" vertOverflow="overflow" horzOverflow="overflow" vert="horz" wrap="square" lIns="182880" tIns="91440" rIns="182880" bIns="146304" numCol="1" spcCol="0" rtlCol="0" fromWordArt="0" anchor="t" anchorCtr="0" forceAA="0" compatLnSpc="1">
+            <a:prstTxWarp prst="textNoShape">
+              <a:avLst/>
+            </a:prstTxWarp>
+            <a:noAutofit/>
+          </a:bodyPr>
+          <a:lstStyle/>
+          <a:p>
+            <a:pPr algn="ctr" defTabSz="932472" fontAlgn="base">
+              <a:lnSpc>
+                <a:spcPct val="90000"/>
+              </a:lnSpc>
+              <a:spcBef>
+                <a:spcPct val="0"/>
+              </a:spcBef>
+              <a:spcAft>
+                <a:spcPct val="0"/>
+              </a:spcAft>
+            </a:pPr>
+            <a:r>
+              <a:rPr lang="en-US" sz="800" dirty="0">
+                <a:solidFill>
+                  <a:schemeClr val="tx1"/>
+                </a:solidFill>
+                <a:latin typeface="Arial Black" panose="020B0A04020102020204" pitchFamily="34" charset="0"/>
+                <a:ea typeface="Segoe UI" pitchFamily="34" charset="0"/>
+                <a:cs typeface="Segoe UI" pitchFamily="34" charset="0"/>
+              </a:rPr>
+              <a:t>Data Engineering</a:t>
+            </a:r>
+          </a:p>
+        </p:txBody>
+      </p:sp>
+      <p:sp>
+        <p:nvSpPr>
+          <p:cNvPr id="7" name="Rectangle 6">
+            <a:extLst>
+              <a:ext uri="{FF2B5EF4-FFF2-40B4-BE49-F238E27FC236}">
+                <a16:creationId xmlns:a16="http://schemas.microsoft.com/office/drawing/2014/main" id="{81412344-CF4E-55A4-9F54-45EBEE82E69F}"/>
+              </a:ext>
+            </a:extLst>
+          </p:cNvPr>
+          <p:cNvSpPr/>
+          <p:nvPr/>
+        </p:nvSpPr>
+        <p:spPr bwMode="auto">
+          <a:xfrm>
+            <a:off x="697612" y="1965782"/>
+            <a:ext cx="1365555" cy="284434"/>
+          </a:xfrm>
+          <a:prstGeom prst="rect">
+            <a:avLst/>
+          </a:prstGeom>
+          <a:solidFill>
+            <a:schemeClr val="accent4">
+              <a:lumMod val="40000"/>
+              <a:lumOff val="60000"/>
+            </a:schemeClr>
+          </a:solidFill>
+          <a:ln>
+            <a:solidFill>
+              <a:schemeClr val="tx1"/>
+            </a:solidFill>
+            <a:headEnd type="none" w="med" len="med"/>
+            <a:tailEnd type="none" w="med" len="med"/>
+          </a:ln>
+          <a:effectLst/>
+        </p:spPr>
+        <p:style>
+          <a:lnRef idx="1">
+            <a:schemeClr val="accent2"/>
+          </a:lnRef>
+          <a:fillRef idx="3">
+            <a:schemeClr val="accent2"/>
+          </a:fillRef>
+          <a:effectRef idx="2">
+            <a:schemeClr val="accent2"/>
+          </a:effectRef>
+          <a:fontRef idx="minor">
+            <a:schemeClr val="lt1"/>
+          </a:fontRef>
+        </p:style>
+        <p:txBody>
+          <a:bodyPr rot="0" spcFirstLastPara="0" vertOverflow="overflow" horzOverflow="overflow" vert="horz" wrap="square" lIns="0" tIns="0" rIns="0" bIns="0" numCol="1" spcCol="0" rtlCol="0" fromWordArt="0" anchor="ctr" anchorCtr="0" forceAA="0" compatLnSpc="1">
+            <a:prstTxWarp prst="textNoShape">
+              <a:avLst/>
+            </a:prstTxWarp>
+            <a:noAutofit/>
+          </a:bodyPr>
+          <a:lstStyle/>
+          <a:p>
+            <a:pPr algn="ctr" defTabSz="932472" fontAlgn="base">
+              <a:lnSpc>
+                <a:spcPct val="90000"/>
+              </a:lnSpc>
+              <a:spcBef>
+                <a:spcPct val="0"/>
+              </a:spcBef>
+              <a:spcAft>
+                <a:spcPct val="0"/>
+              </a:spcAft>
+            </a:pPr>
+            <a:r>
+              <a:rPr lang="en-US" sz="800" b="1" dirty="0">
+                <a:solidFill>
+                  <a:schemeClr val="tx1"/>
+                </a:solidFill>
+                <a:latin typeface="Lucida Console" panose="020B0609040504020204" pitchFamily="49" charset="0"/>
+                <a:ea typeface="Segoe UI" pitchFamily="34" charset="0"/>
+                <a:cs typeface="Segoe UI" pitchFamily="34" charset="0"/>
+              </a:rPr>
+              <a:t>Lakehouse</a:t>
+            </a:r>
+          </a:p>
+        </p:txBody>
+      </p:sp>
+      <p:sp>
+        <p:nvSpPr>
+          <p:cNvPr id="8" name="Rectangle 7">
+            <a:extLst>
+              <a:ext uri="{FF2B5EF4-FFF2-40B4-BE49-F238E27FC236}">
+                <a16:creationId xmlns:a16="http://schemas.microsoft.com/office/drawing/2014/main" id="{E662EE7C-521F-1C09-BE56-8B9CC8829302}"/>
+              </a:ext>
+            </a:extLst>
+          </p:cNvPr>
+          <p:cNvSpPr/>
+          <p:nvPr/>
+        </p:nvSpPr>
+        <p:spPr bwMode="auto">
+          <a:xfrm>
+            <a:off x="697612" y="2371530"/>
+            <a:ext cx="1365555" cy="284434"/>
+          </a:xfrm>
+          <a:prstGeom prst="rect">
+            <a:avLst/>
+          </a:prstGeom>
+          <a:solidFill>
+            <a:schemeClr val="accent4">
+              <a:lumMod val="40000"/>
+              <a:lumOff val="60000"/>
+            </a:schemeClr>
+          </a:solidFill>
+          <a:ln>
+            <a:solidFill>
+              <a:schemeClr val="tx1"/>
+            </a:solidFill>
+            <a:headEnd type="none" w="med" len="med"/>
+            <a:tailEnd type="none" w="med" len="med"/>
+          </a:ln>
+          <a:effectLst/>
+        </p:spPr>
+        <p:style>
+          <a:lnRef idx="1">
+            <a:schemeClr val="accent2"/>
+          </a:lnRef>
+          <a:fillRef idx="3">
+            <a:schemeClr val="accent2"/>
+          </a:fillRef>
+          <a:effectRef idx="2">
+            <a:schemeClr val="accent2"/>
+          </a:effectRef>
+          <a:fontRef idx="minor">
+            <a:schemeClr val="lt1"/>
+          </a:fontRef>
+        </p:style>
+        <p:txBody>
+          <a:bodyPr rot="0" spcFirstLastPara="0" vertOverflow="overflow" horzOverflow="overflow" vert="horz" wrap="square" lIns="0" tIns="0" rIns="0" bIns="0" numCol="1" spcCol="0" rtlCol="0" fromWordArt="0" anchor="ctr" anchorCtr="0" forceAA="0" compatLnSpc="1">
+            <a:prstTxWarp prst="textNoShape">
+              <a:avLst/>
+            </a:prstTxWarp>
+            <a:noAutofit/>
+          </a:bodyPr>
+          <a:lstStyle/>
+          <a:p>
+            <a:pPr algn="ctr" defTabSz="932472" fontAlgn="base">
+              <a:lnSpc>
+                <a:spcPct val="90000"/>
+              </a:lnSpc>
+              <a:spcBef>
+                <a:spcPct val="0"/>
+              </a:spcBef>
+              <a:spcAft>
+                <a:spcPct val="0"/>
+              </a:spcAft>
+            </a:pPr>
+            <a:r>
+              <a:rPr lang="en-US" sz="800" b="1" dirty="0">
+                <a:solidFill>
+                  <a:schemeClr val="tx1"/>
+                </a:solidFill>
+                <a:latin typeface="Lucida Console" panose="020B0609040504020204" pitchFamily="49" charset="0"/>
+                <a:ea typeface="Segoe UI" pitchFamily="34" charset="0"/>
+                <a:cs typeface="Segoe UI" pitchFamily="34" charset="0"/>
+              </a:rPr>
+              <a:t>Notebook</a:t>
+            </a:r>
+          </a:p>
+        </p:txBody>
+      </p:sp>
+      <p:sp>
+        <p:nvSpPr>
+          <p:cNvPr id="9" name="Rectangle 8">
+            <a:extLst>
+              <a:ext uri="{FF2B5EF4-FFF2-40B4-BE49-F238E27FC236}">
+                <a16:creationId xmlns:a16="http://schemas.microsoft.com/office/drawing/2014/main" id="{8B06D070-BD76-F46B-6264-C6E1F4BB32CC}"/>
+              </a:ext>
+            </a:extLst>
+          </p:cNvPr>
+          <p:cNvSpPr/>
+          <p:nvPr/>
+        </p:nvSpPr>
+        <p:spPr bwMode="auto">
+          <a:xfrm>
+            <a:off x="697612" y="2777277"/>
+            <a:ext cx="1365555" cy="284434"/>
+          </a:xfrm>
+          <a:prstGeom prst="rect">
+            <a:avLst/>
+          </a:prstGeom>
+          <a:solidFill>
+            <a:schemeClr val="accent4">
+              <a:lumMod val="40000"/>
+              <a:lumOff val="60000"/>
+            </a:schemeClr>
+          </a:solidFill>
+          <a:ln>
+            <a:solidFill>
+              <a:schemeClr val="tx1"/>
+            </a:solidFill>
+            <a:headEnd type="none" w="med" len="med"/>
+            <a:tailEnd type="none" w="med" len="med"/>
+          </a:ln>
+          <a:effectLst/>
+        </p:spPr>
+        <p:style>
+          <a:lnRef idx="1">
+            <a:schemeClr val="accent2"/>
+          </a:lnRef>
+          <a:fillRef idx="3">
+            <a:schemeClr val="accent2"/>
+          </a:fillRef>
+          <a:effectRef idx="2">
+            <a:schemeClr val="accent2"/>
+          </a:effectRef>
+          <a:fontRef idx="minor">
+            <a:schemeClr val="lt1"/>
+          </a:fontRef>
+        </p:style>
+        <p:txBody>
+          <a:bodyPr rot="0" spcFirstLastPara="0" vertOverflow="overflow" horzOverflow="overflow" vert="horz" wrap="square" lIns="0" tIns="0" rIns="0" bIns="0" numCol="1" spcCol="0" rtlCol="0" fromWordArt="0" anchor="ctr" anchorCtr="0" forceAA="0" compatLnSpc="1">
+            <a:prstTxWarp prst="textNoShape">
+              <a:avLst/>
+            </a:prstTxWarp>
+            <a:noAutofit/>
+          </a:bodyPr>
+          <a:lstStyle/>
+          <a:p>
+            <a:pPr algn="ctr" defTabSz="932472" fontAlgn="base">
+              <a:lnSpc>
+                <a:spcPct val="90000"/>
+              </a:lnSpc>
+              <a:spcBef>
+                <a:spcPct val="0"/>
+              </a:spcBef>
+              <a:spcAft>
+                <a:spcPct val="0"/>
+              </a:spcAft>
+            </a:pPr>
+            <a:r>
+              <a:rPr lang="en-US" sz="800" b="1" dirty="0">
+                <a:solidFill>
+                  <a:schemeClr val="tx1"/>
+                </a:solidFill>
+                <a:latin typeface="Lucida Console" panose="020B0609040504020204" pitchFamily="49" charset="0"/>
+                <a:ea typeface="Segoe UI" pitchFamily="34" charset="0"/>
+                <a:cs typeface="Segoe UI" pitchFamily="34" charset="0"/>
+              </a:rPr>
+              <a:t>SparkJobDefinition</a:t>
+            </a:r>
+          </a:p>
+        </p:txBody>
+      </p:sp>
+      <p:grpSp>
+        <p:nvGrpSpPr>
+          <p:cNvPr id="10" name="Group 9">
+            <a:extLst>
+              <a:ext uri="{FF2B5EF4-FFF2-40B4-BE49-F238E27FC236}">
+                <a16:creationId xmlns:a16="http://schemas.microsoft.com/office/drawing/2014/main" id="{0A794E9D-F55B-1283-C61E-B4755B39DD03}"/>
+              </a:ext>
+            </a:extLst>
+          </p:cNvPr>
+          <p:cNvGrpSpPr/>
+          <p:nvPr/>
+        </p:nvGrpSpPr>
+        <p:grpSpPr>
+          <a:xfrm>
+            <a:off x="5710990" y="1708826"/>
+            <a:ext cx="1593127" cy="2313260"/>
+            <a:chOff x="7655404" y="4402518"/>
+            <a:chExt cx="1518303" cy="2313260"/>
+          </a:xfrm>
+        </p:grpSpPr>
+        <p:sp>
+          <p:nvSpPr>
+            <p:cNvPr id="11" name="Rectangle 10">
+              <a:extLst>
+                <a:ext uri="{FF2B5EF4-FFF2-40B4-BE49-F238E27FC236}">
+                  <a16:creationId xmlns:a16="http://schemas.microsoft.com/office/drawing/2014/main" id="{50A27199-AFDB-4387-FCC5-CCB6A0DFE2C0}"/>
+                </a:ext>
+              </a:extLst>
+            </p:cNvPr>
+            <p:cNvSpPr/>
+            <p:nvPr/>
+          </p:nvSpPr>
+          <p:spPr bwMode="auto">
+            <a:xfrm>
+              <a:off x="7655404" y="4402518"/>
+              <a:ext cx="1518303" cy="2313260"/>
+            </a:xfrm>
+            <a:prstGeom prst="rect">
+              <a:avLst/>
+            </a:prstGeom>
+            <a:solidFill>
+              <a:schemeClr val="bg1"/>
+            </a:solidFill>
+            <a:ln>
+              <a:solidFill>
+                <a:schemeClr val="bg1">
+                  <a:lumMod val="65000"/>
+                </a:schemeClr>
+              </a:solidFill>
+              <a:headEnd type="none" w="med" len="med"/>
+              <a:tailEnd type="none" w="med" len="med"/>
+            </a:ln>
+            <a:effectLst/>
+          </p:spPr>
+          <p:style>
+            <a:lnRef idx="1">
+              <a:schemeClr val="accent2"/>
+            </a:lnRef>
+            <a:fillRef idx="3">
+              <a:schemeClr val="accent2"/>
+            </a:fillRef>
+            <a:effectRef idx="2">
+              <a:schemeClr val="accent2"/>
+            </a:effectRef>
+            <a:fontRef idx="minor">
+              <a:schemeClr val="lt1"/>
+            </a:fontRef>
+          </p:style>
+          <p:txBody>
+            <a:bodyPr rot="0" spcFirstLastPara="0" vertOverflow="overflow" horzOverflow="overflow" vert="horz" wrap="square" lIns="182880" tIns="91440" rIns="182880" bIns="146304" numCol="1" spcCol="0" rtlCol="0" fromWordArt="0" anchor="t" anchorCtr="0" forceAA="0" compatLnSpc="1">
+              <a:prstTxWarp prst="textNoShape">
+                <a:avLst/>
+              </a:prstTxWarp>
+              <a:noAutofit/>
+            </a:bodyPr>
+            <a:lstStyle/>
+            <a:p>
+              <a:pPr algn="ctr" defTabSz="932472" fontAlgn="base">
+                <a:lnSpc>
+                  <a:spcPct val="90000"/>
+                </a:lnSpc>
+                <a:spcBef>
+                  <a:spcPct val="0"/>
+                </a:spcBef>
+                <a:spcAft>
+                  <a:spcPct val="0"/>
+                </a:spcAft>
+              </a:pPr>
+              <a:r>
+                <a:rPr lang="en-US" sz="800" dirty="0">
+                  <a:solidFill>
+                    <a:schemeClr val="tx1"/>
+                  </a:solidFill>
+                  <a:latin typeface="Arial Black" panose="020B0A04020102020204" pitchFamily="34" charset="0"/>
+                  <a:ea typeface="Segoe UI" pitchFamily="34" charset="0"/>
+                  <a:cs typeface="Segoe UI" pitchFamily="34" charset="0"/>
+                </a:rPr>
+                <a:t>Data Factory</a:t>
+              </a:r>
+            </a:p>
+          </p:txBody>
+        </p:sp>
+        <p:sp>
+          <p:nvSpPr>
+            <p:cNvPr id="12" name="Rectangle 11">
+              <a:extLst>
+                <a:ext uri="{FF2B5EF4-FFF2-40B4-BE49-F238E27FC236}">
+                  <a16:creationId xmlns:a16="http://schemas.microsoft.com/office/drawing/2014/main" id="{F3E538B2-78ED-D309-DC48-1C734F8C7174}"/>
+                </a:ext>
+              </a:extLst>
+            </p:cNvPr>
+            <p:cNvSpPr/>
+            <p:nvPr/>
+          </p:nvSpPr>
+          <p:spPr bwMode="auto">
+            <a:xfrm>
+              <a:off x="7760094" y="4659477"/>
+              <a:ext cx="1301419" cy="284434"/>
+            </a:xfrm>
+            <a:prstGeom prst="rect">
+              <a:avLst/>
+            </a:prstGeom>
+            <a:solidFill>
+              <a:schemeClr val="accent4">
+                <a:lumMod val="40000"/>
+                <a:lumOff val="60000"/>
+              </a:schemeClr>
+            </a:solidFill>
+            <a:ln>
+              <a:solidFill>
+                <a:schemeClr val="tx1"/>
+              </a:solidFill>
+              <a:headEnd type="none" w="med" len="med"/>
+              <a:tailEnd type="none" w="med" len="med"/>
+            </a:ln>
+            <a:effectLst/>
+          </p:spPr>
+          <p:style>
+            <a:lnRef idx="1">
+              <a:schemeClr val="accent2"/>
+            </a:lnRef>
+            <a:fillRef idx="3">
+              <a:schemeClr val="accent2"/>
+            </a:fillRef>
+            <a:effectRef idx="2">
+              <a:schemeClr val="accent2"/>
+            </a:effectRef>
+            <a:fontRef idx="minor">
+              <a:schemeClr val="lt1"/>
+            </a:fontRef>
+          </p:style>
+          <p:txBody>
+            <a:bodyPr rot="0" spcFirstLastPara="0" vertOverflow="overflow" horzOverflow="overflow" vert="horz" wrap="square" lIns="0" tIns="0" rIns="0" bIns="0" numCol="1" spcCol="0" rtlCol="0" fromWordArt="0" anchor="ctr" anchorCtr="0" forceAA="0" compatLnSpc="1">
+              <a:prstTxWarp prst="textNoShape">
+                <a:avLst/>
+              </a:prstTxWarp>
+              <a:noAutofit/>
+            </a:bodyPr>
+            <a:lstStyle/>
+            <a:p>
+              <a:pPr algn="ctr" defTabSz="932472" fontAlgn="base">
+                <a:lnSpc>
+                  <a:spcPct val="90000"/>
+                </a:lnSpc>
+                <a:spcBef>
+                  <a:spcPct val="0"/>
+                </a:spcBef>
+                <a:spcAft>
+                  <a:spcPct val="0"/>
+                </a:spcAft>
+              </a:pPr>
+              <a:r>
+                <a:rPr lang="en-US" sz="800" b="1" dirty="0">
+                  <a:solidFill>
+                    <a:schemeClr val="tx1"/>
+                  </a:solidFill>
+                  <a:latin typeface="Lucida Console" panose="020B0609040504020204" pitchFamily="49" charset="0"/>
+                  <a:ea typeface="Segoe UI" pitchFamily="34" charset="0"/>
+                  <a:cs typeface="Segoe UI" pitchFamily="34" charset="0"/>
+                </a:rPr>
+                <a:t>DataPipeline</a:t>
+              </a:r>
+            </a:p>
+          </p:txBody>
+        </p:sp>
+        <p:sp>
+          <p:nvSpPr>
+            <p:cNvPr id="13" name="Rectangle 12">
+              <a:extLst>
+                <a:ext uri="{FF2B5EF4-FFF2-40B4-BE49-F238E27FC236}">
+                  <a16:creationId xmlns:a16="http://schemas.microsoft.com/office/drawing/2014/main" id="{14944F07-719A-6BE9-5B9C-0DEDD8AD7D91}"/>
+                </a:ext>
+              </a:extLst>
+            </p:cNvPr>
+            <p:cNvSpPr/>
+            <p:nvPr/>
+          </p:nvSpPr>
+          <p:spPr bwMode="auto">
+            <a:xfrm>
+              <a:off x="7760094" y="5065225"/>
+              <a:ext cx="1301419" cy="284434"/>
+            </a:xfrm>
+            <a:prstGeom prst="rect">
+              <a:avLst/>
+            </a:prstGeom>
+            <a:solidFill>
+              <a:schemeClr val="accent4">
+                <a:lumMod val="40000"/>
+                <a:lumOff val="60000"/>
+              </a:schemeClr>
+            </a:solidFill>
+            <a:ln>
+              <a:solidFill>
+                <a:schemeClr val="tx1"/>
+              </a:solidFill>
+              <a:headEnd type="none" w="med" len="med"/>
+              <a:tailEnd type="none" w="med" len="med"/>
+            </a:ln>
+            <a:effectLst/>
+          </p:spPr>
+          <p:style>
+            <a:lnRef idx="1">
+              <a:schemeClr val="accent2"/>
+            </a:lnRef>
+            <a:fillRef idx="3">
+              <a:schemeClr val="accent2"/>
+            </a:fillRef>
+            <a:effectRef idx="2">
+              <a:schemeClr val="accent2"/>
+            </a:effectRef>
+            <a:fontRef idx="minor">
+              <a:schemeClr val="lt1"/>
+            </a:fontRef>
+          </p:style>
+          <p:txBody>
+            <a:bodyPr rot="0" spcFirstLastPara="0" vertOverflow="overflow" horzOverflow="overflow" vert="horz" wrap="square" lIns="0" tIns="0" rIns="0" bIns="0" numCol="1" spcCol="0" rtlCol="0" fromWordArt="0" anchor="ctr" anchorCtr="0" forceAA="0" compatLnSpc="1">
+              <a:prstTxWarp prst="textNoShape">
+                <a:avLst/>
+              </a:prstTxWarp>
+              <a:noAutofit/>
+            </a:bodyPr>
+            <a:lstStyle/>
+            <a:p>
+              <a:pPr algn="ctr" defTabSz="932472" fontAlgn="base">
+                <a:lnSpc>
+                  <a:spcPct val="90000"/>
+                </a:lnSpc>
+                <a:spcBef>
+                  <a:spcPct val="0"/>
+                </a:spcBef>
+                <a:spcAft>
+                  <a:spcPct val="0"/>
+                </a:spcAft>
+              </a:pPr>
+              <a:r>
+                <a:rPr lang="en-US" sz="800" b="1" dirty="0">
+                  <a:solidFill>
+                    <a:schemeClr val="tx1"/>
+                  </a:solidFill>
+                  <a:latin typeface="Lucida Console" panose="020B0609040504020204" pitchFamily="49" charset="0"/>
+                  <a:ea typeface="Segoe UI" pitchFamily="34" charset="0"/>
+                  <a:cs typeface="Segoe UI" pitchFamily="34" charset="0"/>
+                </a:rPr>
+                <a:t>Dataflow</a:t>
+              </a:r>
+            </a:p>
+          </p:txBody>
+        </p:sp>
+      </p:grpSp>
+      <p:sp>
+        <p:nvSpPr>
+          <p:cNvPr id="14" name="Rectangle 13">
+            <a:extLst>
+              <a:ext uri="{FF2B5EF4-FFF2-40B4-BE49-F238E27FC236}">
+                <a16:creationId xmlns:a16="http://schemas.microsoft.com/office/drawing/2014/main" id="{38F62DE7-1537-F664-13AD-02457C367CFE}"/>
+              </a:ext>
+            </a:extLst>
+          </p:cNvPr>
+          <p:cNvSpPr/>
+          <p:nvPr/>
+        </p:nvSpPr>
+        <p:spPr bwMode="auto">
+          <a:xfrm>
+            <a:off x="4001430" y="1715172"/>
+            <a:ext cx="1593127" cy="2313262"/>
+          </a:xfrm>
+          <a:prstGeom prst="rect">
+            <a:avLst/>
+          </a:prstGeom>
+          <a:solidFill>
+            <a:schemeClr val="bg1"/>
+          </a:solidFill>
+          <a:ln>
+            <a:solidFill>
+              <a:schemeClr val="bg1">
+                <a:lumMod val="65000"/>
+              </a:schemeClr>
+            </a:solidFill>
+            <a:headEnd type="none" w="med" len="med"/>
+            <a:tailEnd type="none" w="med" len="med"/>
+          </a:ln>
+          <a:effectLst/>
+        </p:spPr>
+        <p:style>
+          <a:lnRef idx="1">
+            <a:schemeClr val="accent2"/>
+          </a:lnRef>
+          <a:fillRef idx="3">
+            <a:schemeClr val="accent2"/>
+          </a:fillRef>
+          <a:effectRef idx="2">
+            <a:schemeClr val="accent2"/>
+          </a:effectRef>
+          <a:fontRef idx="minor">
+            <a:schemeClr val="lt1"/>
+          </a:fontRef>
+        </p:style>
+        <p:txBody>
+          <a:bodyPr rot="0" spcFirstLastPara="0" vertOverflow="overflow" horzOverflow="overflow" vert="horz" wrap="square" lIns="182880" tIns="91440" rIns="182880" bIns="146304" numCol="1" spcCol="0" rtlCol="0" fromWordArt="0" anchor="t" anchorCtr="0" forceAA="0" compatLnSpc="1">
+            <a:prstTxWarp prst="textNoShape">
+              <a:avLst/>
+            </a:prstTxWarp>
+            <a:noAutofit/>
+          </a:bodyPr>
+          <a:lstStyle/>
+          <a:p>
+            <a:pPr algn="ctr" defTabSz="932472" fontAlgn="base">
+              <a:lnSpc>
+                <a:spcPct val="90000"/>
+              </a:lnSpc>
+              <a:spcBef>
+                <a:spcPct val="0"/>
+              </a:spcBef>
+              <a:spcAft>
+                <a:spcPct val="0"/>
+              </a:spcAft>
+            </a:pPr>
+            <a:r>
+              <a:rPr lang="en-US" sz="800" dirty="0">
+                <a:solidFill>
+                  <a:schemeClr val="tx1"/>
+                </a:solidFill>
+                <a:latin typeface="Arial Black" panose="020B0A04020102020204" pitchFamily="34" charset="0"/>
+                <a:ea typeface="Segoe UI" pitchFamily="34" charset="0"/>
+                <a:cs typeface="Segoe UI" pitchFamily="34" charset="0"/>
+              </a:rPr>
+              <a:t>Data Warehouse</a:t>
+            </a:r>
+          </a:p>
+        </p:txBody>
+      </p:sp>
+      <p:sp>
+        <p:nvSpPr>
+          <p:cNvPr id="15" name="Rectangle 14">
+            <a:extLst>
+              <a:ext uri="{FF2B5EF4-FFF2-40B4-BE49-F238E27FC236}">
+                <a16:creationId xmlns:a16="http://schemas.microsoft.com/office/drawing/2014/main" id="{895BA1A8-2638-5D38-8B52-A895F51E72C1}"/>
+              </a:ext>
+            </a:extLst>
+          </p:cNvPr>
+          <p:cNvSpPr/>
+          <p:nvPr/>
+        </p:nvSpPr>
+        <p:spPr bwMode="auto">
+          <a:xfrm>
+            <a:off x="4111281" y="1972130"/>
+            <a:ext cx="1365555" cy="284434"/>
+          </a:xfrm>
+          <a:prstGeom prst="rect">
+            <a:avLst/>
+          </a:prstGeom>
+          <a:solidFill>
+            <a:schemeClr val="accent4">
+              <a:lumMod val="40000"/>
+              <a:lumOff val="60000"/>
+            </a:schemeClr>
+          </a:solidFill>
+          <a:ln>
+            <a:solidFill>
+              <a:schemeClr val="tx1"/>
+            </a:solidFill>
+            <a:headEnd type="none" w="med" len="med"/>
+            <a:tailEnd type="none" w="med" len="med"/>
+          </a:ln>
+          <a:effectLst/>
+        </p:spPr>
+        <p:style>
+          <a:lnRef idx="1">
+            <a:schemeClr val="accent2"/>
+          </a:lnRef>
+          <a:fillRef idx="3">
+            <a:schemeClr val="accent2"/>
+          </a:fillRef>
+          <a:effectRef idx="2">
+            <a:schemeClr val="accent2"/>
+          </a:effectRef>
+          <a:fontRef idx="minor">
+            <a:schemeClr val="lt1"/>
+          </a:fontRef>
+        </p:style>
+        <p:txBody>
+          <a:bodyPr rot="0" spcFirstLastPara="0" vertOverflow="overflow" horzOverflow="overflow" vert="horz" wrap="square" lIns="0" tIns="0" rIns="0" bIns="0" numCol="1" spcCol="0" rtlCol="0" fromWordArt="0" anchor="ctr" anchorCtr="0" forceAA="0" compatLnSpc="1">
+            <a:prstTxWarp prst="textNoShape">
+              <a:avLst/>
+            </a:prstTxWarp>
+            <a:noAutofit/>
+          </a:bodyPr>
+          <a:lstStyle/>
+          <a:p>
+            <a:pPr algn="ctr" defTabSz="932472" fontAlgn="base">
+              <a:lnSpc>
+                <a:spcPct val="90000"/>
+              </a:lnSpc>
+              <a:spcBef>
+                <a:spcPct val="0"/>
+              </a:spcBef>
+              <a:spcAft>
+                <a:spcPct val="0"/>
+              </a:spcAft>
+            </a:pPr>
+            <a:r>
+              <a:rPr lang="en-US" sz="800" b="1" dirty="0">
+                <a:solidFill>
+                  <a:schemeClr val="tx1"/>
+                </a:solidFill>
+                <a:latin typeface="Lucida Console" panose="020B0609040504020204" pitchFamily="49" charset="0"/>
+                <a:ea typeface="Segoe UI" pitchFamily="34" charset="0"/>
+                <a:cs typeface="Segoe UI" pitchFamily="34" charset="0"/>
+              </a:rPr>
+              <a:t>Warehouse</a:t>
+            </a:r>
+          </a:p>
+        </p:txBody>
+      </p:sp>
+      <p:sp>
+        <p:nvSpPr>
+          <p:cNvPr id="16" name="Rectangle 15">
+            <a:extLst>
+              <a:ext uri="{FF2B5EF4-FFF2-40B4-BE49-F238E27FC236}">
+                <a16:creationId xmlns:a16="http://schemas.microsoft.com/office/drawing/2014/main" id="{8D36E725-0F59-D3AB-7888-4EC8330BC73B}"/>
+              </a:ext>
+            </a:extLst>
+          </p:cNvPr>
+          <p:cNvSpPr/>
+          <p:nvPr/>
+        </p:nvSpPr>
+        <p:spPr bwMode="auto">
+          <a:xfrm>
+            <a:off x="4107646" y="2371648"/>
+            <a:ext cx="1365555" cy="284434"/>
+          </a:xfrm>
+          <a:prstGeom prst="rect">
+            <a:avLst/>
+          </a:prstGeom>
+          <a:solidFill>
+            <a:schemeClr val="accent4">
+              <a:lumMod val="40000"/>
+              <a:lumOff val="60000"/>
+            </a:schemeClr>
+          </a:solidFill>
+          <a:ln>
+            <a:solidFill>
+              <a:schemeClr val="tx1"/>
+            </a:solidFill>
+            <a:headEnd type="none" w="med" len="med"/>
+            <a:tailEnd type="none" w="med" len="med"/>
+          </a:ln>
+          <a:effectLst/>
+        </p:spPr>
+        <p:style>
+          <a:lnRef idx="1">
+            <a:schemeClr val="accent2"/>
+          </a:lnRef>
+          <a:fillRef idx="3">
+            <a:schemeClr val="accent2"/>
+          </a:fillRef>
+          <a:effectRef idx="2">
+            <a:schemeClr val="accent2"/>
+          </a:effectRef>
+          <a:fontRef idx="minor">
+            <a:schemeClr val="lt1"/>
+          </a:fontRef>
+        </p:style>
+        <p:txBody>
+          <a:bodyPr rot="0" spcFirstLastPara="0" vertOverflow="overflow" horzOverflow="overflow" vert="horz" wrap="square" lIns="0" tIns="0" rIns="0" bIns="0" numCol="1" spcCol="0" rtlCol="0" fromWordArt="0" anchor="ctr" anchorCtr="0" forceAA="0" compatLnSpc="1">
+            <a:prstTxWarp prst="textNoShape">
+              <a:avLst/>
+            </a:prstTxWarp>
+            <a:noAutofit/>
+          </a:bodyPr>
+          <a:lstStyle/>
+          <a:p>
+            <a:pPr algn="ctr" defTabSz="932472" fontAlgn="base">
+              <a:lnSpc>
+                <a:spcPct val="90000"/>
+              </a:lnSpc>
+              <a:spcBef>
+                <a:spcPct val="0"/>
+              </a:spcBef>
+              <a:spcAft>
+                <a:spcPct val="0"/>
+              </a:spcAft>
+            </a:pPr>
+            <a:r>
+              <a:rPr lang="en-US" sz="800" b="1" dirty="0">
+                <a:solidFill>
+                  <a:schemeClr val="tx1"/>
+                </a:solidFill>
+                <a:latin typeface="Lucida Console" panose="020B0609040504020204" pitchFamily="49" charset="0"/>
+                <a:ea typeface="Segoe UI" pitchFamily="34" charset="0"/>
+                <a:cs typeface="Segoe UI" pitchFamily="34" charset="0"/>
+              </a:rPr>
+              <a:t>MirroredWarehouse</a:t>
+            </a:r>
+          </a:p>
+        </p:txBody>
+      </p:sp>
+      <p:sp>
+        <p:nvSpPr>
+          <p:cNvPr id="17" name="Rectangle 16">
+            <a:extLst>
+              <a:ext uri="{FF2B5EF4-FFF2-40B4-BE49-F238E27FC236}">
+                <a16:creationId xmlns:a16="http://schemas.microsoft.com/office/drawing/2014/main" id="{391DE3B5-886B-3DC3-5CA8-D58F67E5E234}"/>
+              </a:ext>
+            </a:extLst>
+          </p:cNvPr>
+          <p:cNvSpPr/>
+          <p:nvPr/>
+        </p:nvSpPr>
+        <p:spPr bwMode="auto">
+          <a:xfrm>
+            <a:off x="7411198" y="1708823"/>
+            <a:ext cx="1593127" cy="2319609"/>
+          </a:xfrm>
+          <a:prstGeom prst="rect">
+            <a:avLst/>
+          </a:prstGeom>
+          <a:solidFill>
+            <a:schemeClr val="bg1"/>
+          </a:solidFill>
+          <a:ln>
+            <a:solidFill>
+              <a:schemeClr val="bg1">
+                <a:lumMod val="65000"/>
+              </a:schemeClr>
+            </a:solidFill>
+            <a:headEnd type="none" w="med" len="med"/>
+            <a:tailEnd type="none" w="med" len="med"/>
+          </a:ln>
+          <a:effectLst/>
+        </p:spPr>
+        <p:style>
+          <a:lnRef idx="1">
+            <a:schemeClr val="accent2"/>
+          </a:lnRef>
+          <a:fillRef idx="3">
+            <a:schemeClr val="accent2"/>
+          </a:fillRef>
+          <a:effectRef idx="2">
+            <a:schemeClr val="accent2"/>
+          </a:effectRef>
+          <a:fontRef idx="minor">
+            <a:schemeClr val="lt1"/>
+          </a:fontRef>
+        </p:style>
+        <p:txBody>
+          <a:bodyPr rot="0" spcFirstLastPara="0" vertOverflow="overflow" horzOverflow="overflow" vert="horz" wrap="square" lIns="182880" tIns="91440" rIns="182880" bIns="146304" numCol="1" spcCol="0" rtlCol="0" fromWordArt="0" anchor="t" anchorCtr="0" forceAA="0" compatLnSpc="1">
+            <a:prstTxWarp prst="textNoShape">
+              <a:avLst/>
+            </a:prstTxWarp>
+            <a:noAutofit/>
+          </a:bodyPr>
+          <a:lstStyle/>
+          <a:p>
+            <a:pPr algn="ctr" defTabSz="932472" fontAlgn="base">
+              <a:lnSpc>
+                <a:spcPct val="90000"/>
+              </a:lnSpc>
+              <a:spcBef>
+                <a:spcPct val="0"/>
+              </a:spcBef>
+              <a:spcAft>
+                <a:spcPct val="0"/>
+              </a:spcAft>
+            </a:pPr>
+            <a:r>
+              <a:rPr lang="en-US" sz="800" dirty="0">
+                <a:solidFill>
+                  <a:schemeClr val="tx1"/>
+                </a:solidFill>
+                <a:latin typeface="Arial Black" panose="020B0A04020102020204" pitchFamily="34" charset="0"/>
+                <a:ea typeface="Segoe UI" pitchFamily="34" charset="0"/>
+                <a:cs typeface="Segoe UI" pitchFamily="34" charset="0"/>
+              </a:rPr>
+              <a:t>Real-time Intelligence</a:t>
+            </a:r>
+          </a:p>
+        </p:txBody>
+      </p:sp>
+      <p:sp>
+        <p:nvSpPr>
+          <p:cNvPr id="18" name="Rectangle 17">
+            <a:extLst>
+              <a:ext uri="{FF2B5EF4-FFF2-40B4-BE49-F238E27FC236}">
+                <a16:creationId xmlns:a16="http://schemas.microsoft.com/office/drawing/2014/main" id="{5FF73A07-A9F7-8005-0A8B-B24B504A7590}"/>
+              </a:ext>
+            </a:extLst>
+          </p:cNvPr>
+          <p:cNvSpPr/>
+          <p:nvPr/>
+        </p:nvSpPr>
+        <p:spPr bwMode="auto">
+          <a:xfrm>
+            <a:off x="7521047" y="2381125"/>
+            <a:ext cx="1365555" cy="284434"/>
+          </a:xfrm>
+          <a:prstGeom prst="rect">
+            <a:avLst/>
+          </a:prstGeom>
+          <a:solidFill>
+            <a:schemeClr val="accent4">
+              <a:lumMod val="40000"/>
+              <a:lumOff val="60000"/>
+            </a:schemeClr>
+          </a:solidFill>
+          <a:ln>
+            <a:solidFill>
+              <a:schemeClr val="tx1"/>
+            </a:solidFill>
+            <a:headEnd type="none" w="med" len="med"/>
+            <a:tailEnd type="none" w="med" len="med"/>
+          </a:ln>
+          <a:effectLst/>
+        </p:spPr>
+        <p:style>
+          <a:lnRef idx="1">
+            <a:schemeClr val="accent2"/>
+          </a:lnRef>
+          <a:fillRef idx="3">
+            <a:schemeClr val="accent2"/>
+          </a:fillRef>
+          <a:effectRef idx="2">
+            <a:schemeClr val="accent2"/>
+          </a:effectRef>
+          <a:fontRef idx="minor">
+            <a:schemeClr val="lt1"/>
+          </a:fontRef>
+        </p:style>
+        <p:txBody>
+          <a:bodyPr rot="0" spcFirstLastPara="0" vertOverflow="overflow" horzOverflow="overflow" vert="horz" wrap="square" lIns="0" tIns="0" rIns="0" bIns="0" numCol="1" spcCol="0" rtlCol="0" fromWordArt="0" anchor="ctr" anchorCtr="0" forceAA="0" compatLnSpc="1">
+            <a:prstTxWarp prst="textNoShape">
+              <a:avLst/>
+            </a:prstTxWarp>
+            <a:noAutofit/>
+          </a:bodyPr>
+          <a:lstStyle/>
+          <a:p>
+            <a:pPr algn="ctr" defTabSz="932472" fontAlgn="base">
+              <a:lnSpc>
+                <a:spcPct val="90000"/>
+              </a:lnSpc>
+              <a:spcBef>
+                <a:spcPct val="0"/>
+              </a:spcBef>
+              <a:spcAft>
+                <a:spcPct val="0"/>
+              </a:spcAft>
+            </a:pPr>
+            <a:r>
+              <a:rPr lang="en-US" sz="800" b="1" dirty="0">
+                <a:solidFill>
+                  <a:schemeClr val="tx1"/>
+                </a:solidFill>
+                <a:latin typeface="Lucida Console" panose="020B0609040504020204" pitchFamily="49" charset="0"/>
+                <a:ea typeface="Segoe UI" pitchFamily="34" charset="0"/>
+                <a:cs typeface="Segoe UI" pitchFamily="34" charset="0"/>
+              </a:rPr>
+              <a:t>Eventstream</a:t>
+            </a:r>
+          </a:p>
+        </p:txBody>
+      </p:sp>
+      <p:sp>
+        <p:nvSpPr>
+          <p:cNvPr id="19" name="Rectangle 18">
+            <a:extLst>
+              <a:ext uri="{FF2B5EF4-FFF2-40B4-BE49-F238E27FC236}">
+                <a16:creationId xmlns:a16="http://schemas.microsoft.com/office/drawing/2014/main" id="{58919079-9F61-ED6B-C26A-C2E69AE83E34}"/>
+              </a:ext>
+            </a:extLst>
+          </p:cNvPr>
+          <p:cNvSpPr/>
+          <p:nvPr/>
+        </p:nvSpPr>
+        <p:spPr bwMode="auto">
+          <a:xfrm>
+            <a:off x="7521047" y="2793160"/>
+            <a:ext cx="1365555" cy="284434"/>
+          </a:xfrm>
+          <a:prstGeom prst="rect">
+            <a:avLst/>
+          </a:prstGeom>
+          <a:solidFill>
+            <a:schemeClr val="accent4">
+              <a:lumMod val="40000"/>
+              <a:lumOff val="60000"/>
+            </a:schemeClr>
+          </a:solidFill>
+          <a:ln>
+            <a:solidFill>
+              <a:schemeClr val="tx1"/>
+            </a:solidFill>
+            <a:headEnd type="none" w="med" len="med"/>
+            <a:tailEnd type="none" w="med" len="med"/>
+          </a:ln>
+          <a:effectLst/>
+        </p:spPr>
+        <p:style>
+          <a:lnRef idx="1">
+            <a:schemeClr val="accent2"/>
+          </a:lnRef>
+          <a:fillRef idx="3">
+            <a:schemeClr val="accent2"/>
+          </a:fillRef>
+          <a:effectRef idx="2">
+            <a:schemeClr val="accent2"/>
+          </a:effectRef>
+          <a:fontRef idx="minor">
+            <a:schemeClr val="lt1"/>
+          </a:fontRef>
+        </p:style>
+        <p:txBody>
+          <a:bodyPr rot="0" spcFirstLastPara="0" vertOverflow="overflow" horzOverflow="overflow" vert="horz" wrap="square" lIns="0" tIns="0" rIns="0" bIns="0" numCol="1" spcCol="0" rtlCol="0" fromWordArt="0" anchor="ctr" anchorCtr="0" forceAA="0" compatLnSpc="1">
+            <a:prstTxWarp prst="textNoShape">
+              <a:avLst/>
+            </a:prstTxWarp>
+            <a:noAutofit/>
+          </a:bodyPr>
+          <a:lstStyle/>
+          <a:p>
+            <a:pPr algn="ctr" defTabSz="932472" fontAlgn="base">
+              <a:lnSpc>
+                <a:spcPct val="90000"/>
+              </a:lnSpc>
+              <a:spcBef>
+                <a:spcPct val="0"/>
+              </a:spcBef>
+              <a:spcAft>
+                <a:spcPct val="0"/>
+              </a:spcAft>
+            </a:pPr>
+            <a:r>
+              <a:rPr lang="en-US" sz="800" b="1" dirty="0">
+                <a:solidFill>
+                  <a:schemeClr val="tx1"/>
+                </a:solidFill>
+                <a:latin typeface="Lucida Console" panose="020B0609040504020204" pitchFamily="49" charset="0"/>
+                <a:ea typeface="Segoe UI" pitchFamily="34" charset="0"/>
+                <a:cs typeface="Segoe UI" pitchFamily="34" charset="0"/>
+              </a:rPr>
+              <a:t>KQLDatabase</a:t>
+            </a:r>
+          </a:p>
+        </p:txBody>
+      </p:sp>
+      <p:sp>
+        <p:nvSpPr>
+          <p:cNvPr id="20" name="Rectangle 19">
+            <a:extLst>
+              <a:ext uri="{FF2B5EF4-FFF2-40B4-BE49-F238E27FC236}">
+                <a16:creationId xmlns:a16="http://schemas.microsoft.com/office/drawing/2014/main" id="{CB86840D-7B26-33D1-046D-904102F0F8A6}"/>
+              </a:ext>
+            </a:extLst>
+          </p:cNvPr>
+          <p:cNvSpPr/>
+          <p:nvPr/>
+        </p:nvSpPr>
+        <p:spPr bwMode="auto">
+          <a:xfrm>
+            <a:off x="7521047" y="3205195"/>
+            <a:ext cx="1365555" cy="284434"/>
+          </a:xfrm>
+          <a:prstGeom prst="rect">
+            <a:avLst/>
+          </a:prstGeom>
+          <a:solidFill>
+            <a:schemeClr val="accent4">
+              <a:lumMod val="40000"/>
+              <a:lumOff val="60000"/>
+            </a:schemeClr>
+          </a:solidFill>
+          <a:ln>
+            <a:solidFill>
+              <a:schemeClr val="tx1"/>
+            </a:solidFill>
+            <a:headEnd type="none" w="med" len="med"/>
+            <a:tailEnd type="none" w="med" len="med"/>
+          </a:ln>
+          <a:effectLst/>
+        </p:spPr>
+        <p:style>
+          <a:lnRef idx="1">
+            <a:schemeClr val="accent2"/>
+          </a:lnRef>
+          <a:fillRef idx="3">
+            <a:schemeClr val="accent2"/>
+          </a:fillRef>
+          <a:effectRef idx="2">
+            <a:schemeClr val="accent2"/>
+          </a:effectRef>
+          <a:fontRef idx="minor">
+            <a:schemeClr val="lt1"/>
+          </a:fontRef>
+        </p:style>
+        <p:txBody>
+          <a:bodyPr rot="0" spcFirstLastPara="0" vertOverflow="overflow" horzOverflow="overflow" vert="horz" wrap="square" lIns="0" tIns="0" rIns="0" bIns="0" numCol="1" spcCol="0" rtlCol="0" fromWordArt="0" anchor="ctr" anchorCtr="0" forceAA="0" compatLnSpc="1">
+            <a:prstTxWarp prst="textNoShape">
+              <a:avLst/>
+            </a:prstTxWarp>
+            <a:noAutofit/>
+          </a:bodyPr>
+          <a:lstStyle/>
+          <a:p>
+            <a:pPr algn="ctr" defTabSz="932472" fontAlgn="base">
+              <a:lnSpc>
+                <a:spcPct val="90000"/>
+              </a:lnSpc>
+              <a:spcBef>
+                <a:spcPct val="0"/>
+              </a:spcBef>
+              <a:spcAft>
+                <a:spcPct val="0"/>
+              </a:spcAft>
+            </a:pPr>
+            <a:r>
+              <a:rPr lang="en-US" sz="800" b="1" dirty="0">
+                <a:solidFill>
+                  <a:schemeClr val="tx1"/>
+                </a:solidFill>
+                <a:latin typeface="Lucida Console" panose="020B0609040504020204" pitchFamily="49" charset="0"/>
+                <a:ea typeface="Segoe UI" pitchFamily="34" charset="0"/>
+                <a:cs typeface="Segoe UI" pitchFamily="34" charset="0"/>
+              </a:rPr>
+              <a:t>KQLQueryset</a:t>
+            </a:r>
+          </a:p>
+        </p:txBody>
+      </p:sp>
+      <p:sp>
+        <p:nvSpPr>
+          <p:cNvPr id="21" name="Rectangle 20">
+            <a:extLst>
+              <a:ext uri="{FF2B5EF4-FFF2-40B4-BE49-F238E27FC236}">
+                <a16:creationId xmlns:a16="http://schemas.microsoft.com/office/drawing/2014/main" id="{2AB4DB15-C31D-2B95-3CDE-0F0E0B6C4EAC}"/>
+              </a:ext>
+            </a:extLst>
+          </p:cNvPr>
+          <p:cNvSpPr/>
+          <p:nvPr/>
+        </p:nvSpPr>
+        <p:spPr bwMode="auto">
+          <a:xfrm>
+            <a:off x="708663" y="3199452"/>
+            <a:ext cx="1365555" cy="284434"/>
+          </a:xfrm>
+          <a:prstGeom prst="rect">
+            <a:avLst/>
+          </a:prstGeom>
+          <a:solidFill>
+            <a:schemeClr val="accent4">
+              <a:lumMod val="40000"/>
+              <a:lumOff val="60000"/>
+            </a:schemeClr>
+          </a:solidFill>
+          <a:ln>
+            <a:solidFill>
+              <a:schemeClr val="tx1"/>
+            </a:solidFill>
+            <a:headEnd type="none" w="med" len="med"/>
+            <a:tailEnd type="none" w="med" len="med"/>
+          </a:ln>
+          <a:effectLst/>
+        </p:spPr>
+        <p:style>
+          <a:lnRef idx="1">
+            <a:schemeClr val="accent2"/>
+          </a:lnRef>
+          <a:fillRef idx="3">
+            <a:schemeClr val="accent2"/>
+          </a:fillRef>
+          <a:effectRef idx="2">
+            <a:schemeClr val="accent2"/>
+          </a:effectRef>
+          <a:fontRef idx="minor">
+            <a:schemeClr val="lt1"/>
+          </a:fontRef>
+        </p:style>
+        <p:txBody>
+          <a:bodyPr rot="0" spcFirstLastPara="0" vertOverflow="overflow" horzOverflow="overflow" vert="horz" wrap="square" lIns="0" tIns="0" rIns="0" bIns="0" numCol="1" spcCol="0" rtlCol="0" fromWordArt="0" anchor="ctr" anchorCtr="0" forceAA="0" compatLnSpc="1">
+            <a:prstTxWarp prst="textNoShape">
+              <a:avLst/>
+            </a:prstTxWarp>
+            <a:noAutofit/>
+          </a:bodyPr>
+          <a:lstStyle/>
+          <a:p>
+            <a:pPr algn="ctr" defTabSz="932472" fontAlgn="base">
+              <a:lnSpc>
+                <a:spcPct val="90000"/>
+              </a:lnSpc>
+              <a:spcBef>
+                <a:spcPct val="0"/>
+              </a:spcBef>
+              <a:spcAft>
+                <a:spcPct val="0"/>
+              </a:spcAft>
+            </a:pPr>
+            <a:r>
+              <a:rPr lang="en-US" sz="800" b="1" dirty="0">
+                <a:solidFill>
+                  <a:schemeClr val="tx1"/>
+                </a:solidFill>
+                <a:latin typeface="Lucida Console" panose="020B0609040504020204" pitchFamily="49" charset="0"/>
+                <a:ea typeface="Segoe UI" pitchFamily="34" charset="0"/>
+                <a:cs typeface="Segoe UI" pitchFamily="34" charset="0"/>
+              </a:rPr>
+              <a:t>Environment</a:t>
+            </a:r>
+          </a:p>
+        </p:txBody>
+      </p:sp>
+      <p:sp>
+        <p:nvSpPr>
+          <p:cNvPr id="22" name="Rectangle 21">
+            <a:extLst>
+              <a:ext uri="{FF2B5EF4-FFF2-40B4-BE49-F238E27FC236}">
+                <a16:creationId xmlns:a16="http://schemas.microsoft.com/office/drawing/2014/main" id="{71411E94-0836-0C82-70E1-C9526DEF6BBD}"/>
+              </a:ext>
+            </a:extLst>
+          </p:cNvPr>
+          <p:cNvSpPr/>
+          <p:nvPr/>
+        </p:nvSpPr>
+        <p:spPr bwMode="auto">
+          <a:xfrm>
+            <a:off x="9069306" y="1702199"/>
+            <a:ext cx="1593127" cy="2313260"/>
+          </a:xfrm>
+          <a:prstGeom prst="rect">
+            <a:avLst/>
+          </a:prstGeom>
+          <a:solidFill>
+            <a:schemeClr val="bg1"/>
+          </a:solidFill>
+          <a:ln>
+            <a:solidFill>
+              <a:schemeClr val="bg1">
+                <a:lumMod val="65000"/>
+              </a:schemeClr>
+            </a:solidFill>
+            <a:headEnd type="none" w="med" len="med"/>
+            <a:tailEnd type="none" w="med" len="med"/>
+          </a:ln>
+          <a:effectLst/>
+        </p:spPr>
+        <p:style>
+          <a:lnRef idx="1">
+            <a:schemeClr val="accent2"/>
+          </a:lnRef>
+          <a:fillRef idx="3">
+            <a:schemeClr val="accent2"/>
+          </a:fillRef>
+          <a:effectRef idx="2">
+            <a:schemeClr val="accent2"/>
+          </a:effectRef>
+          <a:fontRef idx="minor">
+            <a:schemeClr val="lt1"/>
+          </a:fontRef>
+        </p:style>
+        <p:txBody>
+          <a:bodyPr rot="0" spcFirstLastPara="0" vertOverflow="overflow" horzOverflow="overflow" vert="horz" wrap="square" lIns="182880" tIns="91440" rIns="182880" bIns="146304" numCol="1" spcCol="0" rtlCol="0" fromWordArt="0" anchor="t" anchorCtr="0" forceAA="0" compatLnSpc="1">
+            <a:prstTxWarp prst="textNoShape">
+              <a:avLst/>
+            </a:prstTxWarp>
+            <a:noAutofit/>
+          </a:bodyPr>
+          <a:lstStyle/>
+          <a:p>
+            <a:pPr algn="ctr" defTabSz="932472" fontAlgn="base">
+              <a:lnSpc>
+                <a:spcPct val="90000"/>
+              </a:lnSpc>
+              <a:spcBef>
+                <a:spcPct val="0"/>
+              </a:spcBef>
+              <a:spcAft>
+                <a:spcPct val="0"/>
+              </a:spcAft>
+            </a:pPr>
+            <a:r>
+              <a:rPr lang="en-US" sz="800" dirty="0">
+                <a:solidFill>
+                  <a:schemeClr val="tx1"/>
+                </a:solidFill>
+                <a:latin typeface="Arial Black" panose="020B0A04020102020204" pitchFamily="34" charset="0"/>
+                <a:ea typeface="Segoe UI" pitchFamily="34" charset="0"/>
+                <a:cs typeface="Segoe UI" pitchFamily="34" charset="0"/>
+              </a:rPr>
+              <a:t>Data Science</a:t>
+            </a:r>
+          </a:p>
+        </p:txBody>
+      </p:sp>
+      <p:sp>
+        <p:nvSpPr>
+          <p:cNvPr id="23" name="Rectangle 22">
+            <a:extLst>
+              <a:ext uri="{FF2B5EF4-FFF2-40B4-BE49-F238E27FC236}">
+                <a16:creationId xmlns:a16="http://schemas.microsoft.com/office/drawing/2014/main" id="{CA7121C4-7FFB-FC00-7AAC-77FAE1494721}"/>
+              </a:ext>
+            </a:extLst>
+          </p:cNvPr>
+          <p:cNvSpPr/>
+          <p:nvPr/>
+        </p:nvSpPr>
+        <p:spPr bwMode="auto">
+          <a:xfrm>
+            <a:off x="9179155" y="1959158"/>
+            <a:ext cx="1365555" cy="284434"/>
+          </a:xfrm>
+          <a:prstGeom prst="rect">
+            <a:avLst/>
+          </a:prstGeom>
+          <a:solidFill>
+            <a:schemeClr val="accent4">
+              <a:lumMod val="40000"/>
+              <a:lumOff val="60000"/>
+            </a:schemeClr>
+          </a:solidFill>
+          <a:ln>
+            <a:solidFill>
+              <a:schemeClr val="tx1"/>
+            </a:solidFill>
+            <a:headEnd type="none" w="med" len="med"/>
+            <a:tailEnd type="none" w="med" len="med"/>
+          </a:ln>
+          <a:effectLst/>
+        </p:spPr>
+        <p:style>
+          <a:lnRef idx="1">
+            <a:schemeClr val="accent2"/>
+          </a:lnRef>
+          <a:fillRef idx="3">
+            <a:schemeClr val="accent2"/>
+          </a:fillRef>
+          <a:effectRef idx="2">
+            <a:schemeClr val="accent2"/>
+          </a:effectRef>
+          <a:fontRef idx="minor">
+            <a:schemeClr val="lt1"/>
+          </a:fontRef>
+        </p:style>
+        <p:txBody>
+          <a:bodyPr rot="0" spcFirstLastPara="0" vertOverflow="overflow" horzOverflow="overflow" vert="horz" wrap="square" lIns="0" tIns="0" rIns="0" bIns="0" numCol="1" spcCol="0" rtlCol="0" fromWordArt="0" anchor="ctr" anchorCtr="0" forceAA="0" compatLnSpc="1">
+            <a:prstTxWarp prst="textNoShape">
+              <a:avLst/>
+            </a:prstTxWarp>
+            <a:noAutofit/>
+          </a:bodyPr>
+          <a:lstStyle/>
+          <a:p>
+            <a:pPr algn="ctr" defTabSz="932472" fontAlgn="base">
+              <a:lnSpc>
+                <a:spcPct val="90000"/>
+              </a:lnSpc>
+              <a:spcBef>
+                <a:spcPct val="0"/>
+              </a:spcBef>
+              <a:spcAft>
+                <a:spcPct val="0"/>
+              </a:spcAft>
+            </a:pPr>
+            <a:r>
+              <a:rPr lang="en-US" sz="800" b="1" dirty="0">
+                <a:solidFill>
+                  <a:schemeClr val="tx1"/>
+                </a:solidFill>
+                <a:latin typeface="Lucida Console" panose="020B0609040504020204" pitchFamily="49" charset="0"/>
+                <a:ea typeface="Segoe UI" pitchFamily="34" charset="0"/>
+                <a:cs typeface="Segoe UI" pitchFamily="34" charset="0"/>
+              </a:rPr>
+              <a:t>MLExperiment</a:t>
+            </a:r>
+          </a:p>
+        </p:txBody>
+      </p:sp>
+      <p:sp>
+        <p:nvSpPr>
+          <p:cNvPr id="24" name="Rectangle 23">
+            <a:extLst>
+              <a:ext uri="{FF2B5EF4-FFF2-40B4-BE49-F238E27FC236}">
+                <a16:creationId xmlns:a16="http://schemas.microsoft.com/office/drawing/2014/main" id="{E9520F10-EEA7-E271-10FD-2AF3A60453EC}"/>
+              </a:ext>
+            </a:extLst>
+          </p:cNvPr>
+          <p:cNvSpPr/>
+          <p:nvPr/>
+        </p:nvSpPr>
+        <p:spPr bwMode="auto">
+          <a:xfrm>
+            <a:off x="9179155" y="2364906"/>
+            <a:ext cx="1365555" cy="284434"/>
+          </a:xfrm>
+          <a:prstGeom prst="rect">
+            <a:avLst/>
+          </a:prstGeom>
+          <a:solidFill>
+            <a:schemeClr val="accent4">
+              <a:lumMod val="40000"/>
+              <a:lumOff val="60000"/>
+            </a:schemeClr>
+          </a:solidFill>
+          <a:ln>
+            <a:solidFill>
+              <a:schemeClr val="tx1"/>
+            </a:solidFill>
+            <a:headEnd type="none" w="med" len="med"/>
+            <a:tailEnd type="none" w="med" len="med"/>
+          </a:ln>
+          <a:effectLst/>
+        </p:spPr>
+        <p:style>
+          <a:lnRef idx="1">
+            <a:schemeClr val="accent2"/>
+          </a:lnRef>
+          <a:fillRef idx="3">
+            <a:schemeClr val="accent2"/>
+          </a:fillRef>
+          <a:effectRef idx="2">
+            <a:schemeClr val="accent2"/>
+          </a:effectRef>
+          <a:fontRef idx="minor">
+            <a:schemeClr val="lt1"/>
+          </a:fontRef>
+        </p:style>
+        <p:txBody>
+          <a:bodyPr rot="0" spcFirstLastPara="0" vertOverflow="overflow" horzOverflow="overflow" vert="horz" wrap="square" lIns="0" tIns="0" rIns="0" bIns="0" numCol="1" spcCol="0" rtlCol="0" fromWordArt="0" anchor="ctr" anchorCtr="0" forceAA="0" compatLnSpc="1">
+            <a:prstTxWarp prst="textNoShape">
+              <a:avLst/>
+            </a:prstTxWarp>
+            <a:noAutofit/>
+          </a:bodyPr>
+          <a:lstStyle/>
+          <a:p>
+            <a:pPr algn="ctr" defTabSz="932472" fontAlgn="base">
+              <a:lnSpc>
+                <a:spcPct val="90000"/>
+              </a:lnSpc>
+              <a:spcBef>
+                <a:spcPct val="0"/>
+              </a:spcBef>
+              <a:spcAft>
+                <a:spcPct val="0"/>
+              </a:spcAft>
+            </a:pPr>
+            <a:r>
+              <a:rPr lang="en-US" sz="800" b="1" dirty="0">
+                <a:solidFill>
+                  <a:schemeClr val="tx1"/>
+                </a:solidFill>
+                <a:latin typeface="Lucida Console" panose="020B0609040504020204" pitchFamily="49" charset="0"/>
+                <a:ea typeface="Segoe UI" pitchFamily="34" charset="0"/>
+                <a:cs typeface="Segoe UI" pitchFamily="34" charset="0"/>
+              </a:rPr>
+              <a:t>MLModel</a:t>
+            </a:r>
+          </a:p>
+        </p:txBody>
+      </p:sp>
+      <p:sp>
+        <p:nvSpPr>
+          <p:cNvPr id="25" name="Rectangle 24">
+            <a:extLst>
+              <a:ext uri="{FF2B5EF4-FFF2-40B4-BE49-F238E27FC236}">
+                <a16:creationId xmlns:a16="http://schemas.microsoft.com/office/drawing/2014/main" id="{8FB5E309-4AD5-34C1-397B-CA3A3995F549}"/>
+              </a:ext>
+            </a:extLst>
+          </p:cNvPr>
+          <p:cNvSpPr/>
+          <p:nvPr/>
+        </p:nvSpPr>
+        <p:spPr bwMode="auto">
+          <a:xfrm>
+            <a:off x="7534954" y="1969090"/>
+            <a:ext cx="1365555" cy="284434"/>
+          </a:xfrm>
+          <a:prstGeom prst="rect">
+            <a:avLst/>
+          </a:prstGeom>
+          <a:solidFill>
+            <a:schemeClr val="accent4">
+              <a:lumMod val="40000"/>
+              <a:lumOff val="60000"/>
+            </a:schemeClr>
+          </a:solidFill>
+          <a:ln>
+            <a:solidFill>
+              <a:schemeClr val="tx1"/>
+            </a:solidFill>
+            <a:headEnd type="none" w="med" len="med"/>
+            <a:tailEnd type="none" w="med" len="med"/>
+          </a:ln>
+          <a:effectLst/>
+        </p:spPr>
+        <p:style>
+          <a:lnRef idx="1">
+            <a:schemeClr val="accent2"/>
+          </a:lnRef>
+          <a:fillRef idx="3">
+            <a:schemeClr val="accent2"/>
+          </a:fillRef>
+          <a:effectRef idx="2">
+            <a:schemeClr val="accent2"/>
+          </a:effectRef>
+          <a:fontRef idx="minor">
+            <a:schemeClr val="lt1"/>
+          </a:fontRef>
+        </p:style>
+        <p:txBody>
+          <a:bodyPr rot="0" spcFirstLastPara="0" vertOverflow="overflow" horzOverflow="overflow" vert="horz" wrap="square" lIns="0" tIns="0" rIns="0" bIns="0" numCol="1" spcCol="0" rtlCol="0" fromWordArt="0" anchor="ctr" anchorCtr="0" forceAA="0" compatLnSpc="1">
+            <a:prstTxWarp prst="textNoShape">
+              <a:avLst/>
+            </a:prstTxWarp>
+            <a:noAutofit/>
+          </a:bodyPr>
+          <a:lstStyle/>
+          <a:p>
+            <a:pPr algn="ctr" defTabSz="932472" fontAlgn="base">
+              <a:lnSpc>
+                <a:spcPct val="90000"/>
+              </a:lnSpc>
+              <a:spcBef>
+                <a:spcPct val="0"/>
+              </a:spcBef>
+              <a:spcAft>
+                <a:spcPct val="0"/>
+              </a:spcAft>
+            </a:pPr>
+            <a:r>
+              <a:rPr lang="en-US" sz="800" b="1" dirty="0">
+                <a:solidFill>
+                  <a:schemeClr val="tx1"/>
+                </a:solidFill>
+                <a:latin typeface="Lucida Console" panose="020B0609040504020204" pitchFamily="49" charset="0"/>
+                <a:ea typeface="Segoe UI" pitchFamily="34" charset="0"/>
+                <a:cs typeface="Segoe UI" pitchFamily="34" charset="0"/>
+              </a:rPr>
+              <a:t>Eventhouse</a:t>
+            </a:r>
+          </a:p>
+        </p:txBody>
+      </p:sp>
+      <p:sp>
+        <p:nvSpPr>
+          <p:cNvPr id="26" name="Rectangle 25">
+            <a:extLst>
+              <a:ext uri="{FF2B5EF4-FFF2-40B4-BE49-F238E27FC236}">
+                <a16:creationId xmlns:a16="http://schemas.microsoft.com/office/drawing/2014/main" id="{14A1D6C6-5285-504C-9BF8-F5D1723464BB}"/>
+              </a:ext>
+            </a:extLst>
+          </p:cNvPr>
+          <p:cNvSpPr/>
+          <p:nvPr/>
+        </p:nvSpPr>
+        <p:spPr bwMode="auto">
+          <a:xfrm>
+            <a:off x="7503934" y="3617231"/>
+            <a:ext cx="1365555" cy="284434"/>
+          </a:xfrm>
+          <a:prstGeom prst="rect">
+            <a:avLst/>
+          </a:prstGeom>
+          <a:solidFill>
+            <a:schemeClr val="accent4">
+              <a:lumMod val="40000"/>
+              <a:lumOff val="60000"/>
+            </a:schemeClr>
+          </a:solidFill>
+          <a:ln>
+            <a:solidFill>
+              <a:schemeClr val="tx1"/>
+            </a:solidFill>
+            <a:headEnd type="none" w="med" len="med"/>
+            <a:tailEnd type="none" w="med" len="med"/>
+          </a:ln>
+          <a:effectLst/>
+        </p:spPr>
+        <p:style>
+          <a:lnRef idx="1">
+            <a:schemeClr val="accent2"/>
+          </a:lnRef>
+          <a:fillRef idx="3">
+            <a:schemeClr val="accent2"/>
+          </a:fillRef>
+          <a:effectRef idx="2">
+            <a:schemeClr val="accent2"/>
+          </a:effectRef>
+          <a:fontRef idx="minor">
+            <a:schemeClr val="lt1"/>
+          </a:fontRef>
+        </p:style>
+        <p:txBody>
+          <a:bodyPr rot="0" spcFirstLastPara="0" vertOverflow="overflow" horzOverflow="overflow" vert="horz" wrap="square" lIns="0" tIns="0" rIns="0" bIns="0" numCol="1" spcCol="0" rtlCol="0" fromWordArt="0" anchor="ctr" anchorCtr="0" forceAA="0" compatLnSpc="1">
+            <a:prstTxWarp prst="textNoShape">
+              <a:avLst/>
+            </a:prstTxWarp>
+            <a:noAutofit/>
+          </a:bodyPr>
+          <a:lstStyle/>
+          <a:p>
+            <a:pPr algn="ctr" defTabSz="932472" fontAlgn="base">
+              <a:lnSpc>
+                <a:spcPct val="90000"/>
+              </a:lnSpc>
+              <a:spcBef>
+                <a:spcPct val="0"/>
+              </a:spcBef>
+              <a:spcAft>
+                <a:spcPct val="0"/>
+              </a:spcAft>
+            </a:pPr>
+            <a:r>
+              <a:rPr lang="en-US" sz="800" b="1" dirty="0">
+                <a:solidFill>
+                  <a:schemeClr val="tx1"/>
+                </a:solidFill>
+                <a:latin typeface="Lucida Console" panose="020B0609040504020204" pitchFamily="49" charset="0"/>
+                <a:ea typeface="Segoe UI" pitchFamily="34" charset="0"/>
+                <a:cs typeface="Segoe UI" pitchFamily="34" charset="0"/>
+              </a:rPr>
+              <a:t>KQLDashbord</a:t>
+            </a:r>
+          </a:p>
+        </p:txBody>
+      </p:sp>
     </p:spTree>
     <p:extLst>
       <p:ext uri="{BB962C8B-B14F-4D97-AF65-F5344CB8AC3E}">
@@ -20055,6 +22063,904 @@
           <a:chExt cx="0" cy="0"/>
         </a:xfrm>
       </p:grpSpPr>
+      <p:sp>
+        <p:nvSpPr>
+          <p:cNvPr id="3" name="Rectangle 2">
+            <a:extLst>
+              <a:ext uri="{FF2B5EF4-FFF2-40B4-BE49-F238E27FC236}">
+                <a16:creationId xmlns:a16="http://schemas.microsoft.com/office/drawing/2014/main" id="{104883FB-2B13-96FD-243C-0032C180BD62}"/>
+              </a:ext>
+            </a:extLst>
+          </p:cNvPr>
+          <p:cNvSpPr/>
+          <p:nvPr/>
+        </p:nvSpPr>
+        <p:spPr bwMode="auto">
+          <a:xfrm>
+            <a:off x="1516943" y="1860955"/>
+            <a:ext cx="1233377" cy="339058"/>
+          </a:xfrm>
+          <a:prstGeom prst="rect">
+            <a:avLst/>
+          </a:prstGeom>
+          <a:solidFill>
+            <a:schemeClr val="bg1">
+              <a:lumMod val="95000"/>
+            </a:schemeClr>
+          </a:solidFill>
+          <a:ln>
+            <a:solidFill>
+              <a:schemeClr val="tx1"/>
+            </a:solidFill>
+            <a:headEnd type="none" w="med" len="med"/>
+            <a:tailEnd type="none" w="med" len="med"/>
+          </a:ln>
+          <a:effectLst/>
+        </p:spPr>
+        <p:style>
+          <a:lnRef idx="1">
+            <a:schemeClr val="accent2"/>
+          </a:lnRef>
+          <a:fillRef idx="3">
+            <a:schemeClr val="accent2"/>
+          </a:fillRef>
+          <a:effectRef idx="2">
+            <a:schemeClr val="accent2"/>
+          </a:effectRef>
+          <a:fontRef idx="minor">
+            <a:schemeClr val="lt1"/>
+          </a:fontRef>
+        </p:style>
+        <p:txBody>
+          <a:bodyPr rot="0" spcFirstLastPara="0" vertOverflow="overflow" horzOverflow="overflow" vert="horz" wrap="square" lIns="0" tIns="0" rIns="91440" bIns="0" numCol="1" spcCol="0" rtlCol="0" fromWordArt="0" anchor="ctr" anchorCtr="0" forceAA="0" compatLnSpc="1">
+            <a:prstTxWarp prst="textNoShape">
+              <a:avLst/>
+            </a:prstTxWarp>
+            <a:noAutofit/>
+          </a:bodyPr>
+          <a:lstStyle/>
+          <a:p>
+            <a:pPr algn="r" defTabSz="932472" fontAlgn="base">
+              <a:lnSpc>
+                <a:spcPct val="90000"/>
+              </a:lnSpc>
+              <a:spcBef>
+                <a:spcPct val="0"/>
+              </a:spcBef>
+              <a:spcAft>
+                <a:spcPct val="0"/>
+              </a:spcAft>
+            </a:pPr>
+            <a:r>
+              <a:rPr lang="en-US" sz="1200" b="1" dirty="0">
+                <a:solidFill>
+                  <a:schemeClr val="tx1"/>
+                </a:solidFill>
+                <a:latin typeface="Arial" panose="020B0604020202020204" pitchFamily="34" charset="0"/>
+                <a:ea typeface="Segoe UI" pitchFamily="34" charset="0"/>
+                <a:cs typeface="Arial" panose="020B0604020202020204" pitchFamily="34" charset="0"/>
+              </a:rPr>
+              <a:t>description:</a:t>
+            </a:r>
+          </a:p>
+        </p:txBody>
+      </p:sp>
+      <p:sp>
+        <p:nvSpPr>
+          <p:cNvPr id="5" name="Rectangle 4">
+            <a:extLst>
+              <a:ext uri="{FF2B5EF4-FFF2-40B4-BE49-F238E27FC236}">
+                <a16:creationId xmlns:a16="http://schemas.microsoft.com/office/drawing/2014/main" id="{6D447DDF-7683-6259-8B61-0F172889C9BE}"/>
+              </a:ext>
+            </a:extLst>
+          </p:cNvPr>
+          <p:cNvSpPr/>
+          <p:nvPr/>
+        </p:nvSpPr>
+        <p:spPr bwMode="auto">
+          <a:xfrm>
+            <a:off x="1516942" y="2203188"/>
+            <a:ext cx="1233377" cy="1288158"/>
+          </a:xfrm>
+          <a:prstGeom prst="rect">
+            <a:avLst/>
+          </a:prstGeom>
+          <a:solidFill>
+            <a:schemeClr val="bg1">
+              <a:lumMod val="95000"/>
+            </a:schemeClr>
+          </a:solidFill>
+          <a:ln>
+            <a:solidFill>
+              <a:schemeClr val="tx1"/>
+            </a:solidFill>
+            <a:headEnd type="none" w="med" len="med"/>
+            <a:tailEnd type="none" w="med" len="med"/>
+          </a:ln>
+          <a:effectLst/>
+        </p:spPr>
+        <p:style>
+          <a:lnRef idx="1">
+            <a:schemeClr val="accent2"/>
+          </a:lnRef>
+          <a:fillRef idx="3">
+            <a:schemeClr val="accent2"/>
+          </a:fillRef>
+          <a:effectRef idx="2">
+            <a:schemeClr val="accent2"/>
+          </a:effectRef>
+          <a:fontRef idx="minor">
+            <a:schemeClr val="lt1"/>
+          </a:fontRef>
+        </p:style>
+        <p:txBody>
+          <a:bodyPr rot="0" spcFirstLastPara="0" vertOverflow="overflow" horzOverflow="overflow" vert="horz" wrap="square" lIns="0" tIns="91440" rIns="91440" bIns="0" numCol="1" spcCol="0" rtlCol="0" fromWordArt="0" anchor="t" anchorCtr="0" forceAA="0" compatLnSpc="1">
+            <a:prstTxWarp prst="textNoShape">
+              <a:avLst/>
+            </a:prstTxWarp>
+            <a:noAutofit/>
+          </a:bodyPr>
+          <a:lstStyle/>
+          <a:p>
+            <a:pPr algn="r" defTabSz="932472" fontAlgn="base">
+              <a:lnSpc>
+                <a:spcPct val="90000"/>
+              </a:lnSpc>
+              <a:spcBef>
+                <a:spcPct val="0"/>
+              </a:spcBef>
+              <a:spcAft>
+                <a:spcPct val="0"/>
+              </a:spcAft>
+            </a:pPr>
+            <a:r>
+              <a:rPr lang="en-US" sz="1200" b="1" dirty="0">
+                <a:solidFill>
+                  <a:schemeClr val="tx1"/>
+                </a:solidFill>
+                <a:latin typeface="Arial" panose="020B0604020202020204" pitchFamily="34" charset="0"/>
+                <a:ea typeface="Segoe UI" pitchFamily="34" charset="0"/>
+                <a:cs typeface="Arial" panose="020B0604020202020204" pitchFamily="34" charset="0"/>
+              </a:rPr>
+              <a:t>definition:</a:t>
+            </a:r>
+          </a:p>
+        </p:txBody>
+      </p:sp>
+      <p:sp>
+        <p:nvSpPr>
+          <p:cNvPr id="6" name="Rectangle 5">
+            <a:extLst>
+              <a:ext uri="{FF2B5EF4-FFF2-40B4-BE49-F238E27FC236}">
+                <a16:creationId xmlns:a16="http://schemas.microsoft.com/office/drawing/2014/main" id="{E4014B21-5D7D-2313-52DF-6B52E05A56E7}"/>
+              </a:ext>
+            </a:extLst>
+          </p:cNvPr>
+          <p:cNvSpPr/>
+          <p:nvPr/>
+        </p:nvSpPr>
+        <p:spPr bwMode="auto">
+          <a:xfrm>
+            <a:off x="2750320" y="1860353"/>
+            <a:ext cx="2819437" cy="339058"/>
+          </a:xfrm>
+          <a:prstGeom prst="rect">
+            <a:avLst/>
+          </a:prstGeom>
+          <a:solidFill>
+            <a:schemeClr val="bg1"/>
+          </a:solidFill>
+          <a:ln>
+            <a:solidFill>
+              <a:schemeClr val="tx1"/>
+            </a:solidFill>
+            <a:headEnd type="none" w="med" len="med"/>
+            <a:tailEnd type="none" w="med" len="med"/>
+          </a:ln>
+          <a:effectLst/>
+        </p:spPr>
+        <p:style>
+          <a:lnRef idx="1">
+            <a:schemeClr val="accent2"/>
+          </a:lnRef>
+          <a:fillRef idx="3">
+            <a:schemeClr val="accent2"/>
+          </a:fillRef>
+          <a:effectRef idx="2">
+            <a:schemeClr val="accent2"/>
+          </a:effectRef>
+          <a:fontRef idx="minor">
+            <a:schemeClr val="lt1"/>
+          </a:fontRef>
+        </p:style>
+        <p:txBody>
+          <a:bodyPr rot="0" spcFirstLastPara="0" vertOverflow="overflow" horzOverflow="overflow" vert="horz" wrap="square" lIns="91440" tIns="0" rIns="91440" bIns="0" numCol="1" spcCol="0" rtlCol="0" fromWordArt="0" anchor="ctr" anchorCtr="0" forceAA="0" compatLnSpc="1">
+            <a:prstTxWarp prst="textNoShape">
+              <a:avLst/>
+            </a:prstTxWarp>
+            <a:noAutofit/>
+          </a:bodyPr>
+          <a:lstStyle/>
+          <a:p>
+            <a:pPr defTabSz="932472" fontAlgn="base">
+              <a:lnSpc>
+                <a:spcPct val="90000"/>
+              </a:lnSpc>
+              <a:spcBef>
+                <a:spcPct val="0"/>
+              </a:spcBef>
+              <a:spcAft>
+                <a:spcPct val="0"/>
+              </a:spcAft>
+            </a:pPr>
+            <a:r>
+              <a:rPr lang="en-US" sz="1200" b="1" dirty="0">
+                <a:solidFill>
+                  <a:schemeClr val="tx1"/>
+                </a:solidFill>
+                <a:latin typeface="Arial" panose="020B0604020202020204" pitchFamily="34" charset="0"/>
+                <a:ea typeface="Segoe UI" pitchFamily="34" charset="0"/>
+                <a:cs typeface="Arial" panose="020B0604020202020204" pitchFamily="34" charset="0"/>
+              </a:rPr>
+              <a:t>A sample notebook</a:t>
+            </a:r>
+          </a:p>
+        </p:txBody>
+      </p:sp>
+      <p:sp>
+        <p:nvSpPr>
+          <p:cNvPr id="8" name="Rectangle 7">
+            <a:extLst>
+              <a:ext uri="{FF2B5EF4-FFF2-40B4-BE49-F238E27FC236}">
+                <a16:creationId xmlns:a16="http://schemas.microsoft.com/office/drawing/2014/main" id="{9B1C0584-6F70-F98F-19B8-2D4330CD01B0}"/>
+              </a:ext>
+            </a:extLst>
+          </p:cNvPr>
+          <p:cNvSpPr/>
+          <p:nvPr/>
+        </p:nvSpPr>
+        <p:spPr bwMode="auto">
+          <a:xfrm>
+            <a:off x="2750319" y="2202586"/>
+            <a:ext cx="2819437" cy="1288759"/>
+          </a:xfrm>
+          <a:prstGeom prst="rect">
+            <a:avLst/>
+          </a:prstGeom>
+          <a:solidFill>
+            <a:schemeClr val="bg1"/>
+          </a:solidFill>
+          <a:ln>
+            <a:solidFill>
+              <a:schemeClr val="tx1"/>
+            </a:solidFill>
+            <a:headEnd type="none" w="med" len="med"/>
+            <a:tailEnd type="none" w="med" len="med"/>
+          </a:ln>
+          <a:effectLst/>
+        </p:spPr>
+        <p:style>
+          <a:lnRef idx="1">
+            <a:schemeClr val="accent2"/>
+          </a:lnRef>
+          <a:fillRef idx="3">
+            <a:schemeClr val="accent2"/>
+          </a:fillRef>
+          <a:effectRef idx="2">
+            <a:schemeClr val="accent2"/>
+          </a:effectRef>
+          <a:fontRef idx="minor">
+            <a:schemeClr val="lt1"/>
+          </a:fontRef>
+        </p:style>
+        <p:txBody>
+          <a:bodyPr rot="0" spcFirstLastPara="0" vertOverflow="overflow" horzOverflow="overflow" vert="horz" wrap="square" lIns="91440" tIns="91440" rIns="91440" bIns="0" numCol="1" spcCol="0" rtlCol="0" fromWordArt="0" anchor="t" anchorCtr="0" forceAA="0" compatLnSpc="1">
+            <a:prstTxWarp prst="textNoShape">
+              <a:avLst/>
+            </a:prstTxWarp>
+            <a:noAutofit/>
+          </a:bodyPr>
+          <a:lstStyle/>
+          <a:p>
+            <a:pPr defTabSz="932472" fontAlgn="base">
+              <a:lnSpc>
+                <a:spcPct val="90000"/>
+              </a:lnSpc>
+              <a:spcBef>
+                <a:spcPct val="0"/>
+              </a:spcBef>
+              <a:spcAft>
+                <a:spcPct val="0"/>
+              </a:spcAft>
+            </a:pPr>
+            <a:endParaRPr lang="en-US" sz="1200" b="1" dirty="0">
+              <a:solidFill>
+                <a:schemeClr val="tx1"/>
+              </a:solidFill>
+              <a:latin typeface="Arial" panose="020B0604020202020204" pitchFamily="34" charset="0"/>
+              <a:ea typeface="Segoe UI" pitchFamily="34" charset="0"/>
+              <a:cs typeface="Arial" panose="020B0604020202020204" pitchFamily="34" charset="0"/>
+            </a:endParaRPr>
+          </a:p>
+        </p:txBody>
+      </p:sp>
+      <p:sp>
+        <p:nvSpPr>
+          <p:cNvPr id="9" name="Rectangle 8">
+            <a:extLst>
+              <a:ext uri="{FF2B5EF4-FFF2-40B4-BE49-F238E27FC236}">
+                <a16:creationId xmlns:a16="http://schemas.microsoft.com/office/drawing/2014/main" id="{F9C9B7B5-8ABC-192F-5BBF-22BA98A58FBA}"/>
+              </a:ext>
+            </a:extLst>
+          </p:cNvPr>
+          <p:cNvSpPr/>
+          <p:nvPr/>
+        </p:nvSpPr>
+        <p:spPr bwMode="auto">
+          <a:xfrm>
+            <a:off x="2857165" y="2306738"/>
+            <a:ext cx="2563735" cy="1043291"/>
+          </a:xfrm>
+          <a:prstGeom prst="rect">
+            <a:avLst/>
+          </a:prstGeom>
+          <a:solidFill>
+            <a:schemeClr val="accent2">
+              <a:lumMod val="20000"/>
+              <a:lumOff val="80000"/>
+            </a:schemeClr>
+          </a:solidFill>
+          <a:ln>
+            <a:solidFill>
+              <a:schemeClr val="tx1"/>
+            </a:solidFill>
+            <a:headEnd type="none" w="med" len="med"/>
+            <a:tailEnd type="none" w="med" len="med"/>
+          </a:ln>
+          <a:effectLst/>
+        </p:spPr>
+        <p:style>
+          <a:lnRef idx="1">
+            <a:schemeClr val="accent2"/>
+          </a:lnRef>
+          <a:fillRef idx="3">
+            <a:schemeClr val="accent2"/>
+          </a:fillRef>
+          <a:effectRef idx="2">
+            <a:schemeClr val="accent2"/>
+          </a:effectRef>
+          <a:fontRef idx="minor">
+            <a:schemeClr val="lt1"/>
+          </a:fontRef>
+        </p:style>
+        <p:txBody>
+          <a:bodyPr rot="0" spcFirstLastPara="0" vertOverflow="overflow" horzOverflow="overflow" vert="horz" wrap="square" lIns="91440" tIns="91440" rIns="91440" bIns="0" numCol="1" spcCol="0" rtlCol="0" fromWordArt="0" anchor="t" anchorCtr="0" forceAA="0" compatLnSpc="1">
+            <a:prstTxWarp prst="textNoShape">
+              <a:avLst/>
+            </a:prstTxWarp>
+            <a:noAutofit/>
+          </a:bodyPr>
+          <a:lstStyle/>
+          <a:p>
+            <a:pPr defTabSz="932472" fontAlgn="base">
+              <a:lnSpc>
+                <a:spcPct val="90000"/>
+              </a:lnSpc>
+              <a:spcBef>
+                <a:spcPct val="0"/>
+              </a:spcBef>
+              <a:spcAft>
+                <a:spcPct val="0"/>
+              </a:spcAft>
+            </a:pPr>
+            <a:r>
+              <a:rPr lang="en-US" sz="1200" b="1" dirty="0">
+                <a:solidFill>
+                  <a:schemeClr val="tx1"/>
+                </a:solidFill>
+                <a:latin typeface="Arial" panose="020B0604020202020204" pitchFamily="34" charset="0"/>
+                <a:ea typeface="Segoe UI" pitchFamily="34" charset="0"/>
+                <a:cs typeface="Arial" panose="020B0604020202020204" pitchFamily="34" charset="0"/>
+              </a:rPr>
+              <a:t>parts: {</a:t>
+            </a:r>
+          </a:p>
+          <a:p>
+            <a:pPr defTabSz="932472" fontAlgn="base">
+              <a:lnSpc>
+                <a:spcPct val="90000"/>
+              </a:lnSpc>
+              <a:spcBef>
+                <a:spcPct val="0"/>
+              </a:spcBef>
+              <a:spcAft>
+                <a:spcPct val="0"/>
+              </a:spcAft>
+            </a:pPr>
+            <a:endParaRPr lang="en-US" sz="1200" b="1" dirty="0">
+              <a:solidFill>
+                <a:schemeClr val="tx1"/>
+              </a:solidFill>
+              <a:latin typeface="Arial" panose="020B0604020202020204" pitchFamily="34" charset="0"/>
+              <a:ea typeface="Segoe UI" pitchFamily="34" charset="0"/>
+              <a:cs typeface="Arial" panose="020B0604020202020204" pitchFamily="34" charset="0"/>
+            </a:endParaRPr>
+          </a:p>
+          <a:p>
+            <a:pPr defTabSz="932472" fontAlgn="base">
+              <a:lnSpc>
+                <a:spcPct val="90000"/>
+              </a:lnSpc>
+              <a:spcBef>
+                <a:spcPct val="0"/>
+              </a:spcBef>
+              <a:spcAft>
+                <a:spcPct val="0"/>
+              </a:spcAft>
+            </a:pPr>
+            <a:endParaRPr lang="en-US" sz="1200" b="1" dirty="0">
+              <a:solidFill>
+                <a:schemeClr val="tx1"/>
+              </a:solidFill>
+              <a:latin typeface="Arial" panose="020B0604020202020204" pitchFamily="34" charset="0"/>
+              <a:ea typeface="Segoe UI" pitchFamily="34" charset="0"/>
+              <a:cs typeface="Arial" panose="020B0604020202020204" pitchFamily="34" charset="0"/>
+            </a:endParaRPr>
+          </a:p>
+          <a:p>
+            <a:pPr defTabSz="932472" fontAlgn="base">
+              <a:lnSpc>
+                <a:spcPct val="90000"/>
+              </a:lnSpc>
+              <a:spcBef>
+                <a:spcPct val="0"/>
+              </a:spcBef>
+              <a:spcAft>
+                <a:spcPct val="0"/>
+              </a:spcAft>
+            </a:pPr>
+            <a:endParaRPr lang="en-US" sz="1200" b="1" dirty="0">
+              <a:solidFill>
+                <a:schemeClr val="tx1"/>
+              </a:solidFill>
+              <a:latin typeface="Arial" panose="020B0604020202020204" pitchFamily="34" charset="0"/>
+              <a:ea typeface="Segoe UI" pitchFamily="34" charset="0"/>
+              <a:cs typeface="Arial" panose="020B0604020202020204" pitchFamily="34" charset="0"/>
+            </a:endParaRPr>
+          </a:p>
+          <a:p>
+            <a:pPr defTabSz="932472" fontAlgn="base">
+              <a:lnSpc>
+                <a:spcPct val="90000"/>
+              </a:lnSpc>
+              <a:spcBef>
+                <a:spcPct val="0"/>
+              </a:spcBef>
+              <a:spcAft>
+                <a:spcPct val="0"/>
+              </a:spcAft>
+            </a:pPr>
+            <a:r>
+              <a:rPr lang="en-US" sz="1200" b="1" dirty="0">
+                <a:solidFill>
+                  <a:schemeClr val="tx1"/>
+                </a:solidFill>
+                <a:latin typeface="Arial" panose="020B0604020202020204" pitchFamily="34" charset="0"/>
+                <a:ea typeface="Segoe UI" pitchFamily="34" charset="0"/>
+                <a:cs typeface="Arial" panose="020B0604020202020204" pitchFamily="34" charset="0"/>
+              </a:rPr>
+              <a:t>}</a:t>
+            </a:r>
+          </a:p>
+        </p:txBody>
+      </p:sp>
+      <p:sp>
+        <p:nvSpPr>
+          <p:cNvPr id="11" name="Rectangle 10">
+            <a:extLst>
+              <a:ext uri="{FF2B5EF4-FFF2-40B4-BE49-F238E27FC236}">
+                <a16:creationId xmlns:a16="http://schemas.microsoft.com/office/drawing/2014/main" id="{E60C59AC-E0E2-62EE-C8CA-2D707A88CD70}"/>
+              </a:ext>
+            </a:extLst>
+          </p:cNvPr>
+          <p:cNvSpPr/>
+          <p:nvPr/>
+        </p:nvSpPr>
+        <p:spPr bwMode="auto">
+          <a:xfrm>
+            <a:off x="3079238" y="2654005"/>
+            <a:ext cx="2191031" cy="348852"/>
+          </a:xfrm>
+          <a:prstGeom prst="rect">
+            <a:avLst/>
+          </a:prstGeom>
+          <a:solidFill>
+            <a:schemeClr val="accent4">
+              <a:lumMod val="20000"/>
+              <a:lumOff val="80000"/>
+            </a:schemeClr>
+          </a:solidFill>
+          <a:ln>
+            <a:solidFill>
+              <a:schemeClr val="tx1"/>
+            </a:solidFill>
+            <a:headEnd type="none" w="med" len="med"/>
+            <a:tailEnd type="none" w="med" len="med"/>
+          </a:ln>
+          <a:effectLst/>
+        </p:spPr>
+        <p:style>
+          <a:lnRef idx="1">
+            <a:schemeClr val="accent2"/>
+          </a:lnRef>
+          <a:fillRef idx="3">
+            <a:schemeClr val="accent2"/>
+          </a:fillRef>
+          <a:effectRef idx="2">
+            <a:schemeClr val="accent2"/>
+          </a:effectRef>
+          <a:fontRef idx="minor">
+            <a:schemeClr val="lt1"/>
+          </a:fontRef>
+        </p:style>
+        <p:txBody>
+          <a:bodyPr rot="0" spcFirstLastPara="0" vertOverflow="overflow" horzOverflow="overflow" vert="horz" wrap="square" lIns="91440" tIns="0" rIns="0" bIns="0" numCol="1" spcCol="0" rtlCol="0" fromWordArt="0" anchor="ctr" anchorCtr="0" forceAA="0" compatLnSpc="1">
+            <a:prstTxWarp prst="textNoShape">
+              <a:avLst/>
+            </a:prstTxWarp>
+            <a:noAutofit/>
+          </a:bodyPr>
+          <a:lstStyle/>
+          <a:p>
+            <a:pPr defTabSz="932472" fontAlgn="base">
+              <a:lnSpc>
+                <a:spcPct val="90000"/>
+              </a:lnSpc>
+              <a:spcBef>
+                <a:spcPct val="0"/>
+              </a:spcBef>
+              <a:spcAft>
+                <a:spcPct val="0"/>
+              </a:spcAft>
+            </a:pPr>
+            <a:r>
+              <a:rPr lang="en-US" sz="1200" b="1" dirty="0">
+                <a:solidFill>
+                  <a:schemeClr val="tx1"/>
+                </a:solidFill>
+                <a:latin typeface="Arial" panose="020B0604020202020204" pitchFamily="34" charset="0"/>
+                <a:ea typeface="Segoe UI" pitchFamily="34" charset="0"/>
+                <a:cs typeface="Arial" panose="020B0604020202020204" pitchFamily="34" charset="0"/>
+              </a:rPr>
+              <a:t>notebook-content.py</a:t>
+            </a:r>
+          </a:p>
+        </p:txBody>
+      </p:sp>
+      <p:sp>
+        <p:nvSpPr>
+          <p:cNvPr id="13" name="Rectangle 12">
+            <a:extLst>
+              <a:ext uri="{FF2B5EF4-FFF2-40B4-BE49-F238E27FC236}">
+                <a16:creationId xmlns:a16="http://schemas.microsoft.com/office/drawing/2014/main" id="{D20CCD53-D660-6965-F1A4-7B1DCD9C4A9B}"/>
+              </a:ext>
+            </a:extLst>
+          </p:cNvPr>
+          <p:cNvSpPr/>
+          <p:nvPr/>
+        </p:nvSpPr>
+        <p:spPr bwMode="auto">
+          <a:xfrm>
+            <a:off x="1516942" y="1182237"/>
+            <a:ext cx="1233377" cy="339058"/>
+          </a:xfrm>
+          <a:prstGeom prst="rect">
+            <a:avLst/>
+          </a:prstGeom>
+          <a:solidFill>
+            <a:schemeClr val="bg1">
+              <a:lumMod val="95000"/>
+            </a:schemeClr>
+          </a:solidFill>
+          <a:ln>
+            <a:solidFill>
+              <a:schemeClr val="tx1"/>
+            </a:solidFill>
+            <a:headEnd type="none" w="med" len="med"/>
+            <a:tailEnd type="none" w="med" len="med"/>
+          </a:ln>
+          <a:effectLst/>
+        </p:spPr>
+        <p:style>
+          <a:lnRef idx="1">
+            <a:schemeClr val="accent2"/>
+          </a:lnRef>
+          <a:fillRef idx="3">
+            <a:schemeClr val="accent2"/>
+          </a:fillRef>
+          <a:effectRef idx="2">
+            <a:schemeClr val="accent2"/>
+          </a:effectRef>
+          <a:fontRef idx="minor">
+            <a:schemeClr val="lt1"/>
+          </a:fontRef>
+        </p:style>
+        <p:txBody>
+          <a:bodyPr rot="0" spcFirstLastPara="0" vertOverflow="overflow" horzOverflow="overflow" vert="horz" wrap="square" lIns="0" tIns="0" rIns="91440" bIns="0" numCol="1" spcCol="0" rtlCol="0" fromWordArt="0" anchor="ctr" anchorCtr="0" forceAA="0" compatLnSpc="1">
+            <a:prstTxWarp prst="textNoShape">
+              <a:avLst/>
+            </a:prstTxWarp>
+            <a:noAutofit/>
+          </a:bodyPr>
+          <a:lstStyle/>
+          <a:p>
+            <a:pPr algn="r" defTabSz="932472" fontAlgn="base">
+              <a:lnSpc>
+                <a:spcPct val="90000"/>
+              </a:lnSpc>
+              <a:spcBef>
+                <a:spcPct val="0"/>
+              </a:spcBef>
+              <a:spcAft>
+                <a:spcPct val="0"/>
+              </a:spcAft>
+            </a:pPr>
+            <a:r>
+              <a:rPr lang="en-US" sz="1200" b="1" dirty="0">
+                <a:solidFill>
+                  <a:schemeClr val="tx1"/>
+                </a:solidFill>
+                <a:latin typeface="Arial" panose="020B0604020202020204" pitchFamily="34" charset="0"/>
+                <a:ea typeface="Segoe UI" pitchFamily="34" charset="0"/>
+                <a:cs typeface="Arial" panose="020B0604020202020204" pitchFamily="34" charset="0"/>
+              </a:rPr>
+              <a:t>displayName:</a:t>
+            </a:r>
+          </a:p>
+        </p:txBody>
+      </p:sp>
+      <p:sp>
+        <p:nvSpPr>
+          <p:cNvPr id="14" name="Rectangle 13">
+            <a:extLst>
+              <a:ext uri="{FF2B5EF4-FFF2-40B4-BE49-F238E27FC236}">
+                <a16:creationId xmlns:a16="http://schemas.microsoft.com/office/drawing/2014/main" id="{169EB074-F221-6C26-F7FC-58BDA3AEBCB3}"/>
+              </a:ext>
+            </a:extLst>
+          </p:cNvPr>
+          <p:cNvSpPr/>
+          <p:nvPr/>
+        </p:nvSpPr>
+        <p:spPr bwMode="auto">
+          <a:xfrm>
+            <a:off x="1516941" y="1521296"/>
+            <a:ext cx="1233377" cy="339058"/>
+          </a:xfrm>
+          <a:prstGeom prst="rect">
+            <a:avLst/>
+          </a:prstGeom>
+          <a:solidFill>
+            <a:schemeClr val="bg1">
+              <a:lumMod val="95000"/>
+            </a:schemeClr>
+          </a:solidFill>
+          <a:ln>
+            <a:solidFill>
+              <a:schemeClr val="tx1"/>
+            </a:solidFill>
+            <a:headEnd type="none" w="med" len="med"/>
+            <a:tailEnd type="none" w="med" len="med"/>
+          </a:ln>
+          <a:effectLst/>
+        </p:spPr>
+        <p:style>
+          <a:lnRef idx="1">
+            <a:schemeClr val="accent2"/>
+          </a:lnRef>
+          <a:fillRef idx="3">
+            <a:schemeClr val="accent2"/>
+          </a:fillRef>
+          <a:effectRef idx="2">
+            <a:schemeClr val="accent2"/>
+          </a:effectRef>
+          <a:fontRef idx="minor">
+            <a:schemeClr val="lt1"/>
+          </a:fontRef>
+        </p:style>
+        <p:txBody>
+          <a:bodyPr rot="0" spcFirstLastPara="0" vertOverflow="overflow" horzOverflow="overflow" vert="horz" wrap="square" lIns="0" tIns="0" rIns="91440" bIns="0" numCol="1" spcCol="0" rtlCol="0" fromWordArt="0" anchor="ctr" anchorCtr="0" forceAA="0" compatLnSpc="1">
+            <a:prstTxWarp prst="textNoShape">
+              <a:avLst/>
+            </a:prstTxWarp>
+            <a:noAutofit/>
+          </a:bodyPr>
+          <a:lstStyle/>
+          <a:p>
+            <a:pPr algn="r" defTabSz="932472" fontAlgn="base">
+              <a:lnSpc>
+                <a:spcPct val="90000"/>
+              </a:lnSpc>
+              <a:spcBef>
+                <a:spcPct val="0"/>
+              </a:spcBef>
+              <a:spcAft>
+                <a:spcPct val="0"/>
+              </a:spcAft>
+            </a:pPr>
+            <a:r>
+              <a:rPr lang="en-US" sz="1200" b="1" dirty="0">
+                <a:solidFill>
+                  <a:schemeClr val="tx1"/>
+                </a:solidFill>
+                <a:latin typeface="Arial" panose="020B0604020202020204" pitchFamily="34" charset="0"/>
+                <a:ea typeface="Segoe UI" pitchFamily="34" charset="0"/>
+                <a:cs typeface="Arial" panose="020B0604020202020204" pitchFamily="34" charset="0"/>
+              </a:rPr>
+              <a:t>type:</a:t>
+            </a:r>
+          </a:p>
+        </p:txBody>
+      </p:sp>
+      <p:sp>
+        <p:nvSpPr>
+          <p:cNvPr id="15" name="Rectangle 14">
+            <a:extLst>
+              <a:ext uri="{FF2B5EF4-FFF2-40B4-BE49-F238E27FC236}">
+                <a16:creationId xmlns:a16="http://schemas.microsoft.com/office/drawing/2014/main" id="{54C9B3B8-7A82-A9CE-1DEF-5BDA6EBBFA2C}"/>
+              </a:ext>
+            </a:extLst>
+          </p:cNvPr>
+          <p:cNvSpPr/>
+          <p:nvPr/>
+        </p:nvSpPr>
+        <p:spPr bwMode="auto">
+          <a:xfrm>
+            <a:off x="2750319" y="1181635"/>
+            <a:ext cx="2819437" cy="339058"/>
+          </a:xfrm>
+          <a:prstGeom prst="rect">
+            <a:avLst/>
+          </a:prstGeom>
+          <a:solidFill>
+            <a:schemeClr val="bg1"/>
+          </a:solidFill>
+          <a:ln>
+            <a:solidFill>
+              <a:schemeClr val="tx1"/>
+            </a:solidFill>
+            <a:headEnd type="none" w="med" len="med"/>
+            <a:tailEnd type="none" w="med" len="med"/>
+          </a:ln>
+          <a:effectLst/>
+        </p:spPr>
+        <p:style>
+          <a:lnRef idx="1">
+            <a:schemeClr val="accent2"/>
+          </a:lnRef>
+          <a:fillRef idx="3">
+            <a:schemeClr val="accent2"/>
+          </a:fillRef>
+          <a:effectRef idx="2">
+            <a:schemeClr val="accent2"/>
+          </a:effectRef>
+          <a:fontRef idx="minor">
+            <a:schemeClr val="lt1"/>
+          </a:fontRef>
+        </p:style>
+        <p:txBody>
+          <a:bodyPr rot="0" spcFirstLastPara="0" vertOverflow="overflow" horzOverflow="overflow" vert="horz" wrap="square" lIns="91440" tIns="0" rIns="91440" bIns="0" numCol="1" spcCol="0" rtlCol="0" fromWordArt="0" anchor="ctr" anchorCtr="0" forceAA="0" compatLnSpc="1">
+            <a:prstTxWarp prst="textNoShape">
+              <a:avLst/>
+            </a:prstTxWarp>
+            <a:noAutofit/>
+          </a:bodyPr>
+          <a:lstStyle/>
+          <a:p>
+            <a:pPr defTabSz="932472" fontAlgn="base">
+              <a:lnSpc>
+                <a:spcPct val="90000"/>
+              </a:lnSpc>
+              <a:spcBef>
+                <a:spcPct val="0"/>
+              </a:spcBef>
+              <a:spcAft>
+                <a:spcPct val="0"/>
+              </a:spcAft>
+            </a:pPr>
+            <a:r>
+              <a:rPr lang="en-US" sz="1200" b="1" dirty="0">
+                <a:solidFill>
+                  <a:schemeClr val="tx1"/>
+                </a:solidFill>
+                <a:latin typeface="Arial" panose="020B0604020202020204" pitchFamily="34" charset="0"/>
+                <a:ea typeface="Segoe UI" pitchFamily="34" charset="0"/>
+                <a:cs typeface="Arial" panose="020B0604020202020204" pitchFamily="34" charset="0"/>
+              </a:rPr>
+              <a:t>Create Bronze Layer</a:t>
+            </a:r>
+          </a:p>
+        </p:txBody>
+      </p:sp>
+      <p:sp>
+        <p:nvSpPr>
+          <p:cNvPr id="16" name="Rectangle 15">
+            <a:extLst>
+              <a:ext uri="{FF2B5EF4-FFF2-40B4-BE49-F238E27FC236}">
+                <a16:creationId xmlns:a16="http://schemas.microsoft.com/office/drawing/2014/main" id="{586AEEBC-F6CF-CBDA-082D-DE854B66F554}"/>
+              </a:ext>
+            </a:extLst>
+          </p:cNvPr>
+          <p:cNvSpPr/>
+          <p:nvPr/>
+        </p:nvSpPr>
+        <p:spPr bwMode="auto">
+          <a:xfrm>
+            <a:off x="2750318" y="1520693"/>
+            <a:ext cx="2819437" cy="339058"/>
+          </a:xfrm>
+          <a:prstGeom prst="rect">
+            <a:avLst/>
+          </a:prstGeom>
+          <a:solidFill>
+            <a:schemeClr val="bg1"/>
+          </a:solidFill>
+          <a:ln>
+            <a:solidFill>
+              <a:schemeClr val="tx1"/>
+            </a:solidFill>
+            <a:headEnd type="none" w="med" len="med"/>
+            <a:tailEnd type="none" w="med" len="med"/>
+          </a:ln>
+          <a:effectLst/>
+        </p:spPr>
+        <p:style>
+          <a:lnRef idx="1">
+            <a:schemeClr val="accent2"/>
+          </a:lnRef>
+          <a:fillRef idx="3">
+            <a:schemeClr val="accent2"/>
+          </a:fillRef>
+          <a:effectRef idx="2">
+            <a:schemeClr val="accent2"/>
+          </a:effectRef>
+          <a:fontRef idx="minor">
+            <a:schemeClr val="lt1"/>
+          </a:fontRef>
+        </p:style>
+        <p:txBody>
+          <a:bodyPr rot="0" spcFirstLastPara="0" vertOverflow="overflow" horzOverflow="overflow" vert="horz" wrap="square" lIns="91440" tIns="0" rIns="91440" bIns="0" numCol="1" spcCol="0" rtlCol="0" fromWordArt="0" anchor="ctr" anchorCtr="0" forceAA="0" compatLnSpc="1">
+            <a:prstTxWarp prst="textNoShape">
+              <a:avLst/>
+            </a:prstTxWarp>
+            <a:noAutofit/>
+          </a:bodyPr>
+          <a:lstStyle/>
+          <a:p>
+            <a:pPr defTabSz="932472" fontAlgn="base">
+              <a:lnSpc>
+                <a:spcPct val="90000"/>
+              </a:lnSpc>
+              <a:spcBef>
+                <a:spcPct val="0"/>
+              </a:spcBef>
+              <a:spcAft>
+                <a:spcPct val="0"/>
+              </a:spcAft>
+            </a:pPr>
+            <a:r>
+              <a:rPr lang="en-US" sz="1200" b="1" dirty="0">
+                <a:solidFill>
+                  <a:schemeClr val="tx1"/>
+                </a:solidFill>
+                <a:latin typeface="Arial" panose="020B0604020202020204" pitchFamily="34" charset="0"/>
+                <a:ea typeface="Segoe UI" pitchFamily="34" charset="0"/>
+                <a:cs typeface="Arial" panose="020B0604020202020204" pitchFamily="34" charset="0"/>
+              </a:rPr>
+              <a:t>Notebook</a:t>
+            </a:r>
+          </a:p>
+        </p:txBody>
+      </p:sp>
     </p:spTree>
     <p:extLst>
       <p:ext uri="{BB962C8B-B14F-4D97-AF65-F5344CB8AC3E}">
